--- a/Passwortmanager.pptx
+++ b/Passwortmanager.pptx
@@ -2,12 +2,12 @@
 <file path=ppt/presentation.xml><?xml version="1.0" encoding="utf-8"?>
 <p:presentation xmlns:a="http://schemas.openxmlformats.org/drawingml/2006/main" xmlns:r="http://schemas.openxmlformats.org/officeDocument/2006/relationships" xmlns:p="http://schemas.openxmlformats.org/presentationml/2006/main" saveSubsetFonts="1">
   <p:sldMasterIdLst>
-    <p:sldMasterId id="2147483648" r:id="rId1"/>
+    <p:sldMasterId id="2147483660" r:id="rId1"/>
   </p:sldMasterIdLst>
   <p:sldIdLst>
     <p:sldId id="256" r:id="rId2"/>
-    <p:sldId id="260" r:id="rId3"/>
-    <p:sldId id="257" r:id="rId4"/>
+    <p:sldId id="270" r:id="rId3"/>
+    <p:sldId id="271" r:id="rId4"/>
     <p:sldId id="261" r:id="rId5"/>
     <p:sldId id="262" r:id="rId6"/>
     <p:sldId id="258" r:id="rId7"/>
@@ -16,14 +16,15 @@
     <p:sldId id="264" r:id="rId10"/>
     <p:sldId id="266" r:id="rId11"/>
     <p:sldId id="263" r:id="rId12"/>
+    <p:sldId id="267" r:id="rId13"/>
   </p:sldIdLst>
   <p:sldSz cx="12192000" cy="6858000"/>
   <p:notesSz cx="6858000" cy="9144000"/>
   <p:defaultTextStyle>
     <a:defPPr>
-      <a:defRPr lang="de-DE"/>
+      <a:defRPr lang="en-US"/>
     </a:defPPr>
-    <a:lvl1pPr marL="0" algn="l" defTabSz="914400" rtl="0" eaLnBrk="1" latinLnBrk="0" hangingPunct="1">
+    <a:lvl1pPr marL="0" algn="l" defTabSz="457200" rtl="0" eaLnBrk="1" latinLnBrk="0" hangingPunct="1">
       <a:defRPr sz="1800" kern="1200">
         <a:solidFill>
           <a:schemeClr val="tx1"/>
@@ -33,7 +34,7 @@
         <a:cs typeface="+mn-cs"/>
       </a:defRPr>
     </a:lvl1pPr>
-    <a:lvl2pPr marL="457200" algn="l" defTabSz="914400" rtl="0" eaLnBrk="1" latinLnBrk="0" hangingPunct="1">
+    <a:lvl2pPr marL="457200" algn="l" defTabSz="457200" rtl="0" eaLnBrk="1" latinLnBrk="0" hangingPunct="1">
       <a:defRPr sz="1800" kern="1200">
         <a:solidFill>
           <a:schemeClr val="tx1"/>
@@ -43,7 +44,7 @@
         <a:cs typeface="+mn-cs"/>
       </a:defRPr>
     </a:lvl2pPr>
-    <a:lvl3pPr marL="914400" algn="l" defTabSz="914400" rtl="0" eaLnBrk="1" latinLnBrk="0" hangingPunct="1">
+    <a:lvl3pPr marL="914400" algn="l" defTabSz="457200" rtl="0" eaLnBrk="1" latinLnBrk="0" hangingPunct="1">
       <a:defRPr sz="1800" kern="1200">
         <a:solidFill>
           <a:schemeClr val="tx1"/>
@@ -53,7 +54,7 @@
         <a:cs typeface="+mn-cs"/>
       </a:defRPr>
     </a:lvl3pPr>
-    <a:lvl4pPr marL="1371600" algn="l" defTabSz="914400" rtl="0" eaLnBrk="1" latinLnBrk="0" hangingPunct="1">
+    <a:lvl4pPr marL="1371600" algn="l" defTabSz="457200" rtl="0" eaLnBrk="1" latinLnBrk="0" hangingPunct="1">
       <a:defRPr sz="1800" kern="1200">
         <a:solidFill>
           <a:schemeClr val="tx1"/>
@@ -63,7 +64,7 @@
         <a:cs typeface="+mn-cs"/>
       </a:defRPr>
     </a:lvl4pPr>
-    <a:lvl5pPr marL="1828800" algn="l" defTabSz="914400" rtl="0" eaLnBrk="1" latinLnBrk="0" hangingPunct="1">
+    <a:lvl5pPr marL="1828800" algn="l" defTabSz="457200" rtl="0" eaLnBrk="1" latinLnBrk="0" hangingPunct="1">
       <a:defRPr sz="1800" kern="1200">
         <a:solidFill>
           <a:schemeClr val="tx1"/>
@@ -73,7 +74,7 @@
         <a:cs typeface="+mn-cs"/>
       </a:defRPr>
     </a:lvl5pPr>
-    <a:lvl6pPr marL="2286000" algn="l" defTabSz="914400" rtl="0" eaLnBrk="1" latinLnBrk="0" hangingPunct="1">
+    <a:lvl6pPr marL="2286000" algn="l" defTabSz="457200" rtl="0" eaLnBrk="1" latinLnBrk="0" hangingPunct="1">
       <a:defRPr sz="1800" kern="1200">
         <a:solidFill>
           <a:schemeClr val="tx1"/>
@@ -83,7 +84,7 @@
         <a:cs typeface="+mn-cs"/>
       </a:defRPr>
     </a:lvl6pPr>
-    <a:lvl7pPr marL="2743200" algn="l" defTabSz="914400" rtl="0" eaLnBrk="1" latinLnBrk="0" hangingPunct="1">
+    <a:lvl7pPr marL="2743200" algn="l" defTabSz="457200" rtl="0" eaLnBrk="1" latinLnBrk="0" hangingPunct="1">
       <a:defRPr sz="1800" kern="1200">
         <a:solidFill>
           <a:schemeClr val="tx1"/>
@@ -93,7 +94,7 @@
         <a:cs typeface="+mn-cs"/>
       </a:defRPr>
     </a:lvl7pPr>
-    <a:lvl8pPr marL="3200400" algn="l" defTabSz="914400" rtl="0" eaLnBrk="1" latinLnBrk="0" hangingPunct="1">
+    <a:lvl8pPr marL="3200400" algn="l" defTabSz="457200" rtl="0" eaLnBrk="1" latinLnBrk="0" hangingPunct="1">
       <a:defRPr sz="1800" kern="1200">
         <a:solidFill>
           <a:schemeClr val="tx1"/>
@@ -103,7 +104,7 @@
         <a:cs typeface="+mn-cs"/>
       </a:defRPr>
     </a:lvl8pPr>
-    <a:lvl9pPr marL="3657600" algn="l" defTabSz="914400" rtl="0" eaLnBrk="1" latinLnBrk="0" hangingPunct="1">
+    <a:lvl9pPr marL="3657600" algn="l" defTabSz="457200" rtl="0" eaLnBrk="1" latinLnBrk="0" hangingPunct="1">
       <a:defRPr sz="1800" kern="1200">
         <a:solidFill>
           <a:schemeClr val="tx1"/>
@@ -141,13 +142,7 @@
       </p:grpSpPr>
       <p:sp>
         <p:nvSpPr>
-          <p:cNvPr id="2" name="Titel 1">
-            <a:extLst>
-              <a:ext uri="{FF2B5EF4-FFF2-40B4-BE49-F238E27FC236}">
-                <a16:creationId xmlns:a16="http://schemas.microsoft.com/office/drawing/2014/main" id="{46C3B35E-FE05-93F0-4BF8-DF46CBEADC8A}"/>
-              </a:ext>
-            </a:extLst>
-          </p:cNvPr>
+          <p:cNvPr id="2" name="Title 1"/>
           <p:cNvSpPr>
             <a:spLocks noGrp="1"/>
           </p:cNvSpPr>
@@ -157,35 +152,47 @@
         </p:nvSpPr>
         <p:spPr>
           <a:xfrm>
-            <a:off x="1524000" y="1122363"/>
-            <a:ext cx="9144000" cy="2387600"/>
+            <a:off x="1751012" y="609601"/>
+            <a:ext cx="8676222" cy="3200400"/>
           </a:xfrm>
         </p:spPr>
         <p:txBody>
-          <a:bodyPr anchor="b"/>
+          <a:bodyPr anchor="b">
+            <a:normAutofit/>
+          </a:bodyPr>
           <a:lstStyle>
             <a:lvl1pPr algn="ctr">
-              <a:defRPr sz="6000"/>
+              <a:defRPr sz="4800">
+                <a:effectLst>
+                  <a:glow rad="38100">
+                    <a:schemeClr val="bg1">
+                      <a:lumMod val="65000"/>
+                      <a:lumOff val="35000"/>
+                      <a:alpha val="50000"/>
+                    </a:schemeClr>
+                  </a:glow>
+                  <a:outerShdw blurRad="28575" dist="31750" dir="13200000" algn="tl" rotWithShape="0">
+                    <a:srgbClr val="000000">
+                      <a:alpha val="25000"/>
+                    </a:srgbClr>
+                  </a:outerShdw>
+                </a:effectLst>
+                <a:latin typeface="Calibri (Textkörper)"/>
+              </a:defRPr>
             </a:lvl1pPr>
           </a:lstStyle>
           <a:p>
             <a:r>
-              <a:rPr lang="de-DE"/>
+              <a:rPr lang="de-DE" dirty="0"/>
               <a:t>Mastertitelformat bearbeiten</a:t>
             </a:r>
-            <a:endParaRPr lang="de-AT"/>
-          </a:p>
-        </p:txBody>
-      </p:sp>
-      <p:sp>
-        <p:nvSpPr>
-          <p:cNvPr id="3" name="Untertitel 2">
-            <a:extLst>
-              <a:ext uri="{FF2B5EF4-FFF2-40B4-BE49-F238E27FC236}">
-                <a16:creationId xmlns:a16="http://schemas.microsoft.com/office/drawing/2014/main" id="{417F04C9-065F-C2A0-70AD-92532DB6EBE0}"/>
-              </a:ext>
-            </a:extLst>
-          </p:cNvPr>
+            <a:endParaRPr lang="en-US" dirty="0"/>
+          </a:p>
+        </p:txBody>
+      </p:sp>
+      <p:sp>
+        <p:nvSpPr>
+          <p:cNvPr id="3" name="Subtitle 2"/>
           <p:cNvSpPr>
             <a:spLocks noGrp="1"/>
           </p:cNvSpPr>
@@ -195,68 +202,128 @@
         </p:nvSpPr>
         <p:spPr>
           <a:xfrm>
-            <a:off x="1524000" y="3602038"/>
-            <a:ext cx="9144000" cy="1655762"/>
+            <a:off x="1751012" y="3886200"/>
+            <a:ext cx="8676222" cy="1905000"/>
           </a:xfrm>
         </p:spPr>
         <p:txBody>
-          <a:bodyPr/>
+          <a:bodyPr anchor="t">
+            <a:normAutofit/>
+          </a:bodyPr>
           <a:lstStyle>
             <a:lvl1pPr marL="0" indent="0" algn="ctr">
               <a:buNone/>
-              <a:defRPr sz="2400"/>
+              <a:defRPr sz="2100">
+                <a:gradFill flip="none" rotWithShape="1">
+                  <a:gsLst>
+                    <a:gs pos="0">
+                      <a:schemeClr val="tx1"/>
+                    </a:gs>
+                    <a:gs pos="100000">
+                      <a:schemeClr val="tx1">
+                        <a:lumMod val="75000"/>
+                      </a:schemeClr>
+                    </a:gs>
+                  </a:gsLst>
+                  <a:lin ang="5400000" scaled="0"/>
+                  <a:tileRect/>
+                </a:gradFill>
+                <a:latin typeface="Calibri (Textkörper)"/>
+              </a:defRPr>
             </a:lvl1pPr>
             <a:lvl2pPr marL="457200" indent="0" algn="ctr">
               <a:buNone/>
-              <a:defRPr sz="2000"/>
+              <a:defRPr>
+                <a:solidFill>
+                  <a:schemeClr val="tx1">
+                    <a:tint val="75000"/>
+                  </a:schemeClr>
+                </a:solidFill>
+              </a:defRPr>
             </a:lvl2pPr>
             <a:lvl3pPr marL="914400" indent="0" algn="ctr">
               <a:buNone/>
-              <a:defRPr sz="1800"/>
+              <a:defRPr>
+                <a:solidFill>
+                  <a:schemeClr val="tx1">
+                    <a:tint val="75000"/>
+                  </a:schemeClr>
+                </a:solidFill>
+              </a:defRPr>
             </a:lvl3pPr>
             <a:lvl4pPr marL="1371600" indent="0" algn="ctr">
               <a:buNone/>
-              <a:defRPr sz="1600"/>
+              <a:defRPr>
+                <a:solidFill>
+                  <a:schemeClr val="tx1">
+                    <a:tint val="75000"/>
+                  </a:schemeClr>
+                </a:solidFill>
+              </a:defRPr>
             </a:lvl4pPr>
             <a:lvl5pPr marL="1828800" indent="0" algn="ctr">
               <a:buNone/>
-              <a:defRPr sz="1600"/>
+              <a:defRPr>
+                <a:solidFill>
+                  <a:schemeClr val="tx1">
+                    <a:tint val="75000"/>
+                  </a:schemeClr>
+                </a:solidFill>
+              </a:defRPr>
             </a:lvl5pPr>
             <a:lvl6pPr marL="2286000" indent="0" algn="ctr">
               <a:buNone/>
-              <a:defRPr sz="1600"/>
+              <a:defRPr>
+                <a:solidFill>
+                  <a:schemeClr val="tx1">
+                    <a:tint val="75000"/>
+                  </a:schemeClr>
+                </a:solidFill>
+              </a:defRPr>
             </a:lvl6pPr>
             <a:lvl7pPr marL="2743200" indent="0" algn="ctr">
               <a:buNone/>
-              <a:defRPr sz="1600"/>
+              <a:defRPr>
+                <a:solidFill>
+                  <a:schemeClr val="tx1">
+                    <a:tint val="75000"/>
+                  </a:schemeClr>
+                </a:solidFill>
+              </a:defRPr>
             </a:lvl7pPr>
             <a:lvl8pPr marL="3200400" indent="0" algn="ctr">
               <a:buNone/>
-              <a:defRPr sz="1600"/>
+              <a:defRPr>
+                <a:solidFill>
+                  <a:schemeClr val="tx1">
+                    <a:tint val="75000"/>
+                  </a:schemeClr>
+                </a:solidFill>
+              </a:defRPr>
             </a:lvl8pPr>
             <a:lvl9pPr marL="3657600" indent="0" algn="ctr">
               <a:buNone/>
-              <a:defRPr sz="1600"/>
+              <a:defRPr>
+                <a:solidFill>
+                  <a:schemeClr val="tx1">
+                    <a:tint val="75000"/>
+                  </a:schemeClr>
+                </a:solidFill>
+              </a:defRPr>
             </a:lvl9pPr>
           </a:lstStyle>
           <a:p>
             <a:r>
-              <a:rPr lang="de-DE"/>
+              <a:rPr lang="de-DE" dirty="0"/>
               <a:t>Master-Untertitelformat bearbeiten</a:t>
             </a:r>
-            <a:endParaRPr lang="de-AT"/>
-          </a:p>
-        </p:txBody>
-      </p:sp>
-      <p:sp>
-        <p:nvSpPr>
-          <p:cNvPr id="4" name="Datumsplatzhalter 3">
-            <a:extLst>
-              <a:ext uri="{FF2B5EF4-FFF2-40B4-BE49-F238E27FC236}">
-                <a16:creationId xmlns:a16="http://schemas.microsoft.com/office/drawing/2014/main" id="{FF6CD818-3E2B-DB0B-B7A3-076E9267A164}"/>
-              </a:ext>
-            </a:extLst>
-          </p:cNvPr>
+            <a:endParaRPr lang="en-US" dirty="0"/>
+          </a:p>
+        </p:txBody>
+      </p:sp>
+      <p:sp>
+        <p:nvSpPr>
+          <p:cNvPr id="4" name="Date Placeholder 3"/>
           <p:cNvSpPr>
             <a:spLocks noGrp="1"/>
           </p:cNvSpPr>
@@ -279,13 +346,7 @@
       </p:sp>
       <p:sp>
         <p:nvSpPr>
-          <p:cNvPr id="5" name="Fußzeilenplatzhalter 4">
-            <a:extLst>
-              <a:ext uri="{FF2B5EF4-FFF2-40B4-BE49-F238E27FC236}">
-                <a16:creationId xmlns:a16="http://schemas.microsoft.com/office/drawing/2014/main" id="{FF123424-35FE-F6AA-5AA0-CB7968AAADEC}"/>
-              </a:ext>
-            </a:extLst>
-          </p:cNvPr>
+          <p:cNvPr id="5" name="Footer Placeholder 4"/>
           <p:cNvSpPr>
             <a:spLocks noGrp="1"/>
           </p:cNvSpPr>
@@ -304,13 +365,7 @@
       </p:sp>
       <p:sp>
         <p:nvSpPr>
-          <p:cNvPr id="6" name="Foliennummernplatzhalter 5">
-            <a:extLst>
-              <a:ext uri="{FF2B5EF4-FFF2-40B4-BE49-F238E27FC236}">
-                <a16:creationId xmlns:a16="http://schemas.microsoft.com/office/drawing/2014/main" id="{FA28074F-E806-03F2-92FF-09002A22012F}"/>
-              </a:ext>
-            </a:extLst>
-          </p:cNvPr>
+          <p:cNvPr id="6" name="Slide Number Placeholder 5"/>
           <p:cNvSpPr>
             <a:spLocks noGrp="1"/>
           </p:cNvSpPr>
@@ -334,7 +389,7 @@
     </p:spTree>
     <p:extLst>
       <p:ext uri="{BB962C8B-B14F-4D97-AF65-F5344CB8AC3E}">
-        <p14:creationId xmlns:p14="http://schemas.microsoft.com/office/powerpoint/2010/main" val="603855277"/>
+        <p14:creationId xmlns:p14="http://schemas.microsoft.com/office/powerpoint/2010/main" val="440005134"/>
       </p:ext>
     </p:extLst>
   </p:cSld>
@@ -345,6 +400,2113 @@
 </file>
 
 <file path=ppt/slideLayouts/slideLayout10.xml><?xml version="1.0" encoding="utf-8"?>
+<p:sldLayout xmlns:a="http://schemas.openxmlformats.org/drawingml/2006/main" xmlns:r="http://schemas.openxmlformats.org/officeDocument/2006/relationships" xmlns:p="http://schemas.openxmlformats.org/presentationml/2006/main" preserve="1">
+  <p:cSld name="Panoramabild mit Beschriftung">
+    <p:spTree>
+      <p:nvGrpSpPr>
+        <p:cNvPr id="1" name=""/>
+        <p:cNvGrpSpPr/>
+        <p:nvPr/>
+      </p:nvGrpSpPr>
+      <p:grpSpPr>
+        <a:xfrm>
+          <a:off x="0" y="0"/>
+          <a:ext cx="0" cy="0"/>
+          <a:chOff x="0" y="0"/>
+          <a:chExt cx="0" cy="0"/>
+        </a:xfrm>
+      </p:grpSpPr>
+      <p:sp>
+        <p:nvSpPr>
+          <p:cNvPr id="2" name="Title 1"/>
+          <p:cNvSpPr>
+            <a:spLocks noGrp="1"/>
+          </p:cNvSpPr>
+          <p:nvPr>
+            <p:ph type="title"/>
+          </p:nvPr>
+        </p:nvSpPr>
+        <p:spPr>
+          <a:xfrm>
+            <a:off x="1141413" y="4732865"/>
+            <a:ext cx="9906000" cy="566738"/>
+          </a:xfrm>
+        </p:spPr>
+        <p:txBody>
+          <a:bodyPr anchor="b">
+            <a:normAutofit/>
+          </a:bodyPr>
+          <a:lstStyle>
+            <a:lvl1pPr algn="l">
+              <a:defRPr sz="2400" b="0"/>
+            </a:lvl1pPr>
+          </a:lstStyle>
+          <a:p>
+            <a:r>
+              <a:rPr lang="de-DE"/>
+              <a:t>Mastertitelformat bearbeiten</a:t>
+            </a:r>
+            <a:endParaRPr lang="en-US" dirty="0"/>
+          </a:p>
+        </p:txBody>
+      </p:sp>
+      <p:sp>
+        <p:nvSpPr>
+          <p:cNvPr id="3" name="Picture Placeholder 2"/>
+          <p:cNvSpPr>
+            <a:spLocks noGrp="1" noChangeAspect="1"/>
+          </p:cNvSpPr>
+          <p:nvPr>
+            <p:ph type="pic" idx="1"/>
+          </p:nvPr>
+        </p:nvSpPr>
+        <p:spPr>
+          <a:xfrm>
+            <a:off x="1979612" y="932112"/>
+            <a:ext cx="8225944" cy="3164976"/>
+          </a:xfrm>
+          <a:prstGeom prst="roundRect">
+            <a:avLst>
+              <a:gd name="adj" fmla="val 4380"/>
+            </a:avLst>
+          </a:prstGeom>
+          <a:ln w="38100">
+            <a:gradFill flip="none" rotWithShape="1">
+              <a:gsLst>
+                <a:gs pos="0">
+                  <a:schemeClr val="bg2"/>
+                </a:gs>
+                <a:gs pos="100000">
+                  <a:schemeClr val="bg2">
+                    <a:lumMod val="75000"/>
+                  </a:schemeClr>
+                </a:gs>
+              </a:gsLst>
+              <a:lin ang="5400000" scaled="0"/>
+              <a:tileRect/>
+            </a:gradFill>
+          </a:ln>
+          <a:effectLst>
+            <a:innerShdw blurRad="57150" dist="38100" dir="14460000">
+              <a:srgbClr val="000000">
+                <a:alpha val="70000"/>
+              </a:srgbClr>
+            </a:innerShdw>
+          </a:effectLst>
+        </p:spPr>
+        <p:txBody>
+          <a:bodyPr anchor="t">
+            <a:normAutofit/>
+          </a:bodyPr>
+          <a:lstStyle>
+            <a:lvl1pPr marL="0" indent="0" algn="ctr">
+              <a:buNone/>
+              <a:defRPr sz="1600"/>
+            </a:lvl1pPr>
+            <a:lvl2pPr marL="457200" indent="0">
+              <a:buNone/>
+              <a:defRPr sz="1600"/>
+            </a:lvl2pPr>
+            <a:lvl3pPr marL="914400" indent="0">
+              <a:buNone/>
+              <a:defRPr sz="1600"/>
+            </a:lvl3pPr>
+            <a:lvl4pPr marL="1371600" indent="0">
+              <a:buNone/>
+              <a:defRPr sz="1600"/>
+            </a:lvl4pPr>
+            <a:lvl5pPr marL="1828800" indent="0">
+              <a:buNone/>
+              <a:defRPr sz="1600"/>
+            </a:lvl5pPr>
+            <a:lvl6pPr marL="2286000" indent="0">
+              <a:buNone/>
+              <a:defRPr sz="1600"/>
+            </a:lvl6pPr>
+            <a:lvl7pPr marL="2743200" indent="0">
+              <a:buNone/>
+              <a:defRPr sz="1600"/>
+            </a:lvl7pPr>
+            <a:lvl8pPr marL="3200400" indent="0">
+              <a:buNone/>
+              <a:defRPr sz="1600"/>
+            </a:lvl8pPr>
+            <a:lvl9pPr marL="3657600" indent="0">
+              <a:buNone/>
+              <a:defRPr sz="1600"/>
+            </a:lvl9pPr>
+          </a:lstStyle>
+          <a:p>
+            <a:r>
+              <a:rPr lang="de-DE"/>
+              <a:t>Bild durch Klicken auf Symbol hinzufügen</a:t>
+            </a:r>
+            <a:endParaRPr lang="en-US" dirty="0"/>
+          </a:p>
+        </p:txBody>
+      </p:sp>
+      <p:sp>
+        <p:nvSpPr>
+          <p:cNvPr id="4" name="Text Placeholder 3"/>
+          <p:cNvSpPr>
+            <a:spLocks noGrp="1"/>
+          </p:cNvSpPr>
+          <p:nvPr>
+            <p:ph type="body" sz="half" idx="2"/>
+          </p:nvPr>
+        </p:nvSpPr>
+        <p:spPr>
+          <a:xfrm>
+            <a:off x="1141413" y="5299603"/>
+            <a:ext cx="9906000" cy="493712"/>
+          </a:xfrm>
+        </p:spPr>
+        <p:txBody>
+          <a:bodyPr>
+            <a:normAutofit/>
+          </a:bodyPr>
+          <a:lstStyle>
+            <a:lvl1pPr marL="0" indent="0">
+              <a:buNone/>
+              <a:defRPr sz="1400"/>
+            </a:lvl1pPr>
+            <a:lvl2pPr marL="457200" indent="0">
+              <a:buNone/>
+              <a:defRPr sz="1200"/>
+            </a:lvl2pPr>
+            <a:lvl3pPr marL="914400" indent="0">
+              <a:buNone/>
+              <a:defRPr sz="1000"/>
+            </a:lvl3pPr>
+            <a:lvl4pPr marL="1371600" indent="0">
+              <a:buNone/>
+              <a:defRPr sz="900"/>
+            </a:lvl4pPr>
+            <a:lvl5pPr marL="1828800" indent="0">
+              <a:buNone/>
+              <a:defRPr sz="900"/>
+            </a:lvl5pPr>
+            <a:lvl6pPr marL="2286000" indent="0">
+              <a:buNone/>
+              <a:defRPr sz="900"/>
+            </a:lvl6pPr>
+            <a:lvl7pPr marL="2743200" indent="0">
+              <a:buNone/>
+              <a:defRPr sz="900"/>
+            </a:lvl7pPr>
+            <a:lvl8pPr marL="3200400" indent="0">
+              <a:buNone/>
+              <a:defRPr sz="900"/>
+            </a:lvl8pPr>
+            <a:lvl9pPr marL="3657600" indent="0">
+              <a:buNone/>
+              <a:defRPr sz="900"/>
+            </a:lvl9pPr>
+          </a:lstStyle>
+          <a:p>
+            <a:pPr lvl="0"/>
+            <a:r>
+              <a:rPr lang="de-DE"/>
+              <a:t>Mastertextformat bearbeiten</a:t>
+            </a:r>
+          </a:p>
+        </p:txBody>
+      </p:sp>
+      <p:sp>
+        <p:nvSpPr>
+          <p:cNvPr id="5" name="Date Placeholder 4"/>
+          <p:cNvSpPr>
+            <a:spLocks noGrp="1"/>
+          </p:cNvSpPr>
+          <p:nvPr>
+            <p:ph type="dt" sz="half" idx="10"/>
+          </p:nvPr>
+        </p:nvSpPr>
+        <p:spPr/>
+        <p:txBody>
+          <a:bodyPr/>
+          <a:lstStyle/>
+          <a:p>
+            <a:fld id="{8F4B2E75-2FCB-4C97-B382-4A78F9D9179D}" type="datetimeFigureOut">
+              <a:rPr lang="de-AT" smtClean="0"/>
+              <a:t>26.05.2024</a:t>
+            </a:fld>
+            <a:endParaRPr lang="de-AT"/>
+          </a:p>
+        </p:txBody>
+      </p:sp>
+      <p:sp>
+        <p:nvSpPr>
+          <p:cNvPr id="6" name="Footer Placeholder 5"/>
+          <p:cNvSpPr>
+            <a:spLocks noGrp="1"/>
+          </p:cNvSpPr>
+          <p:nvPr>
+            <p:ph type="ftr" sz="quarter" idx="11"/>
+          </p:nvPr>
+        </p:nvSpPr>
+        <p:spPr/>
+        <p:txBody>
+          <a:bodyPr/>
+          <a:lstStyle/>
+          <a:p>
+            <a:endParaRPr lang="de-AT"/>
+          </a:p>
+        </p:txBody>
+      </p:sp>
+      <p:sp>
+        <p:nvSpPr>
+          <p:cNvPr id="7" name="Slide Number Placeholder 6"/>
+          <p:cNvSpPr>
+            <a:spLocks noGrp="1"/>
+          </p:cNvSpPr>
+          <p:nvPr>
+            <p:ph type="sldNum" sz="quarter" idx="12"/>
+          </p:nvPr>
+        </p:nvSpPr>
+        <p:spPr/>
+        <p:txBody>
+          <a:bodyPr/>
+          <a:lstStyle/>
+          <a:p>
+            <a:fld id="{9A336AB9-841B-48F1-AAD0-348EEE8F5414}" type="slidenum">
+              <a:rPr lang="de-AT" smtClean="0"/>
+              <a:t>‹Nr.›</a:t>
+            </a:fld>
+            <a:endParaRPr lang="de-AT"/>
+          </a:p>
+        </p:txBody>
+      </p:sp>
+    </p:spTree>
+    <p:extLst>
+      <p:ext uri="{BB962C8B-B14F-4D97-AF65-F5344CB8AC3E}">
+        <p14:creationId xmlns:p14="http://schemas.microsoft.com/office/powerpoint/2010/main" val="3323710907"/>
+      </p:ext>
+    </p:extLst>
+  </p:cSld>
+  <p:clrMapOvr>
+    <a:masterClrMapping/>
+  </p:clrMapOvr>
+</p:sldLayout>
+</file>
+
+<file path=ppt/slideLayouts/slideLayout11.xml><?xml version="1.0" encoding="utf-8"?>
+<p:sldLayout xmlns:a="http://schemas.openxmlformats.org/drawingml/2006/main" xmlns:r="http://schemas.openxmlformats.org/officeDocument/2006/relationships" xmlns:p="http://schemas.openxmlformats.org/presentationml/2006/main" preserve="1">
+  <p:cSld name="Titel und Beschriftung">
+    <p:spTree>
+      <p:nvGrpSpPr>
+        <p:cNvPr id="1" name=""/>
+        <p:cNvGrpSpPr/>
+        <p:nvPr/>
+      </p:nvGrpSpPr>
+      <p:grpSpPr>
+        <a:xfrm>
+          <a:off x="0" y="0"/>
+          <a:ext cx="0" cy="0"/>
+          <a:chOff x="0" y="0"/>
+          <a:chExt cx="0" cy="0"/>
+        </a:xfrm>
+      </p:grpSpPr>
+      <p:sp>
+        <p:nvSpPr>
+          <p:cNvPr id="2" name="Title 1"/>
+          <p:cNvSpPr>
+            <a:spLocks noGrp="1"/>
+          </p:cNvSpPr>
+          <p:nvPr>
+            <p:ph type="title"/>
+          </p:nvPr>
+        </p:nvSpPr>
+        <p:spPr>
+          <a:xfrm>
+            <a:off x="1141412" y="609601"/>
+            <a:ext cx="9905999" cy="3124199"/>
+          </a:xfrm>
+        </p:spPr>
+        <p:txBody>
+          <a:bodyPr anchor="ctr">
+            <a:normAutofit/>
+          </a:bodyPr>
+          <a:lstStyle>
+            <a:lvl1pPr algn="l">
+              <a:defRPr sz="3200" b="0" cap="all"/>
+            </a:lvl1pPr>
+          </a:lstStyle>
+          <a:p>
+            <a:r>
+              <a:rPr lang="de-DE"/>
+              <a:t>Mastertitelformat bearbeiten</a:t>
+            </a:r>
+            <a:endParaRPr lang="en-US" dirty="0"/>
+          </a:p>
+        </p:txBody>
+      </p:sp>
+      <p:sp>
+        <p:nvSpPr>
+          <p:cNvPr id="3" name="Text Placeholder 2"/>
+          <p:cNvSpPr>
+            <a:spLocks noGrp="1"/>
+          </p:cNvSpPr>
+          <p:nvPr>
+            <p:ph type="body" idx="1"/>
+          </p:nvPr>
+        </p:nvSpPr>
+        <p:spPr>
+          <a:xfrm>
+            <a:off x="1141411" y="4343400"/>
+            <a:ext cx="9906000" cy="1447800"/>
+          </a:xfrm>
+        </p:spPr>
+        <p:txBody>
+          <a:bodyPr anchor="ctr">
+            <a:normAutofit/>
+          </a:bodyPr>
+          <a:lstStyle>
+            <a:lvl1pPr marL="0" indent="0" algn="l">
+              <a:buNone/>
+              <a:defRPr sz="2000">
+                <a:gradFill flip="none" rotWithShape="1">
+                  <a:gsLst>
+                    <a:gs pos="0">
+                      <a:schemeClr val="tx1"/>
+                    </a:gs>
+                    <a:gs pos="100000">
+                      <a:schemeClr val="tx1">
+                        <a:lumMod val="75000"/>
+                      </a:schemeClr>
+                    </a:gs>
+                  </a:gsLst>
+                  <a:lin ang="5400000" scaled="0"/>
+                  <a:tileRect/>
+                </a:gradFill>
+              </a:defRPr>
+            </a:lvl1pPr>
+            <a:lvl2pPr marL="457200" indent="0">
+              <a:buNone/>
+              <a:defRPr sz="1800">
+                <a:solidFill>
+                  <a:schemeClr val="tx1">
+                    <a:tint val="75000"/>
+                  </a:schemeClr>
+                </a:solidFill>
+              </a:defRPr>
+            </a:lvl2pPr>
+            <a:lvl3pPr marL="914400" indent="0">
+              <a:buNone/>
+              <a:defRPr sz="1600">
+                <a:solidFill>
+                  <a:schemeClr val="tx1">
+                    <a:tint val="75000"/>
+                  </a:schemeClr>
+                </a:solidFill>
+              </a:defRPr>
+            </a:lvl3pPr>
+            <a:lvl4pPr marL="1371600" indent="0">
+              <a:buNone/>
+              <a:defRPr sz="1400">
+                <a:solidFill>
+                  <a:schemeClr val="tx1">
+                    <a:tint val="75000"/>
+                  </a:schemeClr>
+                </a:solidFill>
+              </a:defRPr>
+            </a:lvl4pPr>
+            <a:lvl5pPr marL="1828800" indent="0">
+              <a:buNone/>
+              <a:defRPr sz="1400">
+                <a:solidFill>
+                  <a:schemeClr val="tx1">
+                    <a:tint val="75000"/>
+                  </a:schemeClr>
+                </a:solidFill>
+              </a:defRPr>
+            </a:lvl5pPr>
+            <a:lvl6pPr marL="2286000" indent="0">
+              <a:buNone/>
+              <a:defRPr sz="1400">
+                <a:solidFill>
+                  <a:schemeClr val="tx1">
+                    <a:tint val="75000"/>
+                  </a:schemeClr>
+                </a:solidFill>
+              </a:defRPr>
+            </a:lvl6pPr>
+            <a:lvl7pPr marL="2743200" indent="0">
+              <a:buNone/>
+              <a:defRPr sz="1400">
+                <a:solidFill>
+                  <a:schemeClr val="tx1">
+                    <a:tint val="75000"/>
+                  </a:schemeClr>
+                </a:solidFill>
+              </a:defRPr>
+            </a:lvl7pPr>
+            <a:lvl8pPr marL="3200400" indent="0">
+              <a:buNone/>
+              <a:defRPr sz="1400">
+                <a:solidFill>
+                  <a:schemeClr val="tx1">
+                    <a:tint val="75000"/>
+                  </a:schemeClr>
+                </a:solidFill>
+              </a:defRPr>
+            </a:lvl8pPr>
+            <a:lvl9pPr marL="3657600" indent="0">
+              <a:buNone/>
+              <a:defRPr sz="1400">
+                <a:solidFill>
+                  <a:schemeClr val="tx1">
+                    <a:tint val="75000"/>
+                  </a:schemeClr>
+                </a:solidFill>
+              </a:defRPr>
+            </a:lvl9pPr>
+          </a:lstStyle>
+          <a:p>
+            <a:pPr lvl="0"/>
+            <a:r>
+              <a:rPr lang="de-DE"/>
+              <a:t>Mastertextformat bearbeiten</a:t>
+            </a:r>
+          </a:p>
+        </p:txBody>
+      </p:sp>
+      <p:sp>
+        <p:nvSpPr>
+          <p:cNvPr id="4" name="Date Placeholder 3"/>
+          <p:cNvSpPr>
+            <a:spLocks noGrp="1"/>
+          </p:cNvSpPr>
+          <p:nvPr>
+            <p:ph type="dt" sz="half" idx="10"/>
+          </p:nvPr>
+        </p:nvSpPr>
+        <p:spPr/>
+        <p:txBody>
+          <a:bodyPr/>
+          <a:lstStyle/>
+          <a:p>
+            <a:fld id="{8F4B2E75-2FCB-4C97-B382-4A78F9D9179D}" type="datetimeFigureOut">
+              <a:rPr lang="de-AT" smtClean="0"/>
+              <a:t>26.05.2024</a:t>
+            </a:fld>
+            <a:endParaRPr lang="de-AT"/>
+          </a:p>
+        </p:txBody>
+      </p:sp>
+      <p:sp>
+        <p:nvSpPr>
+          <p:cNvPr id="5" name="Footer Placeholder 4"/>
+          <p:cNvSpPr>
+            <a:spLocks noGrp="1"/>
+          </p:cNvSpPr>
+          <p:nvPr>
+            <p:ph type="ftr" sz="quarter" idx="11"/>
+          </p:nvPr>
+        </p:nvSpPr>
+        <p:spPr/>
+        <p:txBody>
+          <a:bodyPr/>
+          <a:lstStyle/>
+          <a:p>
+            <a:endParaRPr lang="de-AT"/>
+          </a:p>
+        </p:txBody>
+      </p:sp>
+      <p:sp>
+        <p:nvSpPr>
+          <p:cNvPr id="6" name="Slide Number Placeholder 5"/>
+          <p:cNvSpPr>
+            <a:spLocks noGrp="1"/>
+          </p:cNvSpPr>
+          <p:nvPr>
+            <p:ph type="sldNum" sz="quarter" idx="12"/>
+          </p:nvPr>
+        </p:nvSpPr>
+        <p:spPr/>
+        <p:txBody>
+          <a:bodyPr/>
+          <a:lstStyle/>
+          <a:p>
+            <a:fld id="{9A336AB9-841B-48F1-AAD0-348EEE8F5414}" type="slidenum">
+              <a:rPr lang="de-AT" smtClean="0"/>
+              <a:t>‹Nr.›</a:t>
+            </a:fld>
+            <a:endParaRPr lang="de-AT"/>
+          </a:p>
+        </p:txBody>
+      </p:sp>
+    </p:spTree>
+    <p:extLst>
+      <p:ext uri="{BB962C8B-B14F-4D97-AF65-F5344CB8AC3E}">
+        <p14:creationId xmlns:p14="http://schemas.microsoft.com/office/powerpoint/2010/main" val="989155829"/>
+      </p:ext>
+    </p:extLst>
+  </p:cSld>
+  <p:clrMapOvr>
+    <a:masterClrMapping/>
+  </p:clrMapOvr>
+</p:sldLayout>
+</file>
+
+<file path=ppt/slideLayouts/slideLayout12.xml><?xml version="1.0" encoding="utf-8"?>
+<p:sldLayout xmlns:a="http://schemas.openxmlformats.org/drawingml/2006/main" xmlns:r="http://schemas.openxmlformats.org/officeDocument/2006/relationships" xmlns:p="http://schemas.openxmlformats.org/presentationml/2006/main" preserve="1">
+  <p:cSld name="Zitat mit Beschriftung">
+    <p:spTree>
+      <p:nvGrpSpPr>
+        <p:cNvPr id="1" name=""/>
+        <p:cNvGrpSpPr/>
+        <p:nvPr/>
+      </p:nvGrpSpPr>
+      <p:grpSpPr>
+        <a:xfrm>
+          <a:off x="0" y="0"/>
+          <a:ext cx="0" cy="0"/>
+          <a:chOff x="0" y="0"/>
+          <a:chExt cx="0" cy="0"/>
+        </a:xfrm>
+      </p:grpSpPr>
+      <p:sp>
+        <p:nvSpPr>
+          <p:cNvPr id="14" name="TextBox 13"/>
+          <p:cNvSpPr txBox="1"/>
+          <p:nvPr/>
+        </p:nvSpPr>
+        <p:spPr>
+          <a:xfrm>
+            <a:off x="836612" y="786824"/>
+            <a:ext cx="609600" cy="584776"/>
+          </a:xfrm>
+          <a:prstGeom prst="rect">
+            <a:avLst/>
+          </a:prstGeom>
+        </p:spPr>
+        <p:txBody>
+          <a:bodyPr vert="horz" lIns="91440" tIns="45720" rIns="91440" bIns="45720" rtlCol="0" anchor="ctr">
+            <a:noAutofit/>
+          </a:bodyPr>
+          <a:lstStyle>
+            <a:lvl1pPr>
+              <a:spcBef>
+                <a:spcPct val="0"/>
+              </a:spcBef>
+              <a:buNone/>
+              <a:defRPr sz="3200" b="0" cap="all">
+                <a:ln w="3175" cmpd="sng">
+                  <a:noFill/>
+                </a:ln>
+                <a:effectLst>
+                  <a:glow rad="38100">
+                    <a:schemeClr val="bg1">
+                      <a:lumMod val="65000"/>
+                      <a:lumOff val="35000"/>
+                      <a:alpha val="40000"/>
+                    </a:schemeClr>
+                  </a:glow>
+                  <a:outerShdw blurRad="28575" dist="38100" dir="14040000" algn="tl" rotWithShape="0">
+                    <a:srgbClr val="000000">
+                      <a:alpha val="25000"/>
+                    </a:srgbClr>
+                  </a:outerShdw>
+                </a:effectLst>
+              </a:defRPr>
+            </a:lvl1pPr>
+            <a:lvl2pPr>
+              <a:defRPr>
+                <a:solidFill>
+                  <a:schemeClr val="tx2"/>
+                </a:solidFill>
+              </a:defRPr>
+            </a:lvl2pPr>
+            <a:lvl3pPr>
+              <a:defRPr>
+                <a:solidFill>
+                  <a:schemeClr val="tx2"/>
+                </a:solidFill>
+              </a:defRPr>
+            </a:lvl3pPr>
+            <a:lvl4pPr>
+              <a:defRPr>
+                <a:solidFill>
+                  <a:schemeClr val="tx2"/>
+                </a:solidFill>
+              </a:defRPr>
+            </a:lvl4pPr>
+            <a:lvl5pPr>
+              <a:defRPr>
+                <a:solidFill>
+                  <a:schemeClr val="tx2"/>
+                </a:solidFill>
+              </a:defRPr>
+            </a:lvl5pPr>
+            <a:lvl6pPr>
+              <a:defRPr>
+                <a:solidFill>
+                  <a:schemeClr val="tx2"/>
+                </a:solidFill>
+              </a:defRPr>
+            </a:lvl6pPr>
+            <a:lvl7pPr>
+              <a:defRPr>
+                <a:solidFill>
+                  <a:schemeClr val="tx2"/>
+                </a:solidFill>
+              </a:defRPr>
+            </a:lvl7pPr>
+            <a:lvl8pPr>
+              <a:defRPr>
+                <a:solidFill>
+                  <a:schemeClr val="tx2"/>
+                </a:solidFill>
+              </a:defRPr>
+            </a:lvl8pPr>
+            <a:lvl9pPr>
+              <a:defRPr>
+                <a:solidFill>
+                  <a:schemeClr val="tx2"/>
+                </a:solidFill>
+              </a:defRPr>
+            </a:lvl9pPr>
+          </a:lstStyle>
+          <a:p>
+            <a:pPr lvl="0"/>
+            <a:r>
+              <a:rPr lang="en-US" sz="8000" dirty="0">
+                <a:solidFill>
+                  <a:schemeClr val="accent1"/>
+                </a:solidFill>
+              </a:rPr>
+              <a:t>“</a:t>
+            </a:r>
+          </a:p>
+        </p:txBody>
+      </p:sp>
+      <p:sp>
+        <p:nvSpPr>
+          <p:cNvPr id="15" name="TextBox 14"/>
+          <p:cNvSpPr txBox="1"/>
+          <p:nvPr/>
+        </p:nvSpPr>
+        <p:spPr>
+          <a:xfrm>
+            <a:off x="10437812" y="2743200"/>
+            <a:ext cx="609600" cy="584776"/>
+          </a:xfrm>
+          <a:prstGeom prst="rect">
+            <a:avLst/>
+          </a:prstGeom>
+        </p:spPr>
+        <p:txBody>
+          <a:bodyPr vert="horz" lIns="91440" tIns="45720" rIns="91440" bIns="45720" rtlCol="0" anchor="ctr">
+            <a:noAutofit/>
+          </a:bodyPr>
+          <a:lstStyle>
+            <a:lvl1pPr>
+              <a:spcBef>
+                <a:spcPct val="0"/>
+              </a:spcBef>
+              <a:buNone/>
+              <a:defRPr sz="3200" b="0" cap="all">
+                <a:ln w="3175" cmpd="sng">
+                  <a:noFill/>
+                </a:ln>
+                <a:effectLst>
+                  <a:glow rad="38100">
+                    <a:schemeClr val="bg1">
+                      <a:lumMod val="65000"/>
+                      <a:lumOff val="35000"/>
+                      <a:alpha val="40000"/>
+                    </a:schemeClr>
+                  </a:glow>
+                  <a:outerShdw blurRad="28575" dist="38100" dir="14040000" algn="tl" rotWithShape="0">
+                    <a:srgbClr val="000000">
+                      <a:alpha val="25000"/>
+                    </a:srgbClr>
+                  </a:outerShdw>
+                </a:effectLst>
+              </a:defRPr>
+            </a:lvl1pPr>
+            <a:lvl2pPr>
+              <a:defRPr>
+                <a:solidFill>
+                  <a:schemeClr val="tx2"/>
+                </a:solidFill>
+              </a:defRPr>
+            </a:lvl2pPr>
+            <a:lvl3pPr>
+              <a:defRPr>
+                <a:solidFill>
+                  <a:schemeClr val="tx2"/>
+                </a:solidFill>
+              </a:defRPr>
+            </a:lvl3pPr>
+            <a:lvl4pPr>
+              <a:defRPr>
+                <a:solidFill>
+                  <a:schemeClr val="tx2"/>
+                </a:solidFill>
+              </a:defRPr>
+            </a:lvl4pPr>
+            <a:lvl5pPr>
+              <a:defRPr>
+                <a:solidFill>
+                  <a:schemeClr val="tx2"/>
+                </a:solidFill>
+              </a:defRPr>
+            </a:lvl5pPr>
+            <a:lvl6pPr>
+              <a:defRPr>
+                <a:solidFill>
+                  <a:schemeClr val="tx2"/>
+                </a:solidFill>
+              </a:defRPr>
+            </a:lvl6pPr>
+            <a:lvl7pPr>
+              <a:defRPr>
+                <a:solidFill>
+                  <a:schemeClr val="tx2"/>
+                </a:solidFill>
+              </a:defRPr>
+            </a:lvl7pPr>
+            <a:lvl8pPr>
+              <a:defRPr>
+                <a:solidFill>
+                  <a:schemeClr val="tx2"/>
+                </a:solidFill>
+              </a:defRPr>
+            </a:lvl8pPr>
+            <a:lvl9pPr>
+              <a:defRPr>
+                <a:solidFill>
+                  <a:schemeClr val="tx2"/>
+                </a:solidFill>
+              </a:defRPr>
+            </a:lvl9pPr>
+          </a:lstStyle>
+          <a:p>
+            <a:pPr lvl="0" algn="r"/>
+            <a:r>
+              <a:rPr lang="en-US" sz="8000" dirty="0">
+                <a:solidFill>
+                  <a:schemeClr val="accent1"/>
+                </a:solidFill>
+              </a:rPr>
+              <a:t>”</a:t>
+            </a:r>
+          </a:p>
+        </p:txBody>
+      </p:sp>
+      <p:sp>
+        <p:nvSpPr>
+          <p:cNvPr id="2" name="Title 1"/>
+          <p:cNvSpPr>
+            <a:spLocks noGrp="1"/>
+          </p:cNvSpPr>
+          <p:nvPr>
+            <p:ph type="title"/>
+          </p:nvPr>
+        </p:nvSpPr>
+        <p:spPr>
+          <a:xfrm>
+            <a:off x="1446213" y="609601"/>
+            <a:ext cx="9296398" cy="2743199"/>
+          </a:xfrm>
+        </p:spPr>
+        <p:txBody>
+          <a:bodyPr anchor="ctr">
+            <a:normAutofit/>
+          </a:bodyPr>
+          <a:lstStyle>
+            <a:lvl1pPr algn="l">
+              <a:defRPr sz="3200" b="0" cap="all">
+                <a:solidFill>
+                  <a:schemeClr val="tx1"/>
+                </a:solidFill>
+              </a:defRPr>
+            </a:lvl1pPr>
+          </a:lstStyle>
+          <a:p>
+            <a:r>
+              <a:rPr lang="de-DE"/>
+              <a:t>Mastertitelformat bearbeiten</a:t>
+            </a:r>
+            <a:endParaRPr lang="en-US" dirty="0"/>
+          </a:p>
+        </p:txBody>
+      </p:sp>
+      <p:sp>
+        <p:nvSpPr>
+          <p:cNvPr id="10" name="Text Placeholder 9"/>
+          <p:cNvSpPr>
+            <a:spLocks noGrp="1"/>
+          </p:cNvSpPr>
+          <p:nvPr>
+            <p:ph type="body" sz="quarter" idx="13"/>
+          </p:nvPr>
+        </p:nvSpPr>
+        <p:spPr>
+          <a:xfrm>
+            <a:off x="1674812" y="3352800"/>
+            <a:ext cx="8839202" cy="381000"/>
+          </a:xfrm>
+        </p:spPr>
+        <p:txBody>
+          <a:bodyPr anchor="ctr"/>
+          <a:lstStyle>
+            <a:lvl1pPr marL="0" indent="0">
+              <a:buFontTx/>
+              <a:buNone/>
+              <a:defRPr/>
+            </a:lvl1pPr>
+            <a:lvl2pPr marL="457200" indent="0">
+              <a:buFontTx/>
+              <a:buNone/>
+              <a:defRPr/>
+            </a:lvl2pPr>
+            <a:lvl3pPr marL="914400" indent="0">
+              <a:buFontTx/>
+              <a:buNone/>
+              <a:defRPr/>
+            </a:lvl3pPr>
+            <a:lvl4pPr marL="1371600" indent="0">
+              <a:buFontTx/>
+              <a:buNone/>
+              <a:defRPr/>
+            </a:lvl4pPr>
+            <a:lvl5pPr marL="1828800" indent="0">
+              <a:buFontTx/>
+              <a:buNone/>
+              <a:defRPr/>
+            </a:lvl5pPr>
+          </a:lstStyle>
+          <a:p>
+            <a:pPr lvl="0"/>
+            <a:r>
+              <a:rPr lang="de-DE"/>
+              <a:t>Mastertextformat bearbeiten</a:t>
+            </a:r>
+          </a:p>
+        </p:txBody>
+      </p:sp>
+      <p:sp>
+        <p:nvSpPr>
+          <p:cNvPr id="3" name="Text Placeholder 2"/>
+          <p:cNvSpPr>
+            <a:spLocks noGrp="1"/>
+          </p:cNvSpPr>
+          <p:nvPr>
+            <p:ph type="body" idx="1"/>
+          </p:nvPr>
+        </p:nvSpPr>
+        <p:spPr>
+          <a:xfrm>
+            <a:off x="1141411" y="4343400"/>
+            <a:ext cx="9906000" cy="1447800"/>
+          </a:xfrm>
+        </p:spPr>
+        <p:txBody>
+          <a:bodyPr vert="horz" lIns="91440" tIns="45720" rIns="91440" bIns="45720" rtlCol="0" anchor="ctr">
+            <a:normAutofit/>
+          </a:bodyPr>
+          <a:lstStyle>
+            <a:lvl1pPr>
+              <a:buNone/>
+              <a:defRPr lang="en-US" sz="2000">
+                <a:gradFill flip="none" rotWithShape="1">
+                  <a:gsLst>
+                    <a:gs pos="0">
+                      <a:schemeClr val="tx1"/>
+                    </a:gs>
+                    <a:gs pos="100000">
+                      <a:schemeClr val="tx1">
+                        <a:lumMod val="75000"/>
+                      </a:schemeClr>
+                    </a:gs>
+                  </a:gsLst>
+                  <a:lin ang="5400000" scaled="0"/>
+                  <a:tileRect/>
+                </a:gradFill>
+              </a:defRPr>
+            </a:lvl1pPr>
+          </a:lstStyle>
+          <a:p>
+            <a:pPr marL="0" lvl="0" indent="0">
+              <a:buNone/>
+            </a:pPr>
+            <a:r>
+              <a:rPr lang="de-DE"/>
+              <a:t>Mastertextformat bearbeiten</a:t>
+            </a:r>
+          </a:p>
+        </p:txBody>
+      </p:sp>
+      <p:sp>
+        <p:nvSpPr>
+          <p:cNvPr id="4" name="Date Placeholder 3"/>
+          <p:cNvSpPr>
+            <a:spLocks noGrp="1"/>
+          </p:cNvSpPr>
+          <p:nvPr>
+            <p:ph type="dt" sz="half" idx="10"/>
+          </p:nvPr>
+        </p:nvSpPr>
+        <p:spPr/>
+        <p:txBody>
+          <a:bodyPr/>
+          <a:lstStyle/>
+          <a:p>
+            <a:fld id="{8F4B2E75-2FCB-4C97-B382-4A78F9D9179D}" type="datetimeFigureOut">
+              <a:rPr lang="de-AT" smtClean="0"/>
+              <a:t>26.05.2024</a:t>
+            </a:fld>
+            <a:endParaRPr lang="de-AT"/>
+          </a:p>
+        </p:txBody>
+      </p:sp>
+      <p:sp>
+        <p:nvSpPr>
+          <p:cNvPr id="5" name="Footer Placeholder 4"/>
+          <p:cNvSpPr>
+            <a:spLocks noGrp="1"/>
+          </p:cNvSpPr>
+          <p:nvPr>
+            <p:ph type="ftr" sz="quarter" idx="11"/>
+          </p:nvPr>
+        </p:nvSpPr>
+        <p:spPr/>
+        <p:txBody>
+          <a:bodyPr/>
+          <a:lstStyle/>
+          <a:p>
+            <a:endParaRPr lang="de-AT"/>
+          </a:p>
+        </p:txBody>
+      </p:sp>
+      <p:sp>
+        <p:nvSpPr>
+          <p:cNvPr id="6" name="Slide Number Placeholder 5"/>
+          <p:cNvSpPr>
+            <a:spLocks noGrp="1"/>
+          </p:cNvSpPr>
+          <p:nvPr>
+            <p:ph type="sldNum" sz="quarter" idx="12"/>
+          </p:nvPr>
+        </p:nvSpPr>
+        <p:spPr/>
+        <p:txBody>
+          <a:bodyPr/>
+          <a:lstStyle/>
+          <a:p>
+            <a:fld id="{9A336AB9-841B-48F1-AAD0-348EEE8F5414}" type="slidenum">
+              <a:rPr lang="de-AT" smtClean="0"/>
+              <a:t>‹Nr.›</a:t>
+            </a:fld>
+            <a:endParaRPr lang="de-AT"/>
+          </a:p>
+        </p:txBody>
+      </p:sp>
+    </p:spTree>
+    <p:extLst>
+      <p:ext uri="{BB962C8B-B14F-4D97-AF65-F5344CB8AC3E}">
+        <p14:creationId xmlns:p14="http://schemas.microsoft.com/office/powerpoint/2010/main" val="1240802610"/>
+      </p:ext>
+    </p:extLst>
+  </p:cSld>
+  <p:clrMapOvr>
+    <a:masterClrMapping/>
+  </p:clrMapOvr>
+</p:sldLayout>
+</file>
+
+<file path=ppt/slideLayouts/slideLayout13.xml><?xml version="1.0" encoding="utf-8"?>
+<p:sldLayout xmlns:a="http://schemas.openxmlformats.org/drawingml/2006/main" xmlns:r="http://schemas.openxmlformats.org/officeDocument/2006/relationships" xmlns:p="http://schemas.openxmlformats.org/presentationml/2006/main" preserve="1">
+  <p:cSld name="Namenskarte">
+    <p:spTree>
+      <p:nvGrpSpPr>
+        <p:cNvPr id="1" name=""/>
+        <p:cNvGrpSpPr/>
+        <p:nvPr/>
+      </p:nvGrpSpPr>
+      <p:grpSpPr>
+        <a:xfrm>
+          <a:off x="0" y="0"/>
+          <a:ext cx="0" cy="0"/>
+          <a:chOff x="0" y="0"/>
+          <a:chExt cx="0" cy="0"/>
+        </a:xfrm>
+      </p:grpSpPr>
+      <p:sp>
+        <p:nvSpPr>
+          <p:cNvPr id="2" name="Title 1"/>
+          <p:cNvSpPr>
+            <a:spLocks noGrp="1"/>
+          </p:cNvSpPr>
+          <p:nvPr>
+            <p:ph type="title"/>
+          </p:nvPr>
+        </p:nvSpPr>
+        <p:spPr>
+          <a:xfrm>
+            <a:off x="1141412" y="3308581"/>
+            <a:ext cx="9906000" cy="1468800"/>
+          </a:xfrm>
+        </p:spPr>
+        <p:txBody>
+          <a:bodyPr anchor="b">
+            <a:normAutofit/>
+          </a:bodyPr>
+          <a:lstStyle>
+            <a:lvl1pPr algn="l">
+              <a:defRPr sz="3200" b="0" cap="all"/>
+            </a:lvl1pPr>
+          </a:lstStyle>
+          <a:p>
+            <a:r>
+              <a:rPr lang="de-DE"/>
+              <a:t>Mastertitelformat bearbeiten</a:t>
+            </a:r>
+            <a:endParaRPr lang="en-US" dirty="0"/>
+          </a:p>
+        </p:txBody>
+      </p:sp>
+      <p:sp>
+        <p:nvSpPr>
+          <p:cNvPr id="3" name="Text Placeholder 2"/>
+          <p:cNvSpPr>
+            <a:spLocks noGrp="1"/>
+          </p:cNvSpPr>
+          <p:nvPr>
+            <p:ph type="body" idx="1"/>
+          </p:nvPr>
+        </p:nvSpPr>
+        <p:spPr>
+          <a:xfrm>
+            <a:off x="1141410" y="4777381"/>
+            <a:ext cx="9906001" cy="860400"/>
+          </a:xfrm>
+        </p:spPr>
+        <p:txBody>
+          <a:bodyPr vert="horz" lIns="91440" tIns="45720" rIns="91440" bIns="45720" rtlCol="0" anchor="t">
+            <a:normAutofit/>
+          </a:bodyPr>
+          <a:lstStyle>
+            <a:lvl1pPr>
+              <a:defRPr lang="en-US" sz="2000">
+                <a:gradFill flip="none" rotWithShape="1">
+                  <a:gsLst>
+                    <a:gs pos="0">
+                      <a:schemeClr val="tx1"/>
+                    </a:gs>
+                    <a:gs pos="100000">
+                      <a:schemeClr val="tx1">
+                        <a:lumMod val="75000"/>
+                      </a:schemeClr>
+                    </a:gs>
+                  </a:gsLst>
+                  <a:lin ang="5400000" scaled="0"/>
+                  <a:tileRect/>
+                </a:gradFill>
+              </a:defRPr>
+            </a:lvl1pPr>
+          </a:lstStyle>
+          <a:p>
+            <a:pPr marL="0" lvl="0" indent="0">
+              <a:buNone/>
+            </a:pPr>
+            <a:r>
+              <a:rPr lang="de-DE"/>
+              <a:t>Mastertextformat bearbeiten</a:t>
+            </a:r>
+          </a:p>
+        </p:txBody>
+      </p:sp>
+      <p:sp>
+        <p:nvSpPr>
+          <p:cNvPr id="4" name="Date Placeholder 3"/>
+          <p:cNvSpPr>
+            <a:spLocks noGrp="1"/>
+          </p:cNvSpPr>
+          <p:nvPr>
+            <p:ph type="dt" sz="half" idx="10"/>
+          </p:nvPr>
+        </p:nvSpPr>
+        <p:spPr/>
+        <p:txBody>
+          <a:bodyPr/>
+          <a:lstStyle/>
+          <a:p>
+            <a:fld id="{8F4B2E75-2FCB-4C97-B382-4A78F9D9179D}" type="datetimeFigureOut">
+              <a:rPr lang="de-AT" smtClean="0"/>
+              <a:t>26.05.2024</a:t>
+            </a:fld>
+            <a:endParaRPr lang="de-AT"/>
+          </a:p>
+        </p:txBody>
+      </p:sp>
+      <p:sp>
+        <p:nvSpPr>
+          <p:cNvPr id="5" name="Footer Placeholder 4"/>
+          <p:cNvSpPr>
+            <a:spLocks noGrp="1"/>
+          </p:cNvSpPr>
+          <p:nvPr>
+            <p:ph type="ftr" sz="quarter" idx="11"/>
+          </p:nvPr>
+        </p:nvSpPr>
+        <p:spPr/>
+        <p:txBody>
+          <a:bodyPr/>
+          <a:lstStyle/>
+          <a:p>
+            <a:endParaRPr lang="de-AT"/>
+          </a:p>
+        </p:txBody>
+      </p:sp>
+      <p:sp>
+        <p:nvSpPr>
+          <p:cNvPr id="6" name="Slide Number Placeholder 5"/>
+          <p:cNvSpPr>
+            <a:spLocks noGrp="1"/>
+          </p:cNvSpPr>
+          <p:nvPr>
+            <p:ph type="sldNum" sz="quarter" idx="12"/>
+          </p:nvPr>
+        </p:nvSpPr>
+        <p:spPr/>
+        <p:txBody>
+          <a:bodyPr/>
+          <a:lstStyle/>
+          <a:p>
+            <a:fld id="{9A336AB9-841B-48F1-AAD0-348EEE8F5414}" type="slidenum">
+              <a:rPr lang="de-AT" smtClean="0"/>
+              <a:t>‹Nr.›</a:t>
+            </a:fld>
+            <a:endParaRPr lang="de-AT"/>
+          </a:p>
+        </p:txBody>
+      </p:sp>
+    </p:spTree>
+    <p:extLst>
+      <p:ext uri="{BB962C8B-B14F-4D97-AF65-F5344CB8AC3E}">
+        <p14:creationId xmlns:p14="http://schemas.microsoft.com/office/powerpoint/2010/main" val="1056213004"/>
+      </p:ext>
+    </p:extLst>
+  </p:cSld>
+  <p:clrMapOvr>
+    <a:masterClrMapping/>
+  </p:clrMapOvr>
+</p:sldLayout>
+</file>
+
+<file path=ppt/slideLayouts/slideLayout14.xml><?xml version="1.0" encoding="utf-8"?>
+<p:sldLayout xmlns:a="http://schemas.openxmlformats.org/drawingml/2006/main" xmlns:r="http://schemas.openxmlformats.org/officeDocument/2006/relationships" xmlns:p="http://schemas.openxmlformats.org/presentationml/2006/main" preserve="1">
+  <p:cSld name="Namenskarte für Zitat">
+    <p:spTree>
+      <p:nvGrpSpPr>
+        <p:cNvPr id="1" name=""/>
+        <p:cNvGrpSpPr/>
+        <p:nvPr/>
+      </p:nvGrpSpPr>
+      <p:grpSpPr>
+        <a:xfrm>
+          <a:off x="0" y="0"/>
+          <a:ext cx="0" cy="0"/>
+          <a:chOff x="0" y="0"/>
+          <a:chExt cx="0" cy="0"/>
+        </a:xfrm>
+      </p:grpSpPr>
+      <p:sp>
+        <p:nvSpPr>
+          <p:cNvPr id="14" name="TextBox 13"/>
+          <p:cNvSpPr txBox="1"/>
+          <p:nvPr/>
+        </p:nvSpPr>
+        <p:spPr>
+          <a:xfrm>
+            <a:off x="836612" y="786824"/>
+            <a:ext cx="609600" cy="584776"/>
+          </a:xfrm>
+          <a:prstGeom prst="rect">
+            <a:avLst/>
+          </a:prstGeom>
+        </p:spPr>
+        <p:txBody>
+          <a:bodyPr vert="horz" lIns="91440" tIns="45720" rIns="91440" bIns="45720" rtlCol="0" anchor="ctr">
+            <a:noAutofit/>
+          </a:bodyPr>
+          <a:lstStyle>
+            <a:lvl1pPr>
+              <a:spcBef>
+                <a:spcPct val="0"/>
+              </a:spcBef>
+              <a:buNone/>
+              <a:defRPr sz="3200" b="0" cap="all">
+                <a:ln w="3175" cmpd="sng">
+                  <a:noFill/>
+                </a:ln>
+                <a:effectLst>
+                  <a:glow rad="38100">
+                    <a:schemeClr val="bg1">
+                      <a:lumMod val="65000"/>
+                      <a:lumOff val="35000"/>
+                      <a:alpha val="40000"/>
+                    </a:schemeClr>
+                  </a:glow>
+                  <a:outerShdw blurRad="28575" dist="38100" dir="14040000" algn="tl" rotWithShape="0">
+                    <a:srgbClr val="000000">
+                      <a:alpha val="25000"/>
+                    </a:srgbClr>
+                  </a:outerShdw>
+                </a:effectLst>
+              </a:defRPr>
+            </a:lvl1pPr>
+            <a:lvl2pPr>
+              <a:defRPr>
+                <a:solidFill>
+                  <a:schemeClr val="tx2"/>
+                </a:solidFill>
+              </a:defRPr>
+            </a:lvl2pPr>
+            <a:lvl3pPr>
+              <a:defRPr>
+                <a:solidFill>
+                  <a:schemeClr val="tx2"/>
+                </a:solidFill>
+              </a:defRPr>
+            </a:lvl3pPr>
+            <a:lvl4pPr>
+              <a:defRPr>
+                <a:solidFill>
+                  <a:schemeClr val="tx2"/>
+                </a:solidFill>
+              </a:defRPr>
+            </a:lvl4pPr>
+            <a:lvl5pPr>
+              <a:defRPr>
+                <a:solidFill>
+                  <a:schemeClr val="tx2"/>
+                </a:solidFill>
+              </a:defRPr>
+            </a:lvl5pPr>
+            <a:lvl6pPr>
+              <a:defRPr>
+                <a:solidFill>
+                  <a:schemeClr val="tx2"/>
+                </a:solidFill>
+              </a:defRPr>
+            </a:lvl6pPr>
+            <a:lvl7pPr>
+              <a:defRPr>
+                <a:solidFill>
+                  <a:schemeClr val="tx2"/>
+                </a:solidFill>
+              </a:defRPr>
+            </a:lvl7pPr>
+            <a:lvl8pPr>
+              <a:defRPr>
+                <a:solidFill>
+                  <a:schemeClr val="tx2"/>
+                </a:solidFill>
+              </a:defRPr>
+            </a:lvl8pPr>
+            <a:lvl9pPr>
+              <a:defRPr>
+                <a:solidFill>
+                  <a:schemeClr val="tx2"/>
+                </a:solidFill>
+              </a:defRPr>
+            </a:lvl9pPr>
+          </a:lstStyle>
+          <a:p>
+            <a:pPr lvl="0"/>
+            <a:r>
+              <a:rPr lang="en-US" sz="8000" dirty="0">
+                <a:solidFill>
+                  <a:schemeClr val="accent1"/>
+                </a:solidFill>
+              </a:rPr>
+              <a:t>“</a:t>
+            </a:r>
+          </a:p>
+        </p:txBody>
+      </p:sp>
+      <p:sp>
+        <p:nvSpPr>
+          <p:cNvPr id="15" name="TextBox 14"/>
+          <p:cNvSpPr txBox="1"/>
+          <p:nvPr/>
+        </p:nvSpPr>
+        <p:spPr>
+          <a:xfrm>
+            <a:off x="10437812" y="2743200"/>
+            <a:ext cx="609600" cy="584776"/>
+          </a:xfrm>
+          <a:prstGeom prst="rect">
+            <a:avLst/>
+          </a:prstGeom>
+        </p:spPr>
+        <p:txBody>
+          <a:bodyPr vert="horz" lIns="91440" tIns="45720" rIns="91440" bIns="45720" rtlCol="0" anchor="ctr">
+            <a:noAutofit/>
+          </a:bodyPr>
+          <a:lstStyle>
+            <a:lvl1pPr>
+              <a:spcBef>
+                <a:spcPct val="0"/>
+              </a:spcBef>
+              <a:buNone/>
+              <a:defRPr sz="3200" b="0" cap="all">
+                <a:ln w="3175" cmpd="sng">
+                  <a:noFill/>
+                </a:ln>
+                <a:effectLst>
+                  <a:glow rad="38100">
+                    <a:schemeClr val="bg1">
+                      <a:lumMod val="65000"/>
+                      <a:lumOff val="35000"/>
+                      <a:alpha val="40000"/>
+                    </a:schemeClr>
+                  </a:glow>
+                  <a:outerShdw blurRad="28575" dist="38100" dir="14040000" algn="tl" rotWithShape="0">
+                    <a:srgbClr val="000000">
+                      <a:alpha val="25000"/>
+                    </a:srgbClr>
+                  </a:outerShdw>
+                </a:effectLst>
+              </a:defRPr>
+            </a:lvl1pPr>
+            <a:lvl2pPr>
+              <a:defRPr>
+                <a:solidFill>
+                  <a:schemeClr val="tx2"/>
+                </a:solidFill>
+              </a:defRPr>
+            </a:lvl2pPr>
+            <a:lvl3pPr>
+              <a:defRPr>
+                <a:solidFill>
+                  <a:schemeClr val="tx2"/>
+                </a:solidFill>
+              </a:defRPr>
+            </a:lvl3pPr>
+            <a:lvl4pPr>
+              <a:defRPr>
+                <a:solidFill>
+                  <a:schemeClr val="tx2"/>
+                </a:solidFill>
+              </a:defRPr>
+            </a:lvl4pPr>
+            <a:lvl5pPr>
+              <a:defRPr>
+                <a:solidFill>
+                  <a:schemeClr val="tx2"/>
+                </a:solidFill>
+              </a:defRPr>
+            </a:lvl5pPr>
+            <a:lvl6pPr>
+              <a:defRPr>
+                <a:solidFill>
+                  <a:schemeClr val="tx2"/>
+                </a:solidFill>
+              </a:defRPr>
+            </a:lvl6pPr>
+            <a:lvl7pPr>
+              <a:defRPr>
+                <a:solidFill>
+                  <a:schemeClr val="tx2"/>
+                </a:solidFill>
+              </a:defRPr>
+            </a:lvl7pPr>
+            <a:lvl8pPr>
+              <a:defRPr>
+                <a:solidFill>
+                  <a:schemeClr val="tx2"/>
+                </a:solidFill>
+              </a:defRPr>
+            </a:lvl8pPr>
+            <a:lvl9pPr>
+              <a:defRPr>
+                <a:solidFill>
+                  <a:schemeClr val="tx2"/>
+                </a:solidFill>
+              </a:defRPr>
+            </a:lvl9pPr>
+          </a:lstStyle>
+          <a:p>
+            <a:pPr lvl="0" algn="r"/>
+            <a:r>
+              <a:rPr lang="en-US" sz="8000" dirty="0">
+                <a:solidFill>
+                  <a:schemeClr val="accent1"/>
+                </a:solidFill>
+              </a:rPr>
+              <a:t>”</a:t>
+            </a:r>
+          </a:p>
+        </p:txBody>
+      </p:sp>
+      <p:sp>
+        <p:nvSpPr>
+          <p:cNvPr id="2" name="Title 1"/>
+          <p:cNvSpPr>
+            <a:spLocks noGrp="1"/>
+          </p:cNvSpPr>
+          <p:nvPr>
+            <p:ph type="title"/>
+          </p:nvPr>
+        </p:nvSpPr>
+        <p:spPr>
+          <a:xfrm>
+            <a:off x="1446213" y="609601"/>
+            <a:ext cx="9296398" cy="2743199"/>
+          </a:xfrm>
+        </p:spPr>
+        <p:txBody>
+          <a:bodyPr anchor="ctr">
+            <a:normAutofit/>
+          </a:bodyPr>
+          <a:lstStyle>
+            <a:lvl1pPr algn="l">
+              <a:defRPr sz="3200" b="0" cap="all">
+                <a:gradFill flip="none" rotWithShape="1">
+                  <a:gsLst>
+                    <a:gs pos="0">
+                      <a:schemeClr val="tx1"/>
+                    </a:gs>
+                    <a:gs pos="100000">
+                      <a:schemeClr val="tx1">
+                        <a:lumMod val="75000"/>
+                      </a:schemeClr>
+                    </a:gs>
+                  </a:gsLst>
+                  <a:lin ang="5400000" scaled="0"/>
+                  <a:tileRect/>
+                </a:gradFill>
+              </a:defRPr>
+            </a:lvl1pPr>
+          </a:lstStyle>
+          <a:p>
+            <a:r>
+              <a:rPr lang="de-DE"/>
+              <a:t>Mastertitelformat bearbeiten</a:t>
+            </a:r>
+            <a:endParaRPr lang="en-US" dirty="0"/>
+          </a:p>
+        </p:txBody>
+      </p:sp>
+      <p:sp>
+        <p:nvSpPr>
+          <p:cNvPr id="10" name="Text Placeholder 9"/>
+          <p:cNvSpPr>
+            <a:spLocks noGrp="1"/>
+          </p:cNvSpPr>
+          <p:nvPr>
+            <p:ph type="body" sz="quarter" idx="13"/>
+          </p:nvPr>
+        </p:nvSpPr>
+        <p:spPr>
+          <a:xfrm>
+            <a:off x="1141412" y="3886200"/>
+            <a:ext cx="9906000" cy="889000"/>
+          </a:xfrm>
+        </p:spPr>
+        <p:txBody>
+          <a:bodyPr vert="horz" lIns="91440" tIns="45720" rIns="91440" bIns="45720" rtlCol="0" anchor="b">
+            <a:normAutofit/>
+          </a:bodyPr>
+          <a:lstStyle>
+            <a:lvl1pPr>
+              <a:buNone/>
+              <a:defRPr lang="en-US" sz="2400" b="0" cap="all" dirty="0">
+                <a:ln w="3175" cmpd="sng">
+                  <a:noFill/>
+                </a:ln>
+                <a:gradFill flip="none" rotWithShape="1">
+                  <a:gsLst>
+                    <a:gs pos="0">
+                      <a:schemeClr val="tx1"/>
+                    </a:gs>
+                    <a:gs pos="100000">
+                      <a:schemeClr val="tx1">
+                        <a:lumMod val="75000"/>
+                      </a:schemeClr>
+                    </a:gs>
+                  </a:gsLst>
+                  <a:lin ang="5400000" scaled="0"/>
+                  <a:tileRect/>
+                </a:gradFill>
+                <a:effectLst>
+                  <a:glow rad="38100">
+                    <a:schemeClr val="bg1">
+                      <a:lumMod val="65000"/>
+                      <a:lumOff val="35000"/>
+                      <a:alpha val="40000"/>
+                    </a:schemeClr>
+                  </a:glow>
+                  <a:outerShdw blurRad="28575" dist="38100" dir="14040000" algn="tl" rotWithShape="0">
+                    <a:srgbClr val="000000">
+                      <a:alpha val="25000"/>
+                    </a:srgbClr>
+                  </a:outerShdw>
+                </a:effectLst>
+              </a:defRPr>
+            </a:lvl1pPr>
+          </a:lstStyle>
+          <a:p>
+            <a:pPr marL="0" lvl="0">
+              <a:spcBef>
+                <a:spcPct val="0"/>
+              </a:spcBef>
+              <a:buNone/>
+            </a:pPr>
+            <a:r>
+              <a:rPr lang="de-DE"/>
+              <a:t>Mastertextformat bearbeiten</a:t>
+            </a:r>
+          </a:p>
+        </p:txBody>
+      </p:sp>
+      <p:sp>
+        <p:nvSpPr>
+          <p:cNvPr id="3" name="Text Placeholder 2"/>
+          <p:cNvSpPr>
+            <a:spLocks noGrp="1"/>
+          </p:cNvSpPr>
+          <p:nvPr>
+            <p:ph type="body" idx="1"/>
+          </p:nvPr>
+        </p:nvSpPr>
+        <p:spPr>
+          <a:xfrm>
+            <a:off x="1141411" y="4775200"/>
+            <a:ext cx="9906000" cy="1016000"/>
+          </a:xfrm>
+        </p:spPr>
+        <p:txBody>
+          <a:bodyPr anchor="t">
+            <a:normAutofit/>
+          </a:bodyPr>
+          <a:lstStyle>
+            <a:lvl1pPr marL="0" indent="0" algn="l">
+              <a:buNone/>
+              <a:defRPr sz="1800">
+                <a:gradFill flip="none" rotWithShape="1">
+                  <a:gsLst>
+                    <a:gs pos="0">
+                      <a:schemeClr val="tx1"/>
+                    </a:gs>
+                    <a:gs pos="100000">
+                      <a:schemeClr val="tx1">
+                        <a:lumMod val="75000"/>
+                      </a:schemeClr>
+                    </a:gs>
+                  </a:gsLst>
+                  <a:lin ang="5400000" scaled="0"/>
+                  <a:tileRect/>
+                </a:gradFill>
+              </a:defRPr>
+            </a:lvl1pPr>
+            <a:lvl2pPr marL="457200" indent="0">
+              <a:buNone/>
+              <a:defRPr sz="1800">
+                <a:solidFill>
+                  <a:schemeClr val="tx1">
+                    <a:tint val="75000"/>
+                  </a:schemeClr>
+                </a:solidFill>
+              </a:defRPr>
+            </a:lvl2pPr>
+            <a:lvl3pPr marL="914400" indent="0">
+              <a:buNone/>
+              <a:defRPr sz="1600">
+                <a:solidFill>
+                  <a:schemeClr val="tx1">
+                    <a:tint val="75000"/>
+                  </a:schemeClr>
+                </a:solidFill>
+              </a:defRPr>
+            </a:lvl3pPr>
+            <a:lvl4pPr marL="1371600" indent="0">
+              <a:buNone/>
+              <a:defRPr sz="1400">
+                <a:solidFill>
+                  <a:schemeClr val="tx1">
+                    <a:tint val="75000"/>
+                  </a:schemeClr>
+                </a:solidFill>
+              </a:defRPr>
+            </a:lvl4pPr>
+            <a:lvl5pPr marL="1828800" indent="0">
+              <a:buNone/>
+              <a:defRPr sz="1400">
+                <a:solidFill>
+                  <a:schemeClr val="tx1">
+                    <a:tint val="75000"/>
+                  </a:schemeClr>
+                </a:solidFill>
+              </a:defRPr>
+            </a:lvl5pPr>
+            <a:lvl6pPr marL="2286000" indent="0">
+              <a:buNone/>
+              <a:defRPr sz="1400">
+                <a:solidFill>
+                  <a:schemeClr val="tx1">
+                    <a:tint val="75000"/>
+                  </a:schemeClr>
+                </a:solidFill>
+              </a:defRPr>
+            </a:lvl6pPr>
+            <a:lvl7pPr marL="2743200" indent="0">
+              <a:buNone/>
+              <a:defRPr sz="1400">
+                <a:solidFill>
+                  <a:schemeClr val="tx1">
+                    <a:tint val="75000"/>
+                  </a:schemeClr>
+                </a:solidFill>
+              </a:defRPr>
+            </a:lvl7pPr>
+            <a:lvl8pPr marL="3200400" indent="0">
+              <a:buNone/>
+              <a:defRPr sz="1400">
+                <a:solidFill>
+                  <a:schemeClr val="tx1">
+                    <a:tint val="75000"/>
+                  </a:schemeClr>
+                </a:solidFill>
+              </a:defRPr>
+            </a:lvl8pPr>
+            <a:lvl9pPr marL="3657600" indent="0">
+              <a:buNone/>
+              <a:defRPr sz="1400">
+                <a:solidFill>
+                  <a:schemeClr val="tx1">
+                    <a:tint val="75000"/>
+                  </a:schemeClr>
+                </a:solidFill>
+              </a:defRPr>
+            </a:lvl9pPr>
+          </a:lstStyle>
+          <a:p>
+            <a:pPr lvl="0"/>
+            <a:r>
+              <a:rPr lang="de-DE"/>
+              <a:t>Mastertextformat bearbeiten</a:t>
+            </a:r>
+          </a:p>
+        </p:txBody>
+      </p:sp>
+      <p:sp>
+        <p:nvSpPr>
+          <p:cNvPr id="4" name="Date Placeholder 3"/>
+          <p:cNvSpPr>
+            <a:spLocks noGrp="1"/>
+          </p:cNvSpPr>
+          <p:nvPr>
+            <p:ph type="dt" sz="half" idx="10"/>
+          </p:nvPr>
+        </p:nvSpPr>
+        <p:spPr/>
+        <p:txBody>
+          <a:bodyPr/>
+          <a:lstStyle/>
+          <a:p>
+            <a:fld id="{8F4B2E75-2FCB-4C97-B382-4A78F9D9179D}" type="datetimeFigureOut">
+              <a:rPr lang="de-AT" smtClean="0"/>
+              <a:t>26.05.2024</a:t>
+            </a:fld>
+            <a:endParaRPr lang="de-AT"/>
+          </a:p>
+        </p:txBody>
+      </p:sp>
+      <p:sp>
+        <p:nvSpPr>
+          <p:cNvPr id="5" name="Footer Placeholder 4"/>
+          <p:cNvSpPr>
+            <a:spLocks noGrp="1"/>
+          </p:cNvSpPr>
+          <p:nvPr>
+            <p:ph type="ftr" sz="quarter" idx="11"/>
+          </p:nvPr>
+        </p:nvSpPr>
+        <p:spPr/>
+        <p:txBody>
+          <a:bodyPr/>
+          <a:lstStyle/>
+          <a:p>
+            <a:endParaRPr lang="de-AT"/>
+          </a:p>
+        </p:txBody>
+      </p:sp>
+      <p:sp>
+        <p:nvSpPr>
+          <p:cNvPr id="6" name="Slide Number Placeholder 5"/>
+          <p:cNvSpPr>
+            <a:spLocks noGrp="1"/>
+          </p:cNvSpPr>
+          <p:nvPr>
+            <p:ph type="sldNum" sz="quarter" idx="12"/>
+          </p:nvPr>
+        </p:nvSpPr>
+        <p:spPr/>
+        <p:txBody>
+          <a:bodyPr/>
+          <a:lstStyle/>
+          <a:p>
+            <a:fld id="{9A336AB9-841B-48F1-AAD0-348EEE8F5414}" type="slidenum">
+              <a:rPr lang="de-AT" smtClean="0"/>
+              <a:t>‹Nr.›</a:t>
+            </a:fld>
+            <a:endParaRPr lang="de-AT"/>
+          </a:p>
+        </p:txBody>
+      </p:sp>
+    </p:spTree>
+    <p:extLst>
+      <p:ext uri="{BB962C8B-B14F-4D97-AF65-F5344CB8AC3E}">
+        <p14:creationId xmlns:p14="http://schemas.microsoft.com/office/powerpoint/2010/main" val="1528358127"/>
+      </p:ext>
+    </p:extLst>
+  </p:cSld>
+  <p:clrMapOvr>
+    <a:masterClrMapping/>
+  </p:clrMapOvr>
+</p:sldLayout>
+</file>
+
+<file path=ppt/slideLayouts/slideLayout15.xml><?xml version="1.0" encoding="utf-8"?>
+<p:sldLayout xmlns:a="http://schemas.openxmlformats.org/drawingml/2006/main" xmlns:r="http://schemas.openxmlformats.org/officeDocument/2006/relationships" xmlns:p="http://schemas.openxmlformats.org/presentationml/2006/main" preserve="1">
+  <p:cSld name="Wahr oder Falsch">
+    <p:spTree>
+      <p:nvGrpSpPr>
+        <p:cNvPr id="1" name=""/>
+        <p:cNvGrpSpPr/>
+        <p:nvPr/>
+      </p:nvGrpSpPr>
+      <p:grpSpPr>
+        <a:xfrm>
+          <a:off x="0" y="0"/>
+          <a:ext cx="0" cy="0"/>
+          <a:chOff x="0" y="0"/>
+          <a:chExt cx="0" cy="0"/>
+        </a:xfrm>
+      </p:grpSpPr>
+      <p:sp>
+        <p:nvSpPr>
+          <p:cNvPr id="2" name="Title 1"/>
+          <p:cNvSpPr>
+            <a:spLocks noGrp="1"/>
+          </p:cNvSpPr>
+          <p:nvPr>
+            <p:ph type="title"/>
+          </p:nvPr>
+        </p:nvSpPr>
+        <p:spPr>
+          <a:xfrm>
+            <a:off x="1141412" y="609601"/>
+            <a:ext cx="9905999" cy="2743199"/>
+          </a:xfrm>
+        </p:spPr>
+        <p:txBody>
+          <a:bodyPr vert="horz" lIns="91440" tIns="45720" rIns="91440" bIns="45720" rtlCol="0" anchor="ctr">
+            <a:normAutofit/>
+          </a:bodyPr>
+          <a:lstStyle>
+            <a:lvl1pPr>
+              <a:defRPr lang="en-US" b="0" dirty="0"/>
+            </a:lvl1pPr>
+          </a:lstStyle>
+          <a:p>
+            <a:pPr marL="0" lvl="0"/>
+            <a:r>
+              <a:rPr lang="de-DE"/>
+              <a:t>Mastertitelformat bearbeiten</a:t>
+            </a:r>
+            <a:endParaRPr lang="en-US" dirty="0"/>
+          </a:p>
+        </p:txBody>
+      </p:sp>
+      <p:sp>
+        <p:nvSpPr>
+          <p:cNvPr id="10" name="Text Placeholder 9"/>
+          <p:cNvSpPr>
+            <a:spLocks noGrp="1"/>
+          </p:cNvSpPr>
+          <p:nvPr>
+            <p:ph type="body" sz="quarter" idx="13"/>
+          </p:nvPr>
+        </p:nvSpPr>
+        <p:spPr>
+          <a:xfrm>
+            <a:off x="1141412" y="3505200"/>
+            <a:ext cx="9906000" cy="838200"/>
+          </a:xfrm>
+        </p:spPr>
+        <p:txBody>
+          <a:bodyPr vert="horz" lIns="91440" tIns="45720" rIns="91440" bIns="45720" rtlCol="0" anchor="b">
+            <a:normAutofit/>
+          </a:bodyPr>
+          <a:lstStyle>
+            <a:lvl1pPr>
+              <a:buNone/>
+              <a:defRPr lang="en-US" sz="2800" b="0" cap="all" dirty="0">
+                <a:ln w="3175" cmpd="sng">
+                  <a:noFill/>
+                </a:ln>
+                <a:gradFill flip="none" rotWithShape="1">
+                  <a:gsLst>
+                    <a:gs pos="0">
+                      <a:schemeClr val="tx1"/>
+                    </a:gs>
+                    <a:gs pos="100000">
+                      <a:schemeClr val="tx1">
+                        <a:lumMod val="75000"/>
+                      </a:schemeClr>
+                    </a:gs>
+                  </a:gsLst>
+                  <a:lin ang="5400000" scaled="0"/>
+                  <a:tileRect/>
+                </a:gradFill>
+                <a:effectLst>
+                  <a:glow rad="38100">
+                    <a:schemeClr val="bg1">
+                      <a:lumMod val="65000"/>
+                      <a:lumOff val="35000"/>
+                      <a:alpha val="40000"/>
+                    </a:schemeClr>
+                  </a:glow>
+                  <a:outerShdw blurRad="28575" dist="38100" dir="14040000" algn="tl" rotWithShape="0">
+                    <a:srgbClr val="000000">
+                      <a:alpha val="25000"/>
+                    </a:srgbClr>
+                  </a:outerShdw>
+                </a:effectLst>
+              </a:defRPr>
+            </a:lvl1pPr>
+          </a:lstStyle>
+          <a:p>
+            <a:pPr marL="0" lvl="0">
+              <a:spcBef>
+                <a:spcPct val="0"/>
+              </a:spcBef>
+              <a:buNone/>
+            </a:pPr>
+            <a:r>
+              <a:rPr lang="de-DE"/>
+              <a:t>Mastertextformat bearbeiten</a:t>
+            </a:r>
+          </a:p>
+        </p:txBody>
+      </p:sp>
+      <p:sp>
+        <p:nvSpPr>
+          <p:cNvPr id="3" name="Text Placeholder 2"/>
+          <p:cNvSpPr>
+            <a:spLocks noGrp="1"/>
+          </p:cNvSpPr>
+          <p:nvPr>
+            <p:ph type="body" idx="1"/>
+          </p:nvPr>
+        </p:nvSpPr>
+        <p:spPr>
+          <a:xfrm>
+            <a:off x="1141411" y="4343400"/>
+            <a:ext cx="9906000" cy="1447800"/>
+          </a:xfrm>
+        </p:spPr>
+        <p:txBody>
+          <a:bodyPr anchor="t">
+            <a:normAutofit/>
+          </a:bodyPr>
+          <a:lstStyle>
+            <a:lvl1pPr marL="0" indent="0" algn="l">
+              <a:buNone/>
+              <a:defRPr sz="1800">
+                <a:gradFill flip="none" rotWithShape="1">
+                  <a:gsLst>
+                    <a:gs pos="0">
+                      <a:schemeClr val="tx1"/>
+                    </a:gs>
+                    <a:gs pos="100000">
+                      <a:schemeClr val="tx1">
+                        <a:lumMod val="75000"/>
+                      </a:schemeClr>
+                    </a:gs>
+                  </a:gsLst>
+                  <a:lin ang="5400000" scaled="0"/>
+                  <a:tileRect/>
+                </a:gradFill>
+              </a:defRPr>
+            </a:lvl1pPr>
+            <a:lvl2pPr marL="457200" indent="0">
+              <a:buNone/>
+              <a:defRPr sz="1800">
+                <a:solidFill>
+                  <a:schemeClr val="tx1">
+                    <a:tint val="75000"/>
+                  </a:schemeClr>
+                </a:solidFill>
+              </a:defRPr>
+            </a:lvl2pPr>
+            <a:lvl3pPr marL="914400" indent="0">
+              <a:buNone/>
+              <a:defRPr sz="1600">
+                <a:solidFill>
+                  <a:schemeClr val="tx1">
+                    <a:tint val="75000"/>
+                  </a:schemeClr>
+                </a:solidFill>
+              </a:defRPr>
+            </a:lvl3pPr>
+            <a:lvl4pPr marL="1371600" indent="0">
+              <a:buNone/>
+              <a:defRPr sz="1400">
+                <a:solidFill>
+                  <a:schemeClr val="tx1">
+                    <a:tint val="75000"/>
+                  </a:schemeClr>
+                </a:solidFill>
+              </a:defRPr>
+            </a:lvl4pPr>
+            <a:lvl5pPr marL="1828800" indent="0">
+              <a:buNone/>
+              <a:defRPr sz="1400">
+                <a:solidFill>
+                  <a:schemeClr val="tx1">
+                    <a:tint val="75000"/>
+                  </a:schemeClr>
+                </a:solidFill>
+              </a:defRPr>
+            </a:lvl5pPr>
+            <a:lvl6pPr marL="2286000" indent="0">
+              <a:buNone/>
+              <a:defRPr sz="1400">
+                <a:solidFill>
+                  <a:schemeClr val="tx1">
+                    <a:tint val="75000"/>
+                  </a:schemeClr>
+                </a:solidFill>
+              </a:defRPr>
+            </a:lvl6pPr>
+            <a:lvl7pPr marL="2743200" indent="0">
+              <a:buNone/>
+              <a:defRPr sz="1400">
+                <a:solidFill>
+                  <a:schemeClr val="tx1">
+                    <a:tint val="75000"/>
+                  </a:schemeClr>
+                </a:solidFill>
+              </a:defRPr>
+            </a:lvl7pPr>
+            <a:lvl8pPr marL="3200400" indent="0">
+              <a:buNone/>
+              <a:defRPr sz="1400">
+                <a:solidFill>
+                  <a:schemeClr val="tx1">
+                    <a:tint val="75000"/>
+                  </a:schemeClr>
+                </a:solidFill>
+              </a:defRPr>
+            </a:lvl8pPr>
+            <a:lvl9pPr marL="3657600" indent="0">
+              <a:buNone/>
+              <a:defRPr sz="1400">
+                <a:solidFill>
+                  <a:schemeClr val="tx1">
+                    <a:tint val="75000"/>
+                  </a:schemeClr>
+                </a:solidFill>
+              </a:defRPr>
+            </a:lvl9pPr>
+          </a:lstStyle>
+          <a:p>
+            <a:pPr lvl="0"/>
+            <a:r>
+              <a:rPr lang="de-DE"/>
+              <a:t>Mastertextformat bearbeiten</a:t>
+            </a:r>
+          </a:p>
+        </p:txBody>
+      </p:sp>
+      <p:sp>
+        <p:nvSpPr>
+          <p:cNvPr id="4" name="Date Placeholder 3"/>
+          <p:cNvSpPr>
+            <a:spLocks noGrp="1"/>
+          </p:cNvSpPr>
+          <p:nvPr>
+            <p:ph type="dt" sz="half" idx="10"/>
+          </p:nvPr>
+        </p:nvSpPr>
+        <p:spPr/>
+        <p:txBody>
+          <a:bodyPr/>
+          <a:lstStyle/>
+          <a:p>
+            <a:fld id="{8F4B2E75-2FCB-4C97-B382-4A78F9D9179D}" type="datetimeFigureOut">
+              <a:rPr lang="de-AT" smtClean="0"/>
+              <a:t>26.05.2024</a:t>
+            </a:fld>
+            <a:endParaRPr lang="de-AT"/>
+          </a:p>
+        </p:txBody>
+      </p:sp>
+      <p:sp>
+        <p:nvSpPr>
+          <p:cNvPr id="5" name="Footer Placeholder 4"/>
+          <p:cNvSpPr>
+            <a:spLocks noGrp="1"/>
+          </p:cNvSpPr>
+          <p:nvPr>
+            <p:ph type="ftr" sz="quarter" idx="11"/>
+          </p:nvPr>
+        </p:nvSpPr>
+        <p:spPr/>
+        <p:txBody>
+          <a:bodyPr/>
+          <a:lstStyle/>
+          <a:p>
+            <a:endParaRPr lang="de-AT"/>
+          </a:p>
+        </p:txBody>
+      </p:sp>
+      <p:sp>
+        <p:nvSpPr>
+          <p:cNvPr id="6" name="Slide Number Placeholder 5"/>
+          <p:cNvSpPr>
+            <a:spLocks noGrp="1"/>
+          </p:cNvSpPr>
+          <p:nvPr>
+            <p:ph type="sldNum" sz="quarter" idx="12"/>
+          </p:nvPr>
+        </p:nvSpPr>
+        <p:spPr/>
+        <p:txBody>
+          <a:bodyPr/>
+          <a:lstStyle/>
+          <a:p>
+            <a:fld id="{9A336AB9-841B-48F1-AAD0-348EEE8F5414}" type="slidenum">
+              <a:rPr lang="de-AT" smtClean="0"/>
+              <a:t>‹Nr.›</a:t>
+            </a:fld>
+            <a:endParaRPr lang="de-AT"/>
+          </a:p>
+        </p:txBody>
+      </p:sp>
+    </p:spTree>
+    <p:extLst>
+      <p:ext uri="{BB962C8B-B14F-4D97-AF65-F5344CB8AC3E}">
+        <p14:creationId xmlns:p14="http://schemas.microsoft.com/office/powerpoint/2010/main" val="2746098538"/>
+      </p:ext>
+    </p:extLst>
+  </p:cSld>
+  <p:clrMapOvr>
+    <a:masterClrMapping/>
+  </p:clrMapOvr>
+</p:sldLayout>
+</file>
+
+<file path=ppt/slideLayouts/slideLayout16.xml><?xml version="1.0" encoding="utf-8"?>
 <p:sldLayout xmlns:a="http://schemas.openxmlformats.org/drawingml/2006/main" xmlns:r="http://schemas.openxmlformats.org/officeDocument/2006/relationships" xmlns:p="http://schemas.openxmlformats.org/presentationml/2006/main" type="vertTx" preserve="1">
   <p:cSld name="Titel und vertikaler Text">
     <p:spTree>
@@ -363,13 +2525,7 @@
       </p:grpSpPr>
       <p:sp>
         <p:nvSpPr>
-          <p:cNvPr id="2" name="Titel 1">
-            <a:extLst>
-              <a:ext uri="{FF2B5EF4-FFF2-40B4-BE49-F238E27FC236}">
-                <a16:creationId xmlns:a16="http://schemas.microsoft.com/office/drawing/2014/main" id="{B051CDA0-406C-B207-A10D-75015A092834}"/>
-              </a:ext>
-            </a:extLst>
-          </p:cNvPr>
+          <p:cNvPr id="7" name="Title 1"/>
           <p:cNvSpPr>
             <a:spLocks noGrp="1"/>
           </p:cNvSpPr>
@@ -377,28 +2533,33 @@
             <p:ph type="title"/>
           </p:nvPr>
         </p:nvSpPr>
-        <p:spPr/>
-        <p:txBody>
-          <a:bodyPr/>
-          <a:lstStyle/>
-          <a:p>
-            <a:r>
-              <a:rPr lang="de-DE"/>
+        <p:spPr>
+          <a:xfrm>
+            <a:off x="1141413" y="609600"/>
+            <a:ext cx="9905998" cy="1905000"/>
+          </a:xfrm>
+        </p:spPr>
+        <p:txBody>
+          <a:bodyPr/>
+          <a:lstStyle>
+            <a:lvl1pPr>
+              <a:defRPr>
+                <a:latin typeface="Calibri (Textkörper)"/>
+              </a:defRPr>
+            </a:lvl1pPr>
+          </a:lstStyle>
+          <a:p>
+            <a:r>
+              <a:rPr lang="de-DE" dirty="0"/>
               <a:t>Mastertitelformat bearbeiten</a:t>
             </a:r>
-            <a:endParaRPr lang="de-AT"/>
-          </a:p>
-        </p:txBody>
-      </p:sp>
-      <p:sp>
-        <p:nvSpPr>
-          <p:cNvPr id="3" name="Vertikaler Textplatzhalter 2">
-            <a:extLst>
-              <a:ext uri="{FF2B5EF4-FFF2-40B4-BE49-F238E27FC236}">
-                <a16:creationId xmlns:a16="http://schemas.microsoft.com/office/drawing/2014/main" id="{AB8AA243-F25C-B7B7-A056-AA581AE372DE}"/>
-              </a:ext>
-            </a:extLst>
-          </p:cNvPr>
+            <a:endParaRPr lang="en-US" dirty="0"/>
+          </a:p>
+        </p:txBody>
+      </p:sp>
+      <p:sp>
+        <p:nvSpPr>
+          <p:cNvPr id="3" name="Vertical Text Placeholder 2"/>
           <p:cNvSpPr>
             <a:spLocks noGrp="1"/>
           </p:cNvSpPr>
@@ -408,55 +2569,75 @@
         </p:nvSpPr>
         <p:spPr/>
         <p:txBody>
-          <a:bodyPr vert="eaVert"/>
-          <a:lstStyle/>
+          <a:bodyPr vert="eaVert" anchor="t"/>
+          <a:lstStyle>
+            <a:lvl1pPr>
+              <a:defRPr>
+                <a:latin typeface="Calibri (Textkörper)"/>
+              </a:defRPr>
+            </a:lvl1pPr>
+            <a:lvl2pPr>
+              <a:defRPr>
+                <a:latin typeface="Calibri (Textkörper)"/>
+              </a:defRPr>
+            </a:lvl2pPr>
+            <a:lvl3pPr>
+              <a:defRPr>
+                <a:latin typeface="Calibri (Textkörper)"/>
+              </a:defRPr>
+            </a:lvl3pPr>
+            <a:lvl4pPr>
+              <a:defRPr>
+                <a:latin typeface="Calibri (Textkörper)"/>
+              </a:defRPr>
+            </a:lvl4pPr>
+            <a:lvl5pPr>
+              <a:defRPr>
+                <a:latin typeface="Calibri (Textkörper)"/>
+              </a:defRPr>
+            </a:lvl5pPr>
+          </a:lstStyle>
           <a:p>
             <a:pPr lvl="0"/>
             <a:r>
-              <a:rPr lang="de-DE"/>
+              <a:rPr lang="de-DE" dirty="0"/>
               <a:t>Mastertextformat bearbeiten</a:t>
             </a:r>
           </a:p>
           <a:p>
             <a:pPr lvl="1"/>
             <a:r>
-              <a:rPr lang="de-DE"/>
+              <a:rPr lang="de-DE" dirty="0"/>
               <a:t>Zweite Ebene</a:t>
             </a:r>
           </a:p>
           <a:p>
             <a:pPr lvl="2"/>
             <a:r>
-              <a:rPr lang="de-DE"/>
+              <a:rPr lang="de-DE" dirty="0"/>
               <a:t>Dritte Ebene</a:t>
             </a:r>
           </a:p>
           <a:p>
             <a:pPr lvl="3"/>
             <a:r>
-              <a:rPr lang="de-DE"/>
+              <a:rPr lang="de-DE" dirty="0"/>
               <a:t>Vierte Ebene</a:t>
             </a:r>
           </a:p>
           <a:p>
             <a:pPr lvl="4"/>
             <a:r>
-              <a:rPr lang="de-DE"/>
+              <a:rPr lang="de-DE" dirty="0"/>
               <a:t>Fünfte Ebene</a:t>
             </a:r>
-            <a:endParaRPr lang="de-AT"/>
-          </a:p>
-        </p:txBody>
-      </p:sp>
-      <p:sp>
-        <p:nvSpPr>
-          <p:cNvPr id="4" name="Datumsplatzhalter 3">
-            <a:extLst>
-              <a:ext uri="{FF2B5EF4-FFF2-40B4-BE49-F238E27FC236}">
-                <a16:creationId xmlns:a16="http://schemas.microsoft.com/office/drawing/2014/main" id="{C952AE92-44A5-CF22-B1D3-F0BFD32A1C8C}"/>
-              </a:ext>
-            </a:extLst>
-          </p:cNvPr>
+            <a:endParaRPr lang="en-US" dirty="0"/>
+          </a:p>
+        </p:txBody>
+      </p:sp>
+      <p:sp>
+        <p:nvSpPr>
+          <p:cNvPr id="4" name="Date Placeholder 3"/>
           <p:cNvSpPr>
             <a:spLocks noGrp="1"/>
           </p:cNvSpPr>
@@ -479,13 +2660,7 @@
       </p:sp>
       <p:sp>
         <p:nvSpPr>
-          <p:cNvPr id="5" name="Fußzeilenplatzhalter 4">
-            <a:extLst>
-              <a:ext uri="{FF2B5EF4-FFF2-40B4-BE49-F238E27FC236}">
-                <a16:creationId xmlns:a16="http://schemas.microsoft.com/office/drawing/2014/main" id="{805D1E0D-7521-9052-94ED-C44FBF60C812}"/>
-              </a:ext>
-            </a:extLst>
-          </p:cNvPr>
+          <p:cNvPr id="5" name="Footer Placeholder 4"/>
           <p:cNvSpPr>
             <a:spLocks noGrp="1"/>
           </p:cNvSpPr>
@@ -504,13 +2679,7 @@
       </p:sp>
       <p:sp>
         <p:nvSpPr>
-          <p:cNvPr id="6" name="Foliennummernplatzhalter 5">
-            <a:extLst>
-              <a:ext uri="{FF2B5EF4-FFF2-40B4-BE49-F238E27FC236}">
-                <a16:creationId xmlns:a16="http://schemas.microsoft.com/office/drawing/2014/main" id="{29A8D623-DEC4-116D-C17D-BBB7EDD98552}"/>
-              </a:ext>
-            </a:extLst>
-          </p:cNvPr>
+          <p:cNvPr id="6" name="Slide Number Placeholder 5"/>
           <p:cNvSpPr>
             <a:spLocks noGrp="1"/>
           </p:cNvSpPr>
@@ -534,7 +2703,7 @@
     </p:spTree>
     <p:extLst>
       <p:ext uri="{BB962C8B-B14F-4D97-AF65-F5344CB8AC3E}">
-        <p14:creationId xmlns:p14="http://schemas.microsoft.com/office/powerpoint/2010/main" val="3210637628"/>
+        <p14:creationId xmlns:p14="http://schemas.microsoft.com/office/powerpoint/2010/main" val="2480391214"/>
       </p:ext>
     </p:extLst>
   </p:cSld>
@@ -544,7 +2713,7 @@
 </p:sldLayout>
 </file>
 
-<file path=ppt/slideLayouts/slideLayout11.xml><?xml version="1.0" encoding="utf-8"?>
+<file path=ppt/slideLayouts/slideLayout17.xml><?xml version="1.0" encoding="utf-8"?>
 <p:sldLayout xmlns:a="http://schemas.openxmlformats.org/drawingml/2006/main" xmlns:r="http://schemas.openxmlformats.org/officeDocument/2006/relationships" xmlns:p="http://schemas.openxmlformats.org/presentationml/2006/main" type="vertTitleAndTx" preserve="1">
   <p:cSld name="Vertikaler Titel und Text">
     <p:spTree>
@@ -563,13 +2732,7 @@
       </p:grpSpPr>
       <p:sp>
         <p:nvSpPr>
-          <p:cNvPr id="2" name="Vertikaler Titel 1">
-            <a:extLst>
-              <a:ext uri="{FF2B5EF4-FFF2-40B4-BE49-F238E27FC236}">
-                <a16:creationId xmlns:a16="http://schemas.microsoft.com/office/drawing/2014/main" id="{FE9FFEA7-5B66-BE18-2472-C63BC8F56DF3}"/>
-              </a:ext>
-            </a:extLst>
-          </p:cNvPr>
+          <p:cNvPr id="2" name="Vertical Title 1"/>
           <p:cNvSpPr>
             <a:spLocks noGrp="1"/>
           </p:cNvSpPr>
@@ -579,8 +2742,8 @@
         </p:nvSpPr>
         <p:spPr>
           <a:xfrm>
-            <a:off x="8724900" y="365125"/>
-            <a:ext cx="2628900" cy="5811838"/>
+            <a:off x="8836898" y="609599"/>
+            <a:ext cx="2210514" cy="5181601"/>
           </a:xfrm>
         </p:spPr>
         <p:txBody>
@@ -591,19 +2754,13 @@
               <a:rPr lang="de-DE"/>
               <a:t>Mastertitelformat bearbeiten</a:t>
             </a:r>
-            <a:endParaRPr lang="de-AT"/>
-          </a:p>
-        </p:txBody>
-      </p:sp>
-      <p:sp>
-        <p:nvSpPr>
-          <p:cNvPr id="3" name="Vertikaler Textplatzhalter 2">
-            <a:extLst>
-              <a:ext uri="{FF2B5EF4-FFF2-40B4-BE49-F238E27FC236}">
-                <a16:creationId xmlns:a16="http://schemas.microsoft.com/office/drawing/2014/main" id="{25704434-1AC8-0D12-9D3C-71E497044ED3}"/>
-              </a:ext>
-            </a:extLst>
-          </p:cNvPr>
+            <a:endParaRPr lang="en-US" dirty="0"/>
+          </a:p>
+        </p:txBody>
+      </p:sp>
+      <p:sp>
+        <p:nvSpPr>
+          <p:cNvPr id="3" name="Vertical Text Placeholder 2"/>
           <p:cNvSpPr>
             <a:spLocks noGrp="1"/>
           </p:cNvSpPr>
@@ -613,12 +2770,12 @@
         </p:nvSpPr>
         <p:spPr>
           <a:xfrm>
-            <a:off x="838200" y="365125"/>
-            <a:ext cx="7734300" cy="5811838"/>
+            <a:off x="1141412" y="609600"/>
+            <a:ext cx="7543800" cy="5181600"/>
           </a:xfrm>
         </p:spPr>
         <p:txBody>
-          <a:bodyPr vert="eaVert"/>
+          <a:bodyPr vert="eaVert" anchor="t"/>
           <a:lstStyle/>
           <a:p>
             <a:pPr lvl="0"/>
@@ -654,19 +2811,13 @@
               <a:rPr lang="de-DE"/>
               <a:t>Fünfte Ebene</a:t>
             </a:r>
-            <a:endParaRPr lang="de-AT"/>
-          </a:p>
-        </p:txBody>
-      </p:sp>
-      <p:sp>
-        <p:nvSpPr>
-          <p:cNvPr id="4" name="Datumsplatzhalter 3">
-            <a:extLst>
-              <a:ext uri="{FF2B5EF4-FFF2-40B4-BE49-F238E27FC236}">
-                <a16:creationId xmlns:a16="http://schemas.microsoft.com/office/drawing/2014/main" id="{F84C680A-4197-4F5B-1AC8-B2426177C402}"/>
-              </a:ext>
-            </a:extLst>
-          </p:cNvPr>
+            <a:endParaRPr lang="en-US" dirty="0"/>
+          </a:p>
+        </p:txBody>
+      </p:sp>
+      <p:sp>
+        <p:nvSpPr>
+          <p:cNvPr id="4" name="Date Placeholder 3"/>
           <p:cNvSpPr>
             <a:spLocks noGrp="1"/>
           </p:cNvSpPr>
@@ -689,13 +2840,7 @@
       </p:sp>
       <p:sp>
         <p:nvSpPr>
-          <p:cNvPr id="5" name="Fußzeilenplatzhalter 4">
-            <a:extLst>
-              <a:ext uri="{FF2B5EF4-FFF2-40B4-BE49-F238E27FC236}">
-                <a16:creationId xmlns:a16="http://schemas.microsoft.com/office/drawing/2014/main" id="{4189F32E-F1C2-B521-4AE4-207B2380FFB2}"/>
-              </a:ext>
-            </a:extLst>
-          </p:cNvPr>
+          <p:cNvPr id="5" name="Footer Placeholder 4"/>
           <p:cNvSpPr>
             <a:spLocks noGrp="1"/>
           </p:cNvSpPr>
@@ -714,13 +2859,7 @@
       </p:sp>
       <p:sp>
         <p:nvSpPr>
-          <p:cNvPr id="6" name="Foliennummernplatzhalter 5">
-            <a:extLst>
-              <a:ext uri="{FF2B5EF4-FFF2-40B4-BE49-F238E27FC236}">
-                <a16:creationId xmlns:a16="http://schemas.microsoft.com/office/drawing/2014/main" id="{0136DEE0-B5F7-5E66-299C-F9E50910C621}"/>
-              </a:ext>
-            </a:extLst>
-          </p:cNvPr>
+          <p:cNvPr id="6" name="Slide Number Placeholder 5"/>
           <p:cNvSpPr>
             <a:spLocks noGrp="1"/>
           </p:cNvSpPr>
@@ -744,7 +2883,7 @@
     </p:spTree>
     <p:extLst>
       <p:ext uri="{BB962C8B-B14F-4D97-AF65-F5344CB8AC3E}">
-        <p14:creationId xmlns:p14="http://schemas.microsoft.com/office/powerpoint/2010/main" val="4076823787"/>
+        <p14:creationId xmlns:p14="http://schemas.microsoft.com/office/powerpoint/2010/main" val="33256143"/>
       </p:ext>
     </p:extLst>
   </p:cSld>
@@ -773,13 +2912,7 @@
       </p:grpSpPr>
       <p:sp>
         <p:nvSpPr>
-          <p:cNvPr id="2" name="Titel 1">
-            <a:extLst>
-              <a:ext uri="{FF2B5EF4-FFF2-40B4-BE49-F238E27FC236}">
-                <a16:creationId xmlns:a16="http://schemas.microsoft.com/office/drawing/2014/main" id="{D3E8B5BB-9988-B098-031F-7057250A90E7}"/>
-              </a:ext>
-            </a:extLst>
-          </p:cNvPr>
+          <p:cNvPr id="2" name="Title 1"/>
           <p:cNvSpPr>
             <a:spLocks noGrp="1"/>
           </p:cNvSpPr>
@@ -790,25 +2923,25 @@
         <p:spPr/>
         <p:txBody>
           <a:bodyPr/>
-          <a:lstStyle/>
-          <a:p>
-            <a:r>
-              <a:rPr lang="de-DE"/>
+          <a:lstStyle>
+            <a:lvl1pPr>
+              <a:defRPr>
+                <a:latin typeface="Calibri (Textkörper)"/>
+              </a:defRPr>
+            </a:lvl1pPr>
+          </a:lstStyle>
+          <a:p>
+            <a:r>
+              <a:rPr lang="de-DE" dirty="0"/>
               <a:t>Mastertitelformat bearbeiten</a:t>
             </a:r>
-            <a:endParaRPr lang="de-AT"/>
-          </a:p>
-        </p:txBody>
-      </p:sp>
-      <p:sp>
-        <p:nvSpPr>
-          <p:cNvPr id="3" name="Inhaltsplatzhalter 2">
-            <a:extLst>
-              <a:ext uri="{FF2B5EF4-FFF2-40B4-BE49-F238E27FC236}">
-                <a16:creationId xmlns:a16="http://schemas.microsoft.com/office/drawing/2014/main" id="{4E7B2EFD-F6C2-F805-45D2-29C637501ED2}"/>
-              </a:ext>
-            </a:extLst>
-          </p:cNvPr>
+            <a:endParaRPr lang="en-US" dirty="0"/>
+          </a:p>
+        </p:txBody>
+      </p:sp>
+      <p:sp>
+        <p:nvSpPr>
+          <p:cNvPr id="3" name="Content Placeholder 2"/>
           <p:cNvSpPr>
             <a:spLocks noGrp="1"/>
           </p:cNvSpPr>
@@ -818,55 +2951,75 @@
         </p:nvSpPr>
         <p:spPr/>
         <p:txBody>
-          <a:bodyPr/>
-          <a:lstStyle/>
+          <a:bodyPr anchor="ctr"/>
+          <a:lstStyle>
+            <a:lvl1pPr>
+              <a:defRPr>
+                <a:latin typeface="Calibri (Textkörper)"/>
+              </a:defRPr>
+            </a:lvl1pPr>
+            <a:lvl2pPr>
+              <a:defRPr>
+                <a:latin typeface="Calibri (Textkörper)"/>
+              </a:defRPr>
+            </a:lvl2pPr>
+            <a:lvl3pPr>
+              <a:defRPr>
+                <a:latin typeface="Calibri (Textkörper)"/>
+              </a:defRPr>
+            </a:lvl3pPr>
+            <a:lvl4pPr>
+              <a:defRPr>
+                <a:latin typeface="Calibri (Textkörper)"/>
+              </a:defRPr>
+            </a:lvl4pPr>
+            <a:lvl5pPr>
+              <a:defRPr>
+                <a:latin typeface="Calibri (Textkörper)"/>
+              </a:defRPr>
+            </a:lvl5pPr>
+          </a:lstStyle>
           <a:p>
             <a:pPr lvl="0"/>
             <a:r>
-              <a:rPr lang="de-DE"/>
+              <a:rPr lang="de-DE" dirty="0"/>
               <a:t>Mastertextformat bearbeiten</a:t>
             </a:r>
           </a:p>
           <a:p>
             <a:pPr lvl="1"/>
             <a:r>
-              <a:rPr lang="de-DE"/>
+              <a:rPr lang="de-DE" dirty="0"/>
               <a:t>Zweite Ebene</a:t>
             </a:r>
           </a:p>
           <a:p>
             <a:pPr lvl="2"/>
             <a:r>
-              <a:rPr lang="de-DE"/>
+              <a:rPr lang="de-DE" dirty="0"/>
               <a:t>Dritte Ebene</a:t>
             </a:r>
           </a:p>
           <a:p>
             <a:pPr lvl="3"/>
             <a:r>
-              <a:rPr lang="de-DE"/>
+              <a:rPr lang="de-DE" dirty="0"/>
               <a:t>Vierte Ebene</a:t>
             </a:r>
           </a:p>
           <a:p>
             <a:pPr lvl="4"/>
             <a:r>
-              <a:rPr lang="de-DE"/>
+              <a:rPr lang="de-DE" dirty="0"/>
               <a:t>Fünfte Ebene</a:t>
             </a:r>
-            <a:endParaRPr lang="de-AT"/>
-          </a:p>
-        </p:txBody>
-      </p:sp>
-      <p:sp>
-        <p:nvSpPr>
-          <p:cNvPr id="4" name="Datumsplatzhalter 3">
-            <a:extLst>
-              <a:ext uri="{FF2B5EF4-FFF2-40B4-BE49-F238E27FC236}">
-                <a16:creationId xmlns:a16="http://schemas.microsoft.com/office/drawing/2014/main" id="{E62AA5AC-F5E7-C841-7F8D-A816654EF99A}"/>
-              </a:ext>
-            </a:extLst>
-          </p:cNvPr>
+            <a:endParaRPr lang="en-US" dirty="0"/>
+          </a:p>
+        </p:txBody>
+      </p:sp>
+      <p:sp>
+        <p:nvSpPr>
+          <p:cNvPr id="4" name="Date Placeholder 3"/>
           <p:cNvSpPr>
             <a:spLocks noGrp="1"/>
           </p:cNvSpPr>
@@ -889,13 +3042,7 @@
       </p:sp>
       <p:sp>
         <p:nvSpPr>
-          <p:cNvPr id="5" name="Fußzeilenplatzhalter 4">
-            <a:extLst>
-              <a:ext uri="{FF2B5EF4-FFF2-40B4-BE49-F238E27FC236}">
-                <a16:creationId xmlns:a16="http://schemas.microsoft.com/office/drawing/2014/main" id="{3023B517-C535-BD8A-D345-99F70234D8E3}"/>
-              </a:ext>
-            </a:extLst>
-          </p:cNvPr>
+          <p:cNvPr id="5" name="Footer Placeholder 4"/>
           <p:cNvSpPr>
             <a:spLocks noGrp="1"/>
           </p:cNvSpPr>
@@ -914,13 +3061,7 @@
       </p:sp>
       <p:sp>
         <p:nvSpPr>
-          <p:cNvPr id="6" name="Foliennummernplatzhalter 5">
-            <a:extLst>
-              <a:ext uri="{FF2B5EF4-FFF2-40B4-BE49-F238E27FC236}">
-                <a16:creationId xmlns:a16="http://schemas.microsoft.com/office/drawing/2014/main" id="{E7C622EA-77B4-7997-37C4-0E037716931E}"/>
-              </a:ext>
-            </a:extLst>
-          </p:cNvPr>
+          <p:cNvPr id="6" name="Slide Number Placeholder 5"/>
           <p:cNvSpPr>
             <a:spLocks noGrp="1"/>
           </p:cNvSpPr>
@@ -944,7 +3085,7 @@
     </p:spTree>
     <p:extLst>
       <p:ext uri="{BB962C8B-B14F-4D97-AF65-F5344CB8AC3E}">
-        <p14:creationId xmlns:p14="http://schemas.microsoft.com/office/powerpoint/2010/main" val="1136569576"/>
+        <p14:creationId xmlns:p14="http://schemas.microsoft.com/office/powerpoint/2010/main" val="1058764947"/>
       </p:ext>
     </p:extLst>
   </p:cSld>
@@ -973,13 +3114,7 @@
       </p:grpSpPr>
       <p:sp>
         <p:nvSpPr>
-          <p:cNvPr id="2" name="Titel 1">
-            <a:extLst>
-              <a:ext uri="{FF2B5EF4-FFF2-40B4-BE49-F238E27FC236}">
-                <a16:creationId xmlns:a16="http://schemas.microsoft.com/office/drawing/2014/main" id="{40B07FB6-636A-5D2C-B61D-CF7D0E50A898}"/>
-              </a:ext>
-            </a:extLst>
-          </p:cNvPr>
+          <p:cNvPr id="2" name="Title 1"/>
           <p:cNvSpPr>
             <a:spLocks noGrp="1"/>
           </p:cNvSpPr>
@@ -989,15 +3124,15 @@
         </p:nvSpPr>
         <p:spPr>
           <a:xfrm>
-            <a:off x="831850" y="1709738"/>
-            <a:ext cx="10515600" cy="2852737"/>
+            <a:off x="1751013" y="3308581"/>
+            <a:ext cx="8686800" cy="1468800"/>
           </a:xfrm>
         </p:spPr>
         <p:txBody>
           <a:bodyPr anchor="b"/>
           <a:lstStyle>
-            <a:lvl1pPr>
-              <a:defRPr sz="6000"/>
+            <a:lvl1pPr algn="r">
+              <a:defRPr sz="4000" b="0" cap="all"/>
             </a:lvl1pPr>
           </a:lstStyle>
           <a:p>
@@ -1005,19 +3140,13 @@
               <a:rPr lang="de-DE"/>
               <a:t>Mastertitelformat bearbeiten</a:t>
             </a:r>
-            <a:endParaRPr lang="de-AT"/>
-          </a:p>
-        </p:txBody>
-      </p:sp>
-      <p:sp>
-        <p:nvSpPr>
-          <p:cNvPr id="3" name="Textplatzhalter 2">
-            <a:extLst>
-              <a:ext uri="{FF2B5EF4-FFF2-40B4-BE49-F238E27FC236}">
-                <a16:creationId xmlns:a16="http://schemas.microsoft.com/office/drawing/2014/main" id="{A7D6B864-F6AF-13B1-1C82-1BA5C76F01F2}"/>
-              </a:ext>
-            </a:extLst>
-          </p:cNvPr>
+            <a:endParaRPr lang="en-US" dirty="0"/>
+          </a:p>
+        </p:txBody>
+      </p:sp>
+      <p:sp>
+        <p:nvSpPr>
+          <p:cNvPr id="3" name="Text Placeholder 2"/>
           <p:cNvSpPr>
             <a:spLocks noGrp="1"/>
           </p:cNvSpPr>
@@ -1027,99 +3156,110 @@
         </p:nvSpPr>
         <p:spPr>
           <a:xfrm>
-            <a:off x="831850" y="4589463"/>
-            <a:ext cx="10515600" cy="1500187"/>
+            <a:off x="1751011" y="4777381"/>
+            <a:ext cx="8686801" cy="860400"/>
           </a:xfrm>
         </p:spPr>
         <p:txBody>
-          <a:bodyPr/>
+          <a:bodyPr anchor="t">
+            <a:normAutofit/>
+          </a:bodyPr>
           <a:lstStyle>
-            <a:lvl1pPr marL="0" indent="0">
-              <a:buNone/>
-              <a:defRPr sz="2400">
-                <a:solidFill>
-                  <a:schemeClr val="tx1">
-                    <a:tint val="82000"/>
-                  </a:schemeClr>
-                </a:solidFill>
+            <a:lvl1pPr marL="0" indent="0" algn="r">
+              <a:buNone/>
+              <a:defRPr sz="2000">
+                <a:gradFill flip="none" rotWithShape="1">
+                  <a:gsLst>
+                    <a:gs pos="0">
+                      <a:schemeClr val="tx1"/>
+                    </a:gs>
+                    <a:gs pos="100000">
+                      <a:schemeClr val="tx1">
+                        <a:lumMod val="75000"/>
+                      </a:schemeClr>
+                    </a:gs>
+                  </a:gsLst>
+                  <a:lin ang="5400000" scaled="0"/>
+                  <a:tileRect/>
+                </a:gradFill>
               </a:defRPr>
             </a:lvl1pPr>
             <a:lvl2pPr marL="457200" indent="0">
               <a:buNone/>
-              <a:defRPr sz="2000">
+              <a:defRPr sz="1800">
                 <a:solidFill>
                   <a:schemeClr val="tx1">
-                    <a:tint val="82000"/>
+                    <a:tint val="75000"/>
                   </a:schemeClr>
                 </a:solidFill>
               </a:defRPr>
             </a:lvl2pPr>
             <a:lvl3pPr marL="914400" indent="0">
               <a:buNone/>
-              <a:defRPr sz="1800">
+              <a:defRPr sz="1600">
                 <a:solidFill>
                   <a:schemeClr val="tx1">
-                    <a:tint val="82000"/>
+                    <a:tint val="75000"/>
                   </a:schemeClr>
                 </a:solidFill>
               </a:defRPr>
             </a:lvl3pPr>
             <a:lvl4pPr marL="1371600" indent="0">
               <a:buNone/>
-              <a:defRPr sz="1600">
+              <a:defRPr sz="1400">
                 <a:solidFill>
                   <a:schemeClr val="tx1">
-                    <a:tint val="82000"/>
+                    <a:tint val="75000"/>
                   </a:schemeClr>
                 </a:solidFill>
               </a:defRPr>
             </a:lvl4pPr>
             <a:lvl5pPr marL="1828800" indent="0">
               <a:buNone/>
-              <a:defRPr sz="1600">
+              <a:defRPr sz="1400">
                 <a:solidFill>
                   <a:schemeClr val="tx1">
-                    <a:tint val="82000"/>
+                    <a:tint val="75000"/>
                   </a:schemeClr>
                 </a:solidFill>
               </a:defRPr>
             </a:lvl5pPr>
             <a:lvl6pPr marL="2286000" indent="0">
               <a:buNone/>
-              <a:defRPr sz="1600">
+              <a:defRPr sz="1400">
                 <a:solidFill>
                   <a:schemeClr val="tx1">
-                    <a:tint val="82000"/>
+                    <a:tint val="75000"/>
                   </a:schemeClr>
                 </a:solidFill>
               </a:defRPr>
             </a:lvl6pPr>
             <a:lvl7pPr marL="2743200" indent="0">
               <a:buNone/>
-              <a:defRPr sz="1600">
+              <a:defRPr sz="1400">
                 <a:solidFill>
                   <a:schemeClr val="tx1">
-                    <a:tint val="82000"/>
+                    <a:tint val="75000"/>
                   </a:schemeClr>
                 </a:solidFill>
               </a:defRPr>
             </a:lvl7pPr>
             <a:lvl8pPr marL="3200400" indent="0">
               <a:buNone/>
-              <a:defRPr sz="1600">
+              <a:defRPr sz="1400">
                 <a:solidFill>
                   <a:schemeClr val="tx1">
-                    <a:tint val="82000"/>
+                    <a:tint val="75000"/>
                   </a:schemeClr>
                 </a:solidFill>
               </a:defRPr>
             </a:lvl8pPr>
             <a:lvl9pPr marL="3657600" indent="0">
               <a:buNone/>
-              <a:defRPr sz="1600">
+              <a:defRPr sz="1400">
                 <a:solidFill>
                   <a:schemeClr val="tx1">
-                    <a:tint val="82000"/>
+                    <a:tint val="75000"/>
                   </a:schemeClr>
                 </a:solidFill>
               </a:defRPr>
@@ -1136,13 +3276,7 @@
       </p:sp>
       <p:sp>
         <p:nvSpPr>
-          <p:cNvPr id="4" name="Datumsplatzhalter 3">
-            <a:extLst>
-              <a:ext uri="{FF2B5EF4-FFF2-40B4-BE49-F238E27FC236}">
-                <a16:creationId xmlns:a16="http://schemas.microsoft.com/office/drawing/2014/main" id="{A3B7970F-415F-5249-8DFD-4F36774937FC}"/>
-              </a:ext>
-            </a:extLst>
-          </p:cNvPr>
+          <p:cNvPr id="4" name="Date Placeholder 3"/>
           <p:cNvSpPr>
             <a:spLocks noGrp="1"/>
           </p:cNvSpPr>
@@ -1165,13 +3299,7 @@
       </p:sp>
       <p:sp>
         <p:nvSpPr>
-          <p:cNvPr id="5" name="Fußzeilenplatzhalter 4">
-            <a:extLst>
-              <a:ext uri="{FF2B5EF4-FFF2-40B4-BE49-F238E27FC236}">
-                <a16:creationId xmlns:a16="http://schemas.microsoft.com/office/drawing/2014/main" id="{49BDB499-129C-8B31-44BB-D05E6CF3B6A6}"/>
-              </a:ext>
-            </a:extLst>
-          </p:cNvPr>
+          <p:cNvPr id="5" name="Footer Placeholder 4"/>
           <p:cNvSpPr>
             <a:spLocks noGrp="1"/>
           </p:cNvSpPr>
@@ -1190,13 +3318,7 @@
       </p:sp>
       <p:sp>
         <p:nvSpPr>
-          <p:cNvPr id="6" name="Foliennummernplatzhalter 5">
-            <a:extLst>
-              <a:ext uri="{FF2B5EF4-FFF2-40B4-BE49-F238E27FC236}">
-                <a16:creationId xmlns:a16="http://schemas.microsoft.com/office/drawing/2014/main" id="{D3C5F77E-9718-CDDC-4910-44457A627876}"/>
-              </a:ext>
-            </a:extLst>
-          </p:cNvPr>
+          <p:cNvPr id="6" name="Slide Number Placeholder 5"/>
           <p:cNvSpPr>
             <a:spLocks noGrp="1"/>
           </p:cNvSpPr>
@@ -1220,7 +3342,7 @@
     </p:spTree>
     <p:extLst>
       <p:ext uri="{BB962C8B-B14F-4D97-AF65-F5344CB8AC3E}">
-        <p14:creationId xmlns:p14="http://schemas.microsoft.com/office/powerpoint/2010/main" val="3311034353"/>
+        <p14:creationId xmlns:p14="http://schemas.microsoft.com/office/powerpoint/2010/main" val="1843257159"/>
       </p:ext>
     </p:extLst>
   </p:cSld>
@@ -1249,13 +3371,7 @@
       </p:grpSpPr>
       <p:sp>
         <p:nvSpPr>
-          <p:cNvPr id="2" name="Titel 1">
-            <a:extLst>
-              <a:ext uri="{FF2B5EF4-FFF2-40B4-BE49-F238E27FC236}">
-                <a16:creationId xmlns:a16="http://schemas.microsoft.com/office/drawing/2014/main" id="{028E00F1-D934-8DA1-6D9F-270D2B5C7213}"/>
-              </a:ext>
-            </a:extLst>
-          </p:cNvPr>
+          <p:cNvPr id="2" name="Title 1"/>
           <p:cNvSpPr>
             <a:spLocks noGrp="1"/>
           </p:cNvSpPr>
@@ -1272,19 +3388,13 @@
               <a:rPr lang="de-DE"/>
               <a:t>Mastertitelformat bearbeiten</a:t>
             </a:r>
-            <a:endParaRPr lang="de-AT"/>
-          </a:p>
-        </p:txBody>
-      </p:sp>
-      <p:sp>
-        <p:nvSpPr>
-          <p:cNvPr id="3" name="Inhaltsplatzhalter 2">
-            <a:extLst>
-              <a:ext uri="{FF2B5EF4-FFF2-40B4-BE49-F238E27FC236}">
-                <a16:creationId xmlns:a16="http://schemas.microsoft.com/office/drawing/2014/main" id="{C37DBD69-2F47-7B01-65EF-34DAC09826D4}"/>
-              </a:ext>
-            </a:extLst>
-          </p:cNvPr>
+            <a:endParaRPr lang="en-US" dirty="0"/>
+          </a:p>
+        </p:txBody>
+      </p:sp>
+      <p:sp>
+        <p:nvSpPr>
+          <p:cNvPr id="3" name="Content Placeholder 2"/>
           <p:cNvSpPr>
             <a:spLocks noGrp="1"/>
           </p:cNvSpPr>
@@ -1294,13 +3404,43 @@
         </p:nvSpPr>
         <p:spPr>
           <a:xfrm>
-            <a:off x="838200" y="1825625"/>
-            <a:ext cx="5181600" cy="4351338"/>
+            <a:off x="1141412" y="2666999"/>
+            <a:ext cx="4876800" cy="3124201"/>
           </a:xfrm>
         </p:spPr>
         <p:txBody>
-          <a:bodyPr/>
-          <a:lstStyle/>
+          <a:bodyPr>
+            <a:normAutofit/>
+          </a:bodyPr>
+          <a:lstStyle>
+            <a:lvl1pPr>
+              <a:defRPr sz="1800"/>
+            </a:lvl1pPr>
+            <a:lvl2pPr>
+              <a:defRPr sz="1600"/>
+            </a:lvl2pPr>
+            <a:lvl3pPr>
+              <a:defRPr sz="1400"/>
+            </a:lvl3pPr>
+            <a:lvl4pPr>
+              <a:defRPr sz="1200"/>
+            </a:lvl4pPr>
+            <a:lvl5pPr>
+              <a:defRPr sz="1200"/>
+            </a:lvl5pPr>
+            <a:lvl6pPr>
+              <a:defRPr sz="1200"/>
+            </a:lvl6pPr>
+            <a:lvl7pPr>
+              <a:defRPr sz="1200"/>
+            </a:lvl7pPr>
+            <a:lvl8pPr>
+              <a:defRPr sz="1200"/>
+            </a:lvl8pPr>
+            <a:lvl9pPr>
+              <a:defRPr sz="1200"/>
+            </a:lvl9pPr>
+          </a:lstStyle>
           <a:p>
             <a:pPr lvl="0"/>
             <a:r>
@@ -1335,19 +3475,13 @@
               <a:rPr lang="de-DE"/>
               <a:t>Fünfte Ebene</a:t>
             </a:r>
-            <a:endParaRPr lang="de-AT"/>
-          </a:p>
-        </p:txBody>
-      </p:sp>
-      <p:sp>
-        <p:nvSpPr>
-          <p:cNvPr id="4" name="Inhaltsplatzhalter 3">
-            <a:extLst>
-              <a:ext uri="{FF2B5EF4-FFF2-40B4-BE49-F238E27FC236}">
-                <a16:creationId xmlns:a16="http://schemas.microsoft.com/office/drawing/2014/main" id="{4921A744-E027-7019-2F8F-98C68F53308E}"/>
-              </a:ext>
-            </a:extLst>
-          </p:cNvPr>
+            <a:endParaRPr lang="en-US" dirty="0"/>
+          </a:p>
+        </p:txBody>
+      </p:sp>
+      <p:sp>
+        <p:nvSpPr>
+          <p:cNvPr id="4" name="Content Placeholder 3"/>
           <p:cNvSpPr>
             <a:spLocks noGrp="1"/>
           </p:cNvSpPr>
@@ -1357,13 +3491,43 @@
         </p:nvSpPr>
         <p:spPr>
           <a:xfrm>
-            <a:off x="6172200" y="1825625"/>
-            <a:ext cx="5181600" cy="4351338"/>
+            <a:off x="6170612" y="2667000"/>
+            <a:ext cx="4876800" cy="3124200"/>
           </a:xfrm>
         </p:spPr>
         <p:txBody>
-          <a:bodyPr/>
-          <a:lstStyle/>
+          <a:bodyPr>
+            <a:normAutofit/>
+          </a:bodyPr>
+          <a:lstStyle>
+            <a:lvl1pPr>
+              <a:defRPr sz="1800"/>
+            </a:lvl1pPr>
+            <a:lvl2pPr>
+              <a:defRPr sz="1600"/>
+            </a:lvl2pPr>
+            <a:lvl3pPr>
+              <a:defRPr sz="1400"/>
+            </a:lvl3pPr>
+            <a:lvl4pPr>
+              <a:defRPr sz="1200"/>
+            </a:lvl4pPr>
+            <a:lvl5pPr>
+              <a:defRPr sz="1200"/>
+            </a:lvl5pPr>
+            <a:lvl6pPr>
+              <a:defRPr sz="1200"/>
+            </a:lvl6pPr>
+            <a:lvl7pPr>
+              <a:defRPr sz="1200"/>
+            </a:lvl7pPr>
+            <a:lvl8pPr>
+              <a:defRPr sz="1200"/>
+            </a:lvl8pPr>
+            <a:lvl9pPr>
+              <a:defRPr sz="1200"/>
+            </a:lvl9pPr>
+          </a:lstStyle>
           <a:p>
             <a:pPr lvl="0"/>
             <a:r>
@@ -1398,19 +3562,13 @@
               <a:rPr lang="de-DE"/>
               <a:t>Fünfte Ebene</a:t>
             </a:r>
-            <a:endParaRPr lang="de-AT"/>
-          </a:p>
-        </p:txBody>
-      </p:sp>
-      <p:sp>
-        <p:nvSpPr>
-          <p:cNvPr id="5" name="Datumsplatzhalter 4">
-            <a:extLst>
-              <a:ext uri="{FF2B5EF4-FFF2-40B4-BE49-F238E27FC236}">
-                <a16:creationId xmlns:a16="http://schemas.microsoft.com/office/drawing/2014/main" id="{4784B1B1-62EE-6A2C-BFC4-E33730BA98DD}"/>
-              </a:ext>
-            </a:extLst>
-          </p:cNvPr>
+            <a:endParaRPr lang="en-US" dirty="0"/>
+          </a:p>
+        </p:txBody>
+      </p:sp>
+      <p:sp>
+        <p:nvSpPr>
+          <p:cNvPr id="5" name="Date Placeholder 4"/>
           <p:cNvSpPr>
             <a:spLocks noGrp="1"/>
           </p:cNvSpPr>
@@ -1433,13 +3591,7 @@
       </p:sp>
       <p:sp>
         <p:nvSpPr>
-          <p:cNvPr id="6" name="Fußzeilenplatzhalter 5">
-            <a:extLst>
-              <a:ext uri="{FF2B5EF4-FFF2-40B4-BE49-F238E27FC236}">
-                <a16:creationId xmlns:a16="http://schemas.microsoft.com/office/drawing/2014/main" id="{8D9D15A2-DA11-E45F-E0DF-093133ECBE07}"/>
-              </a:ext>
-            </a:extLst>
-          </p:cNvPr>
+          <p:cNvPr id="6" name="Footer Placeholder 5"/>
           <p:cNvSpPr>
             <a:spLocks noGrp="1"/>
           </p:cNvSpPr>
@@ -1458,13 +3610,7 @@
       </p:sp>
       <p:sp>
         <p:nvSpPr>
-          <p:cNvPr id="7" name="Foliennummernplatzhalter 6">
-            <a:extLst>
-              <a:ext uri="{FF2B5EF4-FFF2-40B4-BE49-F238E27FC236}">
-                <a16:creationId xmlns:a16="http://schemas.microsoft.com/office/drawing/2014/main" id="{A4558996-DBE5-2E86-3255-9323B215DB33}"/>
-              </a:ext>
-            </a:extLst>
-          </p:cNvPr>
+          <p:cNvPr id="7" name="Slide Number Placeholder 6"/>
           <p:cNvSpPr>
             <a:spLocks noGrp="1"/>
           </p:cNvSpPr>
@@ -1488,7 +3634,7 @@
     </p:spTree>
     <p:extLst>
       <p:ext uri="{BB962C8B-B14F-4D97-AF65-F5344CB8AC3E}">
-        <p14:creationId xmlns:p14="http://schemas.microsoft.com/office/powerpoint/2010/main" val="2791830708"/>
+        <p14:creationId xmlns:p14="http://schemas.microsoft.com/office/powerpoint/2010/main" val="640302094"/>
       </p:ext>
     </p:extLst>
   </p:cSld>
@@ -1517,66 +3663,55 @@
       </p:grpSpPr>
       <p:sp>
         <p:nvSpPr>
-          <p:cNvPr id="2" name="Titel 1">
-            <a:extLst>
-              <a:ext uri="{FF2B5EF4-FFF2-40B4-BE49-F238E27FC236}">
-                <a16:creationId xmlns:a16="http://schemas.microsoft.com/office/drawing/2014/main" id="{ACC663B2-0EBD-6D15-2219-C79FFE30AA48}"/>
-              </a:ext>
-            </a:extLst>
-          </p:cNvPr>
+          <p:cNvPr id="2" name="Title 1"/>
           <p:cNvSpPr>
             <a:spLocks noGrp="1"/>
           </p:cNvSpPr>
           <p:nvPr>
             <p:ph type="title"/>
+          </p:nvPr>
+        </p:nvSpPr>
+        <p:spPr/>
+        <p:txBody>
+          <a:bodyPr/>
+          <a:lstStyle>
+            <a:lvl1pPr>
+              <a:defRPr/>
+            </a:lvl1pPr>
+          </a:lstStyle>
+          <a:p>
+            <a:r>
+              <a:rPr lang="de-DE"/>
+              <a:t>Mastertitelformat bearbeiten</a:t>
+            </a:r>
+            <a:endParaRPr lang="en-US" dirty="0"/>
+          </a:p>
+        </p:txBody>
+      </p:sp>
+      <p:sp>
+        <p:nvSpPr>
+          <p:cNvPr id="3" name="Text Placeholder 2"/>
+          <p:cNvSpPr>
+            <a:spLocks noGrp="1"/>
+          </p:cNvSpPr>
+          <p:nvPr>
+            <p:ph type="body" idx="1"/>
           </p:nvPr>
         </p:nvSpPr>
         <p:spPr>
           <a:xfrm>
-            <a:off x="839788" y="365125"/>
-            <a:ext cx="10515600" cy="1325563"/>
+            <a:off x="1429280" y="2658533"/>
+            <a:ext cx="4588931" cy="576262"/>
           </a:xfrm>
         </p:spPr>
         <p:txBody>
-          <a:bodyPr/>
-          <a:lstStyle/>
-          <a:p>
-            <a:r>
-              <a:rPr lang="de-DE"/>
-              <a:t>Mastertitelformat bearbeiten</a:t>
-            </a:r>
-            <a:endParaRPr lang="de-AT"/>
-          </a:p>
-        </p:txBody>
-      </p:sp>
-      <p:sp>
-        <p:nvSpPr>
-          <p:cNvPr id="3" name="Textplatzhalter 2">
-            <a:extLst>
-              <a:ext uri="{FF2B5EF4-FFF2-40B4-BE49-F238E27FC236}">
-                <a16:creationId xmlns:a16="http://schemas.microsoft.com/office/drawing/2014/main" id="{6EE9B5D4-E04C-25E6-5FBF-0DBD339619EC}"/>
-              </a:ext>
-            </a:extLst>
-          </p:cNvPr>
-          <p:cNvSpPr>
-            <a:spLocks noGrp="1"/>
-          </p:cNvSpPr>
-          <p:nvPr>
-            <p:ph type="body" idx="1"/>
-          </p:nvPr>
-        </p:nvSpPr>
-        <p:spPr>
-          <a:xfrm>
-            <a:off x="839788" y="1681163"/>
-            <a:ext cx="5157787" cy="823912"/>
-          </a:xfrm>
-        </p:spPr>
-        <p:txBody>
-          <a:bodyPr anchor="b"/>
+          <a:bodyPr anchor="b">
+            <a:noAutofit/>
+          </a:bodyPr>
           <a:lstStyle>
             <a:lvl1pPr marL="0" indent="0">
               <a:buNone/>
-              <a:defRPr sz="2400" b="1"/>
+              <a:defRPr sz="2800" b="0"/>
             </a:lvl1pPr>
             <a:lvl2pPr marL="457200" indent="0">
               <a:buNone/>
@@ -1622,13 +3757,7 @@
       </p:sp>
       <p:sp>
         <p:nvSpPr>
-          <p:cNvPr id="4" name="Inhaltsplatzhalter 3">
-            <a:extLst>
-              <a:ext uri="{FF2B5EF4-FFF2-40B4-BE49-F238E27FC236}">
-                <a16:creationId xmlns:a16="http://schemas.microsoft.com/office/drawing/2014/main" id="{C44F0963-BEF4-FC23-9A63-74706FCC733E}"/>
-              </a:ext>
-            </a:extLst>
-          </p:cNvPr>
+          <p:cNvPr id="4" name="Content Placeholder 3"/>
           <p:cNvSpPr>
             <a:spLocks noGrp="1"/>
           </p:cNvSpPr>
@@ -1638,13 +3767,43 @@
         </p:nvSpPr>
         <p:spPr>
           <a:xfrm>
-            <a:off x="839788" y="2505075"/>
-            <a:ext cx="5157787" cy="3684588"/>
+            <a:off x="1141412" y="3243262"/>
+            <a:ext cx="4876800" cy="2547937"/>
           </a:xfrm>
         </p:spPr>
         <p:txBody>
-          <a:bodyPr/>
-          <a:lstStyle/>
+          <a:bodyPr anchor="t">
+            <a:normAutofit/>
+          </a:bodyPr>
+          <a:lstStyle>
+            <a:lvl1pPr>
+              <a:defRPr sz="1800"/>
+            </a:lvl1pPr>
+            <a:lvl2pPr>
+              <a:defRPr sz="1600"/>
+            </a:lvl2pPr>
+            <a:lvl3pPr>
+              <a:defRPr sz="1400"/>
+            </a:lvl3pPr>
+            <a:lvl4pPr>
+              <a:defRPr sz="1200"/>
+            </a:lvl4pPr>
+            <a:lvl5pPr>
+              <a:defRPr sz="1200"/>
+            </a:lvl5pPr>
+            <a:lvl6pPr>
+              <a:defRPr sz="1200"/>
+            </a:lvl6pPr>
+            <a:lvl7pPr>
+              <a:defRPr sz="1200"/>
+            </a:lvl7pPr>
+            <a:lvl8pPr>
+              <a:defRPr sz="1200"/>
+            </a:lvl8pPr>
+            <a:lvl9pPr>
+              <a:defRPr sz="1200"/>
+            </a:lvl9pPr>
+          </a:lstStyle>
           <a:p>
             <a:pPr lvl="0"/>
             <a:r>
@@ -1679,19 +3838,13 @@
               <a:rPr lang="de-DE"/>
               <a:t>Fünfte Ebene</a:t>
             </a:r>
-            <a:endParaRPr lang="de-AT"/>
-          </a:p>
-        </p:txBody>
-      </p:sp>
-      <p:sp>
-        <p:nvSpPr>
-          <p:cNvPr id="5" name="Textplatzhalter 4">
-            <a:extLst>
-              <a:ext uri="{FF2B5EF4-FFF2-40B4-BE49-F238E27FC236}">
-                <a16:creationId xmlns:a16="http://schemas.microsoft.com/office/drawing/2014/main" id="{C9BE2336-8B90-AC2E-5A86-99189B755349}"/>
-              </a:ext>
-            </a:extLst>
-          </p:cNvPr>
+            <a:endParaRPr lang="en-US" dirty="0"/>
+          </a:p>
+        </p:txBody>
+      </p:sp>
+      <p:sp>
+        <p:nvSpPr>
+          <p:cNvPr id="5" name="Text Placeholder 4"/>
           <p:cNvSpPr>
             <a:spLocks noGrp="1"/>
           </p:cNvSpPr>
@@ -1701,16 +3854,18 @@
         </p:nvSpPr>
         <p:spPr>
           <a:xfrm>
-            <a:off x="6172200" y="1681163"/>
-            <a:ext cx="5183188" cy="823912"/>
+            <a:off x="6443133" y="2667000"/>
+            <a:ext cx="4604280" cy="576262"/>
           </a:xfrm>
         </p:spPr>
         <p:txBody>
-          <a:bodyPr anchor="b"/>
+          <a:bodyPr anchor="b">
+            <a:noAutofit/>
+          </a:bodyPr>
           <a:lstStyle>
             <a:lvl1pPr marL="0" indent="0">
               <a:buNone/>
-              <a:defRPr sz="2400" b="1"/>
+              <a:defRPr sz="2800" b="0"/>
             </a:lvl1pPr>
             <a:lvl2pPr marL="457200" indent="0">
               <a:buNone/>
@@ -1756,13 +3911,7 @@
       </p:sp>
       <p:sp>
         <p:nvSpPr>
-          <p:cNvPr id="6" name="Inhaltsplatzhalter 5">
-            <a:extLst>
-              <a:ext uri="{FF2B5EF4-FFF2-40B4-BE49-F238E27FC236}">
-                <a16:creationId xmlns:a16="http://schemas.microsoft.com/office/drawing/2014/main" id="{E108484D-5B85-F3BF-0F43-B4FB2C17982E}"/>
-              </a:ext>
-            </a:extLst>
-          </p:cNvPr>
+          <p:cNvPr id="6" name="Content Placeholder 5"/>
           <p:cNvSpPr>
             <a:spLocks noGrp="1"/>
           </p:cNvSpPr>
@@ -1772,13 +3921,43 @@
         </p:nvSpPr>
         <p:spPr>
           <a:xfrm>
-            <a:off x="6172200" y="2505075"/>
-            <a:ext cx="5183188" cy="3684588"/>
+            <a:off x="6170612" y="3243262"/>
+            <a:ext cx="4876801" cy="2547937"/>
           </a:xfrm>
         </p:spPr>
         <p:txBody>
-          <a:bodyPr/>
-          <a:lstStyle/>
+          <a:bodyPr anchor="t">
+            <a:normAutofit/>
+          </a:bodyPr>
+          <a:lstStyle>
+            <a:lvl1pPr>
+              <a:defRPr sz="1800"/>
+            </a:lvl1pPr>
+            <a:lvl2pPr>
+              <a:defRPr sz="1600"/>
+            </a:lvl2pPr>
+            <a:lvl3pPr>
+              <a:defRPr sz="1400"/>
+            </a:lvl3pPr>
+            <a:lvl4pPr>
+              <a:defRPr sz="1200"/>
+            </a:lvl4pPr>
+            <a:lvl5pPr>
+              <a:defRPr sz="1200"/>
+            </a:lvl5pPr>
+            <a:lvl6pPr>
+              <a:defRPr sz="1200"/>
+            </a:lvl6pPr>
+            <a:lvl7pPr>
+              <a:defRPr sz="1200"/>
+            </a:lvl7pPr>
+            <a:lvl8pPr>
+              <a:defRPr sz="1200"/>
+            </a:lvl8pPr>
+            <a:lvl9pPr>
+              <a:defRPr sz="1200"/>
+            </a:lvl9pPr>
+          </a:lstStyle>
           <a:p>
             <a:pPr lvl="0"/>
             <a:r>
@@ -1813,19 +3992,13 @@
               <a:rPr lang="de-DE"/>
               <a:t>Fünfte Ebene</a:t>
             </a:r>
-            <a:endParaRPr lang="de-AT"/>
-          </a:p>
-        </p:txBody>
-      </p:sp>
-      <p:sp>
-        <p:nvSpPr>
-          <p:cNvPr id="7" name="Datumsplatzhalter 6">
-            <a:extLst>
-              <a:ext uri="{FF2B5EF4-FFF2-40B4-BE49-F238E27FC236}">
-                <a16:creationId xmlns:a16="http://schemas.microsoft.com/office/drawing/2014/main" id="{CAB14DC0-FC5C-A922-223E-4B0775CFCD13}"/>
-              </a:ext>
-            </a:extLst>
-          </p:cNvPr>
+            <a:endParaRPr lang="en-US" dirty="0"/>
+          </a:p>
+        </p:txBody>
+      </p:sp>
+      <p:sp>
+        <p:nvSpPr>
+          <p:cNvPr id="7" name="Date Placeholder 6"/>
           <p:cNvSpPr>
             <a:spLocks noGrp="1"/>
           </p:cNvSpPr>
@@ -1848,13 +4021,7 @@
       </p:sp>
       <p:sp>
         <p:nvSpPr>
-          <p:cNvPr id="8" name="Fußzeilenplatzhalter 7">
-            <a:extLst>
-              <a:ext uri="{FF2B5EF4-FFF2-40B4-BE49-F238E27FC236}">
-                <a16:creationId xmlns:a16="http://schemas.microsoft.com/office/drawing/2014/main" id="{182A978F-139E-0785-79E4-C0675E14BD21}"/>
-              </a:ext>
-            </a:extLst>
-          </p:cNvPr>
+          <p:cNvPr id="8" name="Footer Placeholder 7"/>
           <p:cNvSpPr>
             <a:spLocks noGrp="1"/>
           </p:cNvSpPr>
@@ -1873,13 +4040,7 @@
       </p:sp>
       <p:sp>
         <p:nvSpPr>
-          <p:cNvPr id="9" name="Foliennummernplatzhalter 8">
-            <a:extLst>
-              <a:ext uri="{FF2B5EF4-FFF2-40B4-BE49-F238E27FC236}">
-                <a16:creationId xmlns:a16="http://schemas.microsoft.com/office/drawing/2014/main" id="{77043254-F183-32F0-CF65-03814DBDEAFA}"/>
-              </a:ext>
-            </a:extLst>
-          </p:cNvPr>
+          <p:cNvPr id="9" name="Slide Number Placeholder 8"/>
           <p:cNvSpPr>
             <a:spLocks noGrp="1"/>
           </p:cNvSpPr>
@@ -1903,7 +4064,7 @@
     </p:spTree>
     <p:extLst>
       <p:ext uri="{BB962C8B-B14F-4D97-AF65-F5344CB8AC3E}">
-        <p14:creationId xmlns:p14="http://schemas.microsoft.com/office/powerpoint/2010/main" val="3465138740"/>
+        <p14:creationId xmlns:p14="http://schemas.microsoft.com/office/powerpoint/2010/main" val="875334732"/>
       </p:ext>
     </p:extLst>
   </p:cSld>
@@ -1932,13 +4093,7 @@
       </p:grpSpPr>
       <p:sp>
         <p:nvSpPr>
-          <p:cNvPr id="2" name="Titel 1">
-            <a:extLst>
-              <a:ext uri="{FF2B5EF4-FFF2-40B4-BE49-F238E27FC236}">
-                <a16:creationId xmlns:a16="http://schemas.microsoft.com/office/drawing/2014/main" id="{9760A579-DEEC-E1B8-7A01-57FD5C6764BE}"/>
-              </a:ext>
-            </a:extLst>
-          </p:cNvPr>
+          <p:cNvPr id="2" name="Title 1"/>
           <p:cNvSpPr>
             <a:spLocks noGrp="1"/>
           </p:cNvSpPr>
@@ -1955,19 +4110,13 @@
               <a:rPr lang="de-DE"/>
               <a:t>Mastertitelformat bearbeiten</a:t>
             </a:r>
-            <a:endParaRPr lang="de-AT"/>
-          </a:p>
-        </p:txBody>
-      </p:sp>
-      <p:sp>
-        <p:nvSpPr>
-          <p:cNvPr id="3" name="Datumsplatzhalter 2">
-            <a:extLst>
-              <a:ext uri="{FF2B5EF4-FFF2-40B4-BE49-F238E27FC236}">
-                <a16:creationId xmlns:a16="http://schemas.microsoft.com/office/drawing/2014/main" id="{AA42A1FE-6F9F-BF66-A4FC-2F03F6B86E17}"/>
-              </a:ext>
-            </a:extLst>
-          </p:cNvPr>
+            <a:endParaRPr lang="en-US" dirty="0"/>
+          </a:p>
+        </p:txBody>
+      </p:sp>
+      <p:sp>
+        <p:nvSpPr>
+          <p:cNvPr id="3" name="Date Placeholder 2"/>
           <p:cNvSpPr>
             <a:spLocks noGrp="1"/>
           </p:cNvSpPr>
@@ -1990,13 +4139,7 @@
       </p:sp>
       <p:sp>
         <p:nvSpPr>
-          <p:cNvPr id="4" name="Fußzeilenplatzhalter 3">
-            <a:extLst>
-              <a:ext uri="{FF2B5EF4-FFF2-40B4-BE49-F238E27FC236}">
-                <a16:creationId xmlns:a16="http://schemas.microsoft.com/office/drawing/2014/main" id="{36F4D58C-F292-1ECF-19EF-A94D38AF3CB5}"/>
-              </a:ext>
-            </a:extLst>
-          </p:cNvPr>
+          <p:cNvPr id="4" name="Footer Placeholder 3"/>
           <p:cNvSpPr>
             <a:spLocks noGrp="1"/>
           </p:cNvSpPr>
@@ -2015,13 +4158,7 @@
       </p:sp>
       <p:sp>
         <p:nvSpPr>
-          <p:cNvPr id="5" name="Foliennummernplatzhalter 4">
-            <a:extLst>
-              <a:ext uri="{FF2B5EF4-FFF2-40B4-BE49-F238E27FC236}">
-                <a16:creationId xmlns:a16="http://schemas.microsoft.com/office/drawing/2014/main" id="{44DF4B19-C987-560C-7DE5-C48E30CC888B}"/>
-              </a:ext>
-            </a:extLst>
-          </p:cNvPr>
+          <p:cNvPr id="5" name="Slide Number Placeholder 4"/>
           <p:cNvSpPr>
             <a:spLocks noGrp="1"/>
           </p:cNvSpPr>
@@ -2045,7 +4182,7 @@
     </p:spTree>
     <p:extLst>
       <p:ext uri="{BB962C8B-B14F-4D97-AF65-F5344CB8AC3E}">
-        <p14:creationId xmlns:p14="http://schemas.microsoft.com/office/powerpoint/2010/main" val="2494561273"/>
+        <p14:creationId xmlns:p14="http://schemas.microsoft.com/office/powerpoint/2010/main" val="2270100258"/>
       </p:ext>
     </p:extLst>
   </p:cSld>
@@ -2074,13 +4211,7 @@
       </p:grpSpPr>
       <p:sp>
         <p:nvSpPr>
-          <p:cNvPr id="2" name="Datumsplatzhalter 1">
-            <a:extLst>
-              <a:ext uri="{FF2B5EF4-FFF2-40B4-BE49-F238E27FC236}">
-                <a16:creationId xmlns:a16="http://schemas.microsoft.com/office/drawing/2014/main" id="{30655177-ED27-3A92-0457-C1A49E107F51}"/>
-              </a:ext>
-            </a:extLst>
-          </p:cNvPr>
+          <p:cNvPr id="2" name="Date Placeholder 1"/>
           <p:cNvSpPr>
             <a:spLocks noGrp="1"/>
           </p:cNvSpPr>
@@ -2103,13 +4234,7 @@
       </p:sp>
       <p:sp>
         <p:nvSpPr>
-          <p:cNvPr id="3" name="Fußzeilenplatzhalter 2">
-            <a:extLst>
-              <a:ext uri="{FF2B5EF4-FFF2-40B4-BE49-F238E27FC236}">
-                <a16:creationId xmlns:a16="http://schemas.microsoft.com/office/drawing/2014/main" id="{C8EF7969-0D26-EE8C-6902-0F4941FCA5B1}"/>
-              </a:ext>
-            </a:extLst>
-          </p:cNvPr>
+          <p:cNvPr id="3" name="Footer Placeholder 2"/>
           <p:cNvSpPr>
             <a:spLocks noGrp="1"/>
           </p:cNvSpPr>
@@ -2128,13 +4253,7 @@
       </p:sp>
       <p:sp>
         <p:nvSpPr>
-          <p:cNvPr id="4" name="Foliennummernplatzhalter 3">
-            <a:extLst>
-              <a:ext uri="{FF2B5EF4-FFF2-40B4-BE49-F238E27FC236}">
-                <a16:creationId xmlns:a16="http://schemas.microsoft.com/office/drawing/2014/main" id="{D03A8964-3806-2184-64DA-A7F5F3C2F94A}"/>
-              </a:ext>
-            </a:extLst>
-          </p:cNvPr>
+          <p:cNvPr id="4" name="Slide Number Placeholder 3"/>
           <p:cNvSpPr>
             <a:spLocks noGrp="1"/>
           </p:cNvSpPr>
@@ -2158,7 +4277,7 @@
     </p:spTree>
     <p:extLst>
       <p:ext uri="{BB962C8B-B14F-4D97-AF65-F5344CB8AC3E}">
-        <p14:creationId xmlns:p14="http://schemas.microsoft.com/office/powerpoint/2010/main" val="792016097"/>
+        <p14:creationId xmlns:p14="http://schemas.microsoft.com/office/powerpoint/2010/main" val="1927461077"/>
       </p:ext>
     </p:extLst>
   </p:cSld>
@@ -2187,13 +4306,7 @@
       </p:grpSpPr>
       <p:sp>
         <p:nvSpPr>
-          <p:cNvPr id="2" name="Titel 1">
-            <a:extLst>
-              <a:ext uri="{FF2B5EF4-FFF2-40B4-BE49-F238E27FC236}">
-                <a16:creationId xmlns:a16="http://schemas.microsoft.com/office/drawing/2014/main" id="{8BCBCAA4-81AA-FB29-0B13-E986E40C6CA9}"/>
-              </a:ext>
-            </a:extLst>
-          </p:cNvPr>
+          <p:cNvPr id="2" name="Title 1"/>
           <p:cNvSpPr>
             <a:spLocks noGrp="1"/>
           </p:cNvSpPr>
@@ -2203,141 +4316,135 @@
         </p:nvSpPr>
         <p:spPr>
           <a:xfrm>
-            <a:off x="839788" y="457200"/>
-            <a:ext cx="3932237" cy="1600200"/>
+            <a:off x="1141411" y="1600200"/>
+            <a:ext cx="3549121" cy="1371600"/>
           </a:xfrm>
         </p:spPr>
         <p:txBody>
-          <a:bodyPr anchor="b"/>
+          <a:bodyPr anchor="b">
+            <a:normAutofit/>
+          </a:bodyPr>
+          <a:lstStyle>
+            <a:lvl1pPr algn="l">
+              <a:defRPr sz="2400" b="0"/>
+            </a:lvl1pPr>
+          </a:lstStyle>
+          <a:p>
+            <a:r>
+              <a:rPr lang="de-DE"/>
+              <a:t>Mastertitelformat bearbeiten</a:t>
+            </a:r>
+            <a:endParaRPr lang="en-US" dirty="0"/>
+          </a:p>
+        </p:txBody>
+      </p:sp>
+      <p:sp>
+        <p:nvSpPr>
+          <p:cNvPr id="3" name="Content Placeholder 2"/>
+          <p:cNvSpPr>
+            <a:spLocks noGrp="1"/>
+          </p:cNvSpPr>
+          <p:nvPr>
+            <p:ph idx="1"/>
+          </p:nvPr>
+        </p:nvSpPr>
+        <p:spPr>
+          <a:xfrm>
+            <a:off x="5103812" y="609601"/>
+            <a:ext cx="5943601" cy="5181600"/>
+          </a:xfrm>
+        </p:spPr>
+        <p:txBody>
+          <a:bodyPr anchor="ctr">
+            <a:normAutofit/>
+          </a:bodyPr>
           <a:lstStyle>
             <a:lvl1pPr>
-              <a:defRPr sz="3200"/>
+              <a:defRPr sz="2000"/>
             </a:lvl1pPr>
+            <a:lvl2pPr>
+              <a:defRPr sz="1800"/>
+            </a:lvl2pPr>
+            <a:lvl3pPr>
+              <a:defRPr sz="1600"/>
+            </a:lvl3pPr>
+            <a:lvl4pPr>
+              <a:defRPr sz="1400"/>
+            </a:lvl4pPr>
+            <a:lvl5pPr>
+              <a:defRPr sz="1400"/>
+            </a:lvl5pPr>
+            <a:lvl6pPr>
+              <a:defRPr sz="1400"/>
+            </a:lvl6pPr>
+            <a:lvl7pPr>
+              <a:defRPr sz="1400"/>
+            </a:lvl7pPr>
+            <a:lvl8pPr>
+              <a:defRPr sz="1400"/>
+            </a:lvl8pPr>
+            <a:lvl9pPr>
+              <a:defRPr sz="1400"/>
+            </a:lvl9pPr>
           </a:lstStyle>
           <a:p>
+            <a:pPr lvl="0"/>
             <a:r>
               <a:rPr lang="de-DE"/>
-              <a:t>Mastertitelformat bearbeiten</a:t>
-            </a:r>
-            <a:endParaRPr lang="de-AT"/>
-          </a:p>
-        </p:txBody>
-      </p:sp>
-      <p:sp>
-        <p:nvSpPr>
-          <p:cNvPr id="3" name="Inhaltsplatzhalter 2">
-            <a:extLst>
-              <a:ext uri="{FF2B5EF4-FFF2-40B4-BE49-F238E27FC236}">
-                <a16:creationId xmlns:a16="http://schemas.microsoft.com/office/drawing/2014/main" id="{C239ED9C-B2BC-B67F-6941-FC5F001DD0B6}"/>
-              </a:ext>
-            </a:extLst>
-          </p:cNvPr>
-          <p:cNvSpPr>
-            <a:spLocks noGrp="1"/>
-          </p:cNvSpPr>
-          <p:nvPr>
-            <p:ph idx="1"/>
+              <a:t>Mastertextformat bearbeiten</a:t>
+            </a:r>
+          </a:p>
+          <a:p>
+            <a:pPr lvl="1"/>
+            <a:r>
+              <a:rPr lang="de-DE"/>
+              <a:t>Zweite Ebene</a:t>
+            </a:r>
+          </a:p>
+          <a:p>
+            <a:pPr lvl="2"/>
+            <a:r>
+              <a:rPr lang="de-DE"/>
+              <a:t>Dritte Ebene</a:t>
+            </a:r>
+          </a:p>
+          <a:p>
+            <a:pPr lvl="3"/>
+            <a:r>
+              <a:rPr lang="de-DE"/>
+              <a:t>Vierte Ebene</a:t>
+            </a:r>
+          </a:p>
+          <a:p>
+            <a:pPr lvl="4"/>
+            <a:r>
+              <a:rPr lang="de-DE"/>
+              <a:t>Fünfte Ebene</a:t>
+            </a:r>
+            <a:endParaRPr lang="en-US" dirty="0"/>
+          </a:p>
+        </p:txBody>
+      </p:sp>
+      <p:sp>
+        <p:nvSpPr>
+          <p:cNvPr id="4" name="Text Placeholder 3"/>
+          <p:cNvSpPr>
+            <a:spLocks noGrp="1"/>
+          </p:cNvSpPr>
+          <p:nvPr>
+            <p:ph type="body" sz="half" idx="2"/>
           </p:nvPr>
         </p:nvSpPr>
         <p:spPr>
           <a:xfrm>
-            <a:off x="5183188" y="987425"/>
-            <a:ext cx="6172200" cy="4873625"/>
+            <a:off x="1141411" y="2971800"/>
+            <a:ext cx="3549121" cy="1828800"/>
           </a:xfrm>
         </p:spPr>
         <p:txBody>
-          <a:bodyPr/>
-          <a:lstStyle>
-            <a:lvl1pPr>
-              <a:defRPr sz="3200"/>
-            </a:lvl1pPr>
-            <a:lvl2pPr>
-              <a:defRPr sz="2800"/>
-            </a:lvl2pPr>
-            <a:lvl3pPr>
-              <a:defRPr sz="2400"/>
-            </a:lvl3pPr>
-            <a:lvl4pPr>
-              <a:defRPr sz="2000"/>
-            </a:lvl4pPr>
-            <a:lvl5pPr>
-              <a:defRPr sz="2000"/>
-            </a:lvl5pPr>
-            <a:lvl6pPr>
-              <a:defRPr sz="2000"/>
-            </a:lvl6pPr>
-            <a:lvl7pPr>
-              <a:defRPr sz="2000"/>
-            </a:lvl7pPr>
-            <a:lvl8pPr>
-              <a:defRPr sz="2000"/>
-            </a:lvl8pPr>
-            <a:lvl9pPr>
-              <a:defRPr sz="2000"/>
-            </a:lvl9pPr>
-          </a:lstStyle>
-          <a:p>
-            <a:pPr lvl="0"/>
-            <a:r>
-              <a:rPr lang="de-DE"/>
-              <a:t>Mastertextformat bearbeiten</a:t>
-            </a:r>
-          </a:p>
-          <a:p>
-            <a:pPr lvl="1"/>
-            <a:r>
-              <a:rPr lang="de-DE"/>
-              <a:t>Zweite Ebene</a:t>
-            </a:r>
-          </a:p>
-          <a:p>
-            <a:pPr lvl="2"/>
-            <a:r>
-              <a:rPr lang="de-DE"/>
-              <a:t>Dritte Ebene</a:t>
-            </a:r>
-          </a:p>
-          <a:p>
-            <a:pPr lvl="3"/>
-            <a:r>
-              <a:rPr lang="de-DE"/>
-              <a:t>Vierte Ebene</a:t>
-            </a:r>
-          </a:p>
-          <a:p>
-            <a:pPr lvl="4"/>
-            <a:r>
-              <a:rPr lang="de-DE"/>
-              <a:t>Fünfte Ebene</a:t>
-            </a:r>
-            <a:endParaRPr lang="de-AT"/>
-          </a:p>
-        </p:txBody>
-      </p:sp>
-      <p:sp>
-        <p:nvSpPr>
-          <p:cNvPr id="4" name="Textplatzhalter 3">
-            <a:extLst>
-              <a:ext uri="{FF2B5EF4-FFF2-40B4-BE49-F238E27FC236}">
-                <a16:creationId xmlns:a16="http://schemas.microsoft.com/office/drawing/2014/main" id="{9AB970A1-01E0-A6BB-063A-00102DBF0B5F}"/>
-              </a:ext>
-            </a:extLst>
-          </p:cNvPr>
-          <p:cNvSpPr>
-            <a:spLocks noGrp="1"/>
-          </p:cNvSpPr>
-          <p:nvPr>
-            <p:ph type="body" sz="half" idx="2"/>
-          </p:nvPr>
-        </p:nvSpPr>
-        <p:spPr>
-          <a:xfrm>
-            <a:off x="839788" y="2057400"/>
-            <a:ext cx="3932237" cy="3811588"/>
-          </a:xfrm>
-        </p:spPr>
-        <p:txBody>
-          <a:bodyPr/>
+          <a:bodyPr>
+            <a:normAutofit/>
+          </a:bodyPr>
           <a:lstStyle>
             <a:lvl1pPr marL="0" indent="0">
               <a:buNone/>
@@ -2345,35 +4452,35 @@
             </a:lvl1pPr>
             <a:lvl2pPr marL="457200" indent="0">
               <a:buNone/>
-              <a:defRPr sz="1400"/>
+              <a:defRPr sz="1200"/>
             </a:lvl2pPr>
             <a:lvl3pPr marL="914400" indent="0">
               <a:buNone/>
-              <a:defRPr sz="1200"/>
+              <a:defRPr sz="1000"/>
             </a:lvl3pPr>
             <a:lvl4pPr marL="1371600" indent="0">
               <a:buNone/>
-              <a:defRPr sz="1000"/>
+              <a:defRPr sz="900"/>
             </a:lvl4pPr>
             <a:lvl5pPr marL="1828800" indent="0">
               <a:buNone/>
-              <a:defRPr sz="1000"/>
+              <a:defRPr sz="900"/>
             </a:lvl5pPr>
             <a:lvl6pPr marL="2286000" indent="0">
               <a:buNone/>
-              <a:defRPr sz="1000"/>
+              <a:defRPr sz="900"/>
             </a:lvl6pPr>
             <a:lvl7pPr marL="2743200" indent="0">
               <a:buNone/>
-              <a:defRPr sz="1000"/>
+              <a:defRPr sz="900"/>
             </a:lvl7pPr>
             <a:lvl8pPr marL="3200400" indent="0">
               <a:buNone/>
-              <a:defRPr sz="1000"/>
+              <a:defRPr sz="900"/>
             </a:lvl8pPr>
             <a:lvl9pPr marL="3657600" indent="0">
               <a:buNone/>
-              <a:defRPr sz="1000"/>
+              <a:defRPr sz="900"/>
             </a:lvl9pPr>
           </a:lstStyle>
           <a:p>
@@ -2387,13 +4494,7 @@
       </p:sp>
       <p:sp>
         <p:nvSpPr>
-          <p:cNvPr id="5" name="Datumsplatzhalter 4">
-            <a:extLst>
-              <a:ext uri="{FF2B5EF4-FFF2-40B4-BE49-F238E27FC236}">
-                <a16:creationId xmlns:a16="http://schemas.microsoft.com/office/drawing/2014/main" id="{65D7E6BA-FD4E-EF20-AF53-4EBE48676935}"/>
-              </a:ext>
-            </a:extLst>
-          </p:cNvPr>
+          <p:cNvPr id="5" name="Date Placeholder 4"/>
           <p:cNvSpPr>
             <a:spLocks noGrp="1"/>
           </p:cNvSpPr>
@@ -2416,13 +4517,7 @@
       </p:sp>
       <p:sp>
         <p:nvSpPr>
-          <p:cNvPr id="6" name="Fußzeilenplatzhalter 5">
-            <a:extLst>
-              <a:ext uri="{FF2B5EF4-FFF2-40B4-BE49-F238E27FC236}">
-                <a16:creationId xmlns:a16="http://schemas.microsoft.com/office/drawing/2014/main" id="{A61D492D-2EF7-A613-3076-F4492034CD10}"/>
-              </a:ext>
-            </a:extLst>
-          </p:cNvPr>
+          <p:cNvPr id="6" name="Footer Placeholder 5"/>
           <p:cNvSpPr>
             <a:spLocks noGrp="1"/>
           </p:cNvSpPr>
@@ -2441,13 +4536,7 @@
       </p:sp>
       <p:sp>
         <p:nvSpPr>
-          <p:cNvPr id="7" name="Foliennummernplatzhalter 6">
-            <a:extLst>
-              <a:ext uri="{FF2B5EF4-FFF2-40B4-BE49-F238E27FC236}">
-                <a16:creationId xmlns:a16="http://schemas.microsoft.com/office/drawing/2014/main" id="{177B0072-7698-1074-5CA2-2483CCD48B8D}"/>
-              </a:ext>
-            </a:extLst>
-          </p:cNvPr>
+          <p:cNvPr id="7" name="Slide Number Placeholder 6"/>
           <p:cNvSpPr>
             <a:spLocks noGrp="1"/>
           </p:cNvSpPr>
@@ -2471,7 +4560,7 @@
     </p:spTree>
     <p:extLst>
       <p:ext uri="{BB962C8B-B14F-4D97-AF65-F5344CB8AC3E}">
-        <p14:creationId xmlns:p14="http://schemas.microsoft.com/office/powerpoint/2010/main" val="2595074941"/>
+        <p14:creationId xmlns:p14="http://schemas.microsoft.com/office/powerpoint/2010/main" val="2048974115"/>
       </p:ext>
     </p:extLst>
   </p:cSld>
@@ -2500,13 +4589,7 @@
       </p:grpSpPr>
       <p:sp>
         <p:nvSpPr>
-          <p:cNvPr id="2" name="Titel 1">
-            <a:extLst>
-              <a:ext uri="{FF2B5EF4-FFF2-40B4-BE49-F238E27FC236}">
-                <a16:creationId xmlns:a16="http://schemas.microsoft.com/office/drawing/2014/main" id="{F6EDAF9C-BB50-2C15-5ACA-64E8D4A8B5BD}"/>
-              </a:ext>
-            </a:extLst>
-          </p:cNvPr>
+          <p:cNvPr id="2" name="Title 1"/>
           <p:cNvSpPr>
             <a:spLocks noGrp="1"/>
           </p:cNvSpPr>
@@ -2516,15 +4599,17 @@
         </p:nvSpPr>
         <p:spPr>
           <a:xfrm>
-            <a:off x="839788" y="457200"/>
-            <a:ext cx="3932237" cy="1600200"/>
+            <a:off x="1141411" y="1600200"/>
+            <a:ext cx="5334001" cy="1371600"/>
           </a:xfrm>
         </p:spPr>
         <p:txBody>
-          <a:bodyPr anchor="b"/>
+          <a:bodyPr anchor="b">
+            <a:normAutofit/>
+          </a:bodyPr>
           <a:lstStyle>
-            <a:lvl1pPr>
-              <a:defRPr sz="3200"/>
+            <a:lvl1pPr algn="l">
+              <a:defRPr sz="2800" b="0"/>
             </a:lvl1pPr>
           </a:lstStyle>
           <a:p>
@@ -2532,21 +4617,15 @@
               <a:rPr lang="de-DE"/>
               <a:t>Mastertitelformat bearbeiten</a:t>
             </a:r>
-            <a:endParaRPr lang="de-AT"/>
-          </a:p>
-        </p:txBody>
-      </p:sp>
-      <p:sp>
-        <p:nvSpPr>
-          <p:cNvPr id="3" name="Bildplatzhalter 2">
-            <a:extLst>
-              <a:ext uri="{FF2B5EF4-FFF2-40B4-BE49-F238E27FC236}">
-                <a16:creationId xmlns:a16="http://schemas.microsoft.com/office/drawing/2014/main" id="{CC5CE20E-1197-46DE-0602-39977D89183E}"/>
-              </a:ext>
-            </a:extLst>
-          </p:cNvPr>
-          <p:cNvSpPr>
-            <a:spLocks noGrp="1"/>
+            <a:endParaRPr lang="en-US" dirty="0"/>
+          </a:p>
+        </p:txBody>
+      </p:sp>
+      <p:sp>
+        <p:nvSpPr>
+          <p:cNvPr id="14" name="Picture Placeholder 2"/>
+          <p:cNvSpPr>
+            <a:spLocks noGrp="1" noChangeAspect="1"/>
           </p:cNvSpPr>
           <p:nvPr>
             <p:ph type="pic" idx="1"/>
@@ -2554,118 +4633,143 @@
         </p:nvSpPr>
         <p:spPr>
           <a:xfrm>
-            <a:off x="5183188" y="987425"/>
-            <a:ext cx="6172200" cy="4873625"/>
+            <a:off x="7433733" y="-18288"/>
+            <a:ext cx="3276599" cy="6903720"/>
           </a:xfrm>
+          <a:ln w="38100">
+            <a:gradFill flip="none" rotWithShape="1">
+              <a:gsLst>
+                <a:gs pos="0">
+                  <a:schemeClr val="bg2"/>
+                </a:gs>
+                <a:gs pos="100000">
+                  <a:schemeClr val="bg2">
+                    <a:lumMod val="75000"/>
+                  </a:schemeClr>
+                </a:gs>
+              </a:gsLst>
+              <a:lin ang="5400000" scaled="0"/>
+              <a:tileRect/>
+            </a:gradFill>
+          </a:ln>
+          <a:effectLst>
+            <a:innerShdw blurRad="57150" dist="38100" dir="10800000">
+              <a:srgbClr val="000000">
+                <a:alpha val="70000"/>
+              </a:srgbClr>
+            </a:innerShdw>
+          </a:effectLst>
         </p:spPr>
         <p:txBody>
-          <a:bodyPr/>
+          <a:bodyPr anchor="t">
+            <a:normAutofit/>
+          </a:bodyPr>
           <a:lstStyle>
-            <a:lvl1pPr marL="0" indent="0">
-              <a:buNone/>
-              <a:defRPr sz="3200"/>
-            </a:lvl1pPr>
-            <a:lvl2pPr marL="457200" indent="0">
-              <a:buNone/>
-              <a:defRPr sz="2800"/>
-            </a:lvl2pPr>
-            <a:lvl3pPr marL="914400" indent="0">
-              <a:buNone/>
-              <a:defRPr sz="2400"/>
-            </a:lvl3pPr>
-            <a:lvl4pPr marL="1371600" indent="0">
-              <a:buNone/>
-              <a:defRPr sz="2000"/>
-            </a:lvl4pPr>
-            <a:lvl5pPr marL="1828800" indent="0">
-              <a:buNone/>
-              <a:defRPr sz="2000"/>
-            </a:lvl5pPr>
-            <a:lvl6pPr marL="2286000" indent="0">
-              <a:buNone/>
-              <a:defRPr sz="2000"/>
-            </a:lvl6pPr>
-            <a:lvl7pPr marL="2743200" indent="0">
-              <a:buNone/>
-              <a:defRPr sz="2000"/>
-            </a:lvl7pPr>
-            <a:lvl8pPr marL="3200400" indent="0">
-              <a:buNone/>
-              <a:defRPr sz="2000"/>
-            </a:lvl8pPr>
-            <a:lvl9pPr marL="3657600" indent="0">
-              <a:buNone/>
-              <a:defRPr sz="2000"/>
-            </a:lvl9pPr>
-          </a:lstStyle>
-          <a:p>
-            <a:endParaRPr lang="de-AT"/>
-          </a:p>
-        </p:txBody>
-      </p:sp>
-      <p:sp>
-        <p:nvSpPr>
-          <p:cNvPr id="4" name="Textplatzhalter 3">
-            <a:extLst>
-              <a:ext uri="{FF2B5EF4-FFF2-40B4-BE49-F238E27FC236}">
-                <a16:creationId xmlns:a16="http://schemas.microsoft.com/office/drawing/2014/main" id="{1EEAD8B1-1227-D034-77E0-BB6F9CB1A8AD}"/>
-              </a:ext>
-            </a:extLst>
-          </p:cNvPr>
-          <p:cNvSpPr>
-            <a:spLocks noGrp="1"/>
-          </p:cNvSpPr>
-          <p:nvPr>
-            <p:ph type="body" sz="half" idx="2"/>
-          </p:nvPr>
-        </p:nvSpPr>
-        <p:spPr>
-          <a:xfrm>
-            <a:off x="839788" y="2057400"/>
-            <a:ext cx="3932237" cy="3811588"/>
-          </a:xfrm>
-        </p:spPr>
-        <p:txBody>
-          <a:bodyPr/>
-          <a:lstStyle>
-            <a:lvl1pPr marL="0" indent="0">
+            <a:lvl1pPr marL="0" indent="0" algn="ctr">
               <a:buNone/>
               <a:defRPr sz="1600"/>
             </a:lvl1pPr>
             <a:lvl2pPr marL="457200" indent="0">
               <a:buNone/>
-              <a:defRPr sz="1400"/>
+              <a:defRPr sz="1600"/>
             </a:lvl2pPr>
             <a:lvl3pPr marL="914400" indent="0">
               <a:buNone/>
-              <a:defRPr sz="1200"/>
+              <a:defRPr sz="1600"/>
             </a:lvl3pPr>
             <a:lvl4pPr marL="1371600" indent="0">
               <a:buNone/>
-              <a:defRPr sz="1000"/>
+              <a:defRPr sz="1600"/>
             </a:lvl4pPr>
             <a:lvl5pPr marL="1828800" indent="0">
               <a:buNone/>
-              <a:defRPr sz="1000"/>
+              <a:defRPr sz="1600"/>
             </a:lvl5pPr>
             <a:lvl6pPr marL="2286000" indent="0">
               <a:buNone/>
-              <a:defRPr sz="1000"/>
+              <a:defRPr sz="1600"/>
             </a:lvl6pPr>
             <a:lvl7pPr marL="2743200" indent="0">
               <a:buNone/>
-              <a:defRPr sz="1000"/>
+              <a:defRPr sz="1600"/>
             </a:lvl7pPr>
             <a:lvl8pPr marL="3200400" indent="0">
               <a:buNone/>
-              <a:defRPr sz="1000"/>
+              <a:defRPr sz="1600"/>
             </a:lvl8pPr>
             <a:lvl9pPr marL="3657600" indent="0">
               <a:buNone/>
-              <a:defRPr sz="1000"/>
+              <a:defRPr sz="1600"/>
             </a:lvl9pPr>
           </a:lstStyle>
           <a:p>
+            <a:r>
+              <a:rPr lang="de-DE"/>
+              <a:t>Bild durch Klicken auf Symbol hinzufügen</a:t>
+            </a:r>
+            <a:endParaRPr lang="en-US" dirty="0"/>
+          </a:p>
+        </p:txBody>
+      </p:sp>
+      <p:sp>
+        <p:nvSpPr>
+          <p:cNvPr id="4" name="Text Placeholder 3"/>
+          <p:cNvSpPr>
+            <a:spLocks noGrp="1"/>
+          </p:cNvSpPr>
+          <p:nvPr>
+            <p:ph type="body" sz="half" idx="2"/>
+          </p:nvPr>
+        </p:nvSpPr>
+        <p:spPr>
+          <a:xfrm>
+            <a:off x="1141411" y="2971800"/>
+            <a:ext cx="5334001" cy="1828800"/>
+          </a:xfrm>
+        </p:spPr>
+        <p:txBody>
+          <a:bodyPr>
+            <a:normAutofit/>
+          </a:bodyPr>
+          <a:lstStyle>
+            <a:lvl1pPr marL="0" indent="0">
+              <a:buNone/>
+              <a:defRPr sz="1800"/>
+            </a:lvl1pPr>
+            <a:lvl2pPr marL="457200" indent="0">
+              <a:buNone/>
+              <a:defRPr sz="1200"/>
+            </a:lvl2pPr>
+            <a:lvl3pPr marL="914400" indent="0">
+              <a:buNone/>
+              <a:defRPr sz="1000"/>
+            </a:lvl3pPr>
+            <a:lvl4pPr marL="1371600" indent="0">
+              <a:buNone/>
+              <a:defRPr sz="900"/>
+            </a:lvl4pPr>
+            <a:lvl5pPr marL="1828800" indent="0">
+              <a:buNone/>
+              <a:defRPr sz="900"/>
+            </a:lvl5pPr>
+            <a:lvl6pPr marL="2286000" indent="0">
+              <a:buNone/>
+              <a:defRPr sz="900"/>
+            </a:lvl6pPr>
+            <a:lvl7pPr marL="2743200" indent="0">
+              <a:buNone/>
+              <a:defRPr sz="900"/>
+            </a:lvl7pPr>
+            <a:lvl8pPr marL="3200400" indent="0">
+              <a:buNone/>
+              <a:defRPr sz="900"/>
+            </a:lvl8pPr>
+            <a:lvl9pPr marL="3657600" indent="0">
+              <a:buNone/>
+              <a:defRPr sz="900"/>
+            </a:lvl9pPr>
+          </a:lstStyle>
+          <a:p>
             <a:pPr lvl="0"/>
             <a:r>
               <a:rPr lang="de-DE"/>
@@ -2676,13 +4780,7 @@
       </p:sp>
       <p:sp>
         <p:nvSpPr>
-          <p:cNvPr id="5" name="Datumsplatzhalter 4">
-            <a:extLst>
-              <a:ext uri="{FF2B5EF4-FFF2-40B4-BE49-F238E27FC236}">
-                <a16:creationId xmlns:a16="http://schemas.microsoft.com/office/drawing/2014/main" id="{D962B183-1FC3-3C9B-9477-F4AEE447F389}"/>
-              </a:ext>
-            </a:extLst>
-          </p:cNvPr>
+          <p:cNvPr id="5" name="Date Placeholder 4"/>
           <p:cNvSpPr>
             <a:spLocks noGrp="1"/>
           </p:cNvSpPr>
@@ -2690,7 +4788,12 @@
             <p:ph type="dt" sz="half" idx="10"/>
           </p:nvPr>
         </p:nvSpPr>
-        <p:spPr/>
+        <p:spPr>
+          <a:xfrm>
+            <a:off x="6399212" y="5883275"/>
+            <a:ext cx="914400" cy="365125"/>
+          </a:xfrm>
+        </p:spPr>
         <p:txBody>
           <a:bodyPr/>
           <a:lstStyle/>
@@ -2705,13 +4808,7 @@
       </p:sp>
       <p:sp>
         <p:nvSpPr>
-          <p:cNvPr id="6" name="Fußzeilenplatzhalter 5">
-            <a:extLst>
-              <a:ext uri="{FF2B5EF4-FFF2-40B4-BE49-F238E27FC236}">
-                <a16:creationId xmlns:a16="http://schemas.microsoft.com/office/drawing/2014/main" id="{A54B1D41-ED1B-7838-7CE3-A35D9112EF95}"/>
-              </a:ext>
-            </a:extLst>
-          </p:cNvPr>
+          <p:cNvPr id="6" name="Footer Placeholder 5"/>
           <p:cNvSpPr>
             <a:spLocks noGrp="1"/>
           </p:cNvSpPr>
@@ -2719,7 +4816,12 @@
             <p:ph type="ftr" sz="quarter" idx="11"/>
           </p:nvPr>
         </p:nvSpPr>
-        <p:spPr/>
+        <p:spPr>
+          <a:xfrm>
+            <a:off x="1141412" y="5883275"/>
+            <a:ext cx="5105400" cy="365125"/>
+          </a:xfrm>
+        </p:spPr>
         <p:txBody>
           <a:bodyPr/>
           <a:lstStyle/>
@@ -2730,13 +4832,7 @@
       </p:sp>
       <p:sp>
         <p:nvSpPr>
-          <p:cNvPr id="7" name="Foliennummernplatzhalter 6">
-            <a:extLst>
-              <a:ext uri="{FF2B5EF4-FFF2-40B4-BE49-F238E27FC236}">
-                <a16:creationId xmlns:a16="http://schemas.microsoft.com/office/drawing/2014/main" id="{6AA89BD3-8215-55C7-F923-64D1B1987298}"/>
-              </a:ext>
-            </a:extLst>
-          </p:cNvPr>
+          <p:cNvPr id="7" name="Slide Number Placeholder 6"/>
           <p:cNvSpPr>
             <a:spLocks noGrp="1"/>
           </p:cNvSpPr>
@@ -2744,7 +4840,12 @@
             <p:ph type="sldNum" sz="quarter" idx="12"/>
           </p:nvPr>
         </p:nvSpPr>
-        <p:spPr/>
+        <p:spPr>
+          <a:xfrm>
+            <a:off x="10742612" y="5883275"/>
+            <a:ext cx="322567" cy="365125"/>
+          </a:xfrm>
+        </p:spPr>
         <p:txBody>
           <a:bodyPr/>
           <a:lstStyle/>
@@ -2760,7 +4861,7 @@
     </p:spTree>
     <p:extLst>
       <p:ext uri="{BB962C8B-B14F-4D97-AF65-F5344CB8AC3E}">
-        <p14:creationId xmlns:p14="http://schemas.microsoft.com/office/powerpoint/2010/main" val="3747875654"/>
+        <p14:creationId xmlns:p14="http://schemas.microsoft.com/office/powerpoint/2010/main" val="3227067189"/>
       </p:ext>
     </p:extLst>
   </p:cSld>
@@ -2774,8 +4875,8 @@
 <p:sldMaster xmlns:a="http://schemas.openxmlformats.org/drawingml/2006/main" xmlns:r="http://schemas.openxmlformats.org/officeDocument/2006/relationships" xmlns:p="http://schemas.openxmlformats.org/presentationml/2006/main">
   <p:cSld>
     <p:bg>
-      <p:bgRef idx="1001">
-        <a:schemeClr val="bg1"/>
+      <p:bgRef idx="1003">
+        <a:schemeClr val="bg2"/>
       </p:bgRef>
     </p:bg>
     <p:spTree>
@@ -2794,13 +4895,7 @@
       </p:grpSpPr>
       <p:sp>
         <p:nvSpPr>
-          <p:cNvPr id="2" name="Titelplatzhalter 1">
-            <a:extLst>
-              <a:ext uri="{FF2B5EF4-FFF2-40B4-BE49-F238E27FC236}">
-                <a16:creationId xmlns:a16="http://schemas.microsoft.com/office/drawing/2014/main" id="{11AADFFD-1098-DF58-69EA-974A766757DE}"/>
-              </a:ext>
-            </a:extLst>
-          </p:cNvPr>
+          <p:cNvPr id="2" name="Title Placeholder 1"/>
           <p:cNvSpPr>
             <a:spLocks noGrp="1"/>
           </p:cNvSpPr>
@@ -2810,8 +4905,8 @@
         </p:nvSpPr>
         <p:spPr>
           <a:xfrm>
-            <a:off x="838200" y="365125"/>
-            <a:ext cx="10515600" cy="1325563"/>
+            <a:off x="1141413" y="609600"/>
+            <a:ext cx="9905998" cy="1905000"/>
           </a:xfrm>
           <a:prstGeom prst="rect">
             <a:avLst/>
@@ -2824,22 +4919,16 @@
           <a:lstStyle/>
           <a:p>
             <a:r>
-              <a:rPr lang="de-DE"/>
+              <a:rPr lang="de-DE" dirty="0"/>
               <a:t>Mastertitelformat bearbeiten</a:t>
             </a:r>
-            <a:endParaRPr lang="de-AT"/>
-          </a:p>
-        </p:txBody>
-      </p:sp>
-      <p:sp>
-        <p:nvSpPr>
-          <p:cNvPr id="3" name="Textplatzhalter 2">
-            <a:extLst>
-              <a:ext uri="{FF2B5EF4-FFF2-40B4-BE49-F238E27FC236}">
-                <a16:creationId xmlns:a16="http://schemas.microsoft.com/office/drawing/2014/main" id="{C3E33DB6-2599-BE79-8488-F6EA16D02D8E}"/>
-              </a:ext>
-            </a:extLst>
-          </p:cNvPr>
+            <a:endParaRPr lang="en-US" dirty="0"/>
+          </a:p>
+        </p:txBody>
+      </p:sp>
+      <p:sp>
+        <p:nvSpPr>
+          <p:cNvPr id="3" name="Text Placeholder 2"/>
           <p:cNvSpPr>
             <a:spLocks noGrp="1"/>
           </p:cNvSpPr>
@@ -2849,65 +4938,59 @@
         </p:nvSpPr>
         <p:spPr>
           <a:xfrm>
-            <a:off x="838200" y="1825625"/>
-            <a:ext cx="10515600" cy="4351338"/>
+            <a:off x="1141413" y="2666999"/>
+            <a:ext cx="9905998" cy="3124201"/>
           </a:xfrm>
           <a:prstGeom prst="rect">
             <a:avLst/>
           </a:prstGeom>
         </p:spPr>
         <p:txBody>
-          <a:bodyPr vert="horz" lIns="91440" tIns="45720" rIns="91440" bIns="45720" rtlCol="0">
+          <a:bodyPr vert="horz" lIns="91440" tIns="45720" rIns="91440" bIns="45720" rtlCol="0" anchor="ctr">
             <a:normAutofit/>
           </a:bodyPr>
           <a:lstStyle/>
           <a:p>
             <a:pPr lvl="0"/>
             <a:r>
-              <a:rPr lang="de-DE"/>
+              <a:rPr lang="de-DE" dirty="0"/>
               <a:t>Mastertextformat bearbeiten</a:t>
             </a:r>
           </a:p>
           <a:p>
             <a:pPr lvl="1"/>
             <a:r>
-              <a:rPr lang="de-DE"/>
+              <a:rPr lang="de-DE" dirty="0"/>
               <a:t>Zweite Ebene</a:t>
             </a:r>
           </a:p>
           <a:p>
             <a:pPr lvl="2"/>
             <a:r>
-              <a:rPr lang="de-DE"/>
+              <a:rPr lang="de-DE" dirty="0"/>
               <a:t>Dritte Ebene</a:t>
             </a:r>
           </a:p>
           <a:p>
             <a:pPr lvl="3"/>
             <a:r>
-              <a:rPr lang="de-DE"/>
+              <a:rPr lang="de-DE" dirty="0"/>
               <a:t>Vierte Ebene</a:t>
             </a:r>
           </a:p>
           <a:p>
             <a:pPr lvl="4"/>
             <a:r>
-              <a:rPr lang="de-DE"/>
+              <a:rPr lang="de-DE" dirty="0"/>
               <a:t>Fünfte Ebene</a:t>
             </a:r>
-            <a:endParaRPr lang="de-AT"/>
-          </a:p>
-        </p:txBody>
-      </p:sp>
-      <p:sp>
-        <p:nvSpPr>
-          <p:cNvPr id="4" name="Datumsplatzhalter 3">
-            <a:extLst>
-              <a:ext uri="{FF2B5EF4-FFF2-40B4-BE49-F238E27FC236}">
-                <a16:creationId xmlns:a16="http://schemas.microsoft.com/office/drawing/2014/main" id="{C24E27EF-606E-2985-F508-D40373E8531A}"/>
-              </a:ext>
-            </a:extLst>
-          </p:cNvPr>
+            <a:endParaRPr lang="en-US" dirty="0"/>
+          </a:p>
+        </p:txBody>
+      </p:sp>
+      <p:sp>
+        <p:nvSpPr>
+          <p:cNvPr id="4" name="Date Placeholder 3"/>
           <p:cNvSpPr>
             <a:spLocks noGrp="1"/>
           </p:cNvSpPr>
@@ -2917,8 +5000,8 @@
         </p:nvSpPr>
         <p:spPr>
           <a:xfrm>
-            <a:off x="838200" y="6356350"/>
-            <a:ext cx="2743200" cy="365125"/>
+            <a:off x="8837612" y="5883275"/>
+            <a:ext cx="1600200" cy="365125"/>
           </a:xfrm>
           <a:prstGeom prst="rect">
             <a:avLst/>
@@ -2927,13 +5010,21 @@
         <p:txBody>
           <a:bodyPr vert="horz" lIns="91440" tIns="45720" rIns="91440" bIns="45720" rtlCol="0" anchor="ctr"/>
           <a:lstStyle>
-            <a:lvl1pPr algn="l">
-              <a:defRPr sz="1200">
+            <a:lvl1pPr algn="r">
+              <a:defRPr sz="900" b="1" i="0">
                 <a:solidFill>
                   <a:schemeClr val="tx1">
-                    <a:tint val="82000"/>
+                    <a:lumMod val="75000"/>
                   </a:schemeClr>
                 </a:solidFill>
+                <a:effectLst>
+                  <a:outerShdw blurRad="50800" dist="38100" dir="2700000" algn="tl" rotWithShape="0">
+                    <a:srgbClr val="000000">
+                      <a:alpha val="43000"/>
+                    </a:srgbClr>
+                  </a:outerShdw>
+                </a:effectLst>
+                <a:latin typeface="+mn-lt"/>
               </a:defRPr>
             </a:lvl1pPr>
           </a:lstStyle>
@@ -2948,13 +5039,7 @@
       </p:sp>
       <p:sp>
         <p:nvSpPr>
-          <p:cNvPr id="5" name="Fußzeilenplatzhalter 4">
-            <a:extLst>
-              <a:ext uri="{FF2B5EF4-FFF2-40B4-BE49-F238E27FC236}">
-                <a16:creationId xmlns:a16="http://schemas.microsoft.com/office/drawing/2014/main" id="{F1395A3E-B811-1E74-7583-5D1CC9D06E80}"/>
-              </a:ext>
-            </a:extLst>
-          </p:cNvPr>
+          <p:cNvPr id="5" name="Footer Placeholder 4"/>
           <p:cNvSpPr>
             <a:spLocks noGrp="1"/>
           </p:cNvSpPr>
@@ -2964,8 +5049,8 @@
         </p:nvSpPr>
         <p:spPr>
           <a:xfrm>
-            <a:off x="4038600" y="6356350"/>
-            <a:ext cx="4114800" cy="365125"/>
+            <a:off x="1141412" y="5883275"/>
+            <a:ext cx="7543800" cy="365125"/>
           </a:xfrm>
           <a:prstGeom prst="rect">
             <a:avLst/>
@@ -2974,13 +5059,21 @@
         <p:txBody>
           <a:bodyPr vert="horz" lIns="91440" tIns="45720" rIns="91440" bIns="45720" rtlCol="0" anchor="ctr"/>
           <a:lstStyle>
-            <a:lvl1pPr algn="ctr">
-              <a:defRPr sz="1200">
+            <a:lvl1pPr algn="l">
+              <a:defRPr sz="900" b="1" i="0">
                 <a:solidFill>
                   <a:schemeClr val="tx1">
-                    <a:tint val="82000"/>
+                    <a:lumMod val="75000"/>
                   </a:schemeClr>
                 </a:solidFill>
+                <a:effectLst>
+                  <a:outerShdw blurRad="50800" dist="38100" dir="2700000" algn="tl" rotWithShape="0">
+                    <a:srgbClr val="000000">
+                      <a:alpha val="43000"/>
+                    </a:srgbClr>
+                  </a:outerShdw>
+                </a:effectLst>
+                <a:latin typeface="+mn-lt"/>
               </a:defRPr>
             </a:lvl1pPr>
           </a:lstStyle>
@@ -2991,13 +5084,7 @@
       </p:sp>
       <p:sp>
         <p:nvSpPr>
-          <p:cNvPr id="6" name="Foliennummernplatzhalter 5">
-            <a:extLst>
-              <a:ext uri="{FF2B5EF4-FFF2-40B4-BE49-F238E27FC236}">
-                <a16:creationId xmlns:a16="http://schemas.microsoft.com/office/drawing/2014/main" id="{0027D379-9B76-86BC-CA35-58CAF317B1AE}"/>
-              </a:ext>
-            </a:extLst>
-          </p:cNvPr>
+          <p:cNvPr id="6" name="Slide Number Placeholder 5"/>
           <p:cNvSpPr>
             <a:spLocks noGrp="1"/>
           </p:cNvSpPr>
@@ -3007,8 +5094,8 @@
         </p:nvSpPr>
         <p:spPr>
           <a:xfrm>
-            <a:off x="8610600" y="6356350"/>
-            <a:ext cx="2743200" cy="365125"/>
+            <a:off x="10514012" y="5883275"/>
+            <a:ext cx="551167" cy="365125"/>
           </a:xfrm>
           <a:prstGeom prst="rect">
             <a:avLst/>
@@ -3018,12 +5105,20 @@
           <a:bodyPr vert="horz" lIns="91440" tIns="45720" rIns="91440" bIns="45720" rtlCol="0" anchor="ctr"/>
           <a:lstStyle>
             <a:lvl1pPr algn="r">
-              <a:defRPr sz="1200">
+              <a:defRPr sz="900" b="1" i="0">
                 <a:solidFill>
                   <a:schemeClr val="tx1">
-                    <a:tint val="82000"/>
+                    <a:lumMod val="75000"/>
                   </a:schemeClr>
                 </a:solidFill>
+                <a:effectLst>
+                  <a:outerShdw blurRad="50800" dist="38100" dir="2700000" algn="tl" rotWithShape="0">
+                    <a:srgbClr val="000000">
+                      <a:alpha val="43000"/>
+                    </a:srgbClr>
+                  </a:outerShdw>
+                </a:effectLst>
+                <a:latin typeface="+mn-lt"/>
               </a:defRPr>
             </a:lvl1pPr>
           </a:lstStyle>
@@ -3039,55 +5134,562 @@
     </p:spTree>
     <p:extLst>
       <p:ext uri="{BB962C8B-B14F-4D97-AF65-F5344CB8AC3E}">
-        <p14:creationId xmlns:p14="http://schemas.microsoft.com/office/powerpoint/2010/main" val="2761074295"/>
+        <p14:creationId xmlns:p14="http://schemas.microsoft.com/office/powerpoint/2010/main" val="3252054134"/>
       </p:ext>
     </p:extLst>
   </p:cSld>
-  <p:clrMap bg1="lt1" tx1="dk1" bg2="lt2" tx2="dk2" accent1="accent1" accent2="accent2" accent3="accent3" accent4="accent4" accent5="accent5" accent6="accent6" hlink="hlink" folHlink="folHlink"/>
+  <p:clrMap bg1="dk1" tx1="lt1" bg2="dk2" tx2="lt2" accent1="accent1" accent2="accent2" accent3="accent3" accent4="accent4" accent5="accent5" accent6="accent6" hlink="hlink" folHlink="folHlink"/>
   <p:sldLayoutIdLst>
-    <p:sldLayoutId id="2147483649" r:id="rId1"/>
-    <p:sldLayoutId id="2147483650" r:id="rId2"/>
-    <p:sldLayoutId id="2147483651" r:id="rId3"/>
-    <p:sldLayoutId id="2147483652" r:id="rId4"/>
-    <p:sldLayoutId id="2147483653" r:id="rId5"/>
-    <p:sldLayoutId id="2147483654" r:id="rId6"/>
-    <p:sldLayoutId id="2147483655" r:id="rId7"/>
-    <p:sldLayoutId id="2147483656" r:id="rId8"/>
-    <p:sldLayoutId id="2147483657" r:id="rId9"/>
-    <p:sldLayoutId id="2147483658" r:id="rId10"/>
-    <p:sldLayoutId id="2147483659" r:id="rId11"/>
+    <p:sldLayoutId id="2147483661" r:id="rId1"/>
+    <p:sldLayoutId id="2147483662" r:id="rId2"/>
+    <p:sldLayoutId id="2147483663" r:id="rId3"/>
+    <p:sldLayoutId id="2147483664" r:id="rId4"/>
+    <p:sldLayoutId id="2147483665" r:id="rId5"/>
+    <p:sldLayoutId id="2147483666" r:id="rId6"/>
+    <p:sldLayoutId id="2147483667" r:id="rId7"/>
+    <p:sldLayoutId id="2147483668" r:id="rId8"/>
+    <p:sldLayoutId id="2147483669" r:id="rId9"/>
+    <p:sldLayoutId id="2147483670" r:id="rId10"/>
+    <p:sldLayoutId id="2147483671" r:id="rId11"/>
+    <p:sldLayoutId id="2147483672" r:id="rId12"/>
+    <p:sldLayoutId id="2147483673" r:id="rId13"/>
+    <p:sldLayoutId id="2147483674" r:id="rId14"/>
+    <p:sldLayoutId id="2147483675" r:id="rId15"/>
+    <p:sldLayoutId id="2147483676" r:id="rId16"/>
+    <p:sldLayoutId id="2147483677" r:id="rId17"/>
   </p:sldLayoutIdLst>
   <p:txStyles>
     <p:titleStyle>
-      <a:lvl1pPr algn="l" defTabSz="914400" rtl="0" eaLnBrk="1" latinLnBrk="0" hangingPunct="1">
-        <a:lnSpc>
-          <a:spcPct val="90000"/>
-        </a:lnSpc>
+      <a:lvl1pPr algn="l" defTabSz="457200" rtl="0" eaLnBrk="1" latinLnBrk="0" hangingPunct="1">
         <a:spcBef>
           <a:spcPct val="0"/>
         </a:spcBef>
         <a:buNone/>
-        <a:defRPr sz="4400" kern="1200">
-          <a:solidFill>
-            <a:schemeClr val="tx1"/>
-          </a:solidFill>
-          <a:latin typeface="+mj-lt"/>
+        <a:defRPr sz="3200" kern="1200" cap="all">
+          <a:ln w="3175" cmpd="sng">
+            <a:noFill/>
+          </a:ln>
+          <a:gradFill flip="none" rotWithShape="1">
+            <a:gsLst>
+              <a:gs pos="0">
+                <a:schemeClr val="tx1"/>
+              </a:gs>
+              <a:gs pos="100000">
+                <a:schemeClr val="tx1">
+                  <a:lumMod val="65000"/>
+                </a:schemeClr>
+              </a:gs>
+            </a:gsLst>
+            <a:lin ang="5580000" scaled="0"/>
+            <a:tileRect/>
+          </a:gradFill>
+          <a:effectLst>
+            <a:glow rad="38100">
+              <a:schemeClr val="bg1">
+                <a:lumMod val="65000"/>
+                <a:lumOff val="35000"/>
+                <a:alpha val="40000"/>
+              </a:schemeClr>
+            </a:glow>
+            <a:outerShdw blurRad="28575" dist="38100" dir="14040000" algn="tl" rotWithShape="0">
+              <a:srgbClr val="000000">
+                <a:alpha val="25000"/>
+              </a:srgbClr>
+            </a:outerShdw>
+          </a:effectLst>
+          <a:latin typeface="Calibri (Textkörper)"/>
           <a:ea typeface="+mj-ea"/>
           <a:cs typeface="+mj-cs"/>
         </a:defRPr>
       </a:lvl1pPr>
+      <a:lvl2pPr eaLnBrk="1" hangingPunct="1">
+        <a:defRPr>
+          <a:solidFill>
+            <a:schemeClr val="tx2"/>
+          </a:solidFill>
+        </a:defRPr>
+      </a:lvl2pPr>
+      <a:lvl3pPr eaLnBrk="1" hangingPunct="1">
+        <a:defRPr>
+          <a:solidFill>
+            <a:schemeClr val="tx2"/>
+          </a:solidFill>
+        </a:defRPr>
+      </a:lvl3pPr>
+      <a:lvl4pPr eaLnBrk="1" hangingPunct="1">
+        <a:defRPr>
+          <a:solidFill>
+            <a:schemeClr val="tx2"/>
+          </a:solidFill>
+        </a:defRPr>
+      </a:lvl4pPr>
+      <a:lvl5pPr eaLnBrk="1" hangingPunct="1">
+        <a:defRPr>
+          <a:solidFill>
+            <a:schemeClr val="tx2"/>
+          </a:solidFill>
+        </a:defRPr>
+      </a:lvl5pPr>
+      <a:lvl6pPr eaLnBrk="1" hangingPunct="1">
+        <a:defRPr>
+          <a:solidFill>
+            <a:schemeClr val="tx2"/>
+          </a:solidFill>
+        </a:defRPr>
+      </a:lvl6pPr>
+      <a:lvl7pPr eaLnBrk="1" hangingPunct="1">
+        <a:defRPr>
+          <a:solidFill>
+            <a:schemeClr val="tx2"/>
+          </a:solidFill>
+        </a:defRPr>
+      </a:lvl7pPr>
+      <a:lvl8pPr eaLnBrk="1" hangingPunct="1">
+        <a:defRPr>
+          <a:solidFill>
+            <a:schemeClr val="tx2"/>
+          </a:solidFill>
+        </a:defRPr>
+      </a:lvl8pPr>
+      <a:lvl9pPr eaLnBrk="1" hangingPunct="1">
+        <a:defRPr>
+          <a:solidFill>
+            <a:schemeClr val="tx2"/>
+          </a:solidFill>
+        </a:defRPr>
+      </a:lvl9pPr>
     </p:titleStyle>
     <p:bodyStyle>
-      <a:lvl1pPr marL="228600" indent="-228600" algn="l" defTabSz="914400" rtl="0" eaLnBrk="1" latinLnBrk="0" hangingPunct="1">
-        <a:lnSpc>
-          <a:spcPct val="90000"/>
-        </a:lnSpc>
+      <a:lvl1pPr marL="285750" indent="-285750" algn="l" defTabSz="457200" rtl="0" eaLnBrk="1" latinLnBrk="0" hangingPunct="1">
         <a:spcBef>
-          <a:spcPts val="1000"/>
+          <a:spcPct val="20000"/>
         </a:spcBef>
-        <a:buFont typeface="Arial" panose="020B0604020202020204" pitchFamily="34" charset="0"/>
+        <a:spcAft>
+          <a:spcPts val="600"/>
+        </a:spcAft>
+        <a:buClr>
+          <a:schemeClr val="tx1"/>
+        </a:buClr>
+        <a:buSzPct val="100000"/>
+        <a:buFont typeface="Arial"/>
         <a:buChar char="•"/>
-        <a:defRPr sz="2800" kern="1200">
+        <a:defRPr sz="2000" kern="1200" cap="small">
+          <a:gradFill flip="none" rotWithShape="1">
+            <a:gsLst>
+              <a:gs pos="0">
+                <a:schemeClr val="tx1"/>
+              </a:gs>
+              <a:gs pos="100000">
+                <a:schemeClr val="tx1">
+                  <a:lumMod val="75000"/>
+                </a:schemeClr>
+              </a:gs>
+            </a:gsLst>
+            <a:lin ang="5580000" scaled="0"/>
+            <a:tileRect/>
+          </a:gradFill>
+          <a:effectLst>
+            <a:glow rad="38100">
+              <a:schemeClr val="bg1">
+                <a:lumMod val="50000"/>
+                <a:lumOff val="50000"/>
+                <a:alpha val="20000"/>
+              </a:schemeClr>
+            </a:glow>
+            <a:outerShdw blurRad="44450" dist="12700" dir="13860000" algn="tl" rotWithShape="0">
+              <a:srgbClr val="000000">
+                <a:alpha val="20000"/>
+              </a:srgbClr>
+            </a:outerShdw>
+          </a:effectLst>
+          <a:latin typeface="Calibri (Textkörper)"/>
+          <a:ea typeface="+mn-ea"/>
+          <a:cs typeface="+mn-cs"/>
+        </a:defRPr>
+      </a:lvl1pPr>
+      <a:lvl2pPr marL="742950" indent="-285750" algn="l" defTabSz="457200" rtl="0" eaLnBrk="1" latinLnBrk="0" hangingPunct="1">
+        <a:spcBef>
+          <a:spcPct val="20000"/>
+        </a:spcBef>
+        <a:spcAft>
+          <a:spcPts val="600"/>
+        </a:spcAft>
+        <a:buClr>
+          <a:schemeClr val="tx1"/>
+        </a:buClr>
+        <a:buSzPct val="100000"/>
+        <a:buFont typeface="Arial"/>
+        <a:buChar char="•"/>
+        <a:defRPr sz="1800" kern="1200" cap="small">
+          <a:gradFill flip="none" rotWithShape="1">
+            <a:gsLst>
+              <a:gs pos="0">
+                <a:schemeClr val="tx1"/>
+              </a:gs>
+              <a:gs pos="100000">
+                <a:schemeClr val="tx1">
+                  <a:lumMod val="75000"/>
+                </a:schemeClr>
+              </a:gs>
+            </a:gsLst>
+            <a:lin ang="5580000" scaled="0"/>
+            <a:tileRect/>
+          </a:gradFill>
+          <a:effectLst>
+            <a:glow rad="38100">
+              <a:schemeClr val="bg1">
+                <a:lumMod val="50000"/>
+                <a:lumOff val="50000"/>
+                <a:alpha val="20000"/>
+              </a:schemeClr>
+            </a:glow>
+            <a:outerShdw blurRad="44450" dist="12700" dir="13860000" algn="tl" rotWithShape="0">
+              <a:srgbClr val="000000">
+                <a:alpha val="20000"/>
+              </a:srgbClr>
+            </a:outerShdw>
+          </a:effectLst>
+          <a:latin typeface="Calibri (Textkörper)"/>
+          <a:ea typeface="+mn-ea"/>
+          <a:cs typeface="+mn-cs"/>
+        </a:defRPr>
+      </a:lvl2pPr>
+      <a:lvl3pPr marL="1200150" indent="-285750" algn="l" defTabSz="457200" rtl="0" eaLnBrk="1" latinLnBrk="0" hangingPunct="1">
+        <a:spcBef>
+          <a:spcPct val="20000"/>
+        </a:spcBef>
+        <a:spcAft>
+          <a:spcPts val="600"/>
+        </a:spcAft>
+        <a:buClr>
+          <a:schemeClr val="tx1"/>
+        </a:buClr>
+        <a:buSzPct val="100000"/>
+        <a:buFont typeface="Arial"/>
+        <a:buChar char="•"/>
+        <a:defRPr sz="1600" kern="1200" cap="small">
+          <a:gradFill flip="none" rotWithShape="1">
+            <a:gsLst>
+              <a:gs pos="0">
+                <a:schemeClr val="tx1"/>
+              </a:gs>
+              <a:gs pos="100000">
+                <a:schemeClr val="tx1">
+                  <a:lumMod val="75000"/>
+                </a:schemeClr>
+              </a:gs>
+            </a:gsLst>
+            <a:lin ang="5580000" scaled="0"/>
+            <a:tileRect/>
+          </a:gradFill>
+          <a:effectLst>
+            <a:glow rad="38100">
+              <a:schemeClr val="bg1">
+                <a:lumMod val="50000"/>
+                <a:lumOff val="50000"/>
+                <a:alpha val="20000"/>
+              </a:schemeClr>
+            </a:glow>
+            <a:outerShdw blurRad="44450" dist="12700" dir="13860000" algn="tl" rotWithShape="0">
+              <a:srgbClr val="000000">
+                <a:alpha val="20000"/>
+              </a:srgbClr>
+            </a:outerShdw>
+          </a:effectLst>
+          <a:latin typeface="Calibri (Textkörper)"/>
+          <a:ea typeface="+mn-ea"/>
+          <a:cs typeface="+mn-cs"/>
+        </a:defRPr>
+      </a:lvl3pPr>
+      <a:lvl4pPr marL="1543050" indent="-171450" algn="l" defTabSz="457200" rtl="0" eaLnBrk="1" latinLnBrk="0" hangingPunct="1">
+        <a:spcBef>
+          <a:spcPct val="20000"/>
+        </a:spcBef>
+        <a:spcAft>
+          <a:spcPts val="600"/>
+        </a:spcAft>
+        <a:buClr>
+          <a:schemeClr val="tx1"/>
+        </a:buClr>
+        <a:buSzPct val="100000"/>
+        <a:buFont typeface="Arial"/>
+        <a:buChar char="•"/>
+        <a:defRPr sz="1400" kern="1200" cap="small">
+          <a:gradFill flip="none" rotWithShape="1">
+            <a:gsLst>
+              <a:gs pos="0">
+                <a:schemeClr val="tx1"/>
+              </a:gs>
+              <a:gs pos="100000">
+                <a:schemeClr val="tx1">
+                  <a:lumMod val="75000"/>
+                </a:schemeClr>
+              </a:gs>
+            </a:gsLst>
+            <a:lin ang="5580000" scaled="0"/>
+            <a:tileRect/>
+          </a:gradFill>
+          <a:effectLst>
+            <a:glow rad="38100">
+              <a:schemeClr val="bg1">
+                <a:lumMod val="50000"/>
+                <a:lumOff val="50000"/>
+                <a:alpha val="20000"/>
+              </a:schemeClr>
+            </a:glow>
+            <a:outerShdw blurRad="44450" dist="12700" dir="13860000" algn="tl" rotWithShape="0">
+              <a:srgbClr val="000000">
+                <a:alpha val="20000"/>
+              </a:srgbClr>
+            </a:outerShdw>
+          </a:effectLst>
+          <a:latin typeface="Calibri (Textkörper)"/>
+          <a:ea typeface="+mn-ea"/>
+          <a:cs typeface="+mn-cs"/>
+        </a:defRPr>
+      </a:lvl4pPr>
+      <a:lvl5pPr marL="2000250" indent="-171450" algn="l" defTabSz="457200" rtl="0" eaLnBrk="1" latinLnBrk="0" hangingPunct="1">
+        <a:spcBef>
+          <a:spcPct val="20000"/>
+        </a:spcBef>
+        <a:spcAft>
+          <a:spcPts val="600"/>
+        </a:spcAft>
+        <a:buClr>
+          <a:schemeClr val="tx1"/>
+        </a:buClr>
+        <a:buSzPct val="100000"/>
+        <a:buFont typeface="Arial"/>
+        <a:buChar char="•"/>
+        <a:defRPr sz="1400" kern="1200" cap="small">
+          <a:gradFill flip="none" rotWithShape="1">
+            <a:gsLst>
+              <a:gs pos="0">
+                <a:schemeClr val="tx1"/>
+              </a:gs>
+              <a:gs pos="100000">
+                <a:schemeClr val="tx1">
+                  <a:lumMod val="75000"/>
+                </a:schemeClr>
+              </a:gs>
+            </a:gsLst>
+            <a:lin ang="5580000" scaled="0"/>
+            <a:tileRect/>
+          </a:gradFill>
+          <a:effectLst>
+            <a:glow rad="38100">
+              <a:schemeClr val="bg1">
+                <a:lumMod val="50000"/>
+                <a:lumOff val="50000"/>
+                <a:alpha val="20000"/>
+              </a:schemeClr>
+            </a:glow>
+            <a:outerShdw blurRad="44450" dist="12700" dir="13860000" algn="tl" rotWithShape="0">
+              <a:srgbClr val="000000">
+                <a:alpha val="20000"/>
+              </a:srgbClr>
+            </a:outerShdw>
+          </a:effectLst>
+          <a:latin typeface="Calibri (Textkörper)"/>
+          <a:ea typeface="+mn-ea"/>
+          <a:cs typeface="+mn-cs"/>
+        </a:defRPr>
+      </a:lvl5pPr>
+      <a:lvl6pPr marL="2514600" indent="-228600" algn="l" defTabSz="457200" rtl="0" eaLnBrk="1" latinLnBrk="0" hangingPunct="1">
+        <a:spcBef>
+          <a:spcPct val="20000"/>
+        </a:spcBef>
+        <a:spcAft>
+          <a:spcPts val="600"/>
+        </a:spcAft>
+        <a:buClr>
+          <a:schemeClr val="tx1"/>
+        </a:buClr>
+        <a:buSzPct val="100000"/>
+        <a:buFont typeface="Arial"/>
+        <a:buChar char="•"/>
+        <a:defRPr sz="1200" kern="1200" cap="small">
+          <a:gradFill flip="none" rotWithShape="1">
+            <a:gsLst>
+              <a:gs pos="0">
+                <a:schemeClr val="tx1"/>
+              </a:gs>
+              <a:gs pos="100000">
+                <a:schemeClr val="tx1">
+                  <a:lumMod val="75000"/>
+                </a:schemeClr>
+              </a:gs>
+            </a:gsLst>
+            <a:lin ang="5580000" scaled="0"/>
+            <a:tileRect/>
+          </a:gradFill>
+          <a:effectLst>
+            <a:glow rad="38100">
+              <a:schemeClr val="bg1">
+                <a:lumMod val="50000"/>
+                <a:lumOff val="50000"/>
+                <a:alpha val="20000"/>
+              </a:schemeClr>
+            </a:glow>
+            <a:outerShdw blurRad="44450" dist="12700" dir="13860000" algn="tl" rotWithShape="0">
+              <a:srgbClr val="000000">
+                <a:alpha val="20000"/>
+              </a:srgbClr>
+            </a:outerShdw>
+          </a:effectLst>
+          <a:latin typeface="+mn-lt"/>
+          <a:ea typeface="+mn-ea"/>
+          <a:cs typeface="+mn-cs"/>
+        </a:defRPr>
+      </a:lvl6pPr>
+      <a:lvl7pPr marL="2971800" indent="-228600" algn="l" defTabSz="457200" rtl="0" eaLnBrk="1" latinLnBrk="0" hangingPunct="1">
+        <a:spcBef>
+          <a:spcPct val="20000"/>
+        </a:spcBef>
+        <a:spcAft>
+          <a:spcPts val="600"/>
+        </a:spcAft>
+        <a:buClr>
+          <a:schemeClr val="tx1"/>
+        </a:buClr>
+        <a:buSzPct val="100000"/>
+        <a:buFont typeface="Arial"/>
+        <a:buChar char="•"/>
+        <a:defRPr sz="1200" kern="1200" cap="small">
+          <a:gradFill flip="none" rotWithShape="1">
+            <a:gsLst>
+              <a:gs pos="0">
+                <a:schemeClr val="tx1"/>
+              </a:gs>
+              <a:gs pos="100000">
+                <a:schemeClr val="tx1">
+                  <a:lumMod val="75000"/>
+                </a:schemeClr>
+              </a:gs>
+            </a:gsLst>
+            <a:lin ang="5580000" scaled="0"/>
+            <a:tileRect/>
+          </a:gradFill>
+          <a:effectLst>
+            <a:glow rad="38100">
+              <a:schemeClr val="bg1">
+                <a:lumMod val="50000"/>
+                <a:lumOff val="50000"/>
+                <a:alpha val="20000"/>
+              </a:schemeClr>
+            </a:glow>
+            <a:outerShdw blurRad="44450" dist="12700" dir="13860000" algn="tl" rotWithShape="0">
+              <a:srgbClr val="000000">
+                <a:alpha val="20000"/>
+              </a:srgbClr>
+            </a:outerShdw>
+          </a:effectLst>
+          <a:latin typeface="+mn-lt"/>
+          <a:ea typeface="+mn-ea"/>
+          <a:cs typeface="+mn-cs"/>
+        </a:defRPr>
+      </a:lvl7pPr>
+      <a:lvl8pPr marL="3429000" indent="-228600" algn="l" defTabSz="457200" rtl="0" eaLnBrk="1" latinLnBrk="0" hangingPunct="1">
+        <a:spcBef>
+          <a:spcPct val="20000"/>
+        </a:spcBef>
+        <a:spcAft>
+          <a:spcPts val="600"/>
+        </a:spcAft>
+        <a:buClr>
+          <a:schemeClr val="tx1"/>
+        </a:buClr>
+        <a:buSzPct val="100000"/>
+        <a:buFont typeface="Arial"/>
+        <a:buChar char="•"/>
+        <a:defRPr sz="1200" kern="1200" cap="small">
+          <a:gradFill flip="none" rotWithShape="1">
+            <a:gsLst>
+              <a:gs pos="0">
+                <a:schemeClr val="tx1"/>
+              </a:gs>
+              <a:gs pos="100000">
+                <a:schemeClr val="tx1">
+                  <a:lumMod val="75000"/>
+                </a:schemeClr>
+              </a:gs>
+            </a:gsLst>
+            <a:lin ang="5580000" scaled="0"/>
+            <a:tileRect/>
+          </a:gradFill>
+          <a:effectLst>
+            <a:glow rad="38100">
+              <a:schemeClr val="bg1">
+                <a:lumMod val="50000"/>
+                <a:lumOff val="50000"/>
+                <a:alpha val="20000"/>
+              </a:schemeClr>
+            </a:glow>
+            <a:outerShdw blurRad="44450" dist="12700" dir="13860000" algn="tl" rotWithShape="0">
+              <a:srgbClr val="000000">
+                <a:alpha val="20000"/>
+              </a:srgbClr>
+            </a:outerShdw>
+          </a:effectLst>
+          <a:latin typeface="+mn-lt"/>
+          <a:ea typeface="+mn-ea"/>
+          <a:cs typeface="+mn-cs"/>
+        </a:defRPr>
+      </a:lvl8pPr>
+      <a:lvl9pPr marL="3886200" indent="-228600" algn="l" defTabSz="457200" rtl="0" eaLnBrk="1" latinLnBrk="0" hangingPunct="1">
+        <a:spcBef>
+          <a:spcPct val="20000"/>
+        </a:spcBef>
+        <a:spcAft>
+          <a:spcPts val="600"/>
+        </a:spcAft>
+        <a:buClr>
+          <a:schemeClr val="tx1"/>
+        </a:buClr>
+        <a:buSzPct val="100000"/>
+        <a:buFont typeface="Arial"/>
+        <a:buChar char="•"/>
+        <a:defRPr sz="1200" kern="1200" cap="small">
+          <a:gradFill flip="none" rotWithShape="1">
+            <a:gsLst>
+              <a:gs pos="0">
+                <a:schemeClr val="tx1"/>
+              </a:gs>
+              <a:gs pos="100000">
+                <a:schemeClr val="tx1">
+                  <a:lumMod val="75000"/>
+                </a:schemeClr>
+              </a:gs>
+            </a:gsLst>
+            <a:lin ang="5580000" scaled="0"/>
+            <a:tileRect/>
+          </a:gradFill>
+          <a:effectLst>
+            <a:glow rad="38100">
+              <a:schemeClr val="bg1">
+                <a:lumMod val="50000"/>
+                <a:lumOff val="50000"/>
+                <a:alpha val="20000"/>
+              </a:schemeClr>
+            </a:glow>
+            <a:outerShdw blurRad="44450" dist="12700" dir="13860000" algn="tl" rotWithShape="0">
+              <a:srgbClr val="000000">
+                <a:alpha val="20000"/>
+              </a:srgbClr>
+            </a:outerShdw>
+          </a:effectLst>
+          <a:latin typeface="+mn-lt"/>
+          <a:ea typeface="+mn-ea"/>
+          <a:cs typeface="+mn-cs"/>
+        </a:defRPr>
+      </a:lvl9pPr>
+    </p:bodyStyle>
+    <p:otherStyle>
+      <a:defPPr>
+        <a:defRPr lang="en-US"/>
+      </a:defPPr>
+      <a:lvl1pPr marL="0" algn="l" defTabSz="457200" rtl="0" eaLnBrk="1" latinLnBrk="0" hangingPunct="1">
+        <a:defRPr sz="1800" kern="1200">
           <a:solidFill>
             <a:schemeClr val="tx1"/>
           </a:solidFill>
@@ -3096,16 +5698,8 @@
           <a:cs typeface="+mn-cs"/>
         </a:defRPr>
       </a:lvl1pPr>
-      <a:lvl2pPr marL="685800" indent="-228600" algn="l" defTabSz="914400" rtl="0" eaLnBrk="1" latinLnBrk="0" hangingPunct="1">
-        <a:lnSpc>
-          <a:spcPct val="90000"/>
-        </a:lnSpc>
-        <a:spcBef>
-          <a:spcPts val="500"/>
-        </a:spcBef>
-        <a:buFont typeface="Arial" panose="020B0604020202020204" pitchFamily="34" charset="0"/>
-        <a:buChar char="•"/>
-        <a:defRPr sz="2400" kern="1200">
+      <a:lvl2pPr marL="457200" algn="l" defTabSz="457200" rtl="0" eaLnBrk="1" latinLnBrk="0" hangingPunct="1">
+        <a:defRPr sz="1800" kern="1200">
           <a:solidFill>
             <a:schemeClr val="tx1"/>
           </a:solidFill>
@@ -3114,16 +5708,8 @@
           <a:cs typeface="+mn-cs"/>
         </a:defRPr>
       </a:lvl2pPr>
-      <a:lvl3pPr marL="1143000" indent="-228600" algn="l" defTabSz="914400" rtl="0" eaLnBrk="1" latinLnBrk="0" hangingPunct="1">
-        <a:lnSpc>
-          <a:spcPct val="90000"/>
-        </a:lnSpc>
-        <a:spcBef>
-          <a:spcPts val="500"/>
-        </a:spcBef>
-        <a:buFont typeface="Arial" panose="020B0604020202020204" pitchFamily="34" charset="0"/>
-        <a:buChar char="•"/>
-        <a:defRPr sz="2000" kern="1200">
+      <a:lvl3pPr marL="914400" algn="l" defTabSz="457200" rtl="0" eaLnBrk="1" latinLnBrk="0" hangingPunct="1">
+        <a:defRPr sz="1800" kern="1200">
           <a:solidFill>
             <a:schemeClr val="tx1"/>
           </a:solidFill>
@@ -3132,15 +5718,7 @@
           <a:cs typeface="+mn-cs"/>
         </a:defRPr>
       </a:lvl3pPr>
-      <a:lvl4pPr marL="1600200" indent="-228600" algn="l" defTabSz="914400" rtl="0" eaLnBrk="1" latinLnBrk="0" hangingPunct="1">
-        <a:lnSpc>
-          <a:spcPct val="90000"/>
-        </a:lnSpc>
-        <a:spcBef>
-          <a:spcPts val="500"/>
-        </a:spcBef>
-        <a:buFont typeface="Arial" panose="020B0604020202020204" pitchFamily="34" charset="0"/>
-        <a:buChar char="•"/>
+      <a:lvl4pPr marL="1371600" algn="l" defTabSz="457200" rtl="0" eaLnBrk="1" latinLnBrk="0" hangingPunct="1">
         <a:defRPr sz="1800" kern="1200">
           <a:solidFill>
             <a:schemeClr val="tx1"/>
@@ -3150,15 +5728,7 @@
           <a:cs typeface="+mn-cs"/>
         </a:defRPr>
       </a:lvl4pPr>
-      <a:lvl5pPr marL="2057400" indent="-228600" algn="l" defTabSz="914400" rtl="0" eaLnBrk="1" latinLnBrk="0" hangingPunct="1">
-        <a:lnSpc>
-          <a:spcPct val="90000"/>
-        </a:lnSpc>
-        <a:spcBef>
-          <a:spcPts val="500"/>
-        </a:spcBef>
-        <a:buFont typeface="Arial" panose="020B0604020202020204" pitchFamily="34" charset="0"/>
-        <a:buChar char="•"/>
+      <a:lvl5pPr marL="1828800" algn="l" defTabSz="457200" rtl="0" eaLnBrk="1" latinLnBrk="0" hangingPunct="1">
         <a:defRPr sz="1800" kern="1200">
           <a:solidFill>
             <a:schemeClr val="tx1"/>
@@ -3168,15 +5738,7 @@
           <a:cs typeface="+mn-cs"/>
         </a:defRPr>
       </a:lvl5pPr>
-      <a:lvl6pPr marL="2514600" indent="-228600" algn="l" defTabSz="914400" rtl="0" eaLnBrk="1" latinLnBrk="0" hangingPunct="1">
-        <a:lnSpc>
-          <a:spcPct val="90000"/>
-        </a:lnSpc>
-        <a:spcBef>
-          <a:spcPts val="500"/>
-        </a:spcBef>
-        <a:buFont typeface="Arial" panose="020B0604020202020204" pitchFamily="34" charset="0"/>
-        <a:buChar char="•"/>
+      <a:lvl6pPr marL="2286000" algn="l" defTabSz="457200" rtl="0" eaLnBrk="1" latinLnBrk="0" hangingPunct="1">
         <a:defRPr sz="1800" kern="1200">
           <a:solidFill>
             <a:schemeClr val="tx1"/>
@@ -3186,15 +5748,7 @@
           <a:cs typeface="+mn-cs"/>
         </a:defRPr>
       </a:lvl6pPr>
-      <a:lvl7pPr marL="2971800" indent="-228600" algn="l" defTabSz="914400" rtl="0" eaLnBrk="1" latinLnBrk="0" hangingPunct="1">
-        <a:lnSpc>
-          <a:spcPct val="90000"/>
-        </a:lnSpc>
-        <a:spcBef>
-          <a:spcPts val="500"/>
-        </a:spcBef>
-        <a:buFont typeface="Arial" panose="020B0604020202020204" pitchFamily="34" charset="0"/>
-        <a:buChar char="•"/>
+      <a:lvl7pPr marL="2743200" algn="l" defTabSz="457200" rtl="0" eaLnBrk="1" latinLnBrk="0" hangingPunct="1">
         <a:defRPr sz="1800" kern="1200">
           <a:solidFill>
             <a:schemeClr val="tx1"/>
@@ -3204,15 +5758,7 @@
           <a:cs typeface="+mn-cs"/>
         </a:defRPr>
       </a:lvl7pPr>
-      <a:lvl8pPr marL="3429000" indent="-228600" algn="l" defTabSz="914400" rtl="0" eaLnBrk="1" latinLnBrk="0" hangingPunct="1">
-        <a:lnSpc>
-          <a:spcPct val="90000"/>
-        </a:lnSpc>
-        <a:spcBef>
-          <a:spcPts val="500"/>
-        </a:spcBef>
-        <a:buFont typeface="Arial" panose="020B0604020202020204" pitchFamily="34" charset="0"/>
-        <a:buChar char="•"/>
+      <a:lvl8pPr marL="3200400" algn="l" defTabSz="457200" rtl="0" eaLnBrk="1" latinLnBrk="0" hangingPunct="1">
         <a:defRPr sz="1800" kern="1200">
           <a:solidFill>
             <a:schemeClr val="tx1"/>
@@ -3222,110 +5768,7 @@
           <a:cs typeface="+mn-cs"/>
         </a:defRPr>
       </a:lvl8pPr>
-      <a:lvl9pPr marL="3886200" indent="-228600" algn="l" defTabSz="914400" rtl="0" eaLnBrk="1" latinLnBrk="0" hangingPunct="1">
-        <a:lnSpc>
-          <a:spcPct val="90000"/>
-        </a:lnSpc>
-        <a:spcBef>
-          <a:spcPts val="500"/>
-        </a:spcBef>
-        <a:buFont typeface="Arial" panose="020B0604020202020204" pitchFamily="34" charset="0"/>
-        <a:buChar char="•"/>
-        <a:defRPr sz="1800" kern="1200">
-          <a:solidFill>
-            <a:schemeClr val="tx1"/>
-          </a:solidFill>
-          <a:latin typeface="+mn-lt"/>
-          <a:ea typeface="+mn-ea"/>
-          <a:cs typeface="+mn-cs"/>
-        </a:defRPr>
-      </a:lvl9pPr>
-    </p:bodyStyle>
-    <p:otherStyle>
-      <a:defPPr>
-        <a:defRPr lang="de-DE"/>
-      </a:defPPr>
-      <a:lvl1pPr marL="0" algn="l" defTabSz="914400" rtl="0" eaLnBrk="1" latinLnBrk="0" hangingPunct="1">
-        <a:defRPr sz="1800" kern="1200">
-          <a:solidFill>
-            <a:schemeClr val="tx1"/>
-          </a:solidFill>
-          <a:latin typeface="+mn-lt"/>
-          <a:ea typeface="+mn-ea"/>
-          <a:cs typeface="+mn-cs"/>
-        </a:defRPr>
-      </a:lvl1pPr>
-      <a:lvl2pPr marL="457200" algn="l" defTabSz="914400" rtl="0" eaLnBrk="1" latinLnBrk="0" hangingPunct="1">
-        <a:defRPr sz="1800" kern="1200">
-          <a:solidFill>
-            <a:schemeClr val="tx1"/>
-          </a:solidFill>
-          <a:latin typeface="+mn-lt"/>
-          <a:ea typeface="+mn-ea"/>
-          <a:cs typeface="+mn-cs"/>
-        </a:defRPr>
-      </a:lvl2pPr>
-      <a:lvl3pPr marL="914400" algn="l" defTabSz="914400" rtl="0" eaLnBrk="1" latinLnBrk="0" hangingPunct="1">
-        <a:defRPr sz="1800" kern="1200">
-          <a:solidFill>
-            <a:schemeClr val="tx1"/>
-          </a:solidFill>
-          <a:latin typeface="+mn-lt"/>
-          <a:ea typeface="+mn-ea"/>
-          <a:cs typeface="+mn-cs"/>
-        </a:defRPr>
-      </a:lvl3pPr>
-      <a:lvl4pPr marL="1371600" algn="l" defTabSz="914400" rtl="0" eaLnBrk="1" latinLnBrk="0" hangingPunct="1">
-        <a:defRPr sz="1800" kern="1200">
-          <a:solidFill>
-            <a:schemeClr val="tx1"/>
-          </a:solidFill>
-          <a:latin typeface="+mn-lt"/>
-          <a:ea typeface="+mn-ea"/>
-          <a:cs typeface="+mn-cs"/>
-        </a:defRPr>
-      </a:lvl4pPr>
-      <a:lvl5pPr marL="1828800" algn="l" defTabSz="914400" rtl="0" eaLnBrk="1" latinLnBrk="0" hangingPunct="1">
-        <a:defRPr sz="1800" kern="1200">
-          <a:solidFill>
-            <a:schemeClr val="tx1"/>
-          </a:solidFill>
-          <a:latin typeface="+mn-lt"/>
-          <a:ea typeface="+mn-ea"/>
-          <a:cs typeface="+mn-cs"/>
-        </a:defRPr>
-      </a:lvl5pPr>
-      <a:lvl6pPr marL="2286000" algn="l" defTabSz="914400" rtl="0" eaLnBrk="1" latinLnBrk="0" hangingPunct="1">
-        <a:defRPr sz="1800" kern="1200">
-          <a:solidFill>
-            <a:schemeClr val="tx1"/>
-          </a:solidFill>
-          <a:latin typeface="+mn-lt"/>
-          <a:ea typeface="+mn-ea"/>
-          <a:cs typeface="+mn-cs"/>
-        </a:defRPr>
-      </a:lvl6pPr>
-      <a:lvl7pPr marL="2743200" algn="l" defTabSz="914400" rtl="0" eaLnBrk="1" latinLnBrk="0" hangingPunct="1">
-        <a:defRPr sz="1800" kern="1200">
-          <a:solidFill>
-            <a:schemeClr val="tx1"/>
-          </a:solidFill>
-          <a:latin typeface="+mn-lt"/>
-          <a:ea typeface="+mn-ea"/>
-          <a:cs typeface="+mn-cs"/>
-        </a:defRPr>
-      </a:lvl7pPr>
-      <a:lvl8pPr marL="3200400" algn="l" defTabSz="914400" rtl="0" eaLnBrk="1" latinLnBrk="0" hangingPunct="1">
-        <a:defRPr sz="1800" kern="1200">
-          <a:solidFill>
-            <a:schemeClr val="tx1"/>
-          </a:solidFill>
-          <a:latin typeface="+mn-lt"/>
-          <a:ea typeface="+mn-ea"/>
-          <a:cs typeface="+mn-cs"/>
-        </a:defRPr>
-      </a:lvl8pPr>
-      <a:lvl9pPr marL="3657600" algn="l" defTabSz="914400" rtl="0" eaLnBrk="1" latinLnBrk="0" hangingPunct="1">
+      <a:lvl9pPr marL="3657600" algn="l" defTabSz="457200" rtl="0" eaLnBrk="1" latinLnBrk="0" hangingPunct="1">
         <a:defRPr sz="1800" kern="1200">
           <a:solidFill>
             <a:schemeClr val="tx1"/>
@@ -3373,7 +5816,12 @@
             <p:ph type="ctrTitle"/>
           </p:nvPr>
         </p:nvSpPr>
-        <p:spPr/>
+        <p:spPr>
+          <a:xfrm>
+            <a:off x="1751012" y="609601"/>
+            <a:ext cx="8676222" cy="1630679"/>
+          </a:xfrm>
+        </p:spPr>
         <p:txBody>
           <a:bodyPr/>
           <a:lstStyle/>
@@ -3406,7 +5854,7 @@
           <a:bodyPr/>
           <a:lstStyle/>
           <a:p>
-            <a:endParaRPr lang="de-AT"/>
+            <a:endParaRPr lang="de-AT" dirty="0"/>
           </a:p>
         </p:txBody>
       </p:sp>
@@ -3594,6 +6042,89 @@
 </p:sld>
 </file>
 
+<file path=ppt/slides/slide12.xml><?xml version="1.0" encoding="utf-8"?>
+<p:sld xmlns:a="http://schemas.openxmlformats.org/drawingml/2006/main" xmlns:r="http://schemas.openxmlformats.org/officeDocument/2006/relationships" xmlns:p="http://schemas.openxmlformats.org/presentationml/2006/main">
+  <p:cSld>
+    <p:spTree>
+      <p:nvGrpSpPr>
+        <p:cNvPr id="1" name=""/>
+        <p:cNvGrpSpPr/>
+        <p:nvPr/>
+      </p:nvGrpSpPr>
+      <p:grpSpPr>
+        <a:xfrm>
+          <a:off x="0" y="0"/>
+          <a:ext cx="0" cy="0"/>
+          <a:chOff x="0" y="0"/>
+          <a:chExt cx="0" cy="0"/>
+        </a:xfrm>
+      </p:grpSpPr>
+      <p:sp>
+        <p:nvSpPr>
+          <p:cNvPr id="2" name="Titel 1">
+            <a:extLst>
+              <a:ext uri="{FF2B5EF4-FFF2-40B4-BE49-F238E27FC236}">
+                <a16:creationId xmlns:a16="http://schemas.microsoft.com/office/drawing/2014/main" id="{133259E2-99CB-08BA-EF03-A17CFAADC2EF}"/>
+              </a:ext>
+            </a:extLst>
+          </p:cNvPr>
+          <p:cNvSpPr>
+            <a:spLocks noGrp="1"/>
+          </p:cNvSpPr>
+          <p:nvPr>
+            <p:ph type="title"/>
+          </p:nvPr>
+        </p:nvSpPr>
+        <p:spPr/>
+        <p:txBody>
+          <a:bodyPr/>
+          <a:lstStyle/>
+          <a:p>
+            <a:r>
+              <a:rPr lang="de-AT" dirty="0"/>
+              <a:t>Probleme und Lösungen</a:t>
+            </a:r>
+          </a:p>
+        </p:txBody>
+      </p:sp>
+      <p:sp>
+        <p:nvSpPr>
+          <p:cNvPr id="3" name="Inhaltsplatzhalter 2">
+            <a:extLst>
+              <a:ext uri="{FF2B5EF4-FFF2-40B4-BE49-F238E27FC236}">
+                <a16:creationId xmlns:a16="http://schemas.microsoft.com/office/drawing/2014/main" id="{CF31FCBB-39E8-798B-4DF7-C799936D769D}"/>
+              </a:ext>
+            </a:extLst>
+          </p:cNvPr>
+          <p:cNvSpPr>
+            <a:spLocks noGrp="1"/>
+          </p:cNvSpPr>
+          <p:nvPr>
+            <p:ph idx="1"/>
+          </p:nvPr>
+        </p:nvSpPr>
+        <p:spPr/>
+        <p:txBody>
+          <a:bodyPr/>
+          <a:lstStyle/>
+          <a:p>
+            <a:endParaRPr lang="de-AT"/>
+          </a:p>
+        </p:txBody>
+      </p:sp>
+    </p:spTree>
+    <p:extLst>
+      <p:ext uri="{BB962C8B-B14F-4D97-AF65-F5344CB8AC3E}">
+        <p14:creationId xmlns:p14="http://schemas.microsoft.com/office/powerpoint/2010/main" val="153600155"/>
+      </p:ext>
+    </p:extLst>
+  </p:cSld>
+  <p:clrMapOvr>
+    <a:masterClrMapping/>
+  </p:clrMapOvr>
+</p:sld>
+</file>
+
 <file path=ppt/slides/slide2.xml><?xml version="1.0" encoding="utf-8"?>
 <p:sld xmlns:a="http://schemas.openxmlformats.org/drawingml/2006/main" xmlns:r="http://schemas.openxmlformats.org/officeDocument/2006/relationships" xmlns:p="http://schemas.openxmlformats.org/presentationml/2006/main">
   <p:cSld>
@@ -3616,7 +6147,7 @@
           <p:cNvPr id="2" name="Titel 1">
             <a:extLst>
               <a:ext uri="{FF2B5EF4-FFF2-40B4-BE49-F238E27FC236}">
-                <a16:creationId xmlns:a16="http://schemas.microsoft.com/office/drawing/2014/main" id="{F0A2639F-3029-85B8-59A1-AD0ECA7814A8}"/>
+                <a16:creationId xmlns:a16="http://schemas.microsoft.com/office/drawing/2014/main" id="{029FB284-2DA4-D95F-0F35-A1F193FFA35C}"/>
               </a:ext>
             </a:extLst>
           </p:cNvPr>
@@ -3634,40 +6165,132 @@
           <a:p>
             <a:r>
               <a:rPr lang="de-AT" dirty="0"/>
-              <a:t>Softwarestruktur</a:t>
-            </a:r>
-          </a:p>
-        </p:txBody>
-      </p:sp>
-      <p:sp>
-        <p:nvSpPr>
-          <p:cNvPr id="3" name="Inhaltsplatzhalter 2">
+              <a:t>Anforderungen</a:t>
+            </a:r>
+          </a:p>
+        </p:txBody>
+      </p:sp>
+      <p:pic>
+        <p:nvPicPr>
+          <p:cNvPr id="4" name="Inhaltsplatzhalter 4">
             <a:extLst>
               <a:ext uri="{FF2B5EF4-FFF2-40B4-BE49-F238E27FC236}">
-                <a16:creationId xmlns:a16="http://schemas.microsoft.com/office/drawing/2014/main" id="{A0F3D569-1FE7-9E13-4B78-6D4DDF7D95EA}"/>
+                <a16:creationId xmlns:a16="http://schemas.microsoft.com/office/drawing/2014/main" id="{35F1192A-E326-6EF1-02EC-6336B2766858}"/>
               </a:ext>
             </a:extLst>
           </p:cNvPr>
-          <p:cNvSpPr>
-            <a:spLocks noGrp="1"/>
-          </p:cNvSpPr>
-          <p:nvPr>
-            <p:ph idx="1"/>
-          </p:nvPr>
-        </p:nvSpPr>
-        <p:spPr/>
-        <p:txBody>
-          <a:bodyPr/>
-          <a:lstStyle/>
-          <a:p>
+          <p:cNvPicPr>
+            <a:picLocks noChangeAspect="1"/>
+          </p:cNvPicPr>
+          <p:nvPr/>
+        </p:nvPicPr>
+        <p:blipFill>
+          <a:blip r:embed="rId2"/>
+          <a:stretch>
+            <a:fillRect/>
+          </a:stretch>
+        </p:blipFill>
+        <p:spPr>
+          <a:xfrm>
+            <a:off x="6547104" y="1462273"/>
+            <a:ext cx="4904136" cy="4022747"/>
+          </a:xfrm>
+          <a:prstGeom prst="rect">
+            <a:avLst/>
+          </a:prstGeom>
+        </p:spPr>
+      </p:pic>
+      <p:sp>
+        <p:nvSpPr>
+          <p:cNvPr id="5" name="Textfeld 4">
+            <a:extLst>
+              <a:ext uri="{FF2B5EF4-FFF2-40B4-BE49-F238E27FC236}">
+                <a16:creationId xmlns:a16="http://schemas.microsoft.com/office/drawing/2014/main" id="{E19BB89B-4A74-25B1-3D40-2163C509924A}"/>
+              </a:ext>
+            </a:extLst>
+          </p:cNvPr>
+          <p:cNvSpPr txBox="1"/>
+          <p:nvPr/>
+        </p:nvSpPr>
+        <p:spPr>
+          <a:xfrm>
+            <a:off x="969264" y="2441448"/>
+            <a:ext cx="9905998" cy="1754326"/>
+          </a:xfrm>
+          <a:prstGeom prst="rect">
+            <a:avLst/>
+          </a:prstGeom>
+          <a:noFill/>
+        </p:spPr>
+        <p:txBody>
+          <a:bodyPr wrap="square" rtlCol="0">
+            <a:spAutoFit/>
+          </a:bodyPr>
+          <a:lstStyle/>
+          <a:p>
+            <a:pPr marL="285750" indent="-285750">
+              <a:buFont typeface="Arial" panose="020B0604020202020204" pitchFamily="34" charset="0"/>
+              <a:buChar char="•"/>
+            </a:pPr>
+            <a:r>
+              <a:rPr lang="de-AT" dirty="0"/>
+              <a:t>WPF-Client (C#)</a:t>
+            </a:r>
+          </a:p>
+          <a:p>
+            <a:pPr marL="285750" indent="-285750">
+              <a:buFont typeface="Arial" panose="020B0604020202020204" pitchFamily="34" charset="0"/>
+              <a:buChar char="•"/>
+            </a:pPr>
+            <a:r>
+              <a:rPr lang="de-AT" dirty="0"/>
+              <a:t>Web-Client (HTML, CSS, JS)</a:t>
+            </a:r>
+          </a:p>
+          <a:p>
+            <a:pPr marL="285750" indent="-285750">
+              <a:buFont typeface="Arial" panose="020B0604020202020204" pitchFamily="34" charset="0"/>
+              <a:buChar char="•"/>
+            </a:pPr>
             <a:endParaRPr lang="de-AT" dirty="0"/>
+          </a:p>
+          <a:p>
+            <a:pPr marL="285750" indent="-285750">
+              <a:buFont typeface="Arial" panose="020B0604020202020204" pitchFamily="34" charset="0"/>
+              <a:buChar char="•"/>
+            </a:pPr>
+            <a:r>
+              <a:rPr lang="de-AT" dirty="0"/>
+              <a:t>Server</a:t>
+            </a:r>
+          </a:p>
+          <a:p>
+            <a:pPr marL="285750" indent="-285750">
+              <a:buFont typeface="Arial" panose="020B0604020202020204" pitchFamily="34" charset="0"/>
+              <a:buChar char="•"/>
+            </a:pPr>
+            <a:r>
+              <a:rPr lang="de-AT" dirty="0" err="1"/>
+              <a:t>Actuator</a:t>
+            </a:r>
+            <a:endParaRPr lang="de-AT" dirty="0"/>
+          </a:p>
+          <a:p>
+            <a:pPr marL="285750" indent="-285750">
+              <a:buFont typeface="Arial" panose="020B0604020202020204" pitchFamily="34" charset="0"/>
+              <a:buChar char="•"/>
+            </a:pPr>
+            <a:r>
+              <a:rPr lang="de-AT" dirty="0"/>
+              <a:t>CRUD-Operationen</a:t>
+            </a:r>
           </a:p>
         </p:txBody>
       </p:sp>
     </p:spTree>
     <p:extLst>
       <p:ext uri="{BB962C8B-B14F-4D97-AF65-F5344CB8AC3E}">
-        <p14:creationId xmlns:p14="http://schemas.microsoft.com/office/powerpoint/2010/main" val="839454792"/>
+        <p14:creationId xmlns:p14="http://schemas.microsoft.com/office/powerpoint/2010/main" val="1144645094"/>
       </p:ext>
     </p:extLst>
   </p:cSld>
@@ -3699,7 +6322,7 @@
           <p:cNvPr id="2" name="Titel 1">
             <a:extLst>
               <a:ext uri="{FF2B5EF4-FFF2-40B4-BE49-F238E27FC236}">
-                <a16:creationId xmlns:a16="http://schemas.microsoft.com/office/drawing/2014/main" id="{BC1B8D16-14F2-BD77-37FB-420FAEEFD713}"/>
+                <a16:creationId xmlns:a16="http://schemas.microsoft.com/office/drawing/2014/main" id="{4CD8897F-7D45-42F3-2FFB-D5E033F0D73D}"/>
               </a:ext>
             </a:extLst>
           </p:cNvPr>
@@ -3717,31 +6340,84 @@
           <a:p>
             <a:r>
               <a:rPr lang="de-AT" dirty="0"/>
-              <a:t>Bestandteile</a:t>
-            </a:r>
-          </a:p>
-        </p:txBody>
-      </p:sp>
-      <p:sp>
-        <p:nvSpPr>
-          <p:cNvPr id="3" name="Inhaltsplatzhalter 2">
+              <a:t>Projektauftrag - Ziele</a:t>
+            </a:r>
+          </a:p>
+        </p:txBody>
+      </p:sp>
+      <p:sp>
+        <p:nvSpPr>
+          <p:cNvPr id="7" name="Textfeld 6">
             <a:extLst>
               <a:ext uri="{FF2B5EF4-FFF2-40B4-BE49-F238E27FC236}">
-                <a16:creationId xmlns:a16="http://schemas.microsoft.com/office/drawing/2014/main" id="{C719B857-4DD4-2F80-2E96-7354400CD68E}"/>
+                <a16:creationId xmlns:a16="http://schemas.microsoft.com/office/drawing/2014/main" id="{7B7B4AAE-B08E-F454-4121-B959610EB589}"/>
               </a:ext>
             </a:extLst>
           </p:cNvPr>
-          <p:cNvSpPr>
-            <a:spLocks noGrp="1"/>
-          </p:cNvSpPr>
-          <p:nvPr>
-            <p:ph idx="1"/>
-          </p:nvPr>
-        </p:nvSpPr>
-        <p:spPr/>
-        <p:txBody>
-          <a:bodyPr/>
-          <a:lstStyle/>
+          <p:cNvSpPr txBox="1"/>
+          <p:nvPr/>
+        </p:nvSpPr>
+        <p:spPr>
+          <a:xfrm>
+            <a:off x="1141413" y="2587752"/>
+            <a:ext cx="9145587" cy="2169825"/>
+          </a:xfrm>
+          <a:prstGeom prst="rect">
+            <a:avLst/>
+          </a:prstGeom>
+          <a:noFill/>
+        </p:spPr>
+        <p:txBody>
+          <a:bodyPr wrap="square" rtlCol="0">
+            <a:spAutoFit/>
+          </a:bodyPr>
+          <a:lstStyle/>
+          <a:p>
+            <a:r>
+              <a:rPr lang="de-AT" dirty="0"/>
+              <a:t>Verschlüsselte persistente Speicherung</a:t>
+            </a:r>
+          </a:p>
+          <a:p>
+            <a:pPr>
+              <a:lnSpc>
+                <a:spcPct val="150000"/>
+              </a:lnSpc>
+            </a:pPr>
+            <a:r>
+              <a:rPr lang="de-AT" dirty="0"/>
+              <a:t>Integrierter Passwortgenerator</a:t>
+            </a:r>
+          </a:p>
+          <a:p>
+            <a:pPr>
+              <a:lnSpc>
+                <a:spcPct val="150000"/>
+              </a:lnSpc>
+            </a:pPr>
+            <a:r>
+              <a:rPr lang="de-AT" dirty="0" err="1"/>
+              <a:t>Masterkey</a:t>
+            </a:r>
+            <a:r>
+              <a:rPr lang="de-AT" dirty="0"/>
+              <a:t> muss bestimmte Anforderungen erfüllen</a:t>
+            </a:r>
+          </a:p>
+          <a:p>
+            <a:pPr>
+              <a:lnSpc>
+                <a:spcPct val="150000"/>
+              </a:lnSpc>
+            </a:pPr>
+            <a:r>
+              <a:rPr lang="de-AT" dirty="0"/>
+              <a:t>Import &amp; Export der Einträge</a:t>
+            </a:r>
+          </a:p>
+          <a:p>
+            <a:endParaRPr lang="de-AT" dirty="0"/>
+          </a:p>
           <a:p>
             <a:endParaRPr lang="de-AT" dirty="0"/>
           </a:p>
@@ -3750,7 +6426,7 @@
     </p:spTree>
     <p:extLst>
       <p:ext uri="{BB962C8B-B14F-4D97-AF65-F5344CB8AC3E}">
-        <p14:creationId xmlns:p14="http://schemas.microsoft.com/office/powerpoint/2010/main" val="1073258068"/>
+        <p14:creationId xmlns:p14="http://schemas.microsoft.com/office/powerpoint/2010/main" val="137143348"/>
       </p:ext>
     </p:extLst>
   </p:cSld>
@@ -3904,12 +6580,17 @@
             <p:ph idx="1"/>
           </p:nvPr>
         </p:nvSpPr>
-        <p:spPr/>
-        <p:txBody>
-          <a:bodyPr/>
-          <a:lstStyle/>
-          <a:p>
-            <a:endParaRPr lang="de-AT"/>
+        <p:spPr>
+          <a:xfrm>
+            <a:off x="1141413" y="2514601"/>
+            <a:ext cx="9905998" cy="3276600"/>
+          </a:xfrm>
+        </p:spPr>
+        <p:txBody>
+          <a:bodyPr/>
+          <a:lstStyle/>
+          <a:p>
+            <a:endParaRPr lang="de-AT" dirty="0"/>
           </a:p>
         </p:txBody>
       </p:sp>
@@ -4259,9 +6940,9 @@
 </file>
 
 <file path=ppt/theme/theme1.xml><?xml version="1.0" encoding="utf-8"?>
-<a:theme xmlns:a="http://schemas.openxmlformats.org/drawingml/2006/main" name="Office">
+<a:theme xmlns:a="http://schemas.openxmlformats.org/drawingml/2006/main" name="Netz">
   <a:themeElements>
-    <a:clrScheme name="Office">
+    <a:clrScheme name="Netz">
       <a:dk1>
         <a:sysClr val="windowText" lastClr="000000"/>
       </a:dk1>
@@ -4269,100 +6950,48 @@
         <a:sysClr val="window" lastClr="FFFFFF"/>
       </a:lt1>
       <a:dk2>
-        <a:srgbClr val="0E2841"/>
+        <a:srgbClr val="363D46"/>
       </a:dk2>
       <a:lt2>
-        <a:srgbClr val="E8E8E8"/>
+        <a:srgbClr val="EBEBEB"/>
       </a:lt2>
       <a:accent1>
-        <a:srgbClr val="156082"/>
+        <a:srgbClr val="6F6F6F"/>
       </a:accent1>
       <a:accent2>
-        <a:srgbClr val="E97132"/>
+        <a:srgbClr val="BFBFA5"/>
       </a:accent2>
       <a:accent3>
-        <a:srgbClr val="196B24"/>
+        <a:srgbClr val="DCD084"/>
       </a:accent3>
       <a:accent4>
-        <a:srgbClr val="0F9ED5"/>
+        <a:srgbClr val="E7BF5F"/>
       </a:accent4>
       <a:accent5>
-        <a:srgbClr val="A02B93"/>
+        <a:srgbClr val="E9A039"/>
       </a:accent5>
       <a:accent6>
-        <a:srgbClr val="4EA72E"/>
+        <a:srgbClr val="CF7133"/>
       </a:accent6>
       <a:hlink>
-        <a:srgbClr val="467886"/>
+        <a:srgbClr val="F28943"/>
       </a:hlink>
       <a:folHlink>
-        <a:srgbClr val="96607D"/>
+        <a:srgbClr val="F1B76C"/>
       </a:folHlink>
     </a:clrScheme>
-    <a:fontScheme name="Office">
+    <a:fontScheme name="Netz">
       <a:majorFont>
-        <a:latin typeface="Aptos Display" panose="02110004020202020204"/>
+        <a:latin typeface="Century Gothic" panose="020B0502020202020204"/>
         <a:ea typeface=""/>
         <a:cs typeface=""/>
-        <a:font script="Jpan" typeface="游ゴシック Light"/>
+        <a:font script="Jpan" typeface="ＭＳ ゴシック"/>
         <a:font script="Hang" typeface="맑은 고딕"/>
-        <a:font script="Hans" typeface="等线 Light"/>
+        <a:font script="Hans" typeface="宋体"/>
         <a:font script="Hant" typeface="新細明體"/>
-        <a:font script="Arab" typeface="Times New Roman"/>
-        <a:font script="Hebr" typeface="Times New Roman"/>
-        <a:font script="Thai" typeface="Angsana New"/>
-        <a:font script="Ethi" typeface="Nyala"/>
-        <a:font script="Beng" typeface="Vrinda"/>
-        <a:font script="Gujr" typeface="Shruti"/>
-        <a:font script="Khmr" typeface="MoolBoran"/>
-        <a:font script="Knda" typeface="Tunga"/>
-        <a:font script="Guru" typeface="Raavi"/>
-        <a:font script="Cans" typeface="Euphemia"/>
-        <a:font script="Cher" typeface="Plantagenet Cherokee"/>
-        <a:font script="Yiii" typeface="Microsoft Yi Baiti"/>
-        <a:font script="Tibt" typeface="Microsoft Himalaya"/>
-        <a:font script="Thaa" typeface="MV Boli"/>
-        <a:font script="Deva" typeface="Mangal"/>
-        <a:font script="Telu" typeface="Gautami"/>
-        <a:font script="Taml" typeface="Latha"/>
-        <a:font script="Syrc" typeface="Estrangelo Edessa"/>
-        <a:font script="Orya" typeface="Kalinga"/>
-        <a:font script="Mlym" typeface="Kartika"/>
-        <a:font script="Laoo" typeface="DokChampa"/>
-        <a:font script="Sinh" typeface="Iskoola Pota"/>
-        <a:font script="Mong" typeface="Mongolian Baiti"/>
-        <a:font script="Viet" typeface="Times New Roman"/>
-        <a:font script="Uigh" typeface="Microsoft Uighur"/>
-        <a:font script="Geor" typeface="Sylfaen"/>
-        <a:font script="Armn" typeface="Arial"/>
-        <a:font script="Bugi" typeface="Leelawadee UI"/>
-        <a:font script="Bopo" typeface="Microsoft JhengHei"/>
-        <a:font script="Java" typeface="Javanese Text"/>
-        <a:font script="Lisu" typeface="Segoe UI"/>
-        <a:font script="Mymr" typeface="Myanmar Text"/>
-        <a:font script="Nkoo" typeface="Ebrima"/>
-        <a:font script="Olck" typeface="Nirmala UI"/>
-        <a:font script="Osma" typeface="Ebrima"/>
-        <a:font script="Phag" typeface="Phagspa"/>
-        <a:font script="Syrn" typeface="Estrangelo Edessa"/>
-        <a:font script="Syrj" typeface="Estrangelo Edessa"/>
-        <a:font script="Syre" typeface="Estrangelo Edessa"/>
-        <a:font script="Sora" typeface="Nirmala UI"/>
-        <a:font script="Tale" typeface="Microsoft Tai Le"/>
-        <a:font script="Talu" typeface="Microsoft New Tai Lue"/>
-        <a:font script="Tfng" typeface="Ebrima"/>
-      </a:majorFont>
-      <a:minorFont>
-        <a:latin typeface="Aptos" panose="02110004020202020204"/>
-        <a:ea typeface=""/>
-        <a:cs typeface=""/>
-        <a:font script="Jpan" typeface="游ゴシック"/>
-        <a:font script="Hang" typeface="맑은 고딕"/>
-        <a:font script="Hans" typeface="等线"/>
-        <a:font script="Hant" typeface="新細明體"/>
-        <a:font script="Arab" typeface="Arial"/>
-        <a:font script="Hebr" typeface="Arial"/>
-        <a:font script="Thai" typeface="Cordia New"/>
+        <a:font script="Arab" typeface="Tahoma"/>
+        <a:font script="Hebr" typeface="Gisha"/>
+        <a:font script="Thai" typeface="DilleniaUPC"/>
         <a:font script="Ethi" typeface="Nyala"/>
         <a:font script="Beng" typeface="Vrinda"/>
         <a:font script="Gujr" typeface="Shruti"/>
@@ -4383,29 +7012,47 @@
         <a:font script="Laoo" typeface="DokChampa"/>
         <a:font script="Sinh" typeface="Iskoola Pota"/>
         <a:font script="Mong" typeface="Mongolian Baiti"/>
-        <a:font script="Viet" typeface="Arial"/>
+        <a:font script="Viet" typeface="Tahoma"/>
         <a:font script="Uigh" typeface="Microsoft Uighur"/>
         <a:font script="Geor" typeface="Sylfaen"/>
-        <a:font script="Armn" typeface="Arial"/>
-        <a:font script="Bugi" typeface="Leelawadee UI"/>
-        <a:font script="Bopo" typeface="Microsoft JhengHei"/>
-        <a:font script="Java" typeface="Javanese Text"/>
-        <a:font script="Lisu" typeface="Segoe UI"/>
-        <a:font script="Mymr" typeface="Myanmar Text"/>
-        <a:font script="Nkoo" typeface="Ebrima"/>
-        <a:font script="Olck" typeface="Nirmala UI"/>
-        <a:font script="Osma" typeface="Ebrima"/>
-        <a:font script="Phag" typeface="Phagspa"/>
-        <a:font script="Syrn" typeface="Estrangelo Edessa"/>
-        <a:font script="Syrj" typeface="Estrangelo Edessa"/>
-        <a:font script="Syre" typeface="Estrangelo Edessa"/>
-        <a:font script="Sora" typeface="Nirmala UI"/>
-        <a:font script="Tale" typeface="Microsoft Tai Le"/>
-        <a:font script="Talu" typeface="Microsoft New Tai Lue"/>
-        <a:font script="Tfng" typeface="Ebrima"/>
+      </a:majorFont>
+      <a:minorFont>
+        <a:latin typeface="Century Gothic" panose="020B0502020202020204"/>
+        <a:ea typeface=""/>
+        <a:cs typeface=""/>
+        <a:font script="Jpan" typeface="ＭＳ ゴシック"/>
+        <a:font script="Hang" typeface="맑은 고딕"/>
+        <a:font script="Hans" typeface="宋体"/>
+        <a:font script="Hant" typeface="新細明體"/>
+        <a:font script="Arab" typeface="Tahoma"/>
+        <a:font script="Hebr" typeface="Gisha"/>
+        <a:font script="Thai" typeface="DilleniaUPC"/>
+        <a:font script="Ethi" typeface="Nyala"/>
+        <a:font script="Beng" typeface="Vrinda"/>
+        <a:font script="Gujr" typeface="Shruti"/>
+        <a:font script="Khmr" typeface="DaunPenh"/>
+        <a:font script="Knda" typeface="Tunga"/>
+        <a:font script="Guru" typeface="Raavi"/>
+        <a:font script="Cans" typeface="Euphemia"/>
+        <a:font script="Cher" typeface="Plantagenet Cherokee"/>
+        <a:font script="Yiii" typeface="Microsoft Yi Baiti"/>
+        <a:font script="Tibt" typeface="Microsoft Himalaya"/>
+        <a:font script="Thaa" typeface="MV Boli"/>
+        <a:font script="Deva" typeface="Mangal"/>
+        <a:font script="Telu" typeface="Gautami"/>
+        <a:font script="Taml" typeface="Latha"/>
+        <a:font script="Syrc" typeface="Estrangelo Edessa"/>
+        <a:font script="Orya" typeface="Kalinga"/>
+        <a:font script="Mlym" typeface="Kartika"/>
+        <a:font script="Laoo" typeface="DokChampa"/>
+        <a:font script="Sinh" typeface="Iskoola Pota"/>
+        <a:font script="Mong" typeface="Mongolian Baiti"/>
+        <a:font script="Viet" typeface="Verdana"/>
+        <a:font script="Uigh" typeface="Microsoft Uighur"/>
+        <a:font script="Geor" typeface="Sylfaen"/>
       </a:minorFont>
     </a:fontScheme>
-    <a:fmtScheme name="Office">
+    <a:fmtScheme name="Netz">
       <a:fillStyleLst>
         <a:solidFill>
           <a:schemeClr val="phClr"/>
@@ -4414,23 +7061,13 @@
           <a:gsLst>
             <a:gs pos="0">
               <a:schemeClr val="phClr">
+                <a:tint val="60000"/>
                 <a:lumMod val="110000"/>
-                <a:satMod val="105000"/>
-                <a:tint val="67000"/>
-              </a:schemeClr>
-            </a:gs>
-            <a:gs pos="50000">
-              <a:schemeClr val="phClr">
-                <a:lumMod val="105000"/>
-                <a:satMod val="103000"/>
-                <a:tint val="73000"/>
               </a:schemeClr>
             </a:gs>
             <a:gs pos="100000">
               <a:schemeClr val="phClr">
-                <a:lumMod val="105000"/>
-                <a:satMod val="109000"/>
-                <a:tint val="81000"/>
+                <a:tint val="82000"/>
               </a:schemeClr>
             </a:gs>
           </a:gsLst>
@@ -4440,23 +7077,14 @@
           <a:gsLst>
             <a:gs pos="0">
               <a:schemeClr val="phClr">
-                <a:satMod val="103000"/>
-                <a:lumMod val="102000"/>
-                <a:tint val="94000"/>
-              </a:schemeClr>
-            </a:gs>
-            <a:gs pos="50000">
-              <a:schemeClr val="phClr">
-                <a:satMod val="110000"/>
-                <a:lumMod val="100000"/>
-                <a:shade val="100000"/>
+                <a:tint val="96000"/>
+                <a:lumMod val="104000"/>
               </a:schemeClr>
             </a:gs>
             <a:gs pos="100000">
               <a:schemeClr val="phClr">
-                <a:lumMod val="99000"/>
-                <a:satMod val="120000"/>
-                <a:shade val="78000"/>
+                <a:shade val="84000"/>
+                <a:lumMod val="84000"/>
               </a:schemeClr>
             </a:gs>
           </a:gsLst>
@@ -4464,26 +7092,23 @@
         </a:gradFill>
       </a:fillStyleLst>
       <a:lnStyleLst>
-        <a:ln w="12700" cap="flat" cmpd="sng" algn="ctr">
+        <a:ln w="9525" cap="rnd" cmpd="sng" algn="ctr">
           <a:solidFill>
             <a:schemeClr val="phClr"/>
           </a:solidFill>
           <a:prstDash val="solid"/>
-          <a:miter lim="800000"/>
         </a:ln>
-        <a:ln w="19050" cap="flat" cmpd="sng" algn="ctr">
+        <a:ln w="19050" cap="rnd" cmpd="sng" algn="ctr">
           <a:solidFill>
             <a:schemeClr val="phClr"/>
           </a:solidFill>
           <a:prstDash val="solid"/>
-          <a:miter lim="800000"/>
         </a:ln>
-        <a:ln w="25400" cap="flat" cmpd="sng" algn="ctr">
+        <a:ln w="25400" cap="rnd" cmpd="sng" algn="ctr">
           <a:solidFill>
             <a:schemeClr val="phClr"/>
           </a:solidFill>
           <a:prstDash val="solid"/>
-          <a:miter lim="800000"/>
         </a:ln>
       </a:lnStyleLst>
       <a:effectStyleLst>
@@ -4491,83 +7116,80 @@
           <a:effectLst/>
         </a:effectStyle>
         <a:effectStyle>
-          <a:effectLst/>
+          <a:effectLst>
+            <a:innerShdw blurRad="50800" dist="25400" dir="13500000">
+              <a:srgbClr val="000000">
+                <a:alpha val="55000"/>
+              </a:srgbClr>
+            </a:innerShdw>
+          </a:effectLst>
         </a:effectStyle>
         <a:effectStyle>
           <a:effectLst>
-            <a:outerShdw blurRad="57150" dist="19050" dir="5400000" algn="ctr" rotWithShape="0">
+            <a:outerShdw blurRad="50800" dist="38100" dir="5400000" rotWithShape="0">
               <a:srgbClr val="000000">
-                <a:alpha val="63000"/>
+                <a:alpha val="60000"/>
               </a:srgbClr>
             </a:outerShdw>
           </a:effectLst>
+          <a:scene3d>
+            <a:camera prst="orthographicFront">
+              <a:rot lat="0" lon="0" rev="0"/>
+            </a:camera>
+            <a:lightRig rig="threePt" dir="tl"/>
+          </a:scene3d>
+          <a:sp3d>
+            <a:bevelT w="25400" h="25400" prst="slope"/>
+          </a:sp3d>
         </a:effectStyle>
       </a:effectStyleLst>
       <a:bgFillStyleLst>
         <a:solidFill>
           <a:schemeClr val="phClr"/>
         </a:solidFill>
-        <a:solidFill>
-          <a:schemeClr val="phClr">
-            <a:tint val="95000"/>
-            <a:satMod val="170000"/>
-          </a:schemeClr>
-        </a:solidFill>
         <a:gradFill rotWithShape="1">
           <a:gsLst>
             <a:gs pos="0">
               <a:schemeClr val="phClr">
-                <a:tint val="93000"/>
-                <a:satMod val="150000"/>
-                <a:shade val="98000"/>
-                <a:lumMod val="102000"/>
-              </a:schemeClr>
-            </a:gs>
-            <a:gs pos="50000">
-              <a:schemeClr val="phClr">
-                <a:tint val="98000"/>
-                <a:satMod val="130000"/>
-                <a:shade val="90000"/>
-                <a:lumMod val="103000"/>
+                <a:tint val="90000"/>
+                <a:lumMod val="110000"/>
               </a:schemeClr>
             </a:gs>
             <a:gs pos="100000">
               <a:schemeClr val="phClr">
-                <a:shade val="63000"/>
-                <a:satMod val="120000"/>
+                <a:shade val="64000"/>
+                <a:lumMod val="98000"/>
               </a:schemeClr>
             </a:gs>
           </a:gsLst>
           <a:lin ang="5400000" scaled="0"/>
         </a:gradFill>
+        <a:blipFill rotWithShape="1">
+          <a:blip xmlns:r="http://schemas.openxmlformats.org/officeDocument/2006/relationships" r:embed="rId1">
+            <a:duotone>
+              <a:schemeClr val="phClr">
+                <a:shade val="28000"/>
+                <a:satMod val="94000"/>
+                <a:lumMod val="20000"/>
+              </a:schemeClr>
+              <a:schemeClr val="phClr">
+                <a:tint val="94000"/>
+                <a:shade val="84000"/>
+                <a:satMod val="148000"/>
+                <a:lumMod val="114000"/>
+              </a:schemeClr>
+            </a:duotone>
+          </a:blip>
+          <a:stretch/>
+        </a:blipFill>
       </a:bgFillStyleLst>
     </a:fmtScheme>
   </a:themeElements>
-  <a:objectDefaults>
-    <a:lnDef>
-      <a:spPr/>
-      <a:bodyPr/>
-      <a:lstStyle/>
-      <a:style>
-        <a:lnRef idx="2">
-          <a:schemeClr val="accent1"/>
-        </a:lnRef>
-        <a:fillRef idx="0">
-          <a:schemeClr val="accent1"/>
-        </a:fillRef>
-        <a:effectRef idx="1">
-          <a:schemeClr val="accent1"/>
-        </a:effectRef>
-        <a:fontRef idx="minor">
-          <a:schemeClr val="tx1"/>
-        </a:fontRef>
-      </a:style>
-    </a:lnDef>
-  </a:objectDefaults>
+  <a:objectDefaults/>
   <a:extraClrSchemeLst/>
   <a:extLst>
     <a:ext uri="{05A4C25C-085E-4340-85A3-A5531E510DB2}">
-      <thm15:themeFamily xmlns:thm15="http://schemas.microsoft.com/office/thememl/2012/main" name="Office Theme" id="{2E142A2C-CD16-42D6-873A-C26D2A0506FA}" vid="{1BDDFF52-6CD6-40A5-AB3C-68EB2F1E4D0A}"/>
+      <thm15:themeFamily xmlns:thm15="http://schemas.microsoft.com/office/thememl/2012/main" name="Mesh" id="{789EC3FE-34FD-429C-9918-760025E6C145}" vid="{B8BE45C0-8141-4D58-8C71-A009BC26FBBB}"/>
     </a:ext>
   </a:extLst>
 </a:theme>

--- a/Passwortmanager.pptx
+++ b/Passwortmanager.pptx
@@ -8,15 +8,22 @@
     <p:sldId id="256" r:id="rId2"/>
     <p:sldId id="270" r:id="rId3"/>
     <p:sldId id="271" r:id="rId4"/>
-    <p:sldId id="261" r:id="rId5"/>
-    <p:sldId id="262" r:id="rId6"/>
-    <p:sldId id="258" r:id="rId7"/>
-    <p:sldId id="259" r:id="rId8"/>
-    <p:sldId id="265" r:id="rId9"/>
-    <p:sldId id="264" r:id="rId10"/>
-    <p:sldId id="266" r:id="rId11"/>
-    <p:sldId id="263" r:id="rId12"/>
-    <p:sldId id="267" r:id="rId13"/>
+    <p:sldId id="272" r:id="rId5"/>
+    <p:sldId id="261" r:id="rId6"/>
+    <p:sldId id="273" r:id="rId7"/>
+    <p:sldId id="274" r:id="rId8"/>
+    <p:sldId id="275" r:id="rId9"/>
+    <p:sldId id="278" r:id="rId10"/>
+    <p:sldId id="276" r:id="rId11"/>
+    <p:sldId id="277" r:id="rId12"/>
+    <p:sldId id="262" r:id="rId13"/>
+    <p:sldId id="258" r:id="rId14"/>
+    <p:sldId id="259" r:id="rId15"/>
+    <p:sldId id="265" r:id="rId16"/>
+    <p:sldId id="264" r:id="rId17"/>
+    <p:sldId id="266" r:id="rId18"/>
+    <p:sldId id="263" r:id="rId19"/>
+    <p:sldId id="267" r:id="rId20"/>
   </p:sldIdLst>
   <p:sldSz cx="12192000" cy="6858000"/>
   <p:notesSz cx="6858000" cy="9144000"/>
@@ -338,7 +345,7 @@
           <a:p>
             <a:fld id="{8F4B2E75-2FCB-4C97-B382-4A78F9D9179D}" type="datetimeFigureOut">
               <a:rPr lang="de-AT" smtClean="0"/>
-              <a:t>26.05.2024</a:t>
+              <a:t>27.05.2024</a:t>
             </a:fld>
             <a:endParaRPr lang="de-AT"/>
           </a:p>
@@ -629,7 +636,7 @@
           <a:p>
             <a:fld id="{8F4B2E75-2FCB-4C97-B382-4A78F9D9179D}" type="datetimeFigureOut">
               <a:rPr lang="de-AT" smtClean="0"/>
-              <a:t>26.05.2024</a:t>
+              <a:t>27.05.2024</a:t>
             </a:fld>
             <a:endParaRPr lang="de-AT"/>
           </a:p>
@@ -888,7 +895,7 @@
           <a:p>
             <a:fld id="{8F4B2E75-2FCB-4C97-B382-4A78F9D9179D}" type="datetimeFigureOut">
               <a:rPr lang="de-AT" smtClean="0"/>
-              <a:t>26.05.2024</a:t>
+              <a:t>27.05.2024</a:t>
             </a:fld>
             <a:endParaRPr lang="de-AT"/>
           </a:p>
@@ -1357,7 +1364,7 @@
           <a:p>
             <a:fld id="{8F4B2E75-2FCB-4C97-B382-4A78F9D9179D}" type="datetimeFigureOut">
               <a:rPr lang="de-AT" smtClean="0"/>
-              <a:t>26.05.2024</a:t>
+              <a:t>27.05.2024</a:t>
             </a:fld>
             <a:endParaRPr lang="de-AT"/>
           </a:p>
@@ -1537,7 +1544,7 @@
           <a:p>
             <a:fld id="{8F4B2E75-2FCB-4C97-B382-4A78F9D9179D}" type="datetimeFigureOut">
               <a:rPr lang="de-AT" smtClean="0"/>
-              <a:t>26.05.2024</a:t>
+              <a:t>27.05.2024</a:t>
             </a:fld>
             <a:endParaRPr lang="de-AT"/>
           </a:p>
@@ -2113,7 +2120,7 @@
           <a:p>
             <a:fld id="{8F4B2E75-2FCB-4C97-B382-4A78F9D9179D}" type="datetimeFigureOut">
               <a:rPr lang="de-AT" smtClean="0"/>
-              <a:t>26.05.2024</a:t>
+              <a:t>27.05.2024</a:t>
             </a:fld>
             <a:endParaRPr lang="de-AT"/>
           </a:p>
@@ -2445,7 +2452,7 @@
           <a:p>
             <a:fld id="{8F4B2E75-2FCB-4C97-B382-4A78F9D9179D}" type="datetimeFigureOut">
               <a:rPr lang="de-AT" smtClean="0"/>
-              <a:t>26.05.2024</a:t>
+              <a:t>27.05.2024</a:t>
             </a:fld>
             <a:endParaRPr lang="de-AT"/>
           </a:p>
@@ -2652,7 +2659,7 @@
           <a:p>
             <a:fld id="{8F4B2E75-2FCB-4C97-B382-4A78F9D9179D}" type="datetimeFigureOut">
               <a:rPr lang="de-AT" smtClean="0"/>
-              <a:t>26.05.2024</a:t>
+              <a:t>27.05.2024</a:t>
             </a:fld>
             <a:endParaRPr lang="de-AT"/>
           </a:p>
@@ -2832,7 +2839,7 @@
           <a:p>
             <a:fld id="{8F4B2E75-2FCB-4C97-B382-4A78F9D9179D}" type="datetimeFigureOut">
               <a:rPr lang="de-AT" smtClean="0"/>
-              <a:t>26.05.2024</a:t>
+              <a:t>27.05.2024</a:t>
             </a:fld>
             <a:endParaRPr lang="de-AT"/>
           </a:p>
@@ -3034,7 +3041,7 @@
           <a:p>
             <a:fld id="{8F4B2E75-2FCB-4C97-B382-4A78F9D9179D}" type="datetimeFigureOut">
               <a:rPr lang="de-AT" smtClean="0"/>
-              <a:t>26.05.2024</a:t>
+              <a:t>27.05.2024</a:t>
             </a:fld>
             <a:endParaRPr lang="de-AT"/>
           </a:p>
@@ -3291,7 +3298,7 @@
           <a:p>
             <a:fld id="{8F4B2E75-2FCB-4C97-B382-4A78F9D9179D}" type="datetimeFigureOut">
               <a:rPr lang="de-AT" smtClean="0"/>
-              <a:t>26.05.2024</a:t>
+              <a:t>27.05.2024</a:t>
             </a:fld>
             <a:endParaRPr lang="de-AT"/>
           </a:p>
@@ -3583,7 +3590,7 @@
           <a:p>
             <a:fld id="{8F4B2E75-2FCB-4C97-B382-4A78F9D9179D}" type="datetimeFigureOut">
               <a:rPr lang="de-AT" smtClean="0"/>
-              <a:t>26.05.2024</a:t>
+              <a:t>27.05.2024</a:t>
             </a:fld>
             <a:endParaRPr lang="de-AT"/>
           </a:p>
@@ -4013,7 +4020,7 @@
           <a:p>
             <a:fld id="{8F4B2E75-2FCB-4C97-B382-4A78F9D9179D}" type="datetimeFigureOut">
               <a:rPr lang="de-AT" smtClean="0"/>
-              <a:t>26.05.2024</a:t>
+              <a:t>27.05.2024</a:t>
             </a:fld>
             <a:endParaRPr lang="de-AT"/>
           </a:p>
@@ -4131,7 +4138,7 @@
           <a:p>
             <a:fld id="{8F4B2E75-2FCB-4C97-B382-4A78F9D9179D}" type="datetimeFigureOut">
               <a:rPr lang="de-AT" smtClean="0"/>
-              <a:t>26.05.2024</a:t>
+              <a:t>27.05.2024</a:t>
             </a:fld>
             <a:endParaRPr lang="de-AT"/>
           </a:p>
@@ -4226,7 +4233,7 @@
           <a:p>
             <a:fld id="{8F4B2E75-2FCB-4C97-B382-4A78F9D9179D}" type="datetimeFigureOut">
               <a:rPr lang="de-AT" smtClean="0"/>
-              <a:t>26.05.2024</a:t>
+              <a:t>27.05.2024</a:t>
             </a:fld>
             <a:endParaRPr lang="de-AT"/>
           </a:p>
@@ -4509,7 +4516,7 @@
           <a:p>
             <a:fld id="{8F4B2E75-2FCB-4C97-B382-4A78F9D9179D}" type="datetimeFigureOut">
               <a:rPr lang="de-AT" smtClean="0"/>
-              <a:t>26.05.2024</a:t>
+              <a:t>27.05.2024</a:t>
             </a:fld>
             <a:endParaRPr lang="de-AT"/>
           </a:p>
@@ -4800,7 +4807,7 @@
           <a:p>
             <a:fld id="{8F4B2E75-2FCB-4C97-B382-4A78F9D9179D}" type="datetimeFigureOut">
               <a:rPr lang="de-AT" smtClean="0"/>
-              <a:t>26.05.2024</a:t>
+              <a:t>27.05.2024</a:t>
             </a:fld>
             <a:endParaRPr lang="de-AT"/>
           </a:p>
@@ -5031,7 +5038,7 @@
           <a:p>
             <a:fld id="{8F4B2E75-2FCB-4C97-B382-4A78F9D9179D}" type="datetimeFigureOut">
               <a:rPr lang="de-AT" smtClean="0"/>
-              <a:t>26.05.2024</a:t>
+              <a:t>27.05.2024</a:t>
             </a:fld>
             <a:endParaRPr lang="de-AT"/>
           </a:p>
@@ -5893,7 +5900,7 @@
           <p:cNvPr id="2" name="Titel 1">
             <a:extLst>
               <a:ext uri="{FF2B5EF4-FFF2-40B4-BE49-F238E27FC236}">
-                <a16:creationId xmlns:a16="http://schemas.microsoft.com/office/drawing/2014/main" id="{62D9FC1B-B2C2-D8B8-89F7-82F907724F07}"/>
+                <a16:creationId xmlns:a16="http://schemas.microsoft.com/office/drawing/2014/main" id="{D10D9732-EB54-4C64-113B-6EB8E4E80FA2}"/>
               </a:ext>
             </a:extLst>
           </p:cNvPr>
@@ -5910,12 +5917,12 @@
           <a:lstStyle/>
           <a:p>
             <a:r>
-              <a:rPr lang="de-AT" dirty="0"/>
-              <a:t>Verschlüsselung - </a:t>
-            </a:r>
-            <a:r>
-              <a:rPr lang="de-AT" dirty="0" err="1"/>
-              <a:t>Hashing</a:t>
+              <a:rPr lang="de-DE" dirty="0" err="1"/>
+              <a:t>Dependencys</a:t>
+            </a:r>
+            <a:r>
+              <a:rPr lang="de-DE" dirty="0"/>
+              <a:t> 5/6</a:t>
             </a:r>
             <a:endParaRPr lang="de-AT" dirty="0"/>
           </a:p>
@@ -5923,33 +5930,74 @@
       </p:sp>
       <p:sp>
         <p:nvSpPr>
-          <p:cNvPr id="3" name="Inhaltsplatzhalter 2">
+          <p:cNvPr id="7" name="Textfeld 6">
             <a:extLst>
               <a:ext uri="{FF2B5EF4-FFF2-40B4-BE49-F238E27FC236}">
-                <a16:creationId xmlns:a16="http://schemas.microsoft.com/office/drawing/2014/main" id="{BECF7814-C123-E368-817C-A9914275325B}"/>
+                <a16:creationId xmlns:a16="http://schemas.microsoft.com/office/drawing/2014/main" id="{C6669F7F-C99C-ADCE-230F-3D7E0F4724D4}"/>
               </a:ext>
             </a:extLst>
           </p:cNvPr>
-          <p:cNvSpPr>
-            <a:spLocks noGrp="1"/>
-          </p:cNvSpPr>
-          <p:nvPr>
-            <p:ph idx="1"/>
-          </p:nvPr>
-        </p:nvSpPr>
-        <p:spPr/>
-        <p:txBody>
-          <a:bodyPr/>
-          <a:lstStyle/>
-          <a:p>
+          <p:cNvSpPr txBox="1"/>
+          <p:nvPr/>
+        </p:nvSpPr>
+        <p:spPr>
+          <a:xfrm>
+            <a:off x="1141413" y="2113935"/>
+            <a:ext cx="8956316" cy="923330"/>
+          </a:xfrm>
+          <a:prstGeom prst="rect">
+            <a:avLst/>
+          </a:prstGeom>
+          <a:noFill/>
+        </p:spPr>
+        <p:txBody>
+          <a:bodyPr wrap="square" rtlCol="0">
+            <a:spAutoFit/>
+          </a:bodyPr>
+          <a:lstStyle/>
+          <a:p>
+            <a:r>
+              <a:rPr lang="de-DE" dirty="0"/>
+              <a:t>Lombok ist eine Bibliothek, die die Entwicklung von Java-Anwendungen vereinfacht, indem sie die Erzeugung von Standardmethoden wie Getter, Setter, Konstruktoren usw. automatisiert. </a:t>
+            </a:r>
             <a:endParaRPr lang="de-AT" dirty="0"/>
           </a:p>
         </p:txBody>
       </p:sp>
+      <p:pic>
+        <p:nvPicPr>
+          <p:cNvPr id="6" name="Grafik 5">
+            <a:extLst>
+              <a:ext uri="{FF2B5EF4-FFF2-40B4-BE49-F238E27FC236}">
+                <a16:creationId xmlns:a16="http://schemas.microsoft.com/office/drawing/2014/main" id="{F0E7A669-C212-1517-D1DC-3580968530AA}"/>
+              </a:ext>
+            </a:extLst>
+          </p:cNvPr>
+          <p:cNvPicPr>
+            <a:picLocks noChangeAspect="1"/>
+          </p:cNvPicPr>
+          <p:nvPr/>
+        </p:nvPicPr>
+        <p:blipFill>
+          <a:blip r:embed="rId2"/>
+          <a:stretch>
+            <a:fillRect/>
+          </a:stretch>
+        </p:blipFill>
+        <p:spPr>
+          <a:xfrm>
+            <a:off x="1223308" y="3978561"/>
+            <a:ext cx="8707271" cy="1847845"/>
+          </a:xfrm>
+          <a:prstGeom prst="rect">
+            <a:avLst/>
+          </a:prstGeom>
+        </p:spPr>
+      </p:pic>
     </p:spTree>
     <p:extLst>
       <p:ext uri="{BB962C8B-B14F-4D97-AF65-F5344CB8AC3E}">
-        <p14:creationId xmlns:p14="http://schemas.microsoft.com/office/powerpoint/2010/main" val="407303552"/>
+        <p14:creationId xmlns:p14="http://schemas.microsoft.com/office/powerpoint/2010/main" val="4172462897"/>
       </p:ext>
     </p:extLst>
   </p:cSld>
@@ -5981,6 +6029,1090 @@
           <p:cNvPr id="2" name="Titel 1">
             <a:extLst>
               <a:ext uri="{FF2B5EF4-FFF2-40B4-BE49-F238E27FC236}">
+                <a16:creationId xmlns:a16="http://schemas.microsoft.com/office/drawing/2014/main" id="{D10D9732-EB54-4C64-113B-6EB8E4E80FA2}"/>
+              </a:ext>
+            </a:extLst>
+          </p:cNvPr>
+          <p:cNvSpPr>
+            <a:spLocks noGrp="1"/>
+          </p:cNvSpPr>
+          <p:nvPr>
+            <p:ph type="title"/>
+          </p:nvPr>
+        </p:nvSpPr>
+        <p:spPr/>
+        <p:txBody>
+          <a:bodyPr/>
+          <a:lstStyle/>
+          <a:p>
+            <a:r>
+              <a:rPr lang="de-DE" dirty="0" err="1"/>
+              <a:t>Dependencys</a:t>
+            </a:r>
+            <a:r>
+              <a:rPr lang="de-DE" dirty="0"/>
+              <a:t> 6/6</a:t>
+            </a:r>
+            <a:endParaRPr lang="de-AT" dirty="0"/>
+          </a:p>
+        </p:txBody>
+      </p:sp>
+      <p:pic>
+        <p:nvPicPr>
+          <p:cNvPr id="10" name="Grafik 9">
+            <a:extLst>
+              <a:ext uri="{FF2B5EF4-FFF2-40B4-BE49-F238E27FC236}">
+                <a16:creationId xmlns:a16="http://schemas.microsoft.com/office/drawing/2014/main" id="{FC3A902E-E817-4CDE-AC81-DBB6914C7097}"/>
+              </a:ext>
+            </a:extLst>
+          </p:cNvPr>
+          <p:cNvPicPr>
+            <a:picLocks noChangeAspect="1"/>
+          </p:cNvPicPr>
+          <p:nvPr/>
+        </p:nvPicPr>
+        <p:blipFill>
+          <a:blip r:embed="rId2"/>
+          <a:stretch>
+            <a:fillRect/>
+          </a:stretch>
+        </p:blipFill>
+        <p:spPr>
+          <a:xfrm>
+            <a:off x="983226" y="4060723"/>
+            <a:ext cx="8320094" cy="2025762"/>
+          </a:xfrm>
+          <a:prstGeom prst="rect">
+            <a:avLst/>
+          </a:prstGeom>
+        </p:spPr>
+      </p:pic>
+      <p:sp>
+        <p:nvSpPr>
+          <p:cNvPr id="17" name="Textfeld 16">
+            <a:extLst>
+              <a:ext uri="{FF2B5EF4-FFF2-40B4-BE49-F238E27FC236}">
+                <a16:creationId xmlns:a16="http://schemas.microsoft.com/office/drawing/2014/main" id="{DBDA1976-EF69-92D1-273E-C4ABBCB2BC1A}"/>
+              </a:ext>
+            </a:extLst>
+          </p:cNvPr>
+          <p:cNvSpPr txBox="1"/>
+          <p:nvPr/>
+        </p:nvSpPr>
+        <p:spPr>
+          <a:xfrm>
+            <a:off x="983226" y="1932038"/>
+            <a:ext cx="9055509" cy="1286186"/>
+          </a:xfrm>
+          <a:prstGeom prst="rect">
+            <a:avLst/>
+          </a:prstGeom>
+          <a:noFill/>
+        </p:spPr>
+        <p:txBody>
+          <a:bodyPr wrap="square" rtlCol="0">
+            <a:spAutoFit/>
+          </a:bodyPr>
+          <a:lstStyle/>
+          <a:p>
+            <a:pPr>
+              <a:lnSpc>
+                <a:spcPct val="150000"/>
+              </a:lnSpc>
+            </a:pPr>
+            <a:r>
+              <a:rPr lang="de-DE" dirty="0"/>
+              <a:t>Framework, das Sicherheitsfunktionen bereitstellt. </a:t>
+            </a:r>
+          </a:p>
+          <a:p>
+            <a:pPr marL="285750" indent="-285750">
+              <a:lnSpc>
+                <a:spcPct val="150000"/>
+              </a:lnSpc>
+              <a:buFont typeface="Arial" panose="020B0604020202020204" pitchFamily="34" charset="0"/>
+              <a:buChar char="•"/>
+            </a:pPr>
+            <a:r>
+              <a:rPr lang="de-DE" dirty="0" err="1"/>
+              <a:t>BadCredentialsException</a:t>
+            </a:r>
+            <a:endParaRPr lang="de-DE" dirty="0"/>
+          </a:p>
+          <a:p>
+            <a:pPr>
+              <a:lnSpc>
+                <a:spcPct val="150000"/>
+              </a:lnSpc>
+            </a:pPr>
+            <a:endParaRPr lang="de-AT" dirty="0"/>
+          </a:p>
+        </p:txBody>
+      </p:sp>
+    </p:spTree>
+    <p:extLst>
+      <p:ext uri="{BB962C8B-B14F-4D97-AF65-F5344CB8AC3E}">
+        <p14:creationId xmlns:p14="http://schemas.microsoft.com/office/powerpoint/2010/main" val="2526404819"/>
+      </p:ext>
+    </p:extLst>
+  </p:cSld>
+  <p:clrMapOvr>
+    <a:masterClrMapping/>
+  </p:clrMapOvr>
+</p:sld>
+</file>
+
+<file path=ppt/slides/slide12.xml><?xml version="1.0" encoding="utf-8"?>
+<p:sld xmlns:a="http://schemas.openxmlformats.org/drawingml/2006/main" xmlns:r="http://schemas.openxmlformats.org/officeDocument/2006/relationships" xmlns:p="http://schemas.openxmlformats.org/presentationml/2006/main">
+  <p:cSld>
+    <p:spTree>
+      <p:nvGrpSpPr>
+        <p:cNvPr id="1" name=""/>
+        <p:cNvGrpSpPr/>
+        <p:nvPr/>
+      </p:nvGrpSpPr>
+      <p:grpSpPr>
+        <a:xfrm>
+          <a:off x="0" y="0"/>
+          <a:ext cx="0" cy="0"/>
+          <a:chOff x="0" y="0"/>
+          <a:chExt cx="0" cy="0"/>
+        </a:xfrm>
+      </p:grpSpPr>
+      <p:sp>
+        <p:nvSpPr>
+          <p:cNvPr id="2" name="Titel 1">
+            <a:extLst>
+              <a:ext uri="{FF2B5EF4-FFF2-40B4-BE49-F238E27FC236}">
+                <a16:creationId xmlns:a16="http://schemas.microsoft.com/office/drawing/2014/main" id="{E477706B-21CC-AADA-2E0C-9E49F85358B8}"/>
+              </a:ext>
+            </a:extLst>
+          </p:cNvPr>
+          <p:cNvSpPr>
+            <a:spLocks noGrp="1"/>
+          </p:cNvSpPr>
+          <p:nvPr>
+            <p:ph type="title"/>
+          </p:nvPr>
+        </p:nvSpPr>
+        <p:spPr/>
+        <p:txBody>
+          <a:bodyPr/>
+          <a:lstStyle/>
+          <a:p>
+            <a:r>
+              <a:rPr lang="de-AT" dirty="0"/>
+              <a:t>Routen</a:t>
+            </a:r>
+          </a:p>
+        </p:txBody>
+      </p:sp>
+      <p:sp>
+        <p:nvSpPr>
+          <p:cNvPr id="4" name="Textfeld 3">
+            <a:extLst>
+              <a:ext uri="{FF2B5EF4-FFF2-40B4-BE49-F238E27FC236}">
+                <a16:creationId xmlns:a16="http://schemas.microsoft.com/office/drawing/2014/main" id="{EEDD48F8-8F88-3967-6934-ED98BD658490}"/>
+              </a:ext>
+            </a:extLst>
+          </p:cNvPr>
+          <p:cNvSpPr txBox="1"/>
+          <p:nvPr/>
+        </p:nvSpPr>
+        <p:spPr>
+          <a:xfrm>
+            <a:off x="1042218" y="2359742"/>
+            <a:ext cx="9793421" cy="2117183"/>
+          </a:xfrm>
+          <a:prstGeom prst="rect">
+            <a:avLst/>
+          </a:prstGeom>
+          <a:noFill/>
+        </p:spPr>
+        <p:txBody>
+          <a:bodyPr wrap="square" rtlCol="0">
+            <a:spAutoFit/>
+          </a:bodyPr>
+          <a:lstStyle/>
+          <a:p>
+            <a:pPr>
+              <a:lnSpc>
+                <a:spcPct val="150000"/>
+              </a:lnSpc>
+            </a:pPr>
+            <a:r>
+              <a:rPr lang="de-DE" dirty="0"/>
+              <a:t>Controller: </a:t>
+            </a:r>
+          </a:p>
+          <a:p>
+            <a:pPr marL="285750" indent="-285750">
+              <a:lnSpc>
+                <a:spcPct val="150000"/>
+              </a:lnSpc>
+              <a:buFont typeface="Arial" panose="020B0604020202020204" pitchFamily="34" charset="0"/>
+              <a:buChar char="•"/>
+            </a:pPr>
+            <a:r>
+              <a:rPr lang="de-DE" dirty="0"/>
+              <a:t>	</a:t>
+            </a:r>
+            <a:r>
+              <a:rPr lang="de-DE" dirty="0" err="1"/>
+              <a:t>UserController</a:t>
+            </a:r>
+            <a:r>
+              <a:rPr lang="de-DE" dirty="0"/>
+              <a:t> : /</a:t>
+            </a:r>
+            <a:r>
+              <a:rPr lang="de-DE" dirty="0" err="1"/>
+              <a:t>users</a:t>
+            </a:r>
+            <a:endParaRPr lang="de-DE" dirty="0"/>
+          </a:p>
+          <a:p>
+            <a:pPr marL="285750" indent="-285750">
+              <a:lnSpc>
+                <a:spcPct val="150000"/>
+              </a:lnSpc>
+              <a:buFont typeface="Arial" panose="020B0604020202020204" pitchFamily="34" charset="0"/>
+              <a:buChar char="•"/>
+            </a:pPr>
+            <a:r>
+              <a:rPr lang="de-DE" dirty="0"/>
+              <a:t>	</a:t>
+            </a:r>
+            <a:r>
+              <a:rPr lang="de-DE" dirty="0" err="1"/>
+              <a:t>EntryController</a:t>
+            </a:r>
+            <a:r>
+              <a:rPr lang="de-DE" dirty="0"/>
+              <a:t> : /</a:t>
+            </a:r>
+            <a:r>
+              <a:rPr lang="de-DE" dirty="0" err="1"/>
+              <a:t>entries</a:t>
+            </a:r>
+            <a:endParaRPr lang="de-DE" dirty="0"/>
+          </a:p>
+          <a:p>
+            <a:pPr marL="285750" indent="-285750">
+              <a:lnSpc>
+                <a:spcPct val="150000"/>
+              </a:lnSpc>
+              <a:buFont typeface="Arial" panose="020B0604020202020204" pitchFamily="34" charset="0"/>
+              <a:buChar char="•"/>
+            </a:pPr>
+            <a:endParaRPr lang="de-DE" dirty="0"/>
+          </a:p>
+          <a:p>
+            <a:pPr marL="285750" indent="-285750">
+              <a:lnSpc>
+                <a:spcPct val="150000"/>
+              </a:lnSpc>
+              <a:buFont typeface="Arial" panose="020B0604020202020204" pitchFamily="34" charset="0"/>
+              <a:buChar char="•"/>
+            </a:pPr>
+            <a:endParaRPr lang="de-AT" dirty="0"/>
+          </a:p>
+        </p:txBody>
+      </p:sp>
+    </p:spTree>
+    <p:extLst>
+      <p:ext uri="{BB962C8B-B14F-4D97-AF65-F5344CB8AC3E}">
+        <p14:creationId xmlns:p14="http://schemas.microsoft.com/office/powerpoint/2010/main" val="56377891"/>
+      </p:ext>
+    </p:extLst>
+  </p:cSld>
+  <p:clrMapOvr>
+    <a:masterClrMapping/>
+  </p:clrMapOvr>
+</p:sld>
+</file>
+
+<file path=ppt/slides/slide13.xml><?xml version="1.0" encoding="utf-8"?>
+<p:sld xmlns:a="http://schemas.openxmlformats.org/drawingml/2006/main" xmlns:r="http://schemas.openxmlformats.org/officeDocument/2006/relationships" xmlns:p="http://schemas.openxmlformats.org/presentationml/2006/main">
+  <p:cSld>
+    <p:spTree>
+      <p:nvGrpSpPr>
+        <p:cNvPr id="1" name=""/>
+        <p:cNvGrpSpPr/>
+        <p:nvPr/>
+      </p:nvGrpSpPr>
+      <p:grpSpPr>
+        <a:xfrm>
+          <a:off x="0" y="0"/>
+          <a:ext cx="0" cy="0"/>
+          <a:chOff x="0" y="0"/>
+          <a:chExt cx="0" cy="0"/>
+        </a:xfrm>
+      </p:grpSpPr>
+      <p:sp>
+        <p:nvSpPr>
+          <p:cNvPr id="2" name="Titel 1">
+            <a:extLst>
+              <a:ext uri="{FF2B5EF4-FFF2-40B4-BE49-F238E27FC236}">
+                <a16:creationId xmlns:a16="http://schemas.microsoft.com/office/drawing/2014/main" id="{48FA41CD-F561-BC22-9090-A0BC74F73AE9}"/>
+              </a:ext>
+            </a:extLst>
+          </p:cNvPr>
+          <p:cNvSpPr>
+            <a:spLocks noGrp="1"/>
+          </p:cNvSpPr>
+          <p:nvPr>
+            <p:ph type="title"/>
+          </p:nvPr>
+        </p:nvSpPr>
+        <p:spPr/>
+        <p:txBody>
+          <a:bodyPr/>
+          <a:lstStyle/>
+          <a:p>
+            <a:r>
+              <a:rPr lang="de-AT" dirty="0"/>
+              <a:t>WPF-Client</a:t>
+            </a:r>
+          </a:p>
+        </p:txBody>
+      </p:sp>
+      <p:sp>
+        <p:nvSpPr>
+          <p:cNvPr id="3" name="Inhaltsplatzhalter 2">
+            <a:extLst>
+              <a:ext uri="{FF2B5EF4-FFF2-40B4-BE49-F238E27FC236}">
+                <a16:creationId xmlns:a16="http://schemas.microsoft.com/office/drawing/2014/main" id="{135A6417-96D1-BC4C-74CB-AB89513B1224}"/>
+              </a:ext>
+            </a:extLst>
+          </p:cNvPr>
+          <p:cNvSpPr>
+            <a:spLocks noGrp="1"/>
+          </p:cNvSpPr>
+          <p:nvPr>
+            <p:ph idx="1"/>
+          </p:nvPr>
+        </p:nvSpPr>
+        <p:spPr/>
+        <p:txBody>
+          <a:bodyPr/>
+          <a:lstStyle/>
+          <a:p>
+            <a:endParaRPr lang="de-AT" dirty="0"/>
+          </a:p>
+        </p:txBody>
+      </p:sp>
+    </p:spTree>
+    <p:extLst>
+      <p:ext uri="{BB962C8B-B14F-4D97-AF65-F5344CB8AC3E}">
+        <p14:creationId xmlns:p14="http://schemas.microsoft.com/office/powerpoint/2010/main" val="42619750"/>
+      </p:ext>
+    </p:extLst>
+  </p:cSld>
+  <p:clrMapOvr>
+    <a:masterClrMapping/>
+  </p:clrMapOvr>
+</p:sld>
+</file>
+
+<file path=ppt/slides/slide14.xml><?xml version="1.0" encoding="utf-8"?>
+<p:sld xmlns:a="http://schemas.openxmlformats.org/drawingml/2006/main" xmlns:r="http://schemas.openxmlformats.org/officeDocument/2006/relationships" xmlns:p="http://schemas.openxmlformats.org/presentationml/2006/main">
+  <p:cSld>
+    <p:spTree>
+      <p:nvGrpSpPr>
+        <p:cNvPr id="1" name=""/>
+        <p:cNvGrpSpPr/>
+        <p:nvPr/>
+      </p:nvGrpSpPr>
+      <p:grpSpPr>
+        <a:xfrm>
+          <a:off x="0" y="0"/>
+          <a:ext cx="0" cy="0"/>
+          <a:chOff x="0" y="0"/>
+          <a:chExt cx="0" cy="0"/>
+        </a:xfrm>
+      </p:grpSpPr>
+      <p:sp>
+        <p:nvSpPr>
+          <p:cNvPr id="2" name="Titel 1">
+            <a:extLst>
+              <a:ext uri="{FF2B5EF4-FFF2-40B4-BE49-F238E27FC236}">
+                <a16:creationId xmlns:a16="http://schemas.microsoft.com/office/drawing/2014/main" id="{98B467B9-D10F-4128-9C92-951C333C6CF9}"/>
+              </a:ext>
+            </a:extLst>
+          </p:cNvPr>
+          <p:cNvSpPr>
+            <a:spLocks noGrp="1"/>
+          </p:cNvSpPr>
+          <p:nvPr>
+            <p:ph type="title"/>
+          </p:nvPr>
+        </p:nvSpPr>
+        <p:spPr/>
+        <p:txBody>
+          <a:bodyPr/>
+          <a:lstStyle/>
+          <a:p>
+            <a:r>
+              <a:rPr lang="de-AT" dirty="0"/>
+              <a:t>Web-Client</a:t>
+            </a:r>
+          </a:p>
+        </p:txBody>
+      </p:sp>
+      <p:sp>
+        <p:nvSpPr>
+          <p:cNvPr id="3" name="Inhaltsplatzhalter 2">
+            <a:extLst>
+              <a:ext uri="{FF2B5EF4-FFF2-40B4-BE49-F238E27FC236}">
+                <a16:creationId xmlns:a16="http://schemas.microsoft.com/office/drawing/2014/main" id="{4714FBF9-1DF9-96F2-291F-10E0E20E1C29}"/>
+              </a:ext>
+            </a:extLst>
+          </p:cNvPr>
+          <p:cNvSpPr>
+            <a:spLocks noGrp="1"/>
+          </p:cNvSpPr>
+          <p:nvPr>
+            <p:ph idx="1"/>
+          </p:nvPr>
+        </p:nvSpPr>
+        <p:spPr/>
+        <p:txBody>
+          <a:bodyPr/>
+          <a:lstStyle/>
+          <a:p>
+            <a:endParaRPr lang="de-AT" dirty="0"/>
+          </a:p>
+        </p:txBody>
+      </p:sp>
+    </p:spTree>
+    <p:extLst>
+      <p:ext uri="{BB962C8B-B14F-4D97-AF65-F5344CB8AC3E}">
+        <p14:creationId xmlns:p14="http://schemas.microsoft.com/office/powerpoint/2010/main" val="4250959733"/>
+      </p:ext>
+    </p:extLst>
+  </p:cSld>
+  <p:clrMapOvr>
+    <a:masterClrMapping/>
+  </p:clrMapOvr>
+</p:sld>
+</file>
+
+<file path=ppt/slides/slide15.xml><?xml version="1.0" encoding="utf-8"?>
+<p:sld xmlns:a="http://schemas.openxmlformats.org/drawingml/2006/main" xmlns:r="http://schemas.openxmlformats.org/officeDocument/2006/relationships" xmlns:p="http://schemas.openxmlformats.org/presentationml/2006/main">
+  <p:cSld>
+    <p:spTree>
+      <p:nvGrpSpPr>
+        <p:cNvPr id="1" name=""/>
+        <p:cNvGrpSpPr/>
+        <p:nvPr/>
+      </p:nvGrpSpPr>
+      <p:grpSpPr>
+        <a:xfrm>
+          <a:off x="0" y="0"/>
+          <a:ext cx="0" cy="0"/>
+          <a:chOff x="0" y="0"/>
+          <a:chExt cx="0" cy="0"/>
+        </a:xfrm>
+      </p:grpSpPr>
+      <p:sp>
+        <p:nvSpPr>
+          <p:cNvPr id="2" name="Titel 1">
+            <a:extLst>
+              <a:ext uri="{FF2B5EF4-FFF2-40B4-BE49-F238E27FC236}">
+                <a16:creationId xmlns:a16="http://schemas.microsoft.com/office/drawing/2014/main" id="{CE166AEE-F5D7-1699-94B1-AA1D4DEAD2F9}"/>
+              </a:ext>
+            </a:extLst>
+          </p:cNvPr>
+          <p:cNvSpPr>
+            <a:spLocks noGrp="1"/>
+          </p:cNvSpPr>
+          <p:nvPr>
+            <p:ph type="title"/>
+          </p:nvPr>
+        </p:nvSpPr>
+        <p:spPr/>
+        <p:txBody>
+          <a:bodyPr/>
+          <a:lstStyle/>
+          <a:p>
+            <a:r>
+              <a:rPr lang="de-AT" dirty="0"/>
+              <a:t>Datenbank - MongoDB</a:t>
+            </a:r>
+          </a:p>
+        </p:txBody>
+      </p:sp>
+      <p:sp>
+        <p:nvSpPr>
+          <p:cNvPr id="4" name="Textfeld 3">
+            <a:extLst>
+              <a:ext uri="{FF2B5EF4-FFF2-40B4-BE49-F238E27FC236}">
+                <a16:creationId xmlns:a16="http://schemas.microsoft.com/office/drawing/2014/main" id="{4F4509BD-4096-671D-2C9F-61C979E24ADE}"/>
+              </a:ext>
+            </a:extLst>
+          </p:cNvPr>
+          <p:cNvSpPr txBox="1"/>
+          <p:nvPr/>
+        </p:nvSpPr>
+        <p:spPr>
+          <a:xfrm>
+            <a:off x="1141412" y="2349660"/>
+            <a:ext cx="10479569" cy="1477328"/>
+          </a:xfrm>
+          <a:prstGeom prst="rect">
+            <a:avLst/>
+          </a:prstGeom>
+          <a:noFill/>
+        </p:spPr>
+        <p:txBody>
+          <a:bodyPr wrap="square" rtlCol="0">
+            <a:spAutoFit/>
+          </a:bodyPr>
+          <a:lstStyle/>
+          <a:p>
+            <a:endParaRPr lang="de-DE" dirty="0"/>
+          </a:p>
+          <a:p>
+            <a:endParaRPr lang="de-DE" dirty="0"/>
+          </a:p>
+          <a:p>
+            <a:endParaRPr lang="de-DE" dirty="0"/>
+          </a:p>
+          <a:p>
+            <a:endParaRPr lang="de-DE" dirty="0"/>
+          </a:p>
+          <a:p>
+            <a:endParaRPr lang="de-AT" dirty="0"/>
+          </a:p>
+        </p:txBody>
+      </p:sp>
+      <p:pic>
+        <p:nvPicPr>
+          <p:cNvPr id="6" name="Grafik 5">
+            <a:extLst>
+              <a:ext uri="{FF2B5EF4-FFF2-40B4-BE49-F238E27FC236}">
+                <a16:creationId xmlns:a16="http://schemas.microsoft.com/office/drawing/2014/main" id="{FC395D03-322D-72DD-A6D8-4B1A32A69CEC}"/>
+              </a:ext>
+            </a:extLst>
+          </p:cNvPr>
+          <p:cNvPicPr>
+            <a:picLocks noChangeAspect="1"/>
+          </p:cNvPicPr>
+          <p:nvPr/>
+        </p:nvPicPr>
+        <p:blipFill>
+          <a:blip r:embed="rId2"/>
+          <a:stretch>
+            <a:fillRect/>
+          </a:stretch>
+        </p:blipFill>
+        <p:spPr>
+          <a:xfrm>
+            <a:off x="981008" y="2083444"/>
+            <a:ext cx="10193656" cy="3615910"/>
+          </a:xfrm>
+          <a:prstGeom prst="rect">
+            <a:avLst/>
+          </a:prstGeom>
+        </p:spPr>
+      </p:pic>
+    </p:spTree>
+    <p:extLst>
+      <p:ext uri="{BB962C8B-B14F-4D97-AF65-F5344CB8AC3E}">
+        <p14:creationId xmlns:p14="http://schemas.microsoft.com/office/powerpoint/2010/main" val="1228283518"/>
+      </p:ext>
+    </p:extLst>
+  </p:cSld>
+  <p:clrMapOvr>
+    <a:masterClrMapping/>
+  </p:clrMapOvr>
+</p:sld>
+</file>
+
+<file path=ppt/slides/slide16.xml><?xml version="1.0" encoding="utf-8"?>
+<p:sld xmlns:a="http://schemas.openxmlformats.org/drawingml/2006/main" xmlns:r="http://schemas.openxmlformats.org/officeDocument/2006/relationships" xmlns:p="http://schemas.openxmlformats.org/presentationml/2006/main">
+  <p:cSld>
+    <p:bg>
+      <p:bgPr>
+        <a:blipFill rotWithShape="1">
+          <a:blip r:embed="rId2">
+            <a:duotone>
+              <a:schemeClr val="bg2">
+                <a:shade val="28000"/>
+                <a:satMod val="94000"/>
+                <a:lumMod val="20000"/>
+              </a:schemeClr>
+              <a:schemeClr val="bg2">
+                <a:tint val="94000"/>
+                <a:shade val="84000"/>
+                <a:satMod val="148000"/>
+                <a:lumMod val="114000"/>
+              </a:schemeClr>
+            </a:duotone>
+          </a:blip>
+          <a:stretch/>
+        </a:blipFill>
+        <a:effectLst/>
+      </p:bgPr>
+    </p:bg>
+    <p:spTree>
+      <p:nvGrpSpPr>
+        <p:cNvPr id="1" name=""/>
+        <p:cNvGrpSpPr/>
+        <p:nvPr/>
+      </p:nvGrpSpPr>
+      <p:grpSpPr>
+        <a:xfrm>
+          <a:off x="0" y="0"/>
+          <a:ext cx="0" cy="0"/>
+          <a:chOff x="0" y="0"/>
+          <a:chExt cx="0" cy="0"/>
+        </a:xfrm>
+      </p:grpSpPr>
+      <p:sp>
+        <p:nvSpPr>
+          <p:cNvPr id="2" name="Titel 1">
+            <a:extLst>
+              <a:ext uri="{FF2B5EF4-FFF2-40B4-BE49-F238E27FC236}">
+                <a16:creationId xmlns:a16="http://schemas.microsoft.com/office/drawing/2014/main" id="{144990A7-C8AB-0749-B7C8-D83D43F6AC95}"/>
+              </a:ext>
+            </a:extLst>
+          </p:cNvPr>
+          <p:cNvSpPr>
+            <a:spLocks noGrp="1"/>
+          </p:cNvSpPr>
+          <p:nvPr>
+            <p:ph type="title"/>
+          </p:nvPr>
+        </p:nvSpPr>
+        <p:spPr>
+          <a:xfrm>
+            <a:off x="431799" y="599768"/>
+            <a:ext cx="4656395" cy="1905000"/>
+          </a:xfrm>
+        </p:spPr>
+        <p:txBody>
+          <a:bodyPr vert="horz" lIns="91440" tIns="45720" rIns="91440" bIns="45720" rtlCol="0" anchor="ctr">
+            <a:normAutofit/>
+          </a:bodyPr>
+          <a:lstStyle/>
+          <a:p>
+            <a:r>
+              <a:rPr lang="en-US" sz="2800" dirty="0" err="1">
+                <a:latin typeface="+mj-lt"/>
+              </a:rPr>
+              <a:t>Verschlüsselung</a:t>
+            </a:r>
+            <a:r>
+              <a:rPr lang="en-US" sz="2800" dirty="0">
+                <a:latin typeface="+mj-lt"/>
+              </a:rPr>
+              <a:t> - AES</a:t>
+            </a:r>
+          </a:p>
+        </p:txBody>
+      </p:sp>
+      <p:sp>
+        <p:nvSpPr>
+          <p:cNvPr id="4" name="Textfeld 3">
+            <a:extLst>
+              <a:ext uri="{FF2B5EF4-FFF2-40B4-BE49-F238E27FC236}">
+                <a16:creationId xmlns:a16="http://schemas.microsoft.com/office/drawing/2014/main" id="{5F661BE8-CAB7-EE37-633F-A2391C134B15}"/>
+              </a:ext>
+            </a:extLst>
+          </p:cNvPr>
+          <p:cNvSpPr txBox="1"/>
+          <p:nvPr/>
+        </p:nvSpPr>
+        <p:spPr>
+          <a:xfrm>
+            <a:off x="643192" y="2666999"/>
+            <a:ext cx="3643674" cy="3216276"/>
+          </a:xfrm>
+          <a:prstGeom prst="rect">
+            <a:avLst/>
+          </a:prstGeom>
+        </p:spPr>
+        <p:txBody>
+          <a:bodyPr vert="horz" lIns="91440" tIns="45720" rIns="91440" bIns="45720" rtlCol="0" anchor="ctr">
+            <a:normAutofit/>
+          </a:bodyPr>
+          <a:lstStyle/>
+          <a:p>
+            <a:pPr marL="285750" indent="-285750">
+              <a:spcBef>
+                <a:spcPct val="20000"/>
+              </a:spcBef>
+              <a:spcAft>
+                <a:spcPts val="600"/>
+              </a:spcAft>
+              <a:buClr>
+                <a:schemeClr val="tx1"/>
+              </a:buClr>
+              <a:buSzPct val="100000"/>
+              <a:buFont typeface="Arial" panose="020B0604020202020204" pitchFamily="34" charset="0"/>
+              <a:buChar char="•"/>
+            </a:pPr>
+            <a:r>
+              <a:rPr lang="en-US" dirty="0" err="1"/>
+              <a:t>Symmetrische</a:t>
+            </a:r>
+            <a:r>
+              <a:rPr lang="en-US" dirty="0"/>
+              <a:t> </a:t>
+            </a:r>
+            <a:r>
+              <a:rPr lang="en-US" dirty="0" err="1"/>
+              <a:t>Verschlüsselung</a:t>
+            </a:r>
+            <a:r>
+              <a:rPr lang="en-US" dirty="0"/>
+              <a:t> </a:t>
+            </a:r>
+          </a:p>
+          <a:p>
+            <a:pPr marL="285750" indent="-285750">
+              <a:spcBef>
+                <a:spcPct val="20000"/>
+              </a:spcBef>
+              <a:spcAft>
+                <a:spcPts val="600"/>
+              </a:spcAft>
+              <a:buClr>
+                <a:schemeClr val="tx1"/>
+              </a:buClr>
+              <a:buSzPct val="100000"/>
+              <a:buFont typeface="Arial" panose="020B0604020202020204" pitchFamily="34" charset="0"/>
+              <a:buChar char="•"/>
+            </a:pPr>
+            <a:r>
+              <a:rPr lang="en-US" dirty="0" err="1"/>
+              <a:t>Kommt</a:t>
+            </a:r>
+            <a:r>
+              <a:rPr lang="en-US" dirty="0"/>
+              <a:t> </a:t>
+            </a:r>
+            <a:r>
+              <a:rPr lang="en-US" dirty="0" err="1"/>
+              <a:t>im</a:t>
+            </a:r>
+            <a:r>
+              <a:rPr lang="en-US" dirty="0"/>
+              <a:t> TLS-</a:t>
+            </a:r>
+            <a:r>
+              <a:rPr lang="en-US" dirty="0" err="1"/>
+              <a:t>Protokoll</a:t>
+            </a:r>
+            <a:r>
+              <a:rPr lang="en-US" dirty="0"/>
+              <a:t> </a:t>
+            </a:r>
+            <a:r>
+              <a:rPr lang="en-US" dirty="0" err="1"/>
+              <a:t>zur</a:t>
+            </a:r>
+            <a:r>
+              <a:rPr lang="en-US" dirty="0"/>
+              <a:t> </a:t>
+            </a:r>
+            <a:r>
+              <a:rPr lang="en-US" dirty="0" err="1"/>
+              <a:t>Anwendung</a:t>
+            </a:r>
+            <a:endParaRPr lang="en-US" dirty="0"/>
+          </a:p>
+          <a:p>
+            <a:pPr>
+              <a:spcBef>
+                <a:spcPct val="20000"/>
+              </a:spcBef>
+              <a:spcAft>
+                <a:spcPts val="600"/>
+              </a:spcAft>
+              <a:buClr>
+                <a:schemeClr val="tx1"/>
+              </a:buClr>
+              <a:buSzPct val="100000"/>
+            </a:pPr>
+            <a:endParaRPr lang="en-US" cap="small" dirty="0">
+              <a:gradFill flip="none" rotWithShape="1">
+                <a:gsLst>
+                  <a:gs pos="0">
+                    <a:schemeClr val="tx1"/>
+                  </a:gs>
+                  <a:gs pos="100000">
+                    <a:schemeClr val="tx1">
+                      <a:lumMod val="75000"/>
+                    </a:schemeClr>
+                  </a:gs>
+                </a:gsLst>
+                <a:lin ang="5580000" scaled="0"/>
+                <a:tileRect/>
+              </a:gradFill>
+              <a:effectLst>
+                <a:glow rad="38100">
+                  <a:schemeClr val="bg1">
+                    <a:lumMod val="50000"/>
+                    <a:lumOff val="50000"/>
+                    <a:alpha val="20000"/>
+                  </a:schemeClr>
+                </a:glow>
+                <a:outerShdw blurRad="44450" dist="12700" dir="13860000" algn="tl" rotWithShape="0">
+                  <a:srgbClr val="000000">
+                    <a:alpha val="20000"/>
+                  </a:srgbClr>
+                </a:outerShdw>
+              </a:effectLst>
+              <a:latin typeface="Calibri (Textkörper)"/>
+              <a:cs typeface="Arial" panose="020B0604020202020204" pitchFamily="34" charset="0"/>
+            </a:endParaRPr>
+          </a:p>
+          <a:p>
+            <a:pPr>
+              <a:spcBef>
+                <a:spcPct val="20000"/>
+              </a:spcBef>
+              <a:spcAft>
+                <a:spcPts val="600"/>
+              </a:spcAft>
+              <a:buClr>
+                <a:schemeClr val="tx1"/>
+              </a:buClr>
+              <a:buSzPct val="100000"/>
+              <a:buFont typeface="Arial"/>
+              <a:buChar char="•"/>
+            </a:pPr>
+            <a:endParaRPr lang="en-US" cap="small" dirty="0">
+              <a:gradFill flip="none" rotWithShape="1">
+                <a:gsLst>
+                  <a:gs pos="0">
+                    <a:schemeClr val="tx1"/>
+                  </a:gs>
+                  <a:gs pos="100000">
+                    <a:schemeClr val="tx1">
+                      <a:lumMod val="75000"/>
+                    </a:schemeClr>
+                  </a:gs>
+                </a:gsLst>
+                <a:lin ang="5580000" scaled="0"/>
+                <a:tileRect/>
+              </a:gradFill>
+              <a:effectLst>
+                <a:glow rad="38100">
+                  <a:schemeClr val="bg1">
+                    <a:lumMod val="50000"/>
+                    <a:lumOff val="50000"/>
+                    <a:alpha val="20000"/>
+                  </a:schemeClr>
+                </a:glow>
+                <a:outerShdw blurRad="44450" dist="12700" dir="13860000" algn="tl" rotWithShape="0">
+                  <a:srgbClr val="000000">
+                    <a:alpha val="20000"/>
+                  </a:srgbClr>
+                </a:outerShdw>
+              </a:effectLst>
+              <a:latin typeface="Calibri (Textkörper)"/>
+              <a:cs typeface="Arial" panose="020B0604020202020204" pitchFamily="34" charset="0"/>
+            </a:endParaRPr>
+          </a:p>
+        </p:txBody>
+      </p:sp>
+      <p:pic>
+        <p:nvPicPr>
+          <p:cNvPr id="5" name="Picture 2" descr="What is the Advanced Encryption Standard (AES)? Definition from ...">
+            <a:extLst>
+              <a:ext uri="{FF2B5EF4-FFF2-40B4-BE49-F238E27FC236}">
+                <a16:creationId xmlns:a16="http://schemas.microsoft.com/office/drawing/2014/main" id="{A4ACE6B8-7A8E-EEF4-6A2F-DE065FC00EBC}"/>
+              </a:ext>
+            </a:extLst>
+          </p:cNvPr>
+          <p:cNvPicPr>
+            <a:picLocks noChangeAspect="1" noChangeArrowheads="1"/>
+          </p:cNvPicPr>
+          <p:nvPr/>
+        </p:nvPicPr>
+        <p:blipFill rotWithShape="1">
+          <a:blip r:embed="rId3">
+            <a:extLst>
+              <a:ext uri="{28A0092B-C50C-407E-A947-70E740481C1C}">
+                <a14:useLocalDpi xmlns:a14="http://schemas.microsoft.com/office/drawing/2010/main" val="0"/>
+              </a:ext>
+            </a:extLst>
+          </a:blip>
+          <a:srcRect l="12702" r="8218" b="2"/>
+          <a:stretch/>
+        </p:blipFill>
+        <p:spPr bwMode="auto">
+          <a:xfrm>
+            <a:off x="5088194" y="758616"/>
+            <a:ext cx="6754401" cy="5124659"/>
+          </a:xfrm>
+          <a:prstGeom prst="roundRect">
+            <a:avLst>
+              <a:gd name="adj" fmla="val 3517"/>
+            </a:avLst>
+          </a:prstGeom>
+          <a:noFill/>
+          <a:ln w="38100">
+            <a:gradFill flip="none" rotWithShape="1">
+              <a:gsLst>
+                <a:gs pos="0">
+                  <a:srgbClr val="363D46"/>
+                </a:gs>
+                <a:gs pos="100000">
+                  <a:srgbClr val="363D46">
+                    <a:lumMod val="75000"/>
+                  </a:srgbClr>
+                </a:gs>
+              </a:gsLst>
+              <a:lin ang="5400000" scaled="0"/>
+              <a:tileRect/>
+            </a:gradFill>
+          </a:ln>
+          <a:effectLst>
+            <a:innerShdw blurRad="57150" dist="38100" dir="14460000">
+              <a:srgbClr val="000000">
+                <a:alpha val="70000"/>
+              </a:srgbClr>
+            </a:innerShdw>
+          </a:effectLst>
+          <a:extLst>
+            <a:ext uri="{909E8E84-426E-40DD-AFC4-6F175D3DCCD1}">
+              <a14:hiddenFill xmlns:a14="http://schemas.microsoft.com/office/drawing/2010/main">
+                <a:solidFill>
+                  <a:srgbClr val="FFFFFF"/>
+                </a:solidFill>
+              </a14:hiddenFill>
+            </a:ext>
+          </a:extLst>
+        </p:spPr>
+      </p:pic>
+    </p:spTree>
+    <p:extLst>
+      <p:ext uri="{BB962C8B-B14F-4D97-AF65-F5344CB8AC3E}">
+        <p14:creationId xmlns:p14="http://schemas.microsoft.com/office/powerpoint/2010/main" val="2906717839"/>
+      </p:ext>
+    </p:extLst>
+  </p:cSld>
+  <p:clrMapOvr>
+    <a:masterClrMapping/>
+  </p:clrMapOvr>
+</p:sld>
+</file>
+
+<file path=ppt/slides/slide17.xml><?xml version="1.0" encoding="utf-8"?>
+<p:sld xmlns:a="http://schemas.openxmlformats.org/drawingml/2006/main" xmlns:r="http://schemas.openxmlformats.org/officeDocument/2006/relationships" xmlns:p="http://schemas.openxmlformats.org/presentationml/2006/main">
+  <p:cSld>
+    <p:spTree>
+      <p:nvGrpSpPr>
+        <p:cNvPr id="1" name=""/>
+        <p:cNvGrpSpPr/>
+        <p:nvPr/>
+      </p:nvGrpSpPr>
+      <p:grpSpPr>
+        <a:xfrm>
+          <a:off x="0" y="0"/>
+          <a:ext cx="0" cy="0"/>
+          <a:chOff x="0" y="0"/>
+          <a:chExt cx="0" cy="0"/>
+        </a:xfrm>
+      </p:grpSpPr>
+      <p:sp>
+        <p:nvSpPr>
+          <p:cNvPr id="2" name="Titel 1">
+            <a:extLst>
+              <a:ext uri="{FF2B5EF4-FFF2-40B4-BE49-F238E27FC236}">
+                <a16:creationId xmlns:a16="http://schemas.microsoft.com/office/drawing/2014/main" id="{62D9FC1B-B2C2-D8B8-89F7-82F907724F07}"/>
+              </a:ext>
+            </a:extLst>
+          </p:cNvPr>
+          <p:cNvSpPr>
+            <a:spLocks noGrp="1"/>
+          </p:cNvSpPr>
+          <p:nvPr>
+            <p:ph type="title"/>
+          </p:nvPr>
+        </p:nvSpPr>
+        <p:spPr/>
+        <p:txBody>
+          <a:bodyPr/>
+          <a:lstStyle/>
+          <a:p>
+            <a:r>
+              <a:rPr lang="de-AT" dirty="0"/>
+              <a:t>Verschlüsselung - </a:t>
+            </a:r>
+            <a:r>
+              <a:rPr lang="de-AT" dirty="0" err="1"/>
+              <a:t>Hashing</a:t>
+            </a:r>
+            <a:endParaRPr lang="de-AT" dirty="0"/>
+          </a:p>
+        </p:txBody>
+      </p:sp>
+      <p:sp>
+        <p:nvSpPr>
+          <p:cNvPr id="3" name="Inhaltsplatzhalter 2">
+            <a:extLst>
+              <a:ext uri="{FF2B5EF4-FFF2-40B4-BE49-F238E27FC236}">
+                <a16:creationId xmlns:a16="http://schemas.microsoft.com/office/drawing/2014/main" id="{BECF7814-C123-E368-817C-A9914275325B}"/>
+              </a:ext>
+            </a:extLst>
+          </p:cNvPr>
+          <p:cNvSpPr>
+            <a:spLocks noGrp="1"/>
+          </p:cNvSpPr>
+          <p:nvPr>
+            <p:ph idx="1"/>
+          </p:nvPr>
+        </p:nvSpPr>
+        <p:spPr/>
+        <p:txBody>
+          <a:bodyPr/>
+          <a:lstStyle/>
+          <a:p>
+            <a:endParaRPr lang="de-AT" dirty="0"/>
+          </a:p>
+        </p:txBody>
+      </p:sp>
+    </p:spTree>
+    <p:extLst>
+      <p:ext uri="{BB962C8B-B14F-4D97-AF65-F5344CB8AC3E}">
+        <p14:creationId xmlns:p14="http://schemas.microsoft.com/office/powerpoint/2010/main" val="407303552"/>
+      </p:ext>
+    </p:extLst>
+  </p:cSld>
+  <p:clrMapOvr>
+    <a:masterClrMapping/>
+  </p:clrMapOvr>
+</p:sld>
+</file>
+
+<file path=ppt/slides/slide18.xml><?xml version="1.0" encoding="utf-8"?>
+<p:sld xmlns:a="http://schemas.openxmlformats.org/drawingml/2006/main" xmlns:r="http://schemas.openxmlformats.org/officeDocument/2006/relationships" xmlns:p="http://schemas.openxmlformats.org/presentationml/2006/main">
+  <p:cSld>
+    <p:spTree>
+      <p:nvGrpSpPr>
+        <p:cNvPr id="1" name=""/>
+        <p:cNvGrpSpPr/>
+        <p:nvPr/>
+      </p:nvGrpSpPr>
+      <p:grpSpPr>
+        <a:xfrm>
+          <a:off x="0" y="0"/>
+          <a:ext cx="0" cy="0"/>
+          <a:chOff x="0" y="0"/>
+          <a:chExt cx="0" cy="0"/>
+        </a:xfrm>
+      </p:grpSpPr>
+      <p:sp>
+        <p:nvSpPr>
+          <p:cNvPr id="2" name="Titel 1">
+            <a:extLst>
+              <a:ext uri="{FF2B5EF4-FFF2-40B4-BE49-F238E27FC236}">
                 <a16:creationId xmlns:a16="http://schemas.microsoft.com/office/drawing/2014/main" id="{24CBB4C2-B139-21C4-91CA-A3A7DFE4B4B3}"/>
               </a:ext>
             </a:extLst>
@@ -6042,7 +7174,7 @@
 </p:sld>
 </file>
 
-<file path=ppt/slides/slide12.xml><?xml version="1.0" encoding="utf-8"?>
+<file path=ppt/slides/slide19.xml><?xml version="1.0" encoding="utf-8"?>
 <p:sld xmlns:a="http://schemas.openxmlformats.org/drawingml/2006/main" xmlns:r="http://schemas.openxmlformats.org/officeDocument/2006/relationships" xmlns:p="http://schemas.openxmlformats.org/presentationml/2006/main">
   <p:cSld>
     <p:spTree>
@@ -6458,7 +7590,7 @@
           <p:cNvPr id="2" name="Titel 1">
             <a:extLst>
               <a:ext uri="{FF2B5EF4-FFF2-40B4-BE49-F238E27FC236}">
-                <a16:creationId xmlns:a16="http://schemas.microsoft.com/office/drawing/2014/main" id="{5D7B0174-AFB7-C509-089B-DE6A037B6BD8}"/>
+                <a16:creationId xmlns:a16="http://schemas.microsoft.com/office/drawing/2014/main" id="{EA82D4BD-172D-12F8-34AC-E6846FE1F849}"/>
               </a:ext>
             </a:extLst>
           </p:cNvPr>
@@ -6475,32 +7607,103 @@
           <a:lstStyle/>
           <a:p>
             <a:r>
-              <a:rPr lang="de-AT" dirty="0"/>
-              <a:t>Server</a:t>
-            </a:r>
-          </a:p>
-        </p:txBody>
-      </p:sp>
-      <p:sp>
-        <p:nvSpPr>
-          <p:cNvPr id="3" name="Inhaltsplatzhalter 2">
+              <a:rPr lang="de-DE" dirty="0"/>
+              <a:t>Verwendete Technologien</a:t>
+            </a:r>
+            <a:endParaRPr lang="de-AT" dirty="0"/>
+          </a:p>
+        </p:txBody>
+      </p:sp>
+      <p:sp>
+        <p:nvSpPr>
+          <p:cNvPr id="4" name="Textfeld 3">
             <a:extLst>
               <a:ext uri="{FF2B5EF4-FFF2-40B4-BE49-F238E27FC236}">
-                <a16:creationId xmlns:a16="http://schemas.microsoft.com/office/drawing/2014/main" id="{E91652CC-B941-3F25-8BA4-64DF2AD5F298}"/>
+                <a16:creationId xmlns:a16="http://schemas.microsoft.com/office/drawing/2014/main" id="{AF5F79A6-01D8-9E1E-D117-2584D55076C1}"/>
               </a:ext>
             </a:extLst>
           </p:cNvPr>
-          <p:cNvSpPr>
-            <a:spLocks noGrp="1"/>
-          </p:cNvSpPr>
-          <p:nvPr>
-            <p:ph idx="1"/>
-          </p:nvPr>
-        </p:nvSpPr>
-        <p:spPr/>
-        <p:txBody>
-          <a:bodyPr/>
-          <a:lstStyle/>
+          <p:cNvSpPr txBox="1"/>
+          <p:nvPr/>
+        </p:nvSpPr>
+        <p:spPr>
+          <a:xfrm>
+            <a:off x="1141412" y="2407920"/>
+            <a:ext cx="9572307" cy="3416320"/>
+          </a:xfrm>
+          <a:prstGeom prst="rect">
+            <a:avLst/>
+          </a:prstGeom>
+          <a:noFill/>
+        </p:spPr>
+        <p:txBody>
+          <a:bodyPr wrap="square" rtlCol="0">
+            <a:spAutoFit/>
+          </a:bodyPr>
+          <a:lstStyle/>
+          <a:p>
+            <a:endParaRPr lang="de-DE" dirty="0"/>
+          </a:p>
+          <a:p>
+            <a:r>
+              <a:rPr lang="de-DE" dirty="0"/>
+              <a:t>.NET</a:t>
+            </a:r>
+          </a:p>
+          <a:p>
+            <a:r>
+              <a:rPr lang="de-DE" dirty="0" err="1"/>
+              <a:t>OpenJDK</a:t>
+            </a:r>
+            <a:endParaRPr lang="de-DE" dirty="0"/>
+          </a:p>
+          <a:p>
+            <a:r>
+              <a:rPr lang="de-DE" dirty="0"/>
+              <a:t>MongoDB</a:t>
+            </a:r>
+          </a:p>
+          <a:p>
+            <a:r>
+              <a:rPr lang="de-DE" dirty="0" err="1"/>
+              <a:t>NodeJS</a:t>
+            </a:r>
+            <a:endParaRPr lang="de-DE" dirty="0"/>
+          </a:p>
+          <a:p>
+            <a:endParaRPr lang="de-DE" dirty="0"/>
+          </a:p>
+          <a:p>
+            <a:r>
+              <a:rPr lang="de-DE" dirty="0"/>
+              <a:t>IDEs:</a:t>
+            </a:r>
+          </a:p>
+          <a:p>
+            <a:r>
+              <a:rPr lang="de-DE" dirty="0" err="1"/>
+              <a:t>IntelliJ</a:t>
+            </a:r>
+            <a:r>
+              <a:rPr lang="de-DE" dirty="0"/>
+              <a:t> (Spring Boot)</a:t>
+            </a:r>
+          </a:p>
+          <a:p>
+            <a:r>
+              <a:rPr lang="de-DE" dirty="0"/>
+              <a:t>Visual Studio 2022 (C#, WPF)</a:t>
+            </a:r>
+          </a:p>
+          <a:p>
+            <a:r>
+              <a:rPr lang="de-DE" dirty="0"/>
+              <a:t>Visual Studio Code (JS, HTML, CSS)</a:t>
+            </a:r>
+          </a:p>
+          <a:p>
+            <a:endParaRPr lang="de-DE" dirty="0"/>
+          </a:p>
           <a:p>
             <a:endParaRPr lang="de-AT" dirty="0"/>
           </a:p>
@@ -6509,7 +7712,7 @@
     </p:spTree>
     <p:extLst>
       <p:ext uri="{BB962C8B-B14F-4D97-AF65-F5344CB8AC3E}">
-        <p14:creationId xmlns:p14="http://schemas.microsoft.com/office/powerpoint/2010/main" val="735164030"/>
+        <p14:creationId xmlns:p14="http://schemas.microsoft.com/office/powerpoint/2010/main" val="2402998725"/>
       </p:ext>
     </p:extLst>
   </p:cSld>
@@ -6541,7 +7744,7 @@
           <p:cNvPr id="2" name="Titel 1">
             <a:extLst>
               <a:ext uri="{FF2B5EF4-FFF2-40B4-BE49-F238E27FC236}">
-                <a16:creationId xmlns:a16="http://schemas.microsoft.com/office/drawing/2014/main" id="{E477706B-21CC-AADA-2E0C-9E49F85358B8}"/>
+                <a16:creationId xmlns:a16="http://schemas.microsoft.com/office/drawing/2014/main" id="{5D7B0174-AFB7-C509-089B-DE6A037B6BD8}"/>
               </a:ext>
             </a:extLst>
           </p:cNvPr>
@@ -6558,46 +7761,91 @@
           <a:lstStyle/>
           <a:p>
             <a:r>
-              <a:rPr lang="de-AT" dirty="0"/>
-              <a:t>Routen</a:t>
-            </a:r>
-          </a:p>
-        </p:txBody>
-      </p:sp>
-      <p:sp>
-        <p:nvSpPr>
-          <p:cNvPr id="3" name="Inhaltsplatzhalter 2">
+              <a:rPr lang="de-AT"/>
+              <a:t>Server – LOCALHOST:8080/</a:t>
+            </a:r>
+            <a:endParaRPr lang="de-AT" dirty="0"/>
+          </a:p>
+        </p:txBody>
+      </p:sp>
+      <p:sp>
+        <p:nvSpPr>
+          <p:cNvPr id="4" name="Textfeld 3">
             <a:extLst>
               <a:ext uri="{FF2B5EF4-FFF2-40B4-BE49-F238E27FC236}">
-                <a16:creationId xmlns:a16="http://schemas.microsoft.com/office/drawing/2014/main" id="{41125775-6A70-BBEB-4739-63E4C9202D2B}"/>
+                <a16:creationId xmlns:a16="http://schemas.microsoft.com/office/drawing/2014/main" id="{27C4584B-73DF-6528-A9FB-5CCACDA6EB38}"/>
               </a:ext>
             </a:extLst>
           </p:cNvPr>
-          <p:cNvSpPr>
-            <a:spLocks noGrp="1"/>
-          </p:cNvSpPr>
-          <p:nvPr>
-            <p:ph idx="1"/>
-          </p:nvPr>
+          <p:cNvSpPr txBox="1"/>
+          <p:nvPr/>
         </p:nvSpPr>
         <p:spPr>
           <a:xfrm>
-            <a:off x="1141413" y="2514601"/>
-            <a:ext cx="9905998" cy="3276600"/>
+            <a:off x="1141413" y="2272129"/>
+            <a:ext cx="8867826" cy="1200329"/>
           </a:xfrm>
+          <a:prstGeom prst="rect">
+            <a:avLst/>
+          </a:prstGeom>
+          <a:noFill/>
         </p:spPr>
         <p:txBody>
-          <a:bodyPr/>
-          <a:lstStyle/>
+          <a:bodyPr wrap="square" rtlCol="0">
+            <a:spAutoFit/>
+          </a:bodyPr>
+          <a:lstStyle/>
+          <a:p>
+            <a:r>
+              <a:rPr lang="de-DE" dirty="0"/>
+              <a:t>Struktur:</a:t>
+            </a:r>
+          </a:p>
+          <a:p>
+            <a:endParaRPr lang="de-DE" dirty="0"/>
+          </a:p>
+          <a:p>
+            <a:endParaRPr lang="de-DE" dirty="0"/>
+          </a:p>
           <a:p>
             <a:endParaRPr lang="de-AT" dirty="0"/>
           </a:p>
         </p:txBody>
       </p:sp>
+      <p:pic>
+        <p:nvPicPr>
+          <p:cNvPr id="6" name="Grafik 5">
+            <a:extLst>
+              <a:ext uri="{FF2B5EF4-FFF2-40B4-BE49-F238E27FC236}">
+                <a16:creationId xmlns:a16="http://schemas.microsoft.com/office/drawing/2014/main" id="{6E1F6B2A-7D86-22FD-D9FC-1D56CE864AAE}"/>
+              </a:ext>
+            </a:extLst>
+          </p:cNvPr>
+          <p:cNvPicPr>
+            <a:picLocks noChangeAspect="1"/>
+          </p:cNvPicPr>
+          <p:nvPr/>
+        </p:nvPicPr>
+        <p:blipFill>
+          <a:blip r:embed="rId2"/>
+          <a:stretch>
+            <a:fillRect/>
+          </a:stretch>
+        </p:blipFill>
+        <p:spPr>
+          <a:xfrm>
+            <a:off x="5132390" y="1980754"/>
+            <a:ext cx="5513663" cy="3823463"/>
+          </a:xfrm>
+          <a:prstGeom prst="rect">
+            <a:avLst/>
+          </a:prstGeom>
+        </p:spPr>
+      </p:pic>
     </p:spTree>
     <p:extLst>
       <p:ext uri="{BB962C8B-B14F-4D97-AF65-F5344CB8AC3E}">
-        <p14:creationId xmlns:p14="http://schemas.microsoft.com/office/powerpoint/2010/main" val="56377891"/>
+        <p14:creationId xmlns:p14="http://schemas.microsoft.com/office/powerpoint/2010/main" val="735164030"/>
       </p:ext>
     </p:extLst>
   </p:cSld>
@@ -6629,7 +7877,7 @@
           <p:cNvPr id="2" name="Titel 1">
             <a:extLst>
               <a:ext uri="{FF2B5EF4-FFF2-40B4-BE49-F238E27FC236}">
-                <a16:creationId xmlns:a16="http://schemas.microsoft.com/office/drawing/2014/main" id="{48FA41CD-F561-BC22-9090-A0BC74F73AE9}"/>
+                <a16:creationId xmlns:a16="http://schemas.microsoft.com/office/drawing/2014/main" id="{53D501F2-A440-733E-2A05-110AA660C752}"/>
               </a:ext>
             </a:extLst>
           </p:cNvPr>
@@ -6646,41 +7894,94 @@
           <a:lstStyle/>
           <a:p>
             <a:r>
-              <a:rPr lang="de-AT" dirty="0"/>
-              <a:t>WPF-Client</a:t>
-            </a:r>
-          </a:p>
-        </p:txBody>
-      </p:sp>
-      <p:sp>
-        <p:nvSpPr>
-          <p:cNvPr id="3" name="Inhaltsplatzhalter 2">
+              <a:rPr lang="de-DE" dirty="0" err="1"/>
+              <a:t>Dependencys</a:t>
+            </a:r>
+            <a:r>
+              <a:rPr lang="de-DE" dirty="0"/>
+              <a:t> 1/6</a:t>
+            </a:r>
+            <a:endParaRPr lang="de-AT" dirty="0"/>
+          </a:p>
+        </p:txBody>
+      </p:sp>
+      <p:sp>
+        <p:nvSpPr>
+          <p:cNvPr id="7" name="Textfeld 6">
             <a:extLst>
               <a:ext uri="{FF2B5EF4-FFF2-40B4-BE49-F238E27FC236}">
-                <a16:creationId xmlns:a16="http://schemas.microsoft.com/office/drawing/2014/main" id="{135A6417-96D1-BC4C-74CB-AB89513B1224}"/>
+                <a16:creationId xmlns:a16="http://schemas.microsoft.com/office/drawing/2014/main" id="{58005571-B06A-13BB-630A-60149686BEDE}"/>
               </a:ext>
             </a:extLst>
           </p:cNvPr>
-          <p:cNvSpPr>
-            <a:spLocks noGrp="1"/>
-          </p:cNvSpPr>
-          <p:nvPr>
-            <p:ph idx="1"/>
-          </p:nvPr>
-        </p:nvSpPr>
-        <p:spPr/>
-        <p:txBody>
-          <a:bodyPr/>
-          <a:lstStyle/>
-          <a:p>
-            <a:endParaRPr lang="de-AT"/>
-          </a:p>
-        </p:txBody>
-      </p:sp>
+          <p:cNvSpPr txBox="1"/>
+          <p:nvPr/>
+        </p:nvSpPr>
+        <p:spPr>
+          <a:xfrm>
+            <a:off x="1141413" y="2120082"/>
+            <a:ext cx="9055509" cy="923330"/>
+          </a:xfrm>
+          <a:prstGeom prst="rect">
+            <a:avLst/>
+          </a:prstGeom>
+          <a:noFill/>
+        </p:spPr>
+        <p:txBody>
+          <a:bodyPr wrap="square" rtlCol="0">
+            <a:spAutoFit/>
+          </a:bodyPr>
+          <a:lstStyle/>
+          <a:p>
+            <a:r>
+              <a:rPr lang="de-DE" dirty="0"/>
+              <a:t>integriert Spring Boot </a:t>
+            </a:r>
+            <a:r>
+              <a:rPr lang="de-DE" dirty="0" err="1"/>
+              <a:t>Actuator</a:t>
+            </a:r>
+            <a:r>
+              <a:rPr lang="de-DE" dirty="0"/>
+              <a:t>, das verschiedene Dienste zur Überwachung und Verwaltung von Spring Boot-Anwendungen bereitstellt, wie z.B. Endpunkte für Gesundheitschecks.</a:t>
+            </a:r>
+          </a:p>
+        </p:txBody>
+      </p:sp>
+      <p:pic>
+        <p:nvPicPr>
+          <p:cNvPr id="9" name="Grafik 8">
+            <a:extLst>
+              <a:ext uri="{FF2B5EF4-FFF2-40B4-BE49-F238E27FC236}">
+                <a16:creationId xmlns:a16="http://schemas.microsoft.com/office/drawing/2014/main" id="{73D4D3F8-4F02-A3B0-835A-0C978B645EBE}"/>
+              </a:ext>
+            </a:extLst>
+          </p:cNvPr>
+          <p:cNvPicPr>
+            <a:picLocks noChangeAspect="1"/>
+          </p:cNvPicPr>
+          <p:nvPr/>
+        </p:nvPicPr>
+        <p:blipFill>
+          <a:blip r:embed="rId2"/>
+          <a:stretch>
+            <a:fillRect/>
+          </a:stretch>
+        </p:blipFill>
+        <p:spPr>
+          <a:xfrm>
+            <a:off x="1806519" y="4025082"/>
+            <a:ext cx="8390403" cy="1905000"/>
+          </a:xfrm>
+          <a:prstGeom prst="rect">
+            <a:avLst/>
+          </a:prstGeom>
+        </p:spPr>
+      </p:pic>
     </p:spTree>
     <p:extLst>
       <p:ext uri="{BB962C8B-B14F-4D97-AF65-F5344CB8AC3E}">
-        <p14:creationId xmlns:p14="http://schemas.microsoft.com/office/powerpoint/2010/main" val="42619750"/>
+        <p14:creationId xmlns:p14="http://schemas.microsoft.com/office/powerpoint/2010/main" val="3618078175"/>
       </p:ext>
     </p:extLst>
   </p:cSld>
@@ -6712,7 +8013,7 @@
           <p:cNvPr id="2" name="Titel 1">
             <a:extLst>
               <a:ext uri="{FF2B5EF4-FFF2-40B4-BE49-F238E27FC236}">
-                <a16:creationId xmlns:a16="http://schemas.microsoft.com/office/drawing/2014/main" id="{98B467B9-D10F-4128-9C92-951C333C6CF9}"/>
+                <a16:creationId xmlns:a16="http://schemas.microsoft.com/office/drawing/2014/main" id="{D10D9732-EB54-4C64-113B-6EB8E4E80FA2}"/>
               </a:ext>
             </a:extLst>
           </p:cNvPr>
@@ -6729,41 +8030,86 @@
           <a:lstStyle/>
           <a:p>
             <a:r>
-              <a:rPr lang="de-AT" dirty="0"/>
-              <a:t>Web-Client</a:t>
-            </a:r>
-          </a:p>
-        </p:txBody>
-      </p:sp>
-      <p:sp>
-        <p:nvSpPr>
-          <p:cNvPr id="3" name="Inhaltsplatzhalter 2">
+              <a:rPr lang="de-DE" dirty="0" err="1"/>
+              <a:t>Dependencys</a:t>
+            </a:r>
+            <a:r>
+              <a:rPr lang="de-DE" dirty="0"/>
+              <a:t> 2/6</a:t>
+            </a:r>
+            <a:endParaRPr lang="de-AT" dirty="0"/>
+          </a:p>
+        </p:txBody>
+      </p:sp>
+      <p:sp>
+        <p:nvSpPr>
+          <p:cNvPr id="7" name="Textfeld 6">
             <a:extLst>
               <a:ext uri="{FF2B5EF4-FFF2-40B4-BE49-F238E27FC236}">
-                <a16:creationId xmlns:a16="http://schemas.microsoft.com/office/drawing/2014/main" id="{4714FBF9-1DF9-96F2-291F-10E0E20E1C29}"/>
+                <a16:creationId xmlns:a16="http://schemas.microsoft.com/office/drawing/2014/main" id="{C6669F7F-C99C-ADCE-230F-3D7E0F4724D4}"/>
               </a:ext>
             </a:extLst>
           </p:cNvPr>
-          <p:cNvSpPr>
-            <a:spLocks noGrp="1"/>
-          </p:cNvSpPr>
+          <p:cNvSpPr txBox="1"/>
+          <p:nvPr/>
+        </p:nvSpPr>
+        <p:spPr>
+          <a:xfrm>
+            <a:off x="1141413" y="2113935"/>
+            <a:ext cx="8956316" cy="646331"/>
+          </a:xfrm>
+          <a:prstGeom prst="rect">
+            <a:avLst/>
+          </a:prstGeom>
+          <a:noFill/>
+        </p:spPr>
+        <p:txBody>
+          <a:bodyPr wrap="square" rtlCol="0">
+            <a:spAutoFit/>
+          </a:bodyPr>
+          <a:lstStyle/>
+          <a:p>
+            <a:r>
+              <a:rPr lang="de-DE" dirty="0"/>
+              <a:t>Dieses Starter-Paket erleichtert die Entwicklung von Webanwendungen mit Spring Boot. (MVC, Mapping)</a:t>
+            </a:r>
+            <a:endParaRPr lang="de-AT" dirty="0"/>
+          </a:p>
+        </p:txBody>
+      </p:sp>
+      <p:pic>
+        <p:nvPicPr>
+          <p:cNvPr id="11" name="Inhaltsplatzhalter 10">
+            <a:extLst>
+              <a:ext uri="{FF2B5EF4-FFF2-40B4-BE49-F238E27FC236}">
+                <a16:creationId xmlns:a16="http://schemas.microsoft.com/office/drawing/2014/main" id="{DA97D06A-D0C4-F853-5C88-260B64D99130}"/>
+              </a:ext>
+            </a:extLst>
+          </p:cNvPr>
+          <p:cNvPicPr>
+            <a:picLocks noGrp="1" noChangeAspect="1"/>
+          </p:cNvPicPr>
           <p:nvPr>
             <p:ph idx="1"/>
           </p:nvPr>
-        </p:nvSpPr>
-        <p:spPr/>
-        <p:txBody>
-          <a:bodyPr/>
-          <a:lstStyle/>
-          <a:p>
-            <a:endParaRPr lang="de-AT" dirty="0"/>
-          </a:p>
-        </p:txBody>
-      </p:sp>
+        </p:nvPicPr>
+        <p:blipFill>
+          <a:blip r:embed="rId2"/>
+          <a:stretch>
+            <a:fillRect/>
+          </a:stretch>
+        </p:blipFill>
+        <p:spPr>
+          <a:xfrm>
+            <a:off x="1761064" y="4018935"/>
+            <a:ext cx="8046490" cy="1728105"/>
+          </a:xfrm>
+        </p:spPr>
+      </p:pic>
     </p:spTree>
     <p:extLst>
       <p:ext uri="{BB962C8B-B14F-4D97-AF65-F5344CB8AC3E}">
-        <p14:creationId xmlns:p14="http://schemas.microsoft.com/office/powerpoint/2010/main" val="4250959733"/>
+        <p14:creationId xmlns:p14="http://schemas.microsoft.com/office/powerpoint/2010/main" val="982429036"/>
       </p:ext>
     </p:extLst>
   </p:cSld>
@@ -6795,7 +8141,7 @@
           <p:cNvPr id="2" name="Titel 1">
             <a:extLst>
               <a:ext uri="{FF2B5EF4-FFF2-40B4-BE49-F238E27FC236}">
-                <a16:creationId xmlns:a16="http://schemas.microsoft.com/office/drawing/2014/main" id="{CE166AEE-F5D7-1699-94B1-AA1D4DEAD2F9}"/>
+                <a16:creationId xmlns:a16="http://schemas.microsoft.com/office/drawing/2014/main" id="{D10D9732-EB54-4C64-113B-6EB8E4E80FA2}"/>
               </a:ext>
             </a:extLst>
           </p:cNvPr>
@@ -6812,41 +8158,92 @@
           <a:lstStyle/>
           <a:p>
             <a:r>
-              <a:rPr lang="de-AT" dirty="0"/>
-              <a:t>Datenbank - MongoDB</a:t>
-            </a:r>
-          </a:p>
-        </p:txBody>
-      </p:sp>
-      <p:sp>
-        <p:nvSpPr>
-          <p:cNvPr id="3" name="Inhaltsplatzhalter 2">
+              <a:rPr lang="de-DE" dirty="0" err="1"/>
+              <a:t>Dependencys</a:t>
+            </a:r>
+            <a:r>
+              <a:rPr lang="de-DE" dirty="0"/>
+              <a:t> 3/6</a:t>
+            </a:r>
+            <a:endParaRPr lang="de-AT" dirty="0"/>
+          </a:p>
+        </p:txBody>
+      </p:sp>
+      <p:sp>
+        <p:nvSpPr>
+          <p:cNvPr id="7" name="Textfeld 6">
             <a:extLst>
               <a:ext uri="{FF2B5EF4-FFF2-40B4-BE49-F238E27FC236}">
-                <a16:creationId xmlns:a16="http://schemas.microsoft.com/office/drawing/2014/main" id="{1812D984-66B2-1027-BA8A-66EA21EAF29F}"/>
+                <a16:creationId xmlns:a16="http://schemas.microsoft.com/office/drawing/2014/main" id="{C6669F7F-C99C-ADCE-230F-3D7E0F4724D4}"/>
               </a:ext>
             </a:extLst>
           </p:cNvPr>
-          <p:cNvSpPr>
-            <a:spLocks noGrp="1"/>
-          </p:cNvSpPr>
-          <p:nvPr>
-            <p:ph idx="1"/>
-          </p:nvPr>
-        </p:nvSpPr>
-        <p:spPr/>
-        <p:txBody>
-          <a:bodyPr/>
-          <a:lstStyle/>
-          <a:p>
-            <a:endParaRPr lang="de-AT"/>
-          </a:p>
-        </p:txBody>
-      </p:sp>
+          <p:cNvSpPr txBox="1"/>
+          <p:nvPr/>
+        </p:nvSpPr>
+        <p:spPr>
+          <a:xfrm>
+            <a:off x="1141413" y="2113935"/>
+            <a:ext cx="8956316" cy="1477328"/>
+          </a:xfrm>
+          <a:prstGeom prst="rect">
+            <a:avLst/>
+          </a:prstGeom>
+          <a:noFill/>
+        </p:spPr>
+        <p:txBody>
+          <a:bodyPr wrap="square" rtlCol="0">
+            <a:spAutoFit/>
+          </a:bodyPr>
+          <a:lstStyle/>
+          <a:p>
+            <a:r>
+              <a:rPr lang="de-DE" dirty="0"/>
+              <a:t>Dieses Paket integriert MongoDB in die Spring Boot-Anwendung. Es bietet Funktionen zur Datenzugriffsschicht, die speziell für MongoDB entwickelt wurden, und erleichtert die Verwendung von MongoDB im Projekt.</a:t>
+            </a:r>
+          </a:p>
+          <a:p>
+            <a:br>
+              <a:rPr lang="de-DE" dirty="0"/>
+            </a:br>
+            <a:endParaRPr lang="de-AT" dirty="0"/>
+          </a:p>
+        </p:txBody>
+      </p:sp>
+      <p:pic>
+        <p:nvPicPr>
+          <p:cNvPr id="6" name="Grafik 5">
+            <a:extLst>
+              <a:ext uri="{FF2B5EF4-FFF2-40B4-BE49-F238E27FC236}">
+                <a16:creationId xmlns:a16="http://schemas.microsoft.com/office/drawing/2014/main" id="{CCEEDA3C-146A-C70D-7760-8C0F84FBBF28}"/>
+              </a:ext>
+            </a:extLst>
+          </p:cNvPr>
+          <p:cNvPicPr>
+            <a:picLocks noChangeAspect="1"/>
+          </p:cNvPicPr>
+          <p:nvPr/>
+        </p:nvPicPr>
+        <p:blipFill>
+          <a:blip r:embed="rId2"/>
+          <a:stretch>
+            <a:fillRect/>
+          </a:stretch>
+        </p:blipFill>
+        <p:spPr>
+          <a:xfrm>
+            <a:off x="1141413" y="3987602"/>
+            <a:ext cx="8977550" cy="1981711"/>
+          </a:xfrm>
+          <a:prstGeom prst="rect">
+            <a:avLst/>
+          </a:prstGeom>
+        </p:spPr>
+      </p:pic>
     </p:spTree>
     <p:extLst>
       <p:ext uri="{BB962C8B-B14F-4D97-AF65-F5344CB8AC3E}">
-        <p14:creationId xmlns:p14="http://schemas.microsoft.com/office/powerpoint/2010/main" val="1228283518"/>
+        <p14:creationId xmlns:p14="http://schemas.microsoft.com/office/powerpoint/2010/main" val="1521692145"/>
       </p:ext>
     </p:extLst>
   </p:cSld>
@@ -6878,7 +8275,7 @@
           <p:cNvPr id="2" name="Titel 1">
             <a:extLst>
               <a:ext uri="{FF2B5EF4-FFF2-40B4-BE49-F238E27FC236}">
-                <a16:creationId xmlns:a16="http://schemas.microsoft.com/office/drawing/2014/main" id="{144990A7-C8AB-0749-B7C8-D83D43F6AC95}"/>
+                <a16:creationId xmlns:a16="http://schemas.microsoft.com/office/drawing/2014/main" id="{D10D9732-EB54-4C64-113B-6EB8E4E80FA2}"/>
               </a:ext>
             </a:extLst>
           </p:cNvPr>
@@ -6895,41 +8292,87 @@
           <a:lstStyle/>
           <a:p>
             <a:r>
-              <a:rPr lang="de-AT" dirty="0"/>
-              <a:t>Verschlüsselung - AES</a:t>
-            </a:r>
-          </a:p>
-        </p:txBody>
-      </p:sp>
-      <p:sp>
-        <p:nvSpPr>
-          <p:cNvPr id="3" name="Inhaltsplatzhalter 2">
+              <a:rPr lang="de-DE" dirty="0" err="1"/>
+              <a:t>Dependencys</a:t>
+            </a:r>
+            <a:r>
+              <a:rPr lang="de-DE" dirty="0"/>
+              <a:t> 4/6</a:t>
+            </a:r>
+            <a:endParaRPr lang="de-AT" dirty="0"/>
+          </a:p>
+        </p:txBody>
+      </p:sp>
+      <p:sp>
+        <p:nvSpPr>
+          <p:cNvPr id="7" name="Textfeld 6">
             <a:extLst>
               <a:ext uri="{FF2B5EF4-FFF2-40B4-BE49-F238E27FC236}">
-                <a16:creationId xmlns:a16="http://schemas.microsoft.com/office/drawing/2014/main" id="{E52C1CE4-1409-C6F6-9FA0-116B863E48AA}"/>
+                <a16:creationId xmlns:a16="http://schemas.microsoft.com/office/drawing/2014/main" id="{C6669F7F-C99C-ADCE-230F-3D7E0F4724D4}"/>
               </a:ext>
             </a:extLst>
           </p:cNvPr>
-          <p:cNvSpPr>
-            <a:spLocks noGrp="1"/>
-          </p:cNvSpPr>
-          <p:nvPr>
-            <p:ph idx="1"/>
-          </p:nvPr>
-        </p:nvSpPr>
-        <p:spPr/>
-        <p:txBody>
-          <a:bodyPr/>
-          <a:lstStyle/>
-          <a:p>
-            <a:endParaRPr lang="de-AT"/>
-          </a:p>
-        </p:txBody>
-      </p:sp>
+          <p:cNvSpPr txBox="1"/>
+          <p:nvPr/>
+        </p:nvSpPr>
+        <p:spPr>
+          <a:xfrm>
+            <a:off x="1141413" y="2113935"/>
+            <a:ext cx="8956316" cy="1200329"/>
+          </a:xfrm>
+          <a:prstGeom prst="rect">
+            <a:avLst/>
+          </a:prstGeom>
+          <a:noFill/>
+        </p:spPr>
+        <p:txBody>
+          <a:bodyPr wrap="square" rtlCol="0">
+            <a:spAutoFit/>
+          </a:bodyPr>
+          <a:lstStyle/>
+          <a:p>
+            <a:r>
+              <a:rPr lang="de-DE" dirty="0"/>
+              <a:t>Dies ist der MongoDB-Treiber für synchrone Operationen. Es ermöglicht der Anwendung, mit einer MongoDB-Datenbank zu interagieren, indem es die erforderlichen Klassen und Methoden bereitstellt, um auf Daten zuzugreifen, sie zu ändern und zu verarbeiten.</a:t>
+            </a:r>
+            <a:endParaRPr lang="de-AT" dirty="0"/>
+          </a:p>
+        </p:txBody>
+      </p:sp>
+      <p:pic>
+        <p:nvPicPr>
+          <p:cNvPr id="4" name="Grafik 3">
+            <a:extLst>
+              <a:ext uri="{FF2B5EF4-FFF2-40B4-BE49-F238E27FC236}">
+                <a16:creationId xmlns:a16="http://schemas.microsoft.com/office/drawing/2014/main" id="{944A6196-3065-6A5C-8073-5DD09F37B7EE}"/>
+              </a:ext>
+            </a:extLst>
+          </p:cNvPr>
+          <p:cNvPicPr>
+            <a:picLocks noChangeAspect="1"/>
+          </p:cNvPicPr>
+          <p:nvPr/>
+        </p:nvPicPr>
+        <p:blipFill>
+          <a:blip r:embed="rId2"/>
+          <a:stretch>
+            <a:fillRect/>
+          </a:stretch>
+        </p:blipFill>
+        <p:spPr>
+          <a:xfrm>
+            <a:off x="1141413" y="4204949"/>
+            <a:ext cx="7573538" cy="2043451"/>
+          </a:xfrm>
+          <a:prstGeom prst="rect">
+            <a:avLst/>
+          </a:prstGeom>
+        </p:spPr>
+      </p:pic>
     </p:spTree>
     <p:extLst>
       <p:ext uri="{BB962C8B-B14F-4D97-AF65-F5344CB8AC3E}">
-        <p14:creationId xmlns:p14="http://schemas.microsoft.com/office/powerpoint/2010/main" val="2906717839"/>
+        <p14:creationId xmlns:p14="http://schemas.microsoft.com/office/powerpoint/2010/main" val="3529212542"/>
       </p:ext>
     </p:extLst>
   </p:cSld>

--- a/Passwortmanager.pptx
+++ b/Passwortmanager.pptx
@@ -345,7 +345,7 @@
           <a:p>
             <a:fld id="{8F4B2E75-2FCB-4C97-B382-4A78F9D9179D}" type="datetimeFigureOut">
               <a:rPr lang="de-AT" smtClean="0"/>
-              <a:t>27.05.2024</a:t>
+              <a:t>29.05.2024</a:t>
             </a:fld>
             <a:endParaRPr lang="de-AT"/>
           </a:p>
@@ -636,7 +636,7 @@
           <a:p>
             <a:fld id="{8F4B2E75-2FCB-4C97-B382-4A78F9D9179D}" type="datetimeFigureOut">
               <a:rPr lang="de-AT" smtClean="0"/>
-              <a:t>27.05.2024</a:t>
+              <a:t>29.05.2024</a:t>
             </a:fld>
             <a:endParaRPr lang="de-AT"/>
           </a:p>
@@ -895,7 +895,7 @@
           <a:p>
             <a:fld id="{8F4B2E75-2FCB-4C97-B382-4A78F9D9179D}" type="datetimeFigureOut">
               <a:rPr lang="de-AT" smtClean="0"/>
-              <a:t>27.05.2024</a:t>
+              <a:t>29.05.2024</a:t>
             </a:fld>
             <a:endParaRPr lang="de-AT"/>
           </a:p>
@@ -1364,7 +1364,7 @@
           <a:p>
             <a:fld id="{8F4B2E75-2FCB-4C97-B382-4A78F9D9179D}" type="datetimeFigureOut">
               <a:rPr lang="de-AT" smtClean="0"/>
-              <a:t>27.05.2024</a:t>
+              <a:t>29.05.2024</a:t>
             </a:fld>
             <a:endParaRPr lang="de-AT"/>
           </a:p>
@@ -1544,7 +1544,7 @@
           <a:p>
             <a:fld id="{8F4B2E75-2FCB-4C97-B382-4A78F9D9179D}" type="datetimeFigureOut">
               <a:rPr lang="de-AT" smtClean="0"/>
-              <a:t>27.05.2024</a:t>
+              <a:t>29.05.2024</a:t>
             </a:fld>
             <a:endParaRPr lang="de-AT"/>
           </a:p>
@@ -2120,7 +2120,7 @@
           <a:p>
             <a:fld id="{8F4B2E75-2FCB-4C97-B382-4A78F9D9179D}" type="datetimeFigureOut">
               <a:rPr lang="de-AT" smtClean="0"/>
-              <a:t>27.05.2024</a:t>
+              <a:t>29.05.2024</a:t>
             </a:fld>
             <a:endParaRPr lang="de-AT"/>
           </a:p>
@@ -2452,7 +2452,7 @@
           <a:p>
             <a:fld id="{8F4B2E75-2FCB-4C97-B382-4A78F9D9179D}" type="datetimeFigureOut">
               <a:rPr lang="de-AT" smtClean="0"/>
-              <a:t>27.05.2024</a:t>
+              <a:t>29.05.2024</a:t>
             </a:fld>
             <a:endParaRPr lang="de-AT"/>
           </a:p>
@@ -2659,7 +2659,7 @@
           <a:p>
             <a:fld id="{8F4B2E75-2FCB-4C97-B382-4A78F9D9179D}" type="datetimeFigureOut">
               <a:rPr lang="de-AT" smtClean="0"/>
-              <a:t>27.05.2024</a:t>
+              <a:t>29.05.2024</a:t>
             </a:fld>
             <a:endParaRPr lang="de-AT"/>
           </a:p>
@@ -2839,7 +2839,7 @@
           <a:p>
             <a:fld id="{8F4B2E75-2FCB-4C97-B382-4A78F9D9179D}" type="datetimeFigureOut">
               <a:rPr lang="de-AT" smtClean="0"/>
-              <a:t>27.05.2024</a:t>
+              <a:t>29.05.2024</a:t>
             </a:fld>
             <a:endParaRPr lang="de-AT"/>
           </a:p>
@@ -3041,7 +3041,7 @@
           <a:p>
             <a:fld id="{8F4B2E75-2FCB-4C97-B382-4A78F9D9179D}" type="datetimeFigureOut">
               <a:rPr lang="de-AT" smtClean="0"/>
-              <a:t>27.05.2024</a:t>
+              <a:t>29.05.2024</a:t>
             </a:fld>
             <a:endParaRPr lang="de-AT"/>
           </a:p>
@@ -3298,7 +3298,7 @@
           <a:p>
             <a:fld id="{8F4B2E75-2FCB-4C97-B382-4A78F9D9179D}" type="datetimeFigureOut">
               <a:rPr lang="de-AT" smtClean="0"/>
-              <a:t>27.05.2024</a:t>
+              <a:t>29.05.2024</a:t>
             </a:fld>
             <a:endParaRPr lang="de-AT"/>
           </a:p>
@@ -3590,7 +3590,7 @@
           <a:p>
             <a:fld id="{8F4B2E75-2FCB-4C97-B382-4A78F9D9179D}" type="datetimeFigureOut">
               <a:rPr lang="de-AT" smtClean="0"/>
-              <a:t>27.05.2024</a:t>
+              <a:t>29.05.2024</a:t>
             </a:fld>
             <a:endParaRPr lang="de-AT"/>
           </a:p>
@@ -4020,7 +4020,7 @@
           <a:p>
             <a:fld id="{8F4B2E75-2FCB-4C97-B382-4A78F9D9179D}" type="datetimeFigureOut">
               <a:rPr lang="de-AT" smtClean="0"/>
-              <a:t>27.05.2024</a:t>
+              <a:t>29.05.2024</a:t>
             </a:fld>
             <a:endParaRPr lang="de-AT"/>
           </a:p>
@@ -4138,7 +4138,7 @@
           <a:p>
             <a:fld id="{8F4B2E75-2FCB-4C97-B382-4A78F9D9179D}" type="datetimeFigureOut">
               <a:rPr lang="de-AT" smtClean="0"/>
-              <a:t>27.05.2024</a:t>
+              <a:t>29.05.2024</a:t>
             </a:fld>
             <a:endParaRPr lang="de-AT"/>
           </a:p>
@@ -4233,7 +4233,7 @@
           <a:p>
             <a:fld id="{8F4B2E75-2FCB-4C97-B382-4A78F9D9179D}" type="datetimeFigureOut">
               <a:rPr lang="de-AT" smtClean="0"/>
-              <a:t>27.05.2024</a:t>
+              <a:t>29.05.2024</a:t>
             </a:fld>
             <a:endParaRPr lang="de-AT"/>
           </a:p>
@@ -4516,7 +4516,7 @@
           <a:p>
             <a:fld id="{8F4B2E75-2FCB-4C97-B382-4A78F9D9179D}" type="datetimeFigureOut">
               <a:rPr lang="de-AT" smtClean="0"/>
-              <a:t>27.05.2024</a:t>
+              <a:t>29.05.2024</a:t>
             </a:fld>
             <a:endParaRPr lang="de-AT"/>
           </a:p>
@@ -4807,7 +4807,7 @@
           <a:p>
             <a:fld id="{8F4B2E75-2FCB-4C97-B382-4A78F9D9179D}" type="datetimeFigureOut">
               <a:rPr lang="de-AT" smtClean="0"/>
-              <a:t>27.05.2024</a:t>
+              <a:t>29.05.2024</a:t>
             </a:fld>
             <a:endParaRPr lang="de-AT"/>
           </a:p>
@@ -5038,7 +5038,7 @@
           <a:p>
             <a:fld id="{8F4B2E75-2FCB-4C97-B382-4A78F9D9179D}" type="datetimeFigureOut">
               <a:rPr lang="de-AT" smtClean="0"/>
-              <a:t>27.05.2024</a:t>
+              <a:t>29.05.2024</a:t>
             </a:fld>
             <a:endParaRPr lang="de-AT"/>
           </a:p>
@@ -7302,12 +7302,99 @@
           </a:p>
         </p:txBody>
       </p:sp>
+      <p:sp>
+        <p:nvSpPr>
+          <p:cNvPr id="5" name="Textfeld 4">
+            <a:extLst>
+              <a:ext uri="{FF2B5EF4-FFF2-40B4-BE49-F238E27FC236}">
+                <a16:creationId xmlns:a16="http://schemas.microsoft.com/office/drawing/2014/main" id="{E19BB89B-4A74-25B1-3D40-2163C509924A}"/>
+              </a:ext>
+            </a:extLst>
+          </p:cNvPr>
+          <p:cNvSpPr txBox="1"/>
+          <p:nvPr/>
+        </p:nvSpPr>
+        <p:spPr>
+          <a:xfrm>
+            <a:off x="969264" y="2441448"/>
+            <a:ext cx="9905998" cy="1754326"/>
+          </a:xfrm>
+          <a:prstGeom prst="rect">
+            <a:avLst/>
+          </a:prstGeom>
+          <a:noFill/>
+        </p:spPr>
+        <p:txBody>
+          <a:bodyPr wrap="square" rtlCol="0">
+            <a:spAutoFit/>
+          </a:bodyPr>
+          <a:lstStyle/>
+          <a:p>
+            <a:pPr marL="285750" indent="-285750">
+              <a:buFont typeface="Arial" panose="020B0604020202020204" pitchFamily="34" charset="0"/>
+              <a:buChar char="•"/>
+            </a:pPr>
+            <a:r>
+              <a:rPr lang="de-AT" dirty="0"/>
+              <a:t>WPF-Client (C#)</a:t>
+            </a:r>
+          </a:p>
+          <a:p>
+            <a:pPr marL="285750" indent="-285750">
+              <a:buFont typeface="Arial" panose="020B0604020202020204" pitchFamily="34" charset="0"/>
+              <a:buChar char="•"/>
+            </a:pPr>
+            <a:r>
+              <a:rPr lang="de-AT" dirty="0"/>
+              <a:t>Web-Client (HTML, CSS, JS)</a:t>
+            </a:r>
+          </a:p>
+          <a:p>
+            <a:pPr marL="285750" indent="-285750">
+              <a:buFont typeface="Arial" panose="020B0604020202020204" pitchFamily="34" charset="0"/>
+              <a:buChar char="•"/>
+            </a:pPr>
+            <a:endParaRPr lang="de-AT" dirty="0"/>
+          </a:p>
+          <a:p>
+            <a:pPr marL="285750" indent="-285750">
+              <a:buFont typeface="Arial" panose="020B0604020202020204" pitchFamily="34" charset="0"/>
+              <a:buChar char="•"/>
+            </a:pPr>
+            <a:r>
+              <a:rPr lang="de-AT" dirty="0"/>
+              <a:t>Server</a:t>
+            </a:r>
+          </a:p>
+          <a:p>
+            <a:pPr marL="285750" indent="-285750">
+              <a:buFont typeface="Arial" panose="020B0604020202020204" pitchFamily="34" charset="0"/>
+              <a:buChar char="•"/>
+            </a:pPr>
+            <a:r>
+              <a:rPr lang="de-AT" dirty="0" err="1"/>
+              <a:t>Actuator</a:t>
+            </a:r>
+            <a:endParaRPr lang="de-AT" dirty="0"/>
+          </a:p>
+          <a:p>
+            <a:pPr marL="285750" indent="-285750">
+              <a:buFont typeface="Arial" panose="020B0604020202020204" pitchFamily="34" charset="0"/>
+              <a:buChar char="•"/>
+            </a:pPr>
+            <a:r>
+              <a:rPr lang="de-AT" dirty="0"/>
+              <a:t>CRUD-Operationen</a:t>
+            </a:r>
+          </a:p>
+        </p:txBody>
+      </p:sp>
       <p:pic>
         <p:nvPicPr>
-          <p:cNvPr id="4" name="Inhaltsplatzhalter 4">
+          <p:cNvPr id="6" name="Grafik 5">
             <a:extLst>
               <a:ext uri="{FF2B5EF4-FFF2-40B4-BE49-F238E27FC236}">
-                <a16:creationId xmlns:a16="http://schemas.microsoft.com/office/drawing/2014/main" id="{35F1192A-E326-6EF1-02EC-6336B2766858}"/>
+                <a16:creationId xmlns:a16="http://schemas.microsoft.com/office/drawing/2014/main" id="{08DF253C-6F10-043C-9010-13A9E9BFC532}"/>
               </a:ext>
             </a:extLst>
           </p:cNvPr>
@@ -7324,101 +7411,14 @@
         </p:blipFill>
         <p:spPr>
           <a:xfrm>
-            <a:off x="6547104" y="1462273"/>
-            <a:ext cx="4904136" cy="4022747"/>
+            <a:off x="4470491" y="1670050"/>
+            <a:ext cx="7505609" cy="3168650"/>
           </a:xfrm>
           <a:prstGeom prst="rect">
             <a:avLst/>
           </a:prstGeom>
         </p:spPr>
       </p:pic>
-      <p:sp>
-        <p:nvSpPr>
-          <p:cNvPr id="5" name="Textfeld 4">
-            <a:extLst>
-              <a:ext uri="{FF2B5EF4-FFF2-40B4-BE49-F238E27FC236}">
-                <a16:creationId xmlns:a16="http://schemas.microsoft.com/office/drawing/2014/main" id="{E19BB89B-4A74-25B1-3D40-2163C509924A}"/>
-              </a:ext>
-            </a:extLst>
-          </p:cNvPr>
-          <p:cNvSpPr txBox="1"/>
-          <p:nvPr/>
-        </p:nvSpPr>
-        <p:spPr>
-          <a:xfrm>
-            <a:off x="969264" y="2441448"/>
-            <a:ext cx="9905998" cy="1754326"/>
-          </a:xfrm>
-          <a:prstGeom prst="rect">
-            <a:avLst/>
-          </a:prstGeom>
-          <a:noFill/>
-        </p:spPr>
-        <p:txBody>
-          <a:bodyPr wrap="square" rtlCol="0">
-            <a:spAutoFit/>
-          </a:bodyPr>
-          <a:lstStyle/>
-          <a:p>
-            <a:pPr marL="285750" indent="-285750">
-              <a:buFont typeface="Arial" panose="020B0604020202020204" pitchFamily="34" charset="0"/>
-              <a:buChar char="•"/>
-            </a:pPr>
-            <a:r>
-              <a:rPr lang="de-AT" dirty="0"/>
-              <a:t>WPF-Client (C#)</a:t>
-            </a:r>
-          </a:p>
-          <a:p>
-            <a:pPr marL="285750" indent="-285750">
-              <a:buFont typeface="Arial" panose="020B0604020202020204" pitchFamily="34" charset="0"/>
-              <a:buChar char="•"/>
-            </a:pPr>
-            <a:r>
-              <a:rPr lang="de-AT" dirty="0"/>
-              <a:t>Web-Client (HTML, CSS, JS)</a:t>
-            </a:r>
-          </a:p>
-          <a:p>
-            <a:pPr marL="285750" indent="-285750">
-              <a:buFont typeface="Arial" panose="020B0604020202020204" pitchFamily="34" charset="0"/>
-              <a:buChar char="•"/>
-            </a:pPr>
-            <a:endParaRPr lang="de-AT" dirty="0"/>
-          </a:p>
-          <a:p>
-            <a:pPr marL="285750" indent="-285750">
-              <a:buFont typeface="Arial" panose="020B0604020202020204" pitchFamily="34" charset="0"/>
-              <a:buChar char="•"/>
-            </a:pPr>
-            <a:r>
-              <a:rPr lang="de-AT" dirty="0"/>
-              <a:t>Server</a:t>
-            </a:r>
-          </a:p>
-          <a:p>
-            <a:pPr marL="285750" indent="-285750">
-              <a:buFont typeface="Arial" panose="020B0604020202020204" pitchFamily="34" charset="0"/>
-              <a:buChar char="•"/>
-            </a:pPr>
-            <a:r>
-              <a:rPr lang="de-AT" dirty="0" err="1"/>
-              <a:t>Actuator</a:t>
-            </a:r>
-            <a:endParaRPr lang="de-AT" dirty="0"/>
-          </a:p>
-          <a:p>
-            <a:pPr marL="285750" indent="-285750">
-              <a:buFont typeface="Arial" panose="020B0604020202020204" pitchFamily="34" charset="0"/>
-              <a:buChar char="•"/>
-            </a:pPr>
-            <a:r>
-              <a:rPr lang="de-AT" dirty="0"/>
-              <a:t>CRUD-Operationen</a:t>
-            </a:r>
-          </a:p>
-        </p:txBody>
-      </p:sp>
     </p:spTree>
     <p:extLst>
       <p:ext uri="{BB962C8B-B14F-4D97-AF65-F5344CB8AC3E}">

--- a/Passwortmanager.pptx
+++ b/Passwortmanager.pptx
@@ -7,23 +7,24 @@
   <p:sldIdLst>
     <p:sldId id="256" r:id="rId2"/>
     <p:sldId id="270" r:id="rId3"/>
-    <p:sldId id="271" r:id="rId4"/>
-    <p:sldId id="272" r:id="rId5"/>
-    <p:sldId id="261" r:id="rId6"/>
-    <p:sldId id="273" r:id="rId7"/>
-    <p:sldId id="274" r:id="rId8"/>
-    <p:sldId id="275" r:id="rId9"/>
-    <p:sldId id="278" r:id="rId10"/>
-    <p:sldId id="276" r:id="rId11"/>
-    <p:sldId id="277" r:id="rId12"/>
-    <p:sldId id="262" r:id="rId13"/>
-    <p:sldId id="258" r:id="rId14"/>
-    <p:sldId id="259" r:id="rId15"/>
-    <p:sldId id="265" r:id="rId16"/>
-    <p:sldId id="264" r:id="rId17"/>
-    <p:sldId id="266" r:id="rId18"/>
-    <p:sldId id="263" r:id="rId19"/>
-    <p:sldId id="267" r:id="rId20"/>
+    <p:sldId id="279" r:id="rId4"/>
+    <p:sldId id="271" r:id="rId5"/>
+    <p:sldId id="272" r:id="rId6"/>
+    <p:sldId id="261" r:id="rId7"/>
+    <p:sldId id="273" r:id="rId8"/>
+    <p:sldId id="274" r:id="rId9"/>
+    <p:sldId id="275" r:id="rId10"/>
+    <p:sldId id="278" r:id="rId11"/>
+    <p:sldId id="276" r:id="rId12"/>
+    <p:sldId id="277" r:id="rId13"/>
+    <p:sldId id="262" r:id="rId14"/>
+    <p:sldId id="258" r:id="rId15"/>
+    <p:sldId id="259" r:id="rId16"/>
+    <p:sldId id="265" r:id="rId17"/>
+    <p:sldId id="264" r:id="rId18"/>
+    <p:sldId id="266" r:id="rId19"/>
+    <p:sldId id="263" r:id="rId20"/>
+    <p:sldId id="267" r:id="rId21"/>
   </p:sldIdLst>
   <p:sldSz cx="12192000" cy="6858000"/>
   <p:notesSz cx="6858000" cy="9144000"/>
@@ -5922,6 +5923,135 @@
             </a:r>
             <a:r>
               <a:rPr lang="de-DE" dirty="0"/>
+              <a:t> 4/6</a:t>
+            </a:r>
+            <a:endParaRPr lang="de-AT" dirty="0"/>
+          </a:p>
+        </p:txBody>
+      </p:sp>
+      <p:sp>
+        <p:nvSpPr>
+          <p:cNvPr id="7" name="Textfeld 6">
+            <a:extLst>
+              <a:ext uri="{FF2B5EF4-FFF2-40B4-BE49-F238E27FC236}">
+                <a16:creationId xmlns:a16="http://schemas.microsoft.com/office/drawing/2014/main" id="{C6669F7F-C99C-ADCE-230F-3D7E0F4724D4}"/>
+              </a:ext>
+            </a:extLst>
+          </p:cNvPr>
+          <p:cNvSpPr txBox="1"/>
+          <p:nvPr/>
+        </p:nvSpPr>
+        <p:spPr>
+          <a:xfrm>
+            <a:off x="1141413" y="2113935"/>
+            <a:ext cx="8956316" cy="1200329"/>
+          </a:xfrm>
+          <a:prstGeom prst="rect">
+            <a:avLst/>
+          </a:prstGeom>
+          <a:noFill/>
+        </p:spPr>
+        <p:txBody>
+          <a:bodyPr wrap="square" rtlCol="0">
+            <a:spAutoFit/>
+          </a:bodyPr>
+          <a:lstStyle/>
+          <a:p>
+            <a:r>
+              <a:rPr lang="de-DE" dirty="0"/>
+              <a:t>Dies ist der MongoDB-Treiber für synchrone Operationen. Es ermöglicht der Anwendung, mit einer MongoDB-Datenbank zu interagieren, indem es die erforderlichen Klassen und Methoden bereitstellt, um auf Daten zuzugreifen, sie zu ändern und zu verarbeiten.</a:t>
+            </a:r>
+            <a:endParaRPr lang="de-AT" dirty="0"/>
+          </a:p>
+        </p:txBody>
+      </p:sp>
+      <p:pic>
+        <p:nvPicPr>
+          <p:cNvPr id="4" name="Grafik 3">
+            <a:extLst>
+              <a:ext uri="{FF2B5EF4-FFF2-40B4-BE49-F238E27FC236}">
+                <a16:creationId xmlns:a16="http://schemas.microsoft.com/office/drawing/2014/main" id="{944A6196-3065-6A5C-8073-5DD09F37B7EE}"/>
+              </a:ext>
+            </a:extLst>
+          </p:cNvPr>
+          <p:cNvPicPr>
+            <a:picLocks noChangeAspect="1"/>
+          </p:cNvPicPr>
+          <p:nvPr/>
+        </p:nvPicPr>
+        <p:blipFill>
+          <a:blip r:embed="rId2"/>
+          <a:stretch>
+            <a:fillRect/>
+          </a:stretch>
+        </p:blipFill>
+        <p:spPr>
+          <a:xfrm>
+            <a:off x="1141413" y="4204949"/>
+            <a:ext cx="7573538" cy="2043451"/>
+          </a:xfrm>
+          <a:prstGeom prst="rect">
+            <a:avLst/>
+          </a:prstGeom>
+        </p:spPr>
+      </p:pic>
+    </p:spTree>
+    <p:extLst>
+      <p:ext uri="{BB962C8B-B14F-4D97-AF65-F5344CB8AC3E}">
+        <p14:creationId xmlns:p14="http://schemas.microsoft.com/office/powerpoint/2010/main" val="3529212542"/>
+      </p:ext>
+    </p:extLst>
+  </p:cSld>
+  <p:clrMapOvr>
+    <a:masterClrMapping/>
+  </p:clrMapOvr>
+</p:sld>
+</file>
+
+<file path=ppt/slides/slide11.xml><?xml version="1.0" encoding="utf-8"?>
+<p:sld xmlns:a="http://schemas.openxmlformats.org/drawingml/2006/main" xmlns:r="http://schemas.openxmlformats.org/officeDocument/2006/relationships" xmlns:p="http://schemas.openxmlformats.org/presentationml/2006/main">
+  <p:cSld>
+    <p:spTree>
+      <p:nvGrpSpPr>
+        <p:cNvPr id="1" name=""/>
+        <p:cNvGrpSpPr/>
+        <p:nvPr/>
+      </p:nvGrpSpPr>
+      <p:grpSpPr>
+        <a:xfrm>
+          <a:off x="0" y="0"/>
+          <a:ext cx="0" cy="0"/>
+          <a:chOff x="0" y="0"/>
+          <a:chExt cx="0" cy="0"/>
+        </a:xfrm>
+      </p:grpSpPr>
+      <p:sp>
+        <p:nvSpPr>
+          <p:cNvPr id="2" name="Titel 1">
+            <a:extLst>
+              <a:ext uri="{FF2B5EF4-FFF2-40B4-BE49-F238E27FC236}">
+                <a16:creationId xmlns:a16="http://schemas.microsoft.com/office/drawing/2014/main" id="{D10D9732-EB54-4C64-113B-6EB8E4E80FA2}"/>
+              </a:ext>
+            </a:extLst>
+          </p:cNvPr>
+          <p:cNvSpPr>
+            <a:spLocks noGrp="1"/>
+          </p:cNvSpPr>
+          <p:nvPr>
+            <p:ph type="title"/>
+          </p:nvPr>
+        </p:nvSpPr>
+        <p:spPr/>
+        <p:txBody>
+          <a:bodyPr/>
+          <a:lstStyle/>
+          <a:p>
+            <a:r>
+              <a:rPr lang="de-DE" dirty="0" err="1"/>
+              <a:t>Dependencys</a:t>
+            </a:r>
+            <a:r>
+              <a:rPr lang="de-DE" dirty="0"/>
               <a:t> 5/6</a:t>
             </a:r>
             <a:endParaRPr lang="de-AT" dirty="0"/>
@@ -6007,7 +6137,7 @@
 </p:sld>
 </file>
 
-<file path=ppt/slides/slide11.xml><?xml version="1.0" encoding="utf-8"?>
+<file path=ppt/slides/slide12.xml><?xml version="1.0" encoding="utf-8"?>
 <p:sld xmlns:a="http://schemas.openxmlformats.org/drawingml/2006/main" xmlns:r="http://schemas.openxmlformats.org/officeDocument/2006/relationships" xmlns:p="http://schemas.openxmlformats.org/presentationml/2006/main">
   <p:cSld>
     <p:spTree>
@@ -6162,176 +6292,6 @@
 </p:sld>
 </file>
 
-<file path=ppt/slides/slide12.xml><?xml version="1.0" encoding="utf-8"?>
-<p:sld xmlns:a="http://schemas.openxmlformats.org/drawingml/2006/main" xmlns:r="http://schemas.openxmlformats.org/officeDocument/2006/relationships" xmlns:p="http://schemas.openxmlformats.org/presentationml/2006/main">
-  <p:cSld>
-    <p:spTree>
-      <p:nvGrpSpPr>
-        <p:cNvPr id="1" name=""/>
-        <p:cNvGrpSpPr/>
-        <p:nvPr/>
-      </p:nvGrpSpPr>
-      <p:grpSpPr>
-        <a:xfrm>
-          <a:off x="0" y="0"/>
-          <a:ext cx="0" cy="0"/>
-          <a:chOff x="0" y="0"/>
-          <a:chExt cx="0" cy="0"/>
-        </a:xfrm>
-      </p:grpSpPr>
-      <p:sp>
-        <p:nvSpPr>
-          <p:cNvPr id="2" name="Titel 1">
-            <a:extLst>
-              <a:ext uri="{FF2B5EF4-FFF2-40B4-BE49-F238E27FC236}">
-                <a16:creationId xmlns:a16="http://schemas.microsoft.com/office/drawing/2014/main" id="{E477706B-21CC-AADA-2E0C-9E49F85358B8}"/>
-              </a:ext>
-            </a:extLst>
-          </p:cNvPr>
-          <p:cNvSpPr>
-            <a:spLocks noGrp="1"/>
-          </p:cNvSpPr>
-          <p:nvPr>
-            <p:ph type="title"/>
-          </p:nvPr>
-        </p:nvSpPr>
-        <p:spPr/>
-        <p:txBody>
-          <a:bodyPr/>
-          <a:lstStyle/>
-          <a:p>
-            <a:r>
-              <a:rPr lang="de-AT" dirty="0"/>
-              <a:t>Routen</a:t>
-            </a:r>
-          </a:p>
-        </p:txBody>
-      </p:sp>
-      <p:sp>
-        <p:nvSpPr>
-          <p:cNvPr id="4" name="Textfeld 3">
-            <a:extLst>
-              <a:ext uri="{FF2B5EF4-FFF2-40B4-BE49-F238E27FC236}">
-                <a16:creationId xmlns:a16="http://schemas.microsoft.com/office/drawing/2014/main" id="{EEDD48F8-8F88-3967-6934-ED98BD658490}"/>
-              </a:ext>
-            </a:extLst>
-          </p:cNvPr>
-          <p:cNvSpPr txBox="1"/>
-          <p:nvPr/>
-        </p:nvSpPr>
-        <p:spPr>
-          <a:xfrm>
-            <a:off x="1042218" y="2359742"/>
-            <a:ext cx="9793421" cy="2117183"/>
-          </a:xfrm>
-          <a:prstGeom prst="rect">
-            <a:avLst/>
-          </a:prstGeom>
-          <a:noFill/>
-        </p:spPr>
-        <p:txBody>
-          <a:bodyPr wrap="square" rtlCol="0">
-            <a:spAutoFit/>
-          </a:bodyPr>
-          <a:lstStyle/>
-          <a:p>
-            <a:pPr>
-              <a:lnSpc>
-                <a:spcPct val="150000"/>
-              </a:lnSpc>
-            </a:pPr>
-            <a:r>
-              <a:rPr lang="de-DE" dirty="0"/>
-              <a:t>Controller: </a:t>
-            </a:r>
-          </a:p>
-          <a:p>
-            <a:pPr marL="285750" indent="-285750">
-              <a:lnSpc>
-                <a:spcPct val="150000"/>
-              </a:lnSpc>
-              <a:buFont typeface="Arial" panose="020B0604020202020204" pitchFamily="34" charset="0"/>
-              <a:buChar char="•"/>
-            </a:pPr>
-            <a:r>
-              <a:rPr lang="de-DE" dirty="0"/>
-              <a:t>	</a:t>
-            </a:r>
-            <a:r>
-              <a:rPr lang="de-DE" dirty="0" err="1"/>
-              <a:t>UserController</a:t>
-            </a:r>
-            <a:r>
-              <a:rPr lang="de-DE" dirty="0"/>
-              <a:t> : /</a:t>
-            </a:r>
-            <a:r>
-              <a:rPr lang="de-DE" dirty="0" err="1"/>
-              <a:t>users</a:t>
-            </a:r>
-            <a:endParaRPr lang="de-DE" dirty="0"/>
-          </a:p>
-          <a:p>
-            <a:pPr marL="285750" indent="-285750">
-              <a:lnSpc>
-                <a:spcPct val="150000"/>
-              </a:lnSpc>
-              <a:buFont typeface="Arial" panose="020B0604020202020204" pitchFamily="34" charset="0"/>
-              <a:buChar char="•"/>
-            </a:pPr>
-            <a:r>
-              <a:rPr lang="de-DE" dirty="0"/>
-              <a:t>	</a:t>
-            </a:r>
-            <a:r>
-              <a:rPr lang="de-DE" dirty="0" err="1"/>
-              <a:t>EntryController</a:t>
-            </a:r>
-            <a:r>
-              <a:rPr lang="de-DE" dirty="0"/>
-              <a:t> : /</a:t>
-            </a:r>
-            <a:r>
-              <a:rPr lang="de-DE" dirty="0" err="1"/>
-              <a:t>entries</a:t>
-            </a:r>
-            <a:endParaRPr lang="de-DE" dirty="0"/>
-          </a:p>
-          <a:p>
-            <a:pPr marL="285750" indent="-285750">
-              <a:lnSpc>
-                <a:spcPct val="150000"/>
-              </a:lnSpc>
-              <a:buFont typeface="Arial" panose="020B0604020202020204" pitchFamily="34" charset="0"/>
-              <a:buChar char="•"/>
-            </a:pPr>
-            <a:endParaRPr lang="de-DE" dirty="0"/>
-          </a:p>
-          <a:p>
-            <a:pPr marL="285750" indent="-285750">
-              <a:lnSpc>
-                <a:spcPct val="150000"/>
-              </a:lnSpc>
-              <a:buFont typeface="Arial" panose="020B0604020202020204" pitchFamily="34" charset="0"/>
-              <a:buChar char="•"/>
-            </a:pPr>
-            <a:endParaRPr lang="de-AT" dirty="0"/>
-          </a:p>
-        </p:txBody>
-      </p:sp>
-    </p:spTree>
-    <p:extLst>
-      <p:ext uri="{BB962C8B-B14F-4D97-AF65-F5344CB8AC3E}">
-        <p14:creationId xmlns:p14="http://schemas.microsoft.com/office/powerpoint/2010/main" val="56377891"/>
-      </p:ext>
-    </p:extLst>
-  </p:cSld>
-  <p:clrMapOvr>
-    <a:masterClrMapping/>
-  </p:clrMapOvr>
-</p:sld>
-</file>
-
 <file path=ppt/slides/slide13.xml><?xml version="1.0" encoding="utf-8"?>
 <p:sld xmlns:a="http://schemas.openxmlformats.org/drawingml/2006/main" xmlns:r="http://schemas.openxmlformats.org/officeDocument/2006/relationships" xmlns:p="http://schemas.openxmlformats.org/presentationml/2006/main">
   <p:cSld>
@@ -6354,7 +6314,7 @@
           <p:cNvPr id="2" name="Titel 1">
             <a:extLst>
               <a:ext uri="{FF2B5EF4-FFF2-40B4-BE49-F238E27FC236}">
-                <a16:creationId xmlns:a16="http://schemas.microsoft.com/office/drawing/2014/main" id="{48FA41CD-F561-BC22-9090-A0BC74F73AE9}"/>
+                <a16:creationId xmlns:a16="http://schemas.microsoft.com/office/drawing/2014/main" id="{E477706B-21CC-AADA-2E0C-9E49F85358B8}"/>
               </a:ext>
             </a:extLst>
           </p:cNvPr>
@@ -6372,32 +6332,119 @@
           <a:p>
             <a:r>
               <a:rPr lang="de-AT" dirty="0"/>
-              <a:t>WPF-Client</a:t>
-            </a:r>
-          </a:p>
-        </p:txBody>
-      </p:sp>
-      <p:sp>
-        <p:nvSpPr>
-          <p:cNvPr id="3" name="Inhaltsplatzhalter 2">
+              <a:t>Routen</a:t>
+            </a:r>
+          </a:p>
+        </p:txBody>
+      </p:sp>
+      <p:sp>
+        <p:nvSpPr>
+          <p:cNvPr id="4" name="Textfeld 3">
             <a:extLst>
               <a:ext uri="{FF2B5EF4-FFF2-40B4-BE49-F238E27FC236}">
-                <a16:creationId xmlns:a16="http://schemas.microsoft.com/office/drawing/2014/main" id="{135A6417-96D1-BC4C-74CB-AB89513B1224}"/>
+                <a16:creationId xmlns:a16="http://schemas.microsoft.com/office/drawing/2014/main" id="{EEDD48F8-8F88-3967-6934-ED98BD658490}"/>
               </a:ext>
             </a:extLst>
           </p:cNvPr>
-          <p:cNvSpPr>
-            <a:spLocks noGrp="1"/>
-          </p:cNvSpPr>
-          <p:nvPr>
-            <p:ph idx="1"/>
-          </p:nvPr>
-        </p:nvSpPr>
-        <p:spPr/>
-        <p:txBody>
-          <a:bodyPr/>
-          <a:lstStyle/>
-          <a:p>
+          <p:cNvSpPr txBox="1"/>
+          <p:nvPr/>
+        </p:nvSpPr>
+        <p:spPr>
+          <a:xfrm>
+            <a:off x="1042218" y="2359742"/>
+            <a:ext cx="9793421" cy="2117183"/>
+          </a:xfrm>
+          <a:prstGeom prst="rect">
+            <a:avLst/>
+          </a:prstGeom>
+          <a:noFill/>
+        </p:spPr>
+        <p:txBody>
+          <a:bodyPr wrap="square" rtlCol="0">
+            <a:spAutoFit/>
+          </a:bodyPr>
+          <a:lstStyle/>
+          <a:p>
+            <a:pPr>
+              <a:lnSpc>
+                <a:spcPct val="150000"/>
+              </a:lnSpc>
+            </a:pPr>
+            <a:r>
+              <a:rPr lang="de-DE" dirty="0"/>
+              <a:t>Controller: </a:t>
+            </a:r>
+          </a:p>
+          <a:p>
+            <a:pPr marL="285750" indent="-285750">
+              <a:lnSpc>
+                <a:spcPct val="150000"/>
+              </a:lnSpc>
+              <a:buFont typeface="Arial" panose="020B0604020202020204" pitchFamily="34" charset="0"/>
+              <a:buChar char="•"/>
+            </a:pPr>
+            <a:r>
+              <a:rPr lang="de-DE" dirty="0"/>
+              <a:t>	</a:t>
+            </a:r>
+            <a:r>
+              <a:rPr lang="de-DE" dirty="0" err="1"/>
+              <a:t>UserController</a:t>
+            </a:r>
+            <a:r>
+              <a:rPr lang="de-DE" dirty="0"/>
+              <a:t> : /</a:t>
+            </a:r>
+            <a:r>
+              <a:rPr lang="de-DE" dirty="0" err="1"/>
+              <a:t>users</a:t>
+            </a:r>
+            <a:endParaRPr lang="de-DE" dirty="0"/>
+          </a:p>
+          <a:p>
+            <a:pPr marL="285750" indent="-285750">
+              <a:lnSpc>
+                <a:spcPct val="150000"/>
+              </a:lnSpc>
+              <a:buFont typeface="Arial" panose="020B0604020202020204" pitchFamily="34" charset="0"/>
+              <a:buChar char="•"/>
+            </a:pPr>
+            <a:r>
+              <a:rPr lang="de-DE" dirty="0"/>
+              <a:t>	</a:t>
+            </a:r>
+            <a:r>
+              <a:rPr lang="de-DE" dirty="0" err="1"/>
+              <a:t>EntryController</a:t>
+            </a:r>
+            <a:r>
+              <a:rPr lang="de-DE" dirty="0"/>
+              <a:t> : /</a:t>
+            </a:r>
+            <a:r>
+              <a:rPr lang="de-DE" dirty="0" err="1"/>
+              <a:t>entries</a:t>
+            </a:r>
+            <a:endParaRPr lang="de-DE" dirty="0"/>
+          </a:p>
+          <a:p>
+            <a:pPr marL="285750" indent="-285750">
+              <a:lnSpc>
+                <a:spcPct val="150000"/>
+              </a:lnSpc>
+              <a:buFont typeface="Arial" panose="020B0604020202020204" pitchFamily="34" charset="0"/>
+              <a:buChar char="•"/>
+            </a:pPr>
+            <a:endParaRPr lang="de-DE" dirty="0"/>
+          </a:p>
+          <a:p>
+            <a:pPr marL="285750" indent="-285750">
+              <a:lnSpc>
+                <a:spcPct val="150000"/>
+              </a:lnSpc>
+              <a:buFont typeface="Arial" panose="020B0604020202020204" pitchFamily="34" charset="0"/>
+              <a:buChar char="•"/>
+            </a:pPr>
             <a:endParaRPr lang="de-AT" dirty="0"/>
           </a:p>
         </p:txBody>
@@ -6405,7 +6452,7 @@
     </p:spTree>
     <p:extLst>
       <p:ext uri="{BB962C8B-B14F-4D97-AF65-F5344CB8AC3E}">
-        <p14:creationId xmlns:p14="http://schemas.microsoft.com/office/powerpoint/2010/main" val="42619750"/>
+        <p14:creationId xmlns:p14="http://schemas.microsoft.com/office/powerpoint/2010/main" val="56377891"/>
       </p:ext>
     </p:extLst>
   </p:cSld>
@@ -6437,6 +6484,89 @@
           <p:cNvPr id="2" name="Titel 1">
             <a:extLst>
               <a:ext uri="{FF2B5EF4-FFF2-40B4-BE49-F238E27FC236}">
+                <a16:creationId xmlns:a16="http://schemas.microsoft.com/office/drawing/2014/main" id="{48FA41CD-F561-BC22-9090-A0BC74F73AE9}"/>
+              </a:ext>
+            </a:extLst>
+          </p:cNvPr>
+          <p:cNvSpPr>
+            <a:spLocks noGrp="1"/>
+          </p:cNvSpPr>
+          <p:nvPr>
+            <p:ph type="title"/>
+          </p:nvPr>
+        </p:nvSpPr>
+        <p:spPr/>
+        <p:txBody>
+          <a:bodyPr/>
+          <a:lstStyle/>
+          <a:p>
+            <a:r>
+              <a:rPr lang="de-AT" dirty="0"/>
+              <a:t>WPF-Client</a:t>
+            </a:r>
+          </a:p>
+        </p:txBody>
+      </p:sp>
+      <p:sp>
+        <p:nvSpPr>
+          <p:cNvPr id="3" name="Inhaltsplatzhalter 2">
+            <a:extLst>
+              <a:ext uri="{FF2B5EF4-FFF2-40B4-BE49-F238E27FC236}">
+                <a16:creationId xmlns:a16="http://schemas.microsoft.com/office/drawing/2014/main" id="{135A6417-96D1-BC4C-74CB-AB89513B1224}"/>
+              </a:ext>
+            </a:extLst>
+          </p:cNvPr>
+          <p:cNvSpPr>
+            <a:spLocks noGrp="1"/>
+          </p:cNvSpPr>
+          <p:nvPr>
+            <p:ph idx="1"/>
+          </p:nvPr>
+        </p:nvSpPr>
+        <p:spPr/>
+        <p:txBody>
+          <a:bodyPr/>
+          <a:lstStyle/>
+          <a:p>
+            <a:endParaRPr lang="de-AT" dirty="0"/>
+          </a:p>
+        </p:txBody>
+      </p:sp>
+    </p:spTree>
+    <p:extLst>
+      <p:ext uri="{BB962C8B-B14F-4D97-AF65-F5344CB8AC3E}">
+        <p14:creationId xmlns:p14="http://schemas.microsoft.com/office/powerpoint/2010/main" val="42619750"/>
+      </p:ext>
+    </p:extLst>
+  </p:cSld>
+  <p:clrMapOvr>
+    <a:masterClrMapping/>
+  </p:clrMapOvr>
+</p:sld>
+</file>
+
+<file path=ppt/slides/slide15.xml><?xml version="1.0" encoding="utf-8"?>
+<p:sld xmlns:a="http://schemas.openxmlformats.org/drawingml/2006/main" xmlns:r="http://schemas.openxmlformats.org/officeDocument/2006/relationships" xmlns:p="http://schemas.openxmlformats.org/presentationml/2006/main">
+  <p:cSld>
+    <p:spTree>
+      <p:nvGrpSpPr>
+        <p:cNvPr id="1" name=""/>
+        <p:cNvGrpSpPr/>
+        <p:nvPr/>
+      </p:nvGrpSpPr>
+      <p:grpSpPr>
+        <a:xfrm>
+          <a:off x="0" y="0"/>
+          <a:ext cx="0" cy="0"/>
+          <a:chOff x="0" y="0"/>
+          <a:chExt cx="0" cy="0"/>
+        </a:xfrm>
+      </p:grpSpPr>
+      <p:sp>
+        <p:nvSpPr>
+          <p:cNvPr id="2" name="Titel 1">
+            <a:extLst>
+              <a:ext uri="{FF2B5EF4-FFF2-40B4-BE49-F238E27FC236}">
                 <a16:creationId xmlns:a16="http://schemas.microsoft.com/office/drawing/2014/main" id="{98B467B9-D10F-4128-9C92-951C333C6CF9}"/>
               </a:ext>
             </a:extLst>
@@ -6498,7 +6628,7 @@
 </p:sld>
 </file>
 
-<file path=ppt/slides/slide15.xml><?xml version="1.0" encoding="utf-8"?>
+<file path=ppt/slides/slide16.xml><?xml version="1.0" encoding="utf-8"?>
 <p:sld xmlns:a="http://schemas.openxmlformats.org/drawingml/2006/main" xmlns:r="http://schemas.openxmlformats.org/officeDocument/2006/relationships" xmlns:p="http://schemas.openxmlformats.org/presentationml/2006/main">
   <p:cSld>
     <p:spTree>
@@ -6630,7 +6760,7 @@
 </p:sld>
 </file>
 
-<file path=ppt/slides/slide16.xml><?xml version="1.0" encoding="utf-8"?>
+<file path=ppt/slides/slide17.xml><?xml version="1.0" encoding="utf-8"?>
 <p:sld xmlns:a="http://schemas.openxmlformats.org/drawingml/2006/main" xmlns:r="http://schemas.openxmlformats.org/officeDocument/2006/relationships" xmlns:p="http://schemas.openxmlformats.org/presentationml/2006/main">
   <p:cSld>
     <p:bg>
@@ -7003,94 +7133,6 @@
 </p:sld>
 </file>
 
-<file path=ppt/slides/slide17.xml><?xml version="1.0" encoding="utf-8"?>
-<p:sld xmlns:a="http://schemas.openxmlformats.org/drawingml/2006/main" xmlns:r="http://schemas.openxmlformats.org/officeDocument/2006/relationships" xmlns:p="http://schemas.openxmlformats.org/presentationml/2006/main">
-  <p:cSld>
-    <p:spTree>
-      <p:nvGrpSpPr>
-        <p:cNvPr id="1" name=""/>
-        <p:cNvGrpSpPr/>
-        <p:nvPr/>
-      </p:nvGrpSpPr>
-      <p:grpSpPr>
-        <a:xfrm>
-          <a:off x="0" y="0"/>
-          <a:ext cx="0" cy="0"/>
-          <a:chOff x="0" y="0"/>
-          <a:chExt cx="0" cy="0"/>
-        </a:xfrm>
-      </p:grpSpPr>
-      <p:sp>
-        <p:nvSpPr>
-          <p:cNvPr id="2" name="Titel 1">
-            <a:extLst>
-              <a:ext uri="{FF2B5EF4-FFF2-40B4-BE49-F238E27FC236}">
-                <a16:creationId xmlns:a16="http://schemas.microsoft.com/office/drawing/2014/main" id="{62D9FC1B-B2C2-D8B8-89F7-82F907724F07}"/>
-              </a:ext>
-            </a:extLst>
-          </p:cNvPr>
-          <p:cNvSpPr>
-            <a:spLocks noGrp="1"/>
-          </p:cNvSpPr>
-          <p:nvPr>
-            <p:ph type="title"/>
-          </p:nvPr>
-        </p:nvSpPr>
-        <p:spPr/>
-        <p:txBody>
-          <a:bodyPr/>
-          <a:lstStyle/>
-          <a:p>
-            <a:r>
-              <a:rPr lang="de-AT" dirty="0"/>
-              <a:t>Verschlüsselung - </a:t>
-            </a:r>
-            <a:r>
-              <a:rPr lang="de-AT" dirty="0" err="1"/>
-              <a:t>Hashing</a:t>
-            </a:r>
-            <a:endParaRPr lang="de-AT" dirty="0"/>
-          </a:p>
-        </p:txBody>
-      </p:sp>
-      <p:sp>
-        <p:nvSpPr>
-          <p:cNvPr id="3" name="Inhaltsplatzhalter 2">
-            <a:extLst>
-              <a:ext uri="{FF2B5EF4-FFF2-40B4-BE49-F238E27FC236}">
-                <a16:creationId xmlns:a16="http://schemas.microsoft.com/office/drawing/2014/main" id="{BECF7814-C123-E368-817C-A9914275325B}"/>
-              </a:ext>
-            </a:extLst>
-          </p:cNvPr>
-          <p:cNvSpPr>
-            <a:spLocks noGrp="1"/>
-          </p:cNvSpPr>
-          <p:nvPr>
-            <p:ph idx="1"/>
-          </p:nvPr>
-        </p:nvSpPr>
-        <p:spPr/>
-        <p:txBody>
-          <a:bodyPr/>
-          <a:lstStyle/>
-          <a:p>
-            <a:endParaRPr lang="de-AT" dirty="0"/>
-          </a:p>
-        </p:txBody>
-      </p:sp>
-    </p:spTree>
-    <p:extLst>
-      <p:ext uri="{BB962C8B-B14F-4D97-AF65-F5344CB8AC3E}">
-        <p14:creationId xmlns:p14="http://schemas.microsoft.com/office/powerpoint/2010/main" val="407303552"/>
-      </p:ext>
-    </p:extLst>
-  </p:cSld>
-  <p:clrMapOvr>
-    <a:masterClrMapping/>
-  </p:clrMapOvr>
-</p:sld>
-</file>
-
 <file path=ppt/slides/slide18.xml><?xml version="1.0" encoding="utf-8"?>
 <p:sld xmlns:a="http://schemas.openxmlformats.org/drawingml/2006/main" xmlns:r="http://schemas.openxmlformats.org/officeDocument/2006/relationships" xmlns:p="http://schemas.openxmlformats.org/presentationml/2006/main">
   <p:cSld>
@@ -7113,7 +7155,7 @@
           <p:cNvPr id="2" name="Titel 1">
             <a:extLst>
               <a:ext uri="{FF2B5EF4-FFF2-40B4-BE49-F238E27FC236}">
-                <a16:creationId xmlns:a16="http://schemas.microsoft.com/office/drawing/2014/main" id="{24CBB4C2-B139-21C4-91CA-A3A7DFE4B4B3}"/>
+                <a16:creationId xmlns:a16="http://schemas.microsoft.com/office/drawing/2014/main" id="{62D9FC1B-B2C2-D8B8-89F7-82F907724F07}"/>
               </a:ext>
             </a:extLst>
           </p:cNvPr>
@@ -7131,8 +7173,13 @@
           <a:p>
             <a:r>
               <a:rPr lang="de-AT" dirty="0"/>
-              <a:t>Ausblick</a:t>
-            </a:r>
+              <a:t>Verschlüsselung - </a:t>
+            </a:r>
+            <a:r>
+              <a:rPr lang="de-AT" dirty="0" err="1"/>
+              <a:t>Hashing</a:t>
+            </a:r>
+            <a:endParaRPr lang="de-AT" dirty="0"/>
           </a:p>
         </p:txBody>
       </p:sp>
@@ -7141,7 +7188,7 @@
           <p:cNvPr id="3" name="Inhaltsplatzhalter 2">
             <a:extLst>
               <a:ext uri="{FF2B5EF4-FFF2-40B4-BE49-F238E27FC236}">
-                <a16:creationId xmlns:a16="http://schemas.microsoft.com/office/drawing/2014/main" id="{3E5D49D8-A71A-79B3-1C5F-F277A4D24CB3}"/>
+                <a16:creationId xmlns:a16="http://schemas.microsoft.com/office/drawing/2014/main" id="{BECF7814-C123-E368-817C-A9914275325B}"/>
               </a:ext>
             </a:extLst>
           </p:cNvPr>
@@ -7157,14 +7204,14 @@
           <a:bodyPr/>
           <a:lstStyle/>
           <a:p>
-            <a:endParaRPr lang="de-AT"/>
+            <a:endParaRPr lang="de-AT" dirty="0"/>
           </a:p>
         </p:txBody>
       </p:sp>
     </p:spTree>
     <p:extLst>
       <p:ext uri="{BB962C8B-B14F-4D97-AF65-F5344CB8AC3E}">
-        <p14:creationId xmlns:p14="http://schemas.microsoft.com/office/powerpoint/2010/main" val="4250711539"/>
+        <p14:creationId xmlns:p14="http://schemas.microsoft.com/office/powerpoint/2010/main" val="407303552"/>
       </p:ext>
     </p:extLst>
   </p:cSld>
@@ -7196,7 +7243,7 @@
           <p:cNvPr id="2" name="Titel 1">
             <a:extLst>
               <a:ext uri="{FF2B5EF4-FFF2-40B4-BE49-F238E27FC236}">
-                <a16:creationId xmlns:a16="http://schemas.microsoft.com/office/drawing/2014/main" id="{133259E2-99CB-08BA-EF03-A17CFAADC2EF}"/>
+                <a16:creationId xmlns:a16="http://schemas.microsoft.com/office/drawing/2014/main" id="{24CBB4C2-B139-21C4-91CA-A3A7DFE4B4B3}"/>
               </a:ext>
             </a:extLst>
           </p:cNvPr>
@@ -7214,40 +7261,78 @@
           <a:p>
             <a:r>
               <a:rPr lang="de-AT" dirty="0"/>
-              <a:t>Probleme und Lösungen</a:t>
-            </a:r>
-          </a:p>
-        </p:txBody>
-      </p:sp>
-      <p:sp>
-        <p:nvSpPr>
-          <p:cNvPr id="3" name="Inhaltsplatzhalter 2">
+              <a:t>Ausblick</a:t>
+            </a:r>
+          </a:p>
+        </p:txBody>
+      </p:sp>
+      <p:sp>
+        <p:nvSpPr>
+          <p:cNvPr id="4" name="Textfeld 3">
             <a:extLst>
               <a:ext uri="{FF2B5EF4-FFF2-40B4-BE49-F238E27FC236}">
-                <a16:creationId xmlns:a16="http://schemas.microsoft.com/office/drawing/2014/main" id="{CF31FCBB-39E8-798B-4DF7-C799936D769D}"/>
+                <a16:creationId xmlns:a16="http://schemas.microsoft.com/office/drawing/2014/main" id="{7269925F-94E8-906E-3AB4-77DA832797E3}"/>
               </a:ext>
             </a:extLst>
           </p:cNvPr>
-          <p:cNvSpPr>
-            <a:spLocks noGrp="1"/>
-          </p:cNvSpPr>
-          <p:nvPr>
-            <p:ph idx="1"/>
-          </p:nvPr>
-        </p:nvSpPr>
-        <p:spPr/>
-        <p:txBody>
-          <a:bodyPr/>
-          <a:lstStyle/>
-          <a:p>
-            <a:endParaRPr lang="de-AT"/>
+          <p:cNvSpPr txBox="1"/>
+          <p:nvPr/>
+        </p:nvSpPr>
+        <p:spPr>
+          <a:xfrm>
+            <a:off x="1174210" y="2167128"/>
+            <a:ext cx="9840403" cy="1286186"/>
+          </a:xfrm>
+          <a:prstGeom prst="rect">
+            <a:avLst/>
+          </a:prstGeom>
+          <a:noFill/>
+        </p:spPr>
+        <p:txBody>
+          <a:bodyPr wrap="square" rtlCol="0">
+            <a:spAutoFit/>
+          </a:bodyPr>
+          <a:lstStyle/>
+          <a:p>
+            <a:pPr>
+              <a:lnSpc>
+                <a:spcPct val="150000"/>
+              </a:lnSpc>
+            </a:pPr>
+            <a:r>
+              <a:rPr lang="de-AT" dirty="0"/>
+              <a:t>Verschlüsselung</a:t>
+            </a:r>
+          </a:p>
+          <a:p>
+            <a:pPr>
+              <a:lnSpc>
+                <a:spcPct val="150000"/>
+              </a:lnSpc>
+            </a:pPr>
+            <a:r>
+              <a:rPr lang="de-AT" dirty="0"/>
+              <a:t>Passwortrichtlinien</a:t>
+            </a:r>
+          </a:p>
+          <a:p>
+            <a:pPr>
+              <a:lnSpc>
+                <a:spcPct val="150000"/>
+              </a:lnSpc>
+            </a:pPr>
+            <a:r>
+              <a:rPr lang="de-AT" dirty="0" err="1"/>
+              <a:t>Autofill</a:t>
+            </a:r>
+            <a:endParaRPr lang="de-AT" dirty="0"/>
           </a:p>
         </p:txBody>
       </p:sp>
     </p:spTree>
     <p:extLst>
       <p:ext uri="{BB962C8B-B14F-4D97-AF65-F5344CB8AC3E}">
-        <p14:creationId xmlns:p14="http://schemas.microsoft.com/office/powerpoint/2010/main" val="153600155"/>
+        <p14:creationId xmlns:p14="http://schemas.microsoft.com/office/powerpoint/2010/main" val="4250711539"/>
       </p:ext>
     </p:extLst>
   </p:cSld>
@@ -7389,40 +7474,93 @@
           </a:p>
         </p:txBody>
       </p:sp>
-      <p:pic>
-        <p:nvPicPr>
-          <p:cNvPr id="6" name="Grafik 5">
-            <a:extLst>
-              <a:ext uri="{FF2B5EF4-FFF2-40B4-BE49-F238E27FC236}">
-                <a16:creationId xmlns:a16="http://schemas.microsoft.com/office/drawing/2014/main" id="{08DF253C-6F10-043C-9010-13A9E9BFC532}"/>
-              </a:ext>
-            </a:extLst>
-          </p:cNvPr>
-          <p:cNvPicPr>
-            <a:picLocks noChangeAspect="1"/>
-          </p:cNvPicPr>
-          <p:nvPr/>
-        </p:nvPicPr>
-        <p:blipFill>
-          <a:blip r:embed="rId2"/>
-          <a:stretch>
-            <a:fillRect/>
-          </a:stretch>
-        </p:blipFill>
-        <p:spPr>
-          <a:xfrm>
-            <a:off x="4470491" y="1670050"/>
-            <a:ext cx="7505609" cy="3168650"/>
-          </a:xfrm>
-          <a:prstGeom prst="rect">
-            <a:avLst/>
-          </a:prstGeom>
-        </p:spPr>
-      </p:pic>
     </p:spTree>
     <p:extLst>
       <p:ext uri="{BB962C8B-B14F-4D97-AF65-F5344CB8AC3E}">
         <p14:creationId xmlns:p14="http://schemas.microsoft.com/office/powerpoint/2010/main" val="1144645094"/>
+      </p:ext>
+    </p:extLst>
+  </p:cSld>
+  <p:clrMapOvr>
+    <a:masterClrMapping/>
+  </p:clrMapOvr>
+</p:sld>
+</file>
+
+<file path=ppt/slides/slide20.xml><?xml version="1.0" encoding="utf-8"?>
+<p:sld xmlns:a="http://schemas.openxmlformats.org/drawingml/2006/main" xmlns:r="http://schemas.openxmlformats.org/officeDocument/2006/relationships" xmlns:p="http://schemas.openxmlformats.org/presentationml/2006/main">
+  <p:cSld>
+    <p:spTree>
+      <p:nvGrpSpPr>
+        <p:cNvPr id="1" name=""/>
+        <p:cNvGrpSpPr/>
+        <p:nvPr/>
+      </p:nvGrpSpPr>
+      <p:grpSpPr>
+        <a:xfrm>
+          <a:off x="0" y="0"/>
+          <a:ext cx="0" cy="0"/>
+          <a:chOff x="0" y="0"/>
+          <a:chExt cx="0" cy="0"/>
+        </a:xfrm>
+      </p:grpSpPr>
+      <p:sp>
+        <p:nvSpPr>
+          <p:cNvPr id="2" name="Titel 1">
+            <a:extLst>
+              <a:ext uri="{FF2B5EF4-FFF2-40B4-BE49-F238E27FC236}">
+                <a16:creationId xmlns:a16="http://schemas.microsoft.com/office/drawing/2014/main" id="{133259E2-99CB-08BA-EF03-A17CFAADC2EF}"/>
+              </a:ext>
+            </a:extLst>
+          </p:cNvPr>
+          <p:cNvSpPr>
+            <a:spLocks noGrp="1"/>
+          </p:cNvSpPr>
+          <p:nvPr>
+            <p:ph type="title"/>
+          </p:nvPr>
+        </p:nvSpPr>
+        <p:spPr/>
+        <p:txBody>
+          <a:bodyPr/>
+          <a:lstStyle/>
+          <a:p>
+            <a:r>
+              <a:rPr lang="de-AT" dirty="0"/>
+              <a:t>Probleme und Lösungen</a:t>
+            </a:r>
+          </a:p>
+        </p:txBody>
+      </p:sp>
+      <p:sp>
+        <p:nvSpPr>
+          <p:cNvPr id="3" name="Inhaltsplatzhalter 2">
+            <a:extLst>
+              <a:ext uri="{FF2B5EF4-FFF2-40B4-BE49-F238E27FC236}">
+                <a16:creationId xmlns:a16="http://schemas.microsoft.com/office/drawing/2014/main" id="{CF31FCBB-39E8-798B-4DF7-C799936D769D}"/>
+              </a:ext>
+            </a:extLst>
+          </p:cNvPr>
+          <p:cNvSpPr>
+            <a:spLocks noGrp="1"/>
+          </p:cNvSpPr>
+          <p:nvPr>
+            <p:ph idx="1"/>
+          </p:nvPr>
+        </p:nvSpPr>
+        <p:spPr/>
+        <p:txBody>
+          <a:bodyPr/>
+          <a:lstStyle/>
+          <a:p>
+            <a:endParaRPr lang="de-AT"/>
+          </a:p>
+        </p:txBody>
+      </p:sp>
+    </p:spTree>
+    <p:extLst>
+      <p:ext uri="{BB962C8B-B14F-4D97-AF65-F5344CB8AC3E}">
+        <p14:creationId xmlns:p14="http://schemas.microsoft.com/office/powerpoint/2010/main" val="153600155"/>
       </p:ext>
     </p:extLst>
   </p:cSld>
@@ -7454,7 +7592,7 @@
           <p:cNvPr id="2" name="Titel 1">
             <a:extLst>
               <a:ext uri="{FF2B5EF4-FFF2-40B4-BE49-F238E27FC236}">
-                <a16:creationId xmlns:a16="http://schemas.microsoft.com/office/drawing/2014/main" id="{4CD8897F-7D45-42F3-2FFB-D5E033F0D73D}"/>
+                <a16:creationId xmlns:a16="http://schemas.microsoft.com/office/drawing/2014/main" id="{996D66E4-8B8B-D1C6-A508-43D33F0C3F7C}"/>
               </a:ext>
             </a:extLst>
           </p:cNvPr>
@@ -7465,100 +7603,60 @@
             <p:ph type="title"/>
           </p:nvPr>
         </p:nvSpPr>
-        <p:spPr/>
+        <p:spPr>
+          <a:xfrm>
+            <a:off x="1143001" y="0"/>
+            <a:ext cx="9905998" cy="1905000"/>
+          </a:xfrm>
+        </p:spPr>
         <p:txBody>
           <a:bodyPr/>
           <a:lstStyle/>
           <a:p>
+            <a:pPr algn="ctr"/>
             <a:r>
               <a:rPr lang="de-AT" dirty="0"/>
-              <a:t>Projektauftrag - Ziele</a:t>
-            </a:r>
-          </a:p>
-        </p:txBody>
-      </p:sp>
-      <p:sp>
-        <p:nvSpPr>
-          <p:cNvPr id="7" name="Textfeld 6">
+              <a:t>Softwarestruktur</a:t>
+            </a:r>
+          </a:p>
+        </p:txBody>
+      </p:sp>
+      <p:pic>
+        <p:nvPicPr>
+          <p:cNvPr id="6" name="Inhaltsplatzhalter 5">
             <a:extLst>
               <a:ext uri="{FF2B5EF4-FFF2-40B4-BE49-F238E27FC236}">
-                <a16:creationId xmlns:a16="http://schemas.microsoft.com/office/drawing/2014/main" id="{7B7B4AAE-B08E-F454-4121-B959610EB589}"/>
+                <a16:creationId xmlns:a16="http://schemas.microsoft.com/office/drawing/2014/main" id="{08DF253C-6F10-043C-9010-13A9E9BFC532}"/>
               </a:ext>
             </a:extLst>
           </p:cNvPr>
-          <p:cNvSpPr txBox="1"/>
-          <p:nvPr/>
-        </p:nvSpPr>
+          <p:cNvPicPr>
+            <a:picLocks noGrp="1" noChangeAspect="1"/>
+          </p:cNvPicPr>
+          <p:nvPr>
+            <p:ph idx="1"/>
+          </p:nvPr>
+        </p:nvPicPr>
+        <p:blipFill>
+          <a:blip r:embed="rId2"/>
+          <a:stretch>
+            <a:fillRect/>
+          </a:stretch>
+        </p:blipFill>
         <p:spPr>
           <a:xfrm>
-            <a:off x="1141413" y="2587752"/>
-            <a:ext cx="9145587" cy="2169825"/>
+            <a:off x="254093" y="1268962"/>
+            <a:ext cx="11135473" cy="4701073"/>
           </a:xfrm>
           <a:prstGeom prst="rect">
             <a:avLst/>
           </a:prstGeom>
-          <a:noFill/>
         </p:spPr>
-        <p:txBody>
-          <a:bodyPr wrap="square" rtlCol="0">
-            <a:spAutoFit/>
-          </a:bodyPr>
-          <a:lstStyle/>
-          <a:p>
-            <a:r>
-              <a:rPr lang="de-AT" dirty="0"/>
-              <a:t>Verschlüsselte persistente Speicherung</a:t>
-            </a:r>
-          </a:p>
-          <a:p>
-            <a:pPr>
-              <a:lnSpc>
-                <a:spcPct val="150000"/>
-              </a:lnSpc>
-            </a:pPr>
-            <a:r>
-              <a:rPr lang="de-AT" dirty="0"/>
-              <a:t>Integrierter Passwortgenerator</a:t>
-            </a:r>
-          </a:p>
-          <a:p>
-            <a:pPr>
-              <a:lnSpc>
-                <a:spcPct val="150000"/>
-              </a:lnSpc>
-            </a:pPr>
-            <a:r>
-              <a:rPr lang="de-AT" dirty="0" err="1"/>
-              <a:t>Masterkey</a:t>
-            </a:r>
-            <a:r>
-              <a:rPr lang="de-AT" dirty="0"/>
-              <a:t> muss bestimmte Anforderungen erfüllen</a:t>
-            </a:r>
-          </a:p>
-          <a:p>
-            <a:pPr>
-              <a:lnSpc>
-                <a:spcPct val="150000"/>
-              </a:lnSpc>
-            </a:pPr>
-            <a:r>
-              <a:rPr lang="de-AT" dirty="0"/>
-              <a:t>Import &amp; Export der Einträge</a:t>
-            </a:r>
-          </a:p>
-          <a:p>
-            <a:endParaRPr lang="de-AT" dirty="0"/>
-          </a:p>
-          <a:p>
-            <a:endParaRPr lang="de-AT" dirty="0"/>
-          </a:p>
-        </p:txBody>
-      </p:sp>
+      </p:pic>
     </p:spTree>
     <p:extLst>
       <p:ext uri="{BB962C8B-B14F-4D97-AF65-F5344CB8AC3E}">
-        <p14:creationId xmlns:p14="http://schemas.microsoft.com/office/powerpoint/2010/main" val="137143348"/>
+        <p14:creationId xmlns:p14="http://schemas.microsoft.com/office/powerpoint/2010/main" val="3243463369"/>
       </p:ext>
     </p:extLst>
   </p:cSld>
@@ -7590,6 +7688,142 @@
           <p:cNvPr id="2" name="Titel 1">
             <a:extLst>
               <a:ext uri="{FF2B5EF4-FFF2-40B4-BE49-F238E27FC236}">
+                <a16:creationId xmlns:a16="http://schemas.microsoft.com/office/drawing/2014/main" id="{4CD8897F-7D45-42F3-2FFB-D5E033F0D73D}"/>
+              </a:ext>
+            </a:extLst>
+          </p:cNvPr>
+          <p:cNvSpPr>
+            <a:spLocks noGrp="1"/>
+          </p:cNvSpPr>
+          <p:nvPr>
+            <p:ph type="title"/>
+          </p:nvPr>
+        </p:nvSpPr>
+        <p:spPr/>
+        <p:txBody>
+          <a:bodyPr/>
+          <a:lstStyle/>
+          <a:p>
+            <a:r>
+              <a:rPr lang="de-AT" dirty="0"/>
+              <a:t>Projektauftrag - Ziele</a:t>
+            </a:r>
+          </a:p>
+        </p:txBody>
+      </p:sp>
+      <p:sp>
+        <p:nvSpPr>
+          <p:cNvPr id="7" name="Textfeld 6">
+            <a:extLst>
+              <a:ext uri="{FF2B5EF4-FFF2-40B4-BE49-F238E27FC236}">
+                <a16:creationId xmlns:a16="http://schemas.microsoft.com/office/drawing/2014/main" id="{7B7B4AAE-B08E-F454-4121-B959610EB589}"/>
+              </a:ext>
+            </a:extLst>
+          </p:cNvPr>
+          <p:cNvSpPr txBox="1"/>
+          <p:nvPr/>
+        </p:nvSpPr>
+        <p:spPr>
+          <a:xfrm>
+            <a:off x="1141413" y="2587752"/>
+            <a:ext cx="9145587" cy="2169825"/>
+          </a:xfrm>
+          <a:prstGeom prst="rect">
+            <a:avLst/>
+          </a:prstGeom>
+          <a:noFill/>
+        </p:spPr>
+        <p:txBody>
+          <a:bodyPr wrap="square" rtlCol="0">
+            <a:spAutoFit/>
+          </a:bodyPr>
+          <a:lstStyle/>
+          <a:p>
+            <a:r>
+              <a:rPr lang="de-AT" dirty="0"/>
+              <a:t>Verschlüsselte persistente Speicherung</a:t>
+            </a:r>
+          </a:p>
+          <a:p>
+            <a:pPr>
+              <a:lnSpc>
+                <a:spcPct val="150000"/>
+              </a:lnSpc>
+            </a:pPr>
+            <a:r>
+              <a:rPr lang="de-AT" dirty="0"/>
+              <a:t>Integrierter Passwortgenerator</a:t>
+            </a:r>
+          </a:p>
+          <a:p>
+            <a:pPr>
+              <a:lnSpc>
+                <a:spcPct val="150000"/>
+              </a:lnSpc>
+            </a:pPr>
+            <a:r>
+              <a:rPr lang="de-AT" dirty="0" err="1"/>
+              <a:t>Masterkey</a:t>
+            </a:r>
+            <a:r>
+              <a:rPr lang="de-AT" dirty="0"/>
+              <a:t> muss bestimmte Anforderungen erfüllen</a:t>
+            </a:r>
+          </a:p>
+          <a:p>
+            <a:pPr>
+              <a:lnSpc>
+                <a:spcPct val="150000"/>
+              </a:lnSpc>
+            </a:pPr>
+            <a:r>
+              <a:rPr lang="de-AT" dirty="0"/>
+              <a:t>Import &amp; Export der Einträge</a:t>
+            </a:r>
+          </a:p>
+          <a:p>
+            <a:endParaRPr lang="de-AT" dirty="0"/>
+          </a:p>
+          <a:p>
+            <a:endParaRPr lang="de-AT" dirty="0"/>
+          </a:p>
+        </p:txBody>
+      </p:sp>
+    </p:spTree>
+    <p:extLst>
+      <p:ext uri="{BB962C8B-B14F-4D97-AF65-F5344CB8AC3E}">
+        <p14:creationId xmlns:p14="http://schemas.microsoft.com/office/powerpoint/2010/main" val="137143348"/>
+      </p:ext>
+    </p:extLst>
+  </p:cSld>
+  <p:clrMapOvr>
+    <a:masterClrMapping/>
+  </p:clrMapOvr>
+</p:sld>
+</file>
+
+<file path=ppt/slides/slide5.xml><?xml version="1.0" encoding="utf-8"?>
+<p:sld xmlns:a="http://schemas.openxmlformats.org/drawingml/2006/main" xmlns:r="http://schemas.openxmlformats.org/officeDocument/2006/relationships" xmlns:p="http://schemas.openxmlformats.org/presentationml/2006/main">
+  <p:cSld>
+    <p:spTree>
+      <p:nvGrpSpPr>
+        <p:cNvPr id="1" name=""/>
+        <p:cNvGrpSpPr/>
+        <p:nvPr/>
+      </p:nvGrpSpPr>
+      <p:grpSpPr>
+        <a:xfrm>
+          <a:off x="0" y="0"/>
+          <a:ext cx="0" cy="0"/>
+          <a:chOff x="0" y="0"/>
+          <a:chExt cx="0" cy="0"/>
+        </a:xfrm>
+      </p:grpSpPr>
+      <p:sp>
+        <p:nvSpPr>
+          <p:cNvPr id="2" name="Titel 1">
+            <a:extLst>
+              <a:ext uri="{FF2B5EF4-FFF2-40B4-BE49-F238E27FC236}">
                 <a16:creationId xmlns:a16="http://schemas.microsoft.com/office/drawing/2014/main" id="{EA82D4BD-172D-12F8-34AC-E6846FE1F849}"/>
               </a:ext>
             </a:extLst>
@@ -7722,7 +7956,7 @@
 </p:sld>
 </file>
 
-<file path=ppt/slides/slide5.xml><?xml version="1.0" encoding="utf-8"?>
+<file path=ppt/slides/slide6.xml><?xml version="1.0" encoding="utf-8"?>
 <p:sld xmlns:a="http://schemas.openxmlformats.org/drawingml/2006/main" xmlns:r="http://schemas.openxmlformats.org/officeDocument/2006/relationships" xmlns:p="http://schemas.openxmlformats.org/presentationml/2006/main">
   <p:cSld>
     <p:spTree>
@@ -7855,7 +8089,7 @@
 </p:sld>
 </file>
 
-<file path=ppt/slides/slide6.xml><?xml version="1.0" encoding="utf-8"?>
+<file path=ppt/slides/slide7.xml><?xml version="1.0" encoding="utf-8"?>
 <p:sld xmlns:a="http://schemas.openxmlformats.org/drawingml/2006/main" xmlns:r="http://schemas.openxmlformats.org/officeDocument/2006/relationships" xmlns:p="http://schemas.openxmlformats.org/presentationml/2006/main">
   <p:cSld>
     <p:spTree>
@@ -7991,7 +8225,7 @@
 </p:sld>
 </file>
 
-<file path=ppt/slides/slide7.xml><?xml version="1.0" encoding="utf-8"?>
+<file path=ppt/slides/slide8.xml><?xml version="1.0" encoding="utf-8"?>
 <p:sld xmlns:a="http://schemas.openxmlformats.org/drawingml/2006/main" xmlns:r="http://schemas.openxmlformats.org/officeDocument/2006/relationships" xmlns:p="http://schemas.openxmlformats.org/presentationml/2006/main">
   <p:cSld>
     <p:spTree>
@@ -8119,7 +8353,7 @@
 </p:sld>
 </file>
 
-<file path=ppt/slides/slide8.xml><?xml version="1.0" encoding="utf-8"?>
+<file path=ppt/slides/slide9.xml><?xml version="1.0" encoding="utf-8"?>
 <p:sld xmlns:a="http://schemas.openxmlformats.org/drawingml/2006/main" xmlns:r="http://schemas.openxmlformats.org/officeDocument/2006/relationships" xmlns:p="http://schemas.openxmlformats.org/presentationml/2006/main">
   <p:cSld>
     <p:spTree>
@@ -8244,135 +8478,6 @@
     <p:extLst>
       <p:ext uri="{BB962C8B-B14F-4D97-AF65-F5344CB8AC3E}">
         <p14:creationId xmlns:p14="http://schemas.microsoft.com/office/powerpoint/2010/main" val="1521692145"/>
-      </p:ext>
-    </p:extLst>
-  </p:cSld>
-  <p:clrMapOvr>
-    <a:masterClrMapping/>
-  </p:clrMapOvr>
-</p:sld>
-</file>
-
-<file path=ppt/slides/slide9.xml><?xml version="1.0" encoding="utf-8"?>
-<p:sld xmlns:a="http://schemas.openxmlformats.org/drawingml/2006/main" xmlns:r="http://schemas.openxmlformats.org/officeDocument/2006/relationships" xmlns:p="http://schemas.openxmlformats.org/presentationml/2006/main">
-  <p:cSld>
-    <p:spTree>
-      <p:nvGrpSpPr>
-        <p:cNvPr id="1" name=""/>
-        <p:cNvGrpSpPr/>
-        <p:nvPr/>
-      </p:nvGrpSpPr>
-      <p:grpSpPr>
-        <a:xfrm>
-          <a:off x="0" y="0"/>
-          <a:ext cx="0" cy="0"/>
-          <a:chOff x="0" y="0"/>
-          <a:chExt cx="0" cy="0"/>
-        </a:xfrm>
-      </p:grpSpPr>
-      <p:sp>
-        <p:nvSpPr>
-          <p:cNvPr id="2" name="Titel 1">
-            <a:extLst>
-              <a:ext uri="{FF2B5EF4-FFF2-40B4-BE49-F238E27FC236}">
-                <a16:creationId xmlns:a16="http://schemas.microsoft.com/office/drawing/2014/main" id="{D10D9732-EB54-4C64-113B-6EB8E4E80FA2}"/>
-              </a:ext>
-            </a:extLst>
-          </p:cNvPr>
-          <p:cNvSpPr>
-            <a:spLocks noGrp="1"/>
-          </p:cNvSpPr>
-          <p:nvPr>
-            <p:ph type="title"/>
-          </p:nvPr>
-        </p:nvSpPr>
-        <p:spPr/>
-        <p:txBody>
-          <a:bodyPr/>
-          <a:lstStyle/>
-          <a:p>
-            <a:r>
-              <a:rPr lang="de-DE" dirty="0" err="1"/>
-              <a:t>Dependencys</a:t>
-            </a:r>
-            <a:r>
-              <a:rPr lang="de-DE" dirty="0"/>
-              <a:t> 4/6</a:t>
-            </a:r>
-            <a:endParaRPr lang="de-AT" dirty="0"/>
-          </a:p>
-        </p:txBody>
-      </p:sp>
-      <p:sp>
-        <p:nvSpPr>
-          <p:cNvPr id="7" name="Textfeld 6">
-            <a:extLst>
-              <a:ext uri="{FF2B5EF4-FFF2-40B4-BE49-F238E27FC236}">
-                <a16:creationId xmlns:a16="http://schemas.microsoft.com/office/drawing/2014/main" id="{C6669F7F-C99C-ADCE-230F-3D7E0F4724D4}"/>
-              </a:ext>
-            </a:extLst>
-          </p:cNvPr>
-          <p:cNvSpPr txBox="1"/>
-          <p:nvPr/>
-        </p:nvSpPr>
-        <p:spPr>
-          <a:xfrm>
-            <a:off x="1141413" y="2113935"/>
-            <a:ext cx="8956316" cy="1200329"/>
-          </a:xfrm>
-          <a:prstGeom prst="rect">
-            <a:avLst/>
-          </a:prstGeom>
-          <a:noFill/>
-        </p:spPr>
-        <p:txBody>
-          <a:bodyPr wrap="square" rtlCol="0">
-            <a:spAutoFit/>
-          </a:bodyPr>
-          <a:lstStyle/>
-          <a:p>
-            <a:r>
-              <a:rPr lang="de-DE" dirty="0"/>
-              <a:t>Dies ist der MongoDB-Treiber für synchrone Operationen. Es ermöglicht der Anwendung, mit einer MongoDB-Datenbank zu interagieren, indem es die erforderlichen Klassen und Methoden bereitstellt, um auf Daten zuzugreifen, sie zu ändern und zu verarbeiten.</a:t>
-            </a:r>
-            <a:endParaRPr lang="de-AT" dirty="0"/>
-          </a:p>
-        </p:txBody>
-      </p:sp>
-      <p:pic>
-        <p:nvPicPr>
-          <p:cNvPr id="4" name="Grafik 3">
-            <a:extLst>
-              <a:ext uri="{FF2B5EF4-FFF2-40B4-BE49-F238E27FC236}">
-                <a16:creationId xmlns:a16="http://schemas.microsoft.com/office/drawing/2014/main" id="{944A6196-3065-6A5C-8073-5DD09F37B7EE}"/>
-              </a:ext>
-            </a:extLst>
-          </p:cNvPr>
-          <p:cNvPicPr>
-            <a:picLocks noChangeAspect="1"/>
-          </p:cNvPicPr>
-          <p:nvPr/>
-        </p:nvPicPr>
-        <p:blipFill>
-          <a:blip r:embed="rId2"/>
-          <a:stretch>
-            <a:fillRect/>
-          </a:stretch>
-        </p:blipFill>
-        <p:spPr>
-          <a:xfrm>
-            <a:off x="1141413" y="4204949"/>
-            <a:ext cx="7573538" cy="2043451"/>
-          </a:xfrm>
-          <a:prstGeom prst="rect">
-            <a:avLst/>
-          </a:prstGeom>
-        </p:spPr>
-      </p:pic>
-    </p:spTree>
-    <p:extLst>
-      <p:ext uri="{BB962C8B-B14F-4D97-AF65-F5344CB8AC3E}">
-        <p14:creationId xmlns:p14="http://schemas.microsoft.com/office/powerpoint/2010/main" val="3529212542"/>
       </p:ext>
     </p:extLst>
   </p:cSld>
@@ -8643,6 +8748,9 @@
   <wetp:taskpane dockstate="right" visibility="0" width="350" row="0">
     <wetp:webextensionref xmlns:r="http://schemas.openxmlformats.org/officeDocument/2006/relationships" r:id="rId1"/>
   </wetp:taskpane>
+  <wetp:taskpane dockstate="right" visibility="0" width="350" row="1">
+    <wetp:webextensionref xmlns:r="http://schemas.openxmlformats.org/officeDocument/2006/relationships" r:id="rId2"/>
+  </wetp:taskpane>
 </wetp:taskpanes>
 </file>
 
@@ -8656,4 +8764,16 @@
   <we:bindings/>
   <we:snapshot xmlns:r="http://schemas.openxmlformats.org/officeDocument/2006/relationships"/>
 </we:webextension>
+</file>
+
+<file path=ppt/webextensions/webextension2.xml><?xml version="1.0" encoding="utf-8"?>
+<we:webextension xmlns:we="http://schemas.microsoft.com/office/webextensions/webextension/2010/11" id="{5BCFF078-29E1-401E-AB15-D428AAF8BC26}">
+  <we:reference id="wa200005566" version="3.0.0.2" store="de-DE" storeType="OMEX"/>
+  <we:alternateReferences>
+    <we:reference id="WA200005566" version="3.0.0.2" store="WA200005566" storeType="OMEX"/>
+  </we:alternateReferences>
+  <we:properties/>
+  <we:bindings/>
+  <we:snapshot xmlns:r="http://schemas.openxmlformats.org/officeDocument/2006/relationships"/>
+</we:webextension>
 </file>
--- a/Passwortmanager.pptx
+++ b/Passwortmanager.pptx
@@ -2,7 +2,7 @@
 <file path=ppt/presentation.xml><?xml version="1.0" encoding="utf-8"?>
 <p:presentation xmlns:a="http://schemas.openxmlformats.org/drawingml/2006/main" xmlns:r="http://schemas.openxmlformats.org/officeDocument/2006/relationships" xmlns:p="http://schemas.openxmlformats.org/presentationml/2006/main" saveSubsetFonts="1">
   <p:sldMasterIdLst>
-    <p:sldMasterId id="2147483660" r:id="rId1"/>
+    <p:sldMasterId id="2147483695" r:id="rId1"/>
   </p:sldMasterIdLst>
   <p:sldIdLst>
     <p:sldId id="256" r:id="rId2"/>
@@ -10,21 +10,24 @@
     <p:sldId id="279" r:id="rId4"/>
     <p:sldId id="271" r:id="rId5"/>
     <p:sldId id="272" r:id="rId6"/>
-    <p:sldId id="261" r:id="rId7"/>
-    <p:sldId id="273" r:id="rId8"/>
-    <p:sldId id="274" r:id="rId9"/>
-    <p:sldId id="275" r:id="rId10"/>
-    <p:sldId id="278" r:id="rId11"/>
-    <p:sldId id="276" r:id="rId12"/>
-    <p:sldId id="277" r:id="rId13"/>
-    <p:sldId id="262" r:id="rId14"/>
-    <p:sldId id="258" r:id="rId15"/>
-    <p:sldId id="259" r:id="rId16"/>
-    <p:sldId id="265" r:id="rId17"/>
-    <p:sldId id="264" r:id="rId18"/>
-    <p:sldId id="266" r:id="rId19"/>
-    <p:sldId id="263" r:id="rId20"/>
-    <p:sldId id="267" r:id="rId21"/>
+    <p:sldId id="281" r:id="rId7"/>
+    <p:sldId id="282" r:id="rId8"/>
+    <p:sldId id="261" r:id="rId9"/>
+    <p:sldId id="273" r:id="rId10"/>
+    <p:sldId id="274" r:id="rId11"/>
+    <p:sldId id="275" r:id="rId12"/>
+    <p:sldId id="278" r:id="rId13"/>
+    <p:sldId id="276" r:id="rId14"/>
+    <p:sldId id="277" r:id="rId15"/>
+    <p:sldId id="262" r:id="rId16"/>
+    <p:sldId id="258" r:id="rId17"/>
+    <p:sldId id="259" r:id="rId18"/>
+    <p:sldId id="280" r:id="rId19"/>
+    <p:sldId id="265" r:id="rId20"/>
+    <p:sldId id="264" r:id="rId21"/>
+    <p:sldId id="266" r:id="rId22"/>
+    <p:sldId id="263" r:id="rId23"/>
+    <p:sldId id="267" r:id="rId24"/>
   </p:sldIdLst>
   <p:sldSz cx="12192000" cy="6858000"/>
   <p:notesSz cx="6858000" cy="9144000"/>
@@ -132,7 +135,7 @@
 </file>
 
 <file path=ppt/slideLayouts/slideLayout1.xml><?xml version="1.0" encoding="utf-8"?>
-<p:sldLayout xmlns:a="http://schemas.openxmlformats.org/drawingml/2006/main" xmlns:r="http://schemas.openxmlformats.org/officeDocument/2006/relationships" xmlns:p="http://schemas.openxmlformats.org/presentationml/2006/main" type="title" preserve="1">
+<p:sldLayout xmlns:a="http://schemas.openxmlformats.org/drawingml/2006/main" xmlns:r="http://schemas.openxmlformats.org/officeDocument/2006/relationships" xmlns:p="http://schemas.openxmlformats.org/presentationml/2006/main" showMasterSp="0" type="title" preserve="1">
   <p:cSld name="Titelfolie">
     <p:spTree>
       <p:nvGrpSpPr>
@@ -148,6 +151,536 @@
           <a:chExt cx="0" cy="0"/>
         </a:xfrm>
       </p:grpSpPr>
+      <p:grpSp>
+        <p:nvGrpSpPr>
+          <p:cNvPr id="7" name="Group 6"/>
+          <p:cNvGrpSpPr/>
+          <p:nvPr/>
+        </p:nvGrpSpPr>
+        <p:grpSpPr>
+          <a:xfrm>
+            <a:off x="0" y="-8467"/>
+            <a:ext cx="12192000" cy="6866467"/>
+            <a:chOff x="0" y="-8467"/>
+            <a:chExt cx="12192000" cy="6866467"/>
+          </a:xfrm>
+        </p:grpSpPr>
+        <p:cxnSp>
+          <p:nvCxnSpPr>
+            <p:cNvPr id="32" name="Straight Connector 31"/>
+            <p:cNvCxnSpPr/>
+            <p:nvPr/>
+          </p:nvCxnSpPr>
+          <p:spPr>
+            <a:xfrm>
+              <a:off x="9371012" y="0"/>
+              <a:ext cx="1219200" cy="6858000"/>
+            </a:xfrm>
+            <a:prstGeom prst="line">
+              <a:avLst/>
+            </a:prstGeom>
+            <a:ln w="9525">
+              <a:solidFill>
+                <a:schemeClr val="bg1">
+                  <a:lumMod val="75000"/>
+                </a:schemeClr>
+              </a:solidFill>
+            </a:ln>
+          </p:spPr>
+          <p:style>
+            <a:lnRef idx="2">
+              <a:schemeClr val="accent1"/>
+            </a:lnRef>
+            <a:fillRef idx="0">
+              <a:schemeClr val="accent1"/>
+            </a:fillRef>
+            <a:effectRef idx="1">
+              <a:schemeClr val="accent1"/>
+            </a:effectRef>
+            <a:fontRef idx="minor">
+              <a:schemeClr val="tx1"/>
+            </a:fontRef>
+          </p:style>
+        </p:cxnSp>
+        <p:cxnSp>
+          <p:nvCxnSpPr>
+            <p:cNvPr id="21" name="Straight Connector 20"/>
+            <p:cNvCxnSpPr/>
+            <p:nvPr/>
+          </p:nvCxnSpPr>
+          <p:spPr>
+            <a:xfrm flipH="1">
+              <a:off x="7425267" y="3681413"/>
+              <a:ext cx="4763558" cy="3176587"/>
+            </a:xfrm>
+            <a:prstGeom prst="line">
+              <a:avLst/>
+            </a:prstGeom>
+            <a:ln w="9525">
+              <a:solidFill>
+                <a:schemeClr val="bg1">
+                  <a:lumMod val="85000"/>
+                </a:schemeClr>
+              </a:solidFill>
+            </a:ln>
+          </p:spPr>
+          <p:style>
+            <a:lnRef idx="2">
+              <a:schemeClr val="accent1"/>
+            </a:lnRef>
+            <a:fillRef idx="0">
+              <a:schemeClr val="accent1"/>
+            </a:fillRef>
+            <a:effectRef idx="1">
+              <a:schemeClr val="accent1"/>
+            </a:effectRef>
+            <a:fontRef idx="minor">
+              <a:schemeClr val="tx1"/>
+            </a:fontRef>
+          </p:style>
+        </p:cxnSp>
+        <p:sp>
+          <p:nvSpPr>
+            <p:cNvPr id="24" name="Rectangle 23"/>
+            <p:cNvSpPr/>
+            <p:nvPr/>
+          </p:nvSpPr>
+          <p:spPr>
+            <a:xfrm>
+              <a:off x="9181476" y="-8467"/>
+              <a:ext cx="3007349" cy="6866467"/>
+            </a:xfrm>
+            <a:custGeom>
+              <a:avLst/>
+              <a:gdLst/>
+              <a:ahLst/>
+              <a:cxnLst/>
+              <a:rect l="l" t="t" r="r" b="b"/>
+              <a:pathLst>
+                <a:path w="3007349" h="6866467">
+                  <a:moveTo>
+                    <a:pt x="2045532" y="0"/>
+                  </a:moveTo>
+                  <a:lnTo>
+                    <a:pt x="3007349" y="0"/>
+                  </a:lnTo>
+                  <a:lnTo>
+                    <a:pt x="3007349" y="6866467"/>
+                  </a:lnTo>
+                  <a:lnTo>
+                    <a:pt x="0" y="6866467"/>
+                  </a:lnTo>
+                  <a:lnTo>
+                    <a:pt x="2045532" y="0"/>
+                  </a:lnTo>
+                  <a:close/>
+                </a:path>
+              </a:pathLst>
+            </a:custGeom>
+            <a:solidFill>
+              <a:schemeClr val="accent1">
+                <a:alpha val="30000"/>
+              </a:schemeClr>
+            </a:solidFill>
+            <a:ln>
+              <a:noFill/>
+            </a:ln>
+            <a:effectLst/>
+          </p:spPr>
+          <p:style>
+            <a:lnRef idx="1">
+              <a:schemeClr val="accent1"/>
+            </a:lnRef>
+            <a:fillRef idx="3">
+              <a:schemeClr val="accent1"/>
+            </a:fillRef>
+            <a:effectRef idx="2">
+              <a:schemeClr val="accent1"/>
+            </a:effectRef>
+            <a:fontRef idx="minor">
+              <a:schemeClr val="lt1"/>
+            </a:fontRef>
+          </p:style>
+        </p:sp>
+        <p:sp>
+          <p:nvSpPr>
+            <p:cNvPr id="26" name="Rectangle 25"/>
+            <p:cNvSpPr/>
+            <p:nvPr/>
+          </p:nvSpPr>
+          <p:spPr>
+            <a:xfrm>
+              <a:off x="9603442" y="-8467"/>
+              <a:ext cx="2588558" cy="6866467"/>
+            </a:xfrm>
+            <a:custGeom>
+              <a:avLst/>
+              <a:gdLst/>
+              <a:ahLst/>
+              <a:cxnLst/>
+              <a:rect l="l" t="t" r="r" b="b"/>
+              <a:pathLst>
+                <a:path w="2573311" h="6866467">
+                  <a:moveTo>
+                    <a:pt x="0" y="0"/>
+                  </a:moveTo>
+                  <a:lnTo>
+                    <a:pt x="2573311" y="0"/>
+                  </a:lnTo>
+                  <a:lnTo>
+                    <a:pt x="2573311" y="6866467"/>
+                  </a:lnTo>
+                  <a:lnTo>
+                    <a:pt x="1202336" y="6866467"/>
+                  </a:lnTo>
+                  <a:lnTo>
+                    <a:pt x="0" y="0"/>
+                  </a:lnTo>
+                  <a:close/>
+                </a:path>
+              </a:pathLst>
+            </a:custGeom>
+            <a:solidFill>
+              <a:schemeClr val="accent1">
+                <a:alpha val="20000"/>
+              </a:schemeClr>
+            </a:solidFill>
+            <a:ln>
+              <a:noFill/>
+            </a:ln>
+            <a:effectLst/>
+          </p:spPr>
+          <p:style>
+            <a:lnRef idx="1">
+              <a:schemeClr val="accent1"/>
+            </a:lnRef>
+            <a:fillRef idx="3">
+              <a:schemeClr val="accent1"/>
+            </a:fillRef>
+            <a:effectRef idx="2">
+              <a:schemeClr val="accent1"/>
+            </a:effectRef>
+            <a:fontRef idx="minor">
+              <a:schemeClr val="lt1"/>
+            </a:fontRef>
+          </p:style>
+        </p:sp>
+        <p:sp>
+          <p:nvSpPr>
+            <p:cNvPr id="27" name="Isosceles Triangle 26"/>
+            <p:cNvSpPr/>
+            <p:nvPr/>
+          </p:nvSpPr>
+          <p:spPr>
+            <a:xfrm>
+              <a:off x="8932333" y="3048000"/>
+              <a:ext cx="3259667" cy="3810000"/>
+            </a:xfrm>
+            <a:prstGeom prst="triangle">
+              <a:avLst>
+                <a:gd name="adj" fmla="val 100000"/>
+              </a:avLst>
+            </a:prstGeom>
+            <a:solidFill>
+              <a:schemeClr val="accent2">
+                <a:alpha val="72000"/>
+              </a:schemeClr>
+            </a:solidFill>
+            <a:ln>
+              <a:noFill/>
+            </a:ln>
+            <a:effectLst/>
+          </p:spPr>
+          <p:style>
+            <a:lnRef idx="1">
+              <a:schemeClr val="accent1"/>
+            </a:lnRef>
+            <a:fillRef idx="3">
+              <a:schemeClr val="accent1"/>
+            </a:fillRef>
+            <a:effectRef idx="2">
+              <a:schemeClr val="accent1"/>
+            </a:effectRef>
+            <a:fontRef idx="minor">
+              <a:schemeClr val="lt1"/>
+            </a:fontRef>
+          </p:style>
+        </p:sp>
+        <p:sp>
+          <p:nvSpPr>
+            <p:cNvPr id="28" name="Rectangle 27"/>
+            <p:cNvSpPr/>
+            <p:nvPr/>
+          </p:nvSpPr>
+          <p:spPr>
+            <a:xfrm>
+              <a:off x="9334500" y="-8467"/>
+              <a:ext cx="2854326" cy="6866467"/>
+            </a:xfrm>
+            <a:custGeom>
+              <a:avLst/>
+              <a:gdLst/>
+              <a:ahLst/>
+              <a:cxnLst/>
+              <a:rect l="l" t="t" r="r" b="b"/>
+              <a:pathLst>
+                <a:path w="2858013" h="6866467">
+                  <a:moveTo>
+                    <a:pt x="0" y="0"/>
+                  </a:moveTo>
+                  <a:lnTo>
+                    <a:pt x="2858013" y="0"/>
+                  </a:lnTo>
+                  <a:lnTo>
+                    <a:pt x="2858013" y="6866467"/>
+                  </a:lnTo>
+                  <a:lnTo>
+                    <a:pt x="2473942" y="6866467"/>
+                  </a:lnTo>
+                  <a:lnTo>
+                    <a:pt x="0" y="0"/>
+                  </a:lnTo>
+                  <a:close/>
+                </a:path>
+              </a:pathLst>
+            </a:custGeom>
+            <a:solidFill>
+              <a:schemeClr val="accent2">
+                <a:lumMod val="75000"/>
+                <a:alpha val="70000"/>
+              </a:schemeClr>
+            </a:solidFill>
+            <a:ln>
+              <a:noFill/>
+            </a:ln>
+            <a:effectLst/>
+          </p:spPr>
+          <p:style>
+            <a:lnRef idx="1">
+              <a:schemeClr val="accent1"/>
+            </a:lnRef>
+            <a:fillRef idx="3">
+              <a:schemeClr val="accent1"/>
+            </a:fillRef>
+            <a:effectRef idx="2">
+              <a:schemeClr val="accent1"/>
+            </a:effectRef>
+            <a:fontRef idx="minor">
+              <a:schemeClr val="lt1"/>
+            </a:fontRef>
+          </p:style>
+        </p:sp>
+        <p:sp>
+          <p:nvSpPr>
+            <p:cNvPr id="29" name="Rectangle 28"/>
+            <p:cNvSpPr/>
+            <p:nvPr/>
+          </p:nvSpPr>
+          <p:spPr>
+            <a:xfrm>
+              <a:off x="10898730" y="-8467"/>
+              <a:ext cx="1290094" cy="6866467"/>
+            </a:xfrm>
+            <a:custGeom>
+              <a:avLst/>
+              <a:gdLst/>
+              <a:ahLst/>
+              <a:cxnLst/>
+              <a:rect l="l" t="t" r="r" b="b"/>
+              <a:pathLst>
+                <a:path w="1290094" h="6858000">
+                  <a:moveTo>
+                    <a:pt x="1019735" y="0"/>
+                  </a:moveTo>
+                  <a:lnTo>
+                    <a:pt x="1290094" y="0"/>
+                  </a:lnTo>
+                  <a:lnTo>
+                    <a:pt x="1290094" y="6858000"/>
+                  </a:lnTo>
+                  <a:lnTo>
+                    <a:pt x="0" y="6858000"/>
+                  </a:lnTo>
+                  <a:lnTo>
+                    <a:pt x="1019735" y="0"/>
+                  </a:lnTo>
+                  <a:close/>
+                </a:path>
+              </a:pathLst>
+            </a:custGeom>
+            <a:solidFill>
+              <a:schemeClr val="accent1">
+                <a:lumMod val="60000"/>
+                <a:lumOff val="40000"/>
+                <a:alpha val="70000"/>
+              </a:schemeClr>
+            </a:solidFill>
+            <a:ln>
+              <a:noFill/>
+            </a:ln>
+            <a:effectLst/>
+          </p:spPr>
+          <p:style>
+            <a:lnRef idx="1">
+              <a:schemeClr val="accent1"/>
+            </a:lnRef>
+            <a:fillRef idx="3">
+              <a:schemeClr val="accent1"/>
+            </a:fillRef>
+            <a:effectRef idx="2">
+              <a:schemeClr val="accent1"/>
+            </a:effectRef>
+            <a:fontRef idx="minor">
+              <a:schemeClr val="lt1"/>
+            </a:fontRef>
+          </p:style>
+        </p:sp>
+        <p:sp>
+          <p:nvSpPr>
+            <p:cNvPr id="30" name="Rectangle 29"/>
+            <p:cNvSpPr/>
+            <p:nvPr/>
+          </p:nvSpPr>
+          <p:spPr>
+            <a:xfrm>
+              <a:off x="10938999" y="-8467"/>
+              <a:ext cx="1249825" cy="6866467"/>
+            </a:xfrm>
+            <a:custGeom>
+              <a:avLst/>
+              <a:gdLst/>
+              <a:ahLst/>
+              <a:cxnLst/>
+              <a:rect l="l" t="t" r="r" b="b"/>
+              <a:pathLst>
+                <a:path w="1249825" h="6858000">
+                  <a:moveTo>
+                    <a:pt x="0" y="0"/>
+                  </a:moveTo>
+                  <a:lnTo>
+                    <a:pt x="1249825" y="0"/>
+                  </a:lnTo>
+                  <a:lnTo>
+                    <a:pt x="1249825" y="6858000"/>
+                  </a:lnTo>
+                  <a:lnTo>
+                    <a:pt x="1109382" y="6858000"/>
+                  </a:lnTo>
+                  <a:lnTo>
+                    <a:pt x="0" y="0"/>
+                  </a:lnTo>
+                  <a:close/>
+                </a:path>
+              </a:pathLst>
+            </a:custGeom>
+            <a:solidFill>
+              <a:schemeClr val="accent1">
+                <a:alpha val="65000"/>
+              </a:schemeClr>
+            </a:solidFill>
+            <a:ln>
+              <a:noFill/>
+            </a:ln>
+            <a:effectLst/>
+          </p:spPr>
+          <p:style>
+            <a:lnRef idx="1">
+              <a:schemeClr val="accent1"/>
+            </a:lnRef>
+            <a:fillRef idx="3">
+              <a:schemeClr val="accent1"/>
+            </a:fillRef>
+            <a:effectRef idx="2">
+              <a:schemeClr val="accent1"/>
+            </a:effectRef>
+            <a:fontRef idx="minor">
+              <a:schemeClr val="lt1"/>
+            </a:fontRef>
+          </p:style>
+        </p:sp>
+        <p:sp>
+          <p:nvSpPr>
+            <p:cNvPr id="31" name="Isosceles Triangle 30"/>
+            <p:cNvSpPr/>
+            <p:nvPr/>
+          </p:nvSpPr>
+          <p:spPr>
+            <a:xfrm>
+              <a:off x="10371666" y="3589867"/>
+              <a:ext cx="1817159" cy="3268133"/>
+            </a:xfrm>
+            <a:prstGeom prst="triangle">
+              <a:avLst>
+                <a:gd name="adj" fmla="val 100000"/>
+              </a:avLst>
+            </a:prstGeom>
+            <a:solidFill>
+              <a:schemeClr val="accent1">
+                <a:alpha val="80000"/>
+              </a:schemeClr>
+            </a:solidFill>
+            <a:ln>
+              <a:noFill/>
+            </a:ln>
+            <a:effectLst/>
+          </p:spPr>
+          <p:style>
+            <a:lnRef idx="1">
+              <a:schemeClr val="accent1"/>
+            </a:lnRef>
+            <a:fillRef idx="3">
+              <a:schemeClr val="accent1"/>
+            </a:fillRef>
+            <a:effectRef idx="2">
+              <a:schemeClr val="accent1"/>
+            </a:effectRef>
+            <a:fontRef idx="minor">
+              <a:schemeClr val="lt1"/>
+            </a:fontRef>
+          </p:style>
+        </p:sp>
+        <p:sp>
+          <p:nvSpPr>
+            <p:cNvPr id="19" name="Isosceles Triangle 18"/>
+            <p:cNvSpPr/>
+            <p:nvPr/>
+          </p:nvSpPr>
+          <p:spPr>
+            <a:xfrm rot="10800000">
+              <a:off x="0" y="0"/>
+              <a:ext cx="842596" cy="5666154"/>
+            </a:xfrm>
+            <a:prstGeom prst="triangle">
+              <a:avLst>
+                <a:gd name="adj" fmla="val 100000"/>
+              </a:avLst>
+            </a:prstGeom>
+            <a:solidFill>
+              <a:schemeClr val="accent1">
+                <a:alpha val="85000"/>
+              </a:schemeClr>
+            </a:solidFill>
+            <a:ln>
+              <a:noFill/>
+            </a:ln>
+            <a:effectLst/>
+          </p:spPr>
+          <p:style>
+            <a:lnRef idx="1">
+              <a:schemeClr val="accent1"/>
+            </a:lnRef>
+            <a:fillRef idx="3">
+              <a:schemeClr val="accent1"/>
+            </a:fillRef>
+            <a:effectRef idx="2">
+              <a:schemeClr val="accent1"/>
+            </a:effectRef>
+            <a:fontRef idx="minor">
+              <a:schemeClr val="lt1"/>
+            </a:fontRef>
+          </p:style>
+        </p:sp>
+      </p:grpSp>
       <p:sp>
         <p:nvSpPr>
           <p:cNvPr id="2" name="Title 1"/>
@@ -160,38 +693,26 @@
         </p:nvSpPr>
         <p:spPr>
           <a:xfrm>
-            <a:off x="1751012" y="609601"/>
-            <a:ext cx="8676222" cy="3200400"/>
+            <a:off x="1507067" y="2404534"/>
+            <a:ext cx="7766936" cy="1646302"/>
           </a:xfrm>
         </p:spPr>
         <p:txBody>
           <a:bodyPr anchor="b">
-            <a:normAutofit/>
+            <a:noAutofit/>
           </a:bodyPr>
           <a:lstStyle>
-            <a:lvl1pPr algn="ctr">
-              <a:defRPr sz="4800">
-                <a:effectLst>
-                  <a:glow rad="38100">
-                    <a:schemeClr val="bg1">
-                      <a:lumMod val="65000"/>
-                      <a:lumOff val="35000"/>
-                      <a:alpha val="50000"/>
-                    </a:schemeClr>
-                  </a:glow>
-                  <a:outerShdw blurRad="28575" dist="31750" dir="13200000" algn="tl" rotWithShape="0">
-                    <a:srgbClr val="000000">
-                      <a:alpha val="25000"/>
-                    </a:srgbClr>
-                  </a:outerShdw>
-                </a:effectLst>
-                <a:latin typeface="Calibri (Textkörper)"/>
+            <a:lvl1pPr algn="r">
+              <a:defRPr sz="5400">
+                <a:solidFill>
+                  <a:schemeClr val="accent1"/>
+                </a:solidFill>
               </a:defRPr>
             </a:lvl1pPr>
           </a:lstStyle>
           <a:p>
             <a:r>
-              <a:rPr lang="de-DE" dirty="0"/>
+              <a:rPr lang="de-DE"/>
               <a:t>Mastertitelformat bearbeiten</a:t>
             </a:r>
             <a:endParaRPr lang="en-US" dirty="0"/>
@@ -210,33 +731,22 @@
         </p:nvSpPr>
         <p:spPr>
           <a:xfrm>
-            <a:off x="1751012" y="3886200"/>
-            <a:ext cx="8676222" cy="1905000"/>
+            <a:off x="1507067" y="4050833"/>
+            <a:ext cx="7766936" cy="1096899"/>
           </a:xfrm>
         </p:spPr>
         <p:txBody>
-          <a:bodyPr anchor="t">
-            <a:normAutofit/>
-          </a:bodyPr>
+          <a:bodyPr anchor="t"/>
           <a:lstStyle>
-            <a:lvl1pPr marL="0" indent="0" algn="ctr">
-              <a:buNone/>
-              <a:defRPr sz="2100">
-                <a:gradFill flip="none" rotWithShape="1">
-                  <a:gsLst>
-                    <a:gs pos="0">
-                      <a:schemeClr val="tx1"/>
-                    </a:gs>
-                    <a:gs pos="100000">
-                      <a:schemeClr val="tx1">
-                        <a:lumMod val="75000"/>
-                      </a:schemeClr>
-                    </a:gs>
-                  </a:gsLst>
-                  <a:lin ang="5400000" scaled="0"/>
-                  <a:tileRect/>
-                </a:gradFill>
-                <a:latin typeface="Calibri (Textkörper)"/>
+            <a:lvl1pPr marL="0" indent="0" algn="r">
+              <a:buNone/>
+              <a:defRPr>
+                <a:solidFill>
+                  <a:schemeClr val="tx1">
+                    <a:lumMod val="50000"/>
+                    <a:lumOff val="50000"/>
+                  </a:schemeClr>
+                </a:solidFill>
               </a:defRPr>
             </a:lvl1pPr>
             <a:lvl2pPr marL="457200" indent="0" algn="ctr">
@@ -322,7 +832,7 @@
           </a:lstStyle>
           <a:p>
             <a:r>
-              <a:rPr lang="de-DE" dirty="0"/>
+              <a:rPr lang="de-DE"/>
               <a:t>Master-Untertitelformat bearbeiten</a:t>
             </a:r>
             <a:endParaRPr lang="en-US" dirty="0"/>
@@ -346,7 +856,7 @@
           <a:p>
             <a:fld id="{8F4B2E75-2FCB-4C97-B382-4A78F9D9179D}" type="datetimeFigureOut">
               <a:rPr lang="de-AT" smtClean="0"/>
-              <a:t>29.05.2024</a:t>
+              <a:t>30.05.2024</a:t>
             </a:fld>
             <a:endParaRPr lang="de-AT"/>
           </a:p>
@@ -397,7 +907,7 @@
     </p:spTree>
     <p:extLst>
       <p:ext uri="{BB962C8B-B14F-4D97-AF65-F5344CB8AC3E}">
-        <p14:creationId xmlns:p14="http://schemas.microsoft.com/office/powerpoint/2010/main" val="440005134"/>
+        <p14:creationId xmlns:p14="http://schemas.microsoft.com/office/powerpoint/2010/main" val="1630319095"/>
       </p:ext>
     </p:extLst>
   </p:cSld>
@@ -408,297 +918,6 @@
 </file>
 
 <file path=ppt/slideLayouts/slideLayout10.xml><?xml version="1.0" encoding="utf-8"?>
-<p:sldLayout xmlns:a="http://schemas.openxmlformats.org/drawingml/2006/main" xmlns:r="http://schemas.openxmlformats.org/officeDocument/2006/relationships" xmlns:p="http://schemas.openxmlformats.org/presentationml/2006/main" preserve="1">
-  <p:cSld name="Panoramabild mit Beschriftung">
-    <p:spTree>
-      <p:nvGrpSpPr>
-        <p:cNvPr id="1" name=""/>
-        <p:cNvGrpSpPr/>
-        <p:nvPr/>
-      </p:nvGrpSpPr>
-      <p:grpSpPr>
-        <a:xfrm>
-          <a:off x="0" y="0"/>
-          <a:ext cx="0" cy="0"/>
-          <a:chOff x="0" y="0"/>
-          <a:chExt cx="0" cy="0"/>
-        </a:xfrm>
-      </p:grpSpPr>
-      <p:sp>
-        <p:nvSpPr>
-          <p:cNvPr id="2" name="Title 1"/>
-          <p:cNvSpPr>
-            <a:spLocks noGrp="1"/>
-          </p:cNvSpPr>
-          <p:nvPr>
-            <p:ph type="title"/>
-          </p:nvPr>
-        </p:nvSpPr>
-        <p:spPr>
-          <a:xfrm>
-            <a:off x="1141413" y="4732865"/>
-            <a:ext cx="9906000" cy="566738"/>
-          </a:xfrm>
-        </p:spPr>
-        <p:txBody>
-          <a:bodyPr anchor="b">
-            <a:normAutofit/>
-          </a:bodyPr>
-          <a:lstStyle>
-            <a:lvl1pPr algn="l">
-              <a:defRPr sz="2400" b="0"/>
-            </a:lvl1pPr>
-          </a:lstStyle>
-          <a:p>
-            <a:r>
-              <a:rPr lang="de-DE"/>
-              <a:t>Mastertitelformat bearbeiten</a:t>
-            </a:r>
-            <a:endParaRPr lang="en-US" dirty="0"/>
-          </a:p>
-        </p:txBody>
-      </p:sp>
-      <p:sp>
-        <p:nvSpPr>
-          <p:cNvPr id="3" name="Picture Placeholder 2"/>
-          <p:cNvSpPr>
-            <a:spLocks noGrp="1" noChangeAspect="1"/>
-          </p:cNvSpPr>
-          <p:nvPr>
-            <p:ph type="pic" idx="1"/>
-          </p:nvPr>
-        </p:nvSpPr>
-        <p:spPr>
-          <a:xfrm>
-            <a:off x="1979612" y="932112"/>
-            <a:ext cx="8225944" cy="3164976"/>
-          </a:xfrm>
-          <a:prstGeom prst="roundRect">
-            <a:avLst>
-              <a:gd name="adj" fmla="val 4380"/>
-            </a:avLst>
-          </a:prstGeom>
-          <a:ln w="38100">
-            <a:gradFill flip="none" rotWithShape="1">
-              <a:gsLst>
-                <a:gs pos="0">
-                  <a:schemeClr val="bg2"/>
-                </a:gs>
-                <a:gs pos="100000">
-                  <a:schemeClr val="bg2">
-                    <a:lumMod val="75000"/>
-                  </a:schemeClr>
-                </a:gs>
-              </a:gsLst>
-              <a:lin ang="5400000" scaled="0"/>
-              <a:tileRect/>
-            </a:gradFill>
-          </a:ln>
-          <a:effectLst>
-            <a:innerShdw blurRad="57150" dist="38100" dir="14460000">
-              <a:srgbClr val="000000">
-                <a:alpha val="70000"/>
-              </a:srgbClr>
-            </a:innerShdw>
-          </a:effectLst>
-        </p:spPr>
-        <p:txBody>
-          <a:bodyPr anchor="t">
-            <a:normAutofit/>
-          </a:bodyPr>
-          <a:lstStyle>
-            <a:lvl1pPr marL="0" indent="0" algn="ctr">
-              <a:buNone/>
-              <a:defRPr sz="1600"/>
-            </a:lvl1pPr>
-            <a:lvl2pPr marL="457200" indent="0">
-              <a:buNone/>
-              <a:defRPr sz="1600"/>
-            </a:lvl2pPr>
-            <a:lvl3pPr marL="914400" indent="0">
-              <a:buNone/>
-              <a:defRPr sz="1600"/>
-            </a:lvl3pPr>
-            <a:lvl4pPr marL="1371600" indent="0">
-              <a:buNone/>
-              <a:defRPr sz="1600"/>
-            </a:lvl4pPr>
-            <a:lvl5pPr marL="1828800" indent="0">
-              <a:buNone/>
-              <a:defRPr sz="1600"/>
-            </a:lvl5pPr>
-            <a:lvl6pPr marL="2286000" indent="0">
-              <a:buNone/>
-              <a:defRPr sz="1600"/>
-            </a:lvl6pPr>
-            <a:lvl7pPr marL="2743200" indent="0">
-              <a:buNone/>
-              <a:defRPr sz="1600"/>
-            </a:lvl7pPr>
-            <a:lvl8pPr marL="3200400" indent="0">
-              <a:buNone/>
-              <a:defRPr sz="1600"/>
-            </a:lvl8pPr>
-            <a:lvl9pPr marL="3657600" indent="0">
-              <a:buNone/>
-              <a:defRPr sz="1600"/>
-            </a:lvl9pPr>
-          </a:lstStyle>
-          <a:p>
-            <a:r>
-              <a:rPr lang="de-DE"/>
-              <a:t>Bild durch Klicken auf Symbol hinzufügen</a:t>
-            </a:r>
-            <a:endParaRPr lang="en-US" dirty="0"/>
-          </a:p>
-        </p:txBody>
-      </p:sp>
-      <p:sp>
-        <p:nvSpPr>
-          <p:cNvPr id="4" name="Text Placeholder 3"/>
-          <p:cNvSpPr>
-            <a:spLocks noGrp="1"/>
-          </p:cNvSpPr>
-          <p:nvPr>
-            <p:ph type="body" sz="half" idx="2"/>
-          </p:nvPr>
-        </p:nvSpPr>
-        <p:spPr>
-          <a:xfrm>
-            <a:off x="1141413" y="5299603"/>
-            <a:ext cx="9906000" cy="493712"/>
-          </a:xfrm>
-        </p:spPr>
-        <p:txBody>
-          <a:bodyPr>
-            <a:normAutofit/>
-          </a:bodyPr>
-          <a:lstStyle>
-            <a:lvl1pPr marL="0" indent="0">
-              <a:buNone/>
-              <a:defRPr sz="1400"/>
-            </a:lvl1pPr>
-            <a:lvl2pPr marL="457200" indent="0">
-              <a:buNone/>
-              <a:defRPr sz="1200"/>
-            </a:lvl2pPr>
-            <a:lvl3pPr marL="914400" indent="0">
-              <a:buNone/>
-              <a:defRPr sz="1000"/>
-            </a:lvl3pPr>
-            <a:lvl4pPr marL="1371600" indent="0">
-              <a:buNone/>
-              <a:defRPr sz="900"/>
-            </a:lvl4pPr>
-            <a:lvl5pPr marL="1828800" indent="0">
-              <a:buNone/>
-              <a:defRPr sz="900"/>
-            </a:lvl5pPr>
-            <a:lvl6pPr marL="2286000" indent="0">
-              <a:buNone/>
-              <a:defRPr sz="900"/>
-            </a:lvl6pPr>
-            <a:lvl7pPr marL="2743200" indent="0">
-              <a:buNone/>
-              <a:defRPr sz="900"/>
-            </a:lvl7pPr>
-            <a:lvl8pPr marL="3200400" indent="0">
-              <a:buNone/>
-              <a:defRPr sz="900"/>
-            </a:lvl8pPr>
-            <a:lvl9pPr marL="3657600" indent="0">
-              <a:buNone/>
-              <a:defRPr sz="900"/>
-            </a:lvl9pPr>
-          </a:lstStyle>
-          <a:p>
-            <a:pPr lvl="0"/>
-            <a:r>
-              <a:rPr lang="de-DE"/>
-              <a:t>Mastertextformat bearbeiten</a:t>
-            </a:r>
-          </a:p>
-        </p:txBody>
-      </p:sp>
-      <p:sp>
-        <p:nvSpPr>
-          <p:cNvPr id="5" name="Date Placeholder 4"/>
-          <p:cNvSpPr>
-            <a:spLocks noGrp="1"/>
-          </p:cNvSpPr>
-          <p:nvPr>
-            <p:ph type="dt" sz="half" idx="10"/>
-          </p:nvPr>
-        </p:nvSpPr>
-        <p:spPr/>
-        <p:txBody>
-          <a:bodyPr/>
-          <a:lstStyle/>
-          <a:p>
-            <a:fld id="{8F4B2E75-2FCB-4C97-B382-4A78F9D9179D}" type="datetimeFigureOut">
-              <a:rPr lang="de-AT" smtClean="0"/>
-              <a:t>29.05.2024</a:t>
-            </a:fld>
-            <a:endParaRPr lang="de-AT"/>
-          </a:p>
-        </p:txBody>
-      </p:sp>
-      <p:sp>
-        <p:nvSpPr>
-          <p:cNvPr id="6" name="Footer Placeholder 5"/>
-          <p:cNvSpPr>
-            <a:spLocks noGrp="1"/>
-          </p:cNvSpPr>
-          <p:nvPr>
-            <p:ph type="ftr" sz="quarter" idx="11"/>
-          </p:nvPr>
-        </p:nvSpPr>
-        <p:spPr/>
-        <p:txBody>
-          <a:bodyPr/>
-          <a:lstStyle/>
-          <a:p>
-            <a:endParaRPr lang="de-AT"/>
-          </a:p>
-        </p:txBody>
-      </p:sp>
-      <p:sp>
-        <p:nvSpPr>
-          <p:cNvPr id="7" name="Slide Number Placeholder 6"/>
-          <p:cNvSpPr>
-            <a:spLocks noGrp="1"/>
-          </p:cNvSpPr>
-          <p:nvPr>
-            <p:ph type="sldNum" sz="quarter" idx="12"/>
-          </p:nvPr>
-        </p:nvSpPr>
-        <p:spPr/>
-        <p:txBody>
-          <a:bodyPr/>
-          <a:lstStyle/>
-          <a:p>
-            <a:fld id="{9A336AB9-841B-48F1-AAD0-348EEE8F5414}" type="slidenum">
-              <a:rPr lang="de-AT" smtClean="0"/>
-              <a:t>‹Nr.›</a:t>
-            </a:fld>
-            <a:endParaRPr lang="de-AT"/>
-          </a:p>
-        </p:txBody>
-      </p:sp>
-    </p:spTree>
-    <p:extLst>
-      <p:ext uri="{BB962C8B-B14F-4D97-AF65-F5344CB8AC3E}">
-        <p14:creationId xmlns:p14="http://schemas.microsoft.com/office/powerpoint/2010/main" val="3323710907"/>
-      </p:ext>
-    </p:extLst>
-  </p:cSld>
-  <p:clrMapOvr>
-    <a:masterClrMapping/>
-  </p:clrMapOvr>
-</p:sldLayout>
-</file>
-
-<file path=ppt/slideLayouts/slideLayout11.xml><?xml version="1.0" encoding="utf-8"?>
 <p:sldLayout xmlns:a="http://schemas.openxmlformats.org/drawingml/2006/main" xmlns:r="http://schemas.openxmlformats.org/officeDocument/2006/relationships" xmlns:p="http://schemas.openxmlformats.org/presentationml/2006/main" preserve="1">
   <p:cSld name="Titel und Beschriftung">
     <p:spTree>
@@ -727,8 +946,8 @@
         </p:nvSpPr>
         <p:spPr>
           <a:xfrm>
-            <a:off x="1141412" y="609601"/>
-            <a:ext cx="9905999" cy="3124199"/>
+            <a:off x="677335" y="609600"/>
+            <a:ext cx="8596668" cy="3403600"/>
           </a:xfrm>
         </p:spPr>
         <p:txBody>
@@ -737,7 +956,7 @@
           </a:bodyPr>
           <a:lstStyle>
             <a:lvl1pPr algn="l">
-              <a:defRPr sz="3200" b="0" cap="all"/>
+              <a:defRPr sz="4400" b="0" cap="none"/>
             </a:lvl1pPr>
           </a:lstStyle>
           <a:p>
@@ -761,8 +980,8 @@
         </p:nvSpPr>
         <p:spPr>
           <a:xfrm>
-            <a:off x="1141411" y="4343400"/>
-            <a:ext cx="9906000" cy="1447800"/>
+            <a:off x="677335" y="4470400"/>
+            <a:ext cx="8596668" cy="1570962"/>
           </a:xfrm>
         </p:spPr>
         <p:txBody>
@@ -772,21 +991,13 @@
           <a:lstStyle>
             <a:lvl1pPr marL="0" indent="0" algn="l">
               <a:buNone/>
-              <a:defRPr sz="2000">
-                <a:gradFill flip="none" rotWithShape="1">
-                  <a:gsLst>
-                    <a:gs pos="0">
-                      <a:schemeClr val="tx1"/>
-                    </a:gs>
-                    <a:gs pos="100000">
-                      <a:schemeClr val="tx1">
-                        <a:lumMod val="75000"/>
-                      </a:schemeClr>
-                    </a:gs>
-                  </a:gsLst>
-                  <a:lin ang="5400000" scaled="0"/>
-                  <a:tileRect/>
-                </a:gradFill>
+              <a:defRPr sz="1800">
+                <a:solidFill>
+                  <a:schemeClr val="tx1">
+                    <a:lumMod val="75000"/>
+                    <a:lumOff val="25000"/>
+                  </a:schemeClr>
+                </a:solidFill>
               </a:defRPr>
             </a:lvl1pPr>
             <a:lvl2pPr marL="457200" indent="0">
@@ -896,7 +1107,7 @@
           <a:p>
             <a:fld id="{8F4B2E75-2FCB-4C97-B382-4A78F9D9179D}" type="datetimeFigureOut">
               <a:rPr lang="de-AT" smtClean="0"/>
-              <a:t>29.05.2024</a:t>
+              <a:t>30.05.2024</a:t>
             </a:fld>
             <a:endParaRPr lang="de-AT"/>
           </a:p>
@@ -947,7 +1158,7 @@
     </p:spTree>
     <p:extLst>
       <p:ext uri="{BB962C8B-B14F-4D97-AF65-F5344CB8AC3E}">
-        <p14:creationId xmlns:p14="http://schemas.microsoft.com/office/powerpoint/2010/main" val="989155829"/>
+        <p14:creationId xmlns:p14="http://schemas.microsoft.com/office/powerpoint/2010/main" val="2433419955"/>
       </p:ext>
     </p:extLst>
   </p:cSld>
@@ -957,7 +1168,7 @@
 </p:sldLayout>
 </file>
 
-<file path=ppt/slideLayouts/slideLayout12.xml><?xml version="1.0" encoding="utf-8"?>
+<file path=ppt/slideLayouts/slideLayout11.xml><?xml version="1.0" encoding="utf-8"?>
 <p:sldLayout xmlns:a="http://schemas.openxmlformats.org/drawingml/2006/main" xmlns:r="http://schemas.openxmlformats.org/officeDocument/2006/relationships" xmlns:p="http://schemas.openxmlformats.org/presentationml/2006/main" preserve="1">
   <p:cSld name="Zitat mit Beschriftung">
     <p:spTree>
@@ -976,13 +1187,297 @@
       </p:grpSpPr>
       <p:sp>
         <p:nvSpPr>
-          <p:cNvPr id="14" name="TextBox 13"/>
+          <p:cNvPr id="2" name="Title 1"/>
+          <p:cNvSpPr>
+            <a:spLocks noGrp="1"/>
+          </p:cNvSpPr>
+          <p:nvPr>
+            <p:ph type="title"/>
+          </p:nvPr>
+        </p:nvSpPr>
+        <p:spPr>
+          <a:xfrm>
+            <a:off x="931334" y="609600"/>
+            <a:ext cx="8094134" cy="3022600"/>
+          </a:xfrm>
+        </p:spPr>
+        <p:txBody>
+          <a:bodyPr anchor="ctr">
+            <a:normAutofit/>
+          </a:bodyPr>
+          <a:lstStyle>
+            <a:lvl1pPr algn="l">
+              <a:defRPr sz="4400" b="0" cap="none"/>
+            </a:lvl1pPr>
+          </a:lstStyle>
+          <a:p>
+            <a:r>
+              <a:rPr lang="de-DE"/>
+              <a:t>Mastertitelformat bearbeiten</a:t>
+            </a:r>
+            <a:endParaRPr lang="en-US" dirty="0"/>
+          </a:p>
+        </p:txBody>
+      </p:sp>
+      <p:sp>
+        <p:nvSpPr>
+          <p:cNvPr id="23" name="Text Placeholder 9"/>
+          <p:cNvSpPr>
+            <a:spLocks noGrp="1"/>
+          </p:cNvSpPr>
+          <p:nvPr>
+            <p:ph type="body" sz="quarter" idx="13"/>
+          </p:nvPr>
+        </p:nvSpPr>
+        <p:spPr>
+          <a:xfrm>
+            <a:off x="1366139" y="3632200"/>
+            <a:ext cx="7224524" cy="381000"/>
+          </a:xfrm>
+        </p:spPr>
+        <p:txBody>
+          <a:bodyPr anchor="ctr">
+            <a:noAutofit/>
+          </a:bodyPr>
+          <a:lstStyle>
+            <a:lvl1pPr marL="0" indent="0">
+              <a:buFontTx/>
+              <a:buNone/>
+              <a:defRPr sz="1600">
+                <a:solidFill>
+                  <a:schemeClr val="tx1">
+                    <a:lumMod val="50000"/>
+                    <a:lumOff val="50000"/>
+                  </a:schemeClr>
+                </a:solidFill>
+              </a:defRPr>
+            </a:lvl1pPr>
+            <a:lvl2pPr marL="457200" indent="0">
+              <a:buFontTx/>
+              <a:buNone/>
+              <a:defRPr/>
+            </a:lvl2pPr>
+            <a:lvl3pPr marL="914400" indent="0">
+              <a:buFontTx/>
+              <a:buNone/>
+              <a:defRPr/>
+            </a:lvl3pPr>
+            <a:lvl4pPr marL="1371600" indent="0">
+              <a:buFontTx/>
+              <a:buNone/>
+              <a:defRPr/>
+            </a:lvl4pPr>
+            <a:lvl5pPr marL="1828800" indent="0">
+              <a:buFontTx/>
+              <a:buNone/>
+              <a:defRPr/>
+            </a:lvl5pPr>
+          </a:lstStyle>
+          <a:p>
+            <a:pPr lvl="0"/>
+            <a:r>
+              <a:rPr lang="de-DE"/>
+              <a:t>Mastertextformat bearbeiten</a:t>
+            </a:r>
+          </a:p>
+        </p:txBody>
+      </p:sp>
+      <p:sp>
+        <p:nvSpPr>
+          <p:cNvPr id="3" name="Text Placeholder 2"/>
+          <p:cNvSpPr>
+            <a:spLocks noGrp="1"/>
+          </p:cNvSpPr>
+          <p:nvPr>
+            <p:ph type="body" idx="1"/>
+          </p:nvPr>
+        </p:nvSpPr>
+        <p:spPr>
+          <a:xfrm>
+            <a:off x="677335" y="4470400"/>
+            <a:ext cx="8596668" cy="1570962"/>
+          </a:xfrm>
+        </p:spPr>
+        <p:txBody>
+          <a:bodyPr anchor="ctr">
+            <a:normAutofit/>
+          </a:bodyPr>
+          <a:lstStyle>
+            <a:lvl1pPr marL="0" indent="0" algn="l">
+              <a:buNone/>
+              <a:defRPr sz="1800">
+                <a:solidFill>
+                  <a:schemeClr val="tx1">
+                    <a:lumMod val="75000"/>
+                    <a:lumOff val="25000"/>
+                  </a:schemeClr>
+                </a:solidFill>
+              </a:defRPr>
+            </a:lvl1pPr>
+            <a:lvl2pPr marL="457200" indent="0">
+              <a:buNone/>
+              <a:defRPr sz="1800">
+                <a:solidFill>
+                  <a:schemeClr val="tx1">
+                    <a:tint val="75000"/>
+                  </a:schemeClr>
+                </a:solidFill>
+              </a:defRPr>
+            </a:lvl2pPr>
+            <a:lvl3pPr marL="914400" indent="0">
+              <a:buNone/>
+              <a:defRPr sz="1600">
+                <a:solidFill>
+                  <a:schemeClr val="tx1">
+                    <a:tint val="75000"/>
+                  </a:schemeClr>
+                </a:solidFill>
+              </a:defRPr>
+            </a:lvl3pPr>
+            <a:lvl4pPr marL="1371600" indent="0">
+              <a:buNone/>
+              <a:defRPr sz="1400">
+                <a:solidFill>
+                  <a:schemeClr val="tx1">
+                    <a:tint val="75000"/>
+                  </a:schemeClr>
+                </a:solidFill>
+              </a:defRPr>
+            </a:lvl4pPr>
+            <a:lvl5pPr marL="1828800" indent="0">
+              <a:buNone/>
+              <a:defRPr sz="1400">
+                <a:solidFill>
+                  <a:schemeClr val="tx1">
+                    <a:tint val="75000"/>
+                  </a:schemeClr>
+                </a:solidFill>
+              </a:defRPr>
+            </a:lvl5pPr>
+            <a:lvl6pPr marL="2286000" indent="0">
+              <a:buNone/>
+              <a:defRPr sz="1400">
+                <a:solidFill>
+                  <a:schemeClr val="tx1">
+                    <a:tint val="75000"/>
+                  </a:schemeClr>
+                </a:solidFill>
+              </a:defRPr>
+            </a:lvl6pPr>
+            <a:lvl7pPr marL="2743200" indent="0">
+              <a:buNone/>
+              <a:defRPr sz="1400">
+                <a:solidFill>
+                  <a:schemeClr val="tx1">
+                    <a:tint val="75000"/>
+                  </a:schemeClr>
+                </a:solidFill>
+              </a:defRPr>
+            </a:lvl7pPr>
+            <a:lvl8pPr marL="3200400" indent="0">
+              <a:buNone/>
+              <a:defRPr sz="1400">
+                <a:solidFill>
+                  <a:schemeClr val="tx1">
+                    <a:tint val="75000"/>
+                  </a:schemeClr>
+                </a:solidFill>
+              </a:defRPr>
+            </a:lvl8pPr>
+            <a:lvl9pPr marL="3657600" indent="0">
+              <a:buNone/>
+              <a:defRPr sz="1400">
+                <a:solidFill>
+                  <a:schemeClr val="tx1">
+                    <a:tint val="75000"/>
+                  </a:schemeClr>
+                </a:solidFill>
+              </a:defRPr>
+            </a:lvl9pPr>
+          </a:lstStyle>
+          <a:p>
+            <a:pPr lvl="0"/>
+            <a:r>
+              <a:rPr lang="de-DE"/>
+              <a:t>Mastertextformat bearbeiten</a:t>
+            </a:r>
+          </a:p>
+        </p:txBody>
+      </p:sp>
+      <p:sp>
+        <p:nvSpPr>
+          <p:cNvPr id="4" name="Date Placeholder 3"/>
+          <p:cNvSpPr>
+            <a:spLocks noGrp="1"/>
+          </p:cNvSpPr>
+          <p:nvPr>
+            <p:ph type="dt" sz="half" idx="10"/>
+          </p:nvPr>
+        </p:nvSpPr>
+        <p:spPr/>
+        <p:txBody>
+          <a:bodyPr/>
+          <a:lstStyle/>
+          <a:p>
+            <a:fld id="{8F4B2E75-2FCB-4C97-B382-4A78F9D9179D}" type="datetimeFigureOut">
+              <a:rPr lang="de-AT" smtClean="0"/>
+              <a:t>30.05.2024</a:t>
+            </a:fld>
+            <a:endParaRPr lang="de-AT"/>
+          </a:p>
+        </p:txBody>
+      </p:sp>
+      <p:sp>
+        <p:nvSpPr>
+          <p:cNvPr id="5" name="Footer Placeholder 4"/>
+          <p:cNvSpPr>
+            <a:spLocks noGrp="1"/>
+          </p:cNvSpPr>
+          <p:nvPr>
+            <p:ph type="ftr" sz="quarter" idx="11"/>
+          </p:nvPr>
+        </p:nvSpPr>
+        <p:spPr/>
+        <p:txBody>
+          <a:bodyPr/>
+          <a:lstStyle/>
+          <a:p>
+            <a:endParaRPr lang="de-AT"/>
+          </a:p>
+        </p:txBody>
+      </p:sp>
+      <p:sp>
+        <p:nvSpPr>
+          <p:cNvPr id="6" name="Slide Number Placeholder 5"/>
+          <p:cNvSpPr>
+            <a:spLocks noGrp="1"/>
+          </p:cNvSpPr>
+          <p:nvPr>
+            <p:ph type="sldNum" sz="quarter" idx="12"/>
+          </p:nvPr>
+        </p:nvSpPr>
+        <p:spPr/>
+        <p:txBody>
+          <a:bodyPr/>
+          <a:lstStyle/>
+          <a:p>
+            <a:fld id="{9A336AB9-841B-48F1-AAD0-348EEE8F5414}" type="slidenum">
+              <a:rPr lang="de-AT" smtClean="0"/>
+              <a:t>‹Nr.›</a:t>
+            </a:fld>
+            <a:endParaRPr lang="de-AT"/>
+          </a:p>
+        </p:txBody>
+      </p:sp>
+      <p:sp>
+        <p:nvSpPr>
+          <p:cNvPr id="20" name="TextBox 19"/>
           <p:cNvSpPr txBox="1"/>
           <p:nvPr/>
         </p:nvSpPr>
         <p:spPr>
           <a:xfrm>
-            <a:off x="836612" y="786824"/>
+            <a:off x="541870" y="790378"/>
             <a:ext cx="609600" cy="584776"/>
           </a:xfrm>
           <a:prstGeom prst="rect">
@@ -993,96 +1488,22 @@
           <a:bodyPr vert="horz" lIns="91440" tIns="45720" rIns="91440" bIns="45720" rtlCol="0" anchor="ctr">
             <a:noAutofit/>
           </a:bodyPr>
-          <a:lstStyle>
-            <a:lvl1pPr>
-              <a:spcBef>
-                <a:spcPct val="0"/>
-              </a:spcBef>
-              <a:buNone/>
-              <a:defRPr sz="3200" b="0" cap="all">
+          <a:lstStyle/>
+          <a:p>
+            <a:pPr lvl="0"/>
+            <a:r>
+              <a:rPr lang="en-US" sz="8000" baseline="0" dirty="0">
                 <a:ln w="3175" cmpd="sng">
                   <a:noFill/>
                 </a:ln>
-                <a:effectLst>
-                  <a:glow rad="38100">
-                    <a:schemeClr val="bg1">
-                      <a:lumMod val="65000"/>
-                      <a:lumOff val="35000"/>
-                      <a:alpha val="40000"/>
-                    </a:schemeClr>
-                  </a:glow>
-                  <a:outerShdw blurRad="28575" dist="38100" dir="14040000" algn="tl" rotWithShape="0">
-                    <a:srgbClr val="000000">
-                      <a:alpha val="25000"/>
-                    </a:srgbClr>
-                  </a:outerShdw>
-                </a:effectLst>
-              </a:defRPr>
-            </a:lvl1pPr>
-            <a:lvl2pPr>
-              <a:defRPr>
-                <a:solidFill>
-                  <a:schemeClr val="tx2"/>
-                </a:solidFill>
-              </a:defRPr>
-            </a:lvl2pPr>
-            <a:lvl3pPr>
-              <a:defRPr>
-                <a:solidFill>
-                  <a:schemeClr val="tx2"/>
-                </a:solidFill>
-              </a:defRPr>
-            </a:lvl3pPr>
-            <a:lvl4pPr>
-              <a:defRPr>
-                <a:solidFill>
-                  <a:schemeClr val="tx2"/>
-                </a:solidFill>
-              </a:defRPr>
-            </a:lvl4pPr>
-            <a:lvl5pPr>
-              <a:defRPr>
-                <a:solidFill>
-                  <a:schemeClr val="tx2"/>
-                </a:solidFill>
-              </a:defRPr>
-            </a:lvl5pPr>
-            <a:lvl6pPr>
-              <a:defRPr>
-                <a:solidFill>
-                  <a:schemeClr val="tx2"/>
-                </a:solidFill>
-              </a:defRPr>
-            </a:lvl6pPr>
-            <a:lvl7pPr>
-              <a:defRPr>
-                <a:solidFill>
-                  <a:schemeClr val="tx2"/>
-                </a:solidFill>
-              </a:defRPr>
-            </a:lvl7pPr>
-            <a:lvl8pPr>
-              <a:defRPr>
-                <a:solidFill>
-                  <a:schemeClr val="tx2"/>
-                </a:solidFill>
-              </a:defRPr>
-            </a:lvl8pPr>
-            <a:lvl9pPr>
-              <a:defRPr>
-                <a:solidFill>
-                  <a:schemeClr val="tx2"/>
-                </a:solidFill>
-              </a:defRPr>
-            </a:lvl9pPr>
-          </a:lstStyle>
-          <a:p>
-            <a:pPr lvl="0"/>
-            <a:r>
-              <a:rPr lang="en-US" sz="8000" dirty="0">
-                <a:solidFill>
-                  <a:schemeClr val="accent1"/>
-                </a:solidFill>
+                <a:solidFill>
+                  <a:schemeClr val="accent1">
+                    <a:lumMod val="60000"/>
+                    <a:lumOff val="40000"/>
+                  </a:schemeClr>
+                </a:solidFill>
+                <a:effectLst/>
+                <a:latin typeface="Arial"/>
               </a:rPr>
               <a:t>“</a:t>
             </a:r>
@@ -1091,13 +1512,13 @@
       </p:sp>
       <p:sp>
         <p:nvSpPr>
-          <p:cNvPr id="15" name="TextBox 14"/>
+          <p:cNvPr id="22" name="TextBox 21"/>
           <p:cNvSpPr txBox="1"/>
           <p:nvPr/>
         </p:nvSpPr>
         <p:spPr>
           <a:xfrm>
-            <a:off x="10437812" y="2743200"/>
+            <a:off x="8893011" y="2886556"/>
             <a:ext cx="609600" cy="584776"/>
           </a:xfrm>
           <a:prstGeom prst="rect">
@@ -1108,315 +1529,40 @@
           <a:bodyPr vert="horz" lIns="91440" tIns="45720" rIns="91440" bIns="45720" rtlCol="0" anchor="ctr">
             <a:noAutofit/>
           </a:bodyPr>
-          <a:lstStyle>
-            <a:lvl1pPr>
-              <a:spcBef>
-                <a:spcPct val="0"/>
-              </a:spcBef>
-              <a:buNone/>
-              <a:defRPr sz="3200" b="0" cap="all">
+          <a:lstStyle/>
+          <a:p>
+            <a:pPr lvl="0"/>
+            <a:r>
+              <a:rPr lang="en-US" sz="8000" baseline="0" dirty="0">
                 <a:ln w="3175" cmpd="sng">
                   <a:noFill/>
                 </a:ln>
-                <a:effectLst>
-                  <a:glow rad="38100">
-                    <a:schemeClr val="bg1">
-                      <a:lumMod val="65000"/>
-                      <a:lumOff val="35000"/>
-                      <a:alpha val="40000"/>
-                    </a:schemeClr>
-                  </a:glow>
-                  <a:outerShdw blurRad="28575" dist="38100" dir="14040000" algn="tl" rotWithShape="0">
-                    <a:srgbClr val="000000">
-                      <a:alpha val="25000"/>
-                    </a:srgbClr>
-                  </a:outerShdw>
-                </a:effectLst>
-              </a:defRPr>
-            </a:lvl1pPr>
-            <a:lvl2pPr>
-              <a:defRPr>
-                <a:solidFill>
-                  <a:schemeClr val="tx2"/>
-                </a:solidFill>
-              </a:defRPr>
-            </a:lvl2pPr>
-            <a:lvl3pPr>
-              <a:defRPr>
-                <a:solidFill>
-                  <a:schemeClr val="tx2"/>
-                </a:solidFill>
-              </a:defRPr>
-            </a:lvl3pPr>
-            <a:lvl4pPr>
-              <a:defRPr>
-                <a:solidFill>
-                  <a:schemeClr val="tx2"/>
-                </a:solidFill>
-              </a:defRPr>
-            </a:lvl4pPr>
-            <a:lvl5pPr>
-              <a:defRPr>
-                <a:solidFill>
-                  <a:schemeClr val="tx2"/>
-                </a:solidFill>
-              </a:defRPr>
-            </a:lvl5pPr>
-            <a:lvl6pPr>
-              <a:defRPr>
-                <a:solidFill>
-                  <a:schemeClr val="tx2"/>
-                </a:solidFill>
-              </a:defRPr>
-            </a:lvl6pPr>
-            <a:lvl7pPr>
-              <a:defRPr>
-                <a:solidFill>
-                  <a:schemeClr val="tx2"/>
-                </a:solidFill>
-              </a:defRPr>
-            </a:lvl7pPr>
-            <a:lvl8pPr>
-              <a:defRPr>
-                <a:solidFill>
-                  <a:schemeClr val="tx2"/>
-                </a:solidFill>
-              </a:defRPr>
-            </a:lvl8pPr>
-            <a:lvl9pPr>
-              <a:defRPr>
-                <a:solidFill>
-                  <a:schemeClr val="tx2"/>
-                </a:solidFill>
-              </a:defRPr>
-            </a:lvl9pPr>
-          </a:lstStyle>
-          <a:p>
-            <a:pPr lvl="0" algn="r"/>
-            <a:r>
-              <a:rPr lang="en-US" sz="8000" dirty="0">
-                <a:solidFill>
-                  <a:schemeClr val="accent1"/>
-                </a:solidFill>
+                <a:solidFill>
+                  <a:schemeClr val="accent1">
+                    <a:lumMod val="60000"/>
+                    <a:lumOff val="40000"/>
+                  </a:schemeClr>
+                </a:solidFill>
+                <a:latin typeface="Arial"/>
               </a:rPr>
               <a:t>”</a:t>
             </a:r>
-          </a:p>
-        </p:txBody>
-      </p:sp>
-      <p:sp>
-        <p:nvSpPr>
-          <p:cNvPr id="2" name="Title 1"/>
-          <p:cNvSpPr>
-            <a:spLocks noGrp="1"/>
-          </p:cNvSpPr>
-          <p:nvPr>
-            <p:ph type="title"/>
-          </p:nvPr>
-        </p:nvSpPr>
-        <p:spPr>
-          <a:xfrm>
-            <a:off x="1446213" y="609601"/>
-            <a:ext cx="9296398" cy="2743199"/>
-          </a:xfrm>
-        </p:spPr>
-        <p:txBody>
-          <a:bodyPr anchor="ctr">
-            <a:normAutofit/>
-          </a:bodyPr>
-          <a:lstStyle>
-            <a:lvl1pPr algn="l">
-              <a:defRPr sz="3200" b="0" cap="all">
-                <a:solidFill>
-                  <a:schemeClr val="tx1"/>
-                </a:solidFill>
-              </a:defRPr>
-            </a:lvl1pPr>
-          </a:lstStyle>
-          <a:p>
-            <a:r>
-              <a:rPr lang="de-DE"/>
-              <a:t>Mastertitelformat bearbeiten</a:t>
-            </a:r>
-            <a:endParaRPr lang="en-US" dirty="0"/>
-          </a:p>
-        </p:txBody>
-      </p:sp>
-      <p:sp>
-        <p:nvSpPr>
-          <p:cNvPr id="10" name="Text Placeholder 9"/>
-          <p:cNvSpPr>
-            <a:spLocks noGrp="1"/>
-          </p:cNvSpPr>
-          <p:nvPr>
-            <p:ph type="body" sz="quarter" idx="13"/>
-          </p:nvPr>
-        </p:nvSpPr>
-        <p:spPr>
-          <a:xfrm>
-            <a:off x="1674812" y="3352800"/>
-            <a:ext cx="8839202" cy="381000"/>
-          </a:xfrm>
-        </p:spPr>
-        <p:txBody>
-          <a:bodyPr anchor="ctr"/>
-          <a:lstStyle>
-            <a:lvl1pPr marL="0" indent="0">
-              <a:buFontTx/>
-              <a:buNone/>
-              <a:defRPr/>
-            </a:lvl1pPr>
-            <a:lvl2pPr marL="457200" indent="0">
-              <a:buFontTx/>
-              <a:buNone/>
-              <a:defRPr/>
-            </a:lvl2pPr>
-            <a:lvl3pPr marL="914400" indent="0">
-              <a:buFontTx/>
-              <a:buNone/>
-              <a:defRPr/>
-            </a:lvl3pPr>
-            <a:lvl4pPr marL="1371600" indent="0">
-              <a:buFontTx/>
-              <a:buNone/>
-              <a:defRPr/>
-            </a:lvl4pPr>
-            <a:lvl5pPr marL="1828800" indent="0">
-              <a:buFontTx/>
-              <a:buNone/>
-              <a:defRPr/>
-            </a:lvl5pPr>
-          </a:lstStyle>
-          <a:p>
-            <a:pPr lvl="0"/>
-            <a:r>
-              <a:rPr lang="de-DE"/>
-              <a:t>Mastertextformat bearbeiten</a:t>
-            </a:r>
-          </a:p>
-        </p:txBody>
-      </p:sp>
-      <p:sp>
-        <p:nvSpPr>
-          <p:cNvPr id="3" name="Text Placeholder 2"/>
-          <p:cNvSpPr>
-            <a:spLocks noGrp="1"/>
-          </p:cNvSpPr>
-          <p:nvPr>
-            <p:ph type="body" idx="1"/>
-          </p:nvPr>
-        </p:nvSpPr>
-        <p:spPr>
-          <a:xfrm>
-            <a:off x="1141411" y="4343400"/>
-            <a:ext cx="9906000" cy="1447800"/>
-          </a:xfrm>
-        </p:spPr>
-        <p:txBody>
-          <a:bodyPr vert="horz" lIns="91440" tIns="45720" rIns="91440" bIns="45720" rtlCol="0" anchor="ctr">
-            <a:normAutofit/>
-          </a:bodyPr>
-          <a:lstStyle>
-            <a:lvl1pPr>
-              <a:buNone/>
-              <a:defRPr lang="en-US" sz="2000">
-                <a:gradFill flip="none" rotWithShape="1">
-                  <a:gsLst>
-                    <a:gs pos="0">
-                      <a:schemeClr val="tx1"/>
-                    </a:gs>
-                    <a:gs pos="100000">
-                      <a:schemeClr val="tx1">
-                        <a:lumMod val="75000"/>
-                      </a:schemeClr>
-                    </a:gs>
-                  </a:gsLst>
-                  <a:lin ang="5400000" scaled="0"/>
-                  <a:tileRect/>
-                </a:gradFill>
-              </a:defRPr>
-            </a:lvl1pPr>
-          </a:lstStyle>
-          <a:p>
-            <a:pPr marL="0" lvl="0" indent="0">
-              <a:buNone/>
-            </a:pPr>
-            <a:r>
-              <a:rPr lang="de-DE"/>
-              <a:t>Mastertextformat bearbeiten</a:t>
-            </a:r>
-          </a:p>
-        </p:txBody>
-      </p:sp>
-      <p:sp>
-        <p:nvSpPr>
-          <p:cNvPr id="4" name="Date Placeholder 3"/>
-          <p:cNvSpPr>
-            <a:spLocks noGrp="1"/>
-          </p:cNvSpPr>
-          <p:nvPr>
-            <p:ph type="dt" sz="half" idx="10"/>
-          </p:nvPr>
-        </p:nvSpPr>
-        <p:spPr/>
-        <p:txBody>
-          <a:bodyPr/>
-          <a:lstStyle/>
-          <a:p>
-            <a:fld id="{8F4B2E75-2FCB-4C97-B382-4A78F9D9179D}" type="datetimeFigureOut">
-              <a:rPr lang="de-AT" smtClean="0"/>
-              <a:t>29.05.2024</a:t>
-            </a:fld>
-            <a:endParaRPr lang="de-AT"/>
-          </a:p>
-        </p:txBody>
-      </p:sp>
-      <p:sp>
-        <p:nvSpPr>
-          <p:cNvPr id="5" name="Footer Placeholder 4"/>
-          <p:cNvSpPr>
-            <a:spLocks noGrp="1"/>
-          </p:cNvSpPr>
-          <p:nvPr>
-            <p:ph type="ftr" sz="quarter" idx="11"/>
-          </p:nvPr>
-        </p:nvSpPr>
-        <p:spPr/>
-        <p:txBody>
-          <a:bodyPr/>
-          <a:lstStyle/>
-          <a:p>
-            <a:endParaRPr lang="de-AT"/>
-          </a:p>
-        </p:txBody>
-      </p:sp>
-      <p:sp>
-        <p:nvSpPr>
-          <p:cNvPr id="6" name="Slide Number Placeholder 5"/>
-          <p:cNvSpPr>
-            <a:spLocks noGrp="1"/>
-          </p:cNvSpPr>
-          <p:nvPr>
-            <p:ph type="sldNum" sz="quarter" idx="12"/>
-          </p:nvPr>
-        </p:nvSpPr>
-        <p:spPr/>
-        <p:txBody>
-          <a:bodyPr/>
-          <a:lstStyle/>
-          <a:p>
-            <a:fld id="{9A336AB9-841B-48F1-AAD0-348EEE8F5414}" type="slidenum">
-              <a:rPr lang="de-AT" smtClean="0"/>
-              <a:t>‹Nr.›</a:t>
-            </a:fld>
-            <a:endParaRPr lang="de-AT"/>
+            <a:endParaRPr lang="en-US" dirty="0">
+              <a:solidFill>
+                <a:schemeClr val="accent1">
+                  <a:lumMod val="60000"/>
+                  <a:lumOff val="40000"/>
+                </a:schemeClr>
+              </a:solidFill>
+              <a:latin typeface="Arial"/>
+            </a:endParaRPr>
           </a:p>
         </p:txBody>
       </p:sp>
     </p:spTree>
     <p:extLst>
       <p:ext uri="{BB962C8B-B14F-4D97-AF65-F5344CB8AC3E}">
-        <p14:creationId xmlns:p14="http://schemas.microsoft.com/office/powerpoint/2010/main" val="1240802610"/>
+        <p14:creationId xmlns:p14="http://schemas.microsoft.com/office/powerpoint/2010/main" val="2289523950"/>
       </p:ext>
     </p:extLst>
   </p:cSld>
@@ -1426,7 +1572,7 @@
 </p:sldLayout>
 </file>
 
-<file path=ppt/slideLayouts/slideLayout13.xml><?xml version="1.0" encoding="utf-8"?>
+<file path=ppt/slideLayouts/slideLayout12.xml><?xml version="1.0" encoding="utf-8"?>
 <p:sldLayout xmlns:a="http://schemas.openxmlformats.org/drawingml/2006/main" xmlns:r="http://schemas.openxmlformats.org/officeDocument/2006/relationships" xmlns:p="http://schemas.openxmlformats.org/presentationml/2006/main" preserve="1">
   <p:cSld name="Namenskarte">
     <p:spTree>
@@ -1455,8 +1601,8 @@
         </p:nvSpPr>
         <p:spPr>
           <a:xfrm>
-            <a:off x="1141412" y="3308581"/>
-            <a:ext cx="9906000" cy="1468800"/>
+            <a:off x="677335" y="1931988"/>
+            <a:ext cx="8596668" cy="2595460"/>
           </a:xfrm>
         </p:spPr>
         <p:txBody>
@@ -1465,7 +1611,7 @@
           </a:bodyPr>
           <a:lstStyle>
             <a:lvl1pPr algn="l">
-              <a:defRPr sz="3200" b="0" cap="all"/>
+              <a:defRPr sz="4400" b="0" cap="none"/>
             </a:lvl1pPr>
           </a:lstStyle>
           <a:p>
@@ -1489,38 +1635,109 @@
         </p:nvSpPr>
         <p:spPr>
           <a:xfrm>
-            <a:off x="1141410" y="4777381"/>
-            <a:ext cx="9906001" cy="860400"/>
+            <a:off x="677335" y="4527448"/>
+            <a:ext cx="8596668" cy="1513914"/>
           </a:xfrm>
         </p:spPr>
         <p:txBody>
-          <a:bodyPr vert="horz" lIns="91440" tIns="45720" rIns="91440" bIns="45720" rtlCol="0" anchor="t">
+          <a:bodyPr anchor="t">
             <a:normAutofit/>
           </a:bodyPr>
           <a:lstStyle>
-            <a:lvl1pPr>
-              <a:defRPr lang="en-US" sz="2000">
-                <a:gradFill flip="none" rotWithShape="1">
-                  <a:gsLst>
-                    <a:gs pos="0">
-                      <a:schemeClr val="tx1"/>
-                    </a:gs>
-                    <a:gs pos="100000">
-                      <a:schemeClr val="tx1">
-                        <a:lumMod val="75000"/>
-                      </a:schemeClr>
-                    </a:gs>
-                  </a:gsLst>
-                  <a:lin ang="5400000" scaled="0"/>
-                  <a:tileRect/>
-                </a:gradFill>
+            <a:lvl1pPr marL="0" indent="0" algn="l">
+              <a:buNone/>
+              <a:defRPr sz="1800">
+                <a:solidFill>
+                  <a:schemeClr val="tx1">
+                    <a:lumMod val="75000"/>
+                    <a:lumOff val="25000"/>
+                  </a:schemeClr>
+                </a:solidFill>
               </a:defRPr>
             </a:lvl1pPr>
+            <a:lvl2pPr marL="457200" indent="0">
+              <a:buNone/>
+              <a:defRPr sz="1800">
+                <a:solidFill>
+                  <a:schemeClr val="tx1">
+                    <a:tint val="75000"/>
+                  </a:schemeClr>
+                </a:solidFill>
+              </a:defRPr>
+            </a:lvl2pPr>
+            <a:lvl3pPr marL="914400" indent="0">
+              <a:buNone/>
+              <a:defRPr sz="1600">
+                <a:solidFill>
+                  <a:schemeClr val="tx1">
+                    <a:tint val="75000"/>
+                  </a:schemeClr>
+                </a:solidFill>
+              </a:defRPr>
+            </a:lvl3pPr>
+            <a:lvl4pPr marL="1371600" indent="0">
+              <a:buNone/>
+              <a:defRPr sz="1400">
+                <a:solidFill>
+                  <a:schemeClr val="tx1">
+                    <a:tint val="75000"/>
+                  </a:schemeClr>
+                </a:solidFill>
+              </a:defRPr>
+            </a:lvl4pPr>
+            <a:lvl5pPr marL="1828800" indent="0">
+              <a:buNone/>
+              <a:defRPr sz="1400">
+                <a:solidFill>
+                  <a:schemeClr val="tx1">
+                    <a:tint val="75000"/>
+                  </a:schemeClr>
+                </a:solidFill>
+              </a:defRPr>
+            </a:lvl5pPr>
+            <a:lvl6pPr marL="2286000" indent="0">
+              <a:buNone/>
+              <a:defRPr sz="1400">
+                <a:solidFill>
+                  <a:schemeClr val="tx1">
+                    <a:tint val="75000"/>
+                  </a:schemeClr>
+                </a:solidFill>
+              </a:defRPr>
+            </a:lvl6pPr>
+            <a:lvl7pPr marL="2743200" indent="0">
+              <a:buNone/>
+              <a:defRPr sz="1400">
+                <a:solidFill>
+                  <a:schemeClr val="tx1">
+                    <a:tint val="75000"/>
+                  </a:schemeClr>
+                </a:solidFill>
+              </a:defRPr>
+            </a:lvl7pPr>
+            <a:lvl8pPr marL="3200400" indent="0">
+              <a:buNone/>
+              <a:defRPr sz="1400">
+                <a:solidFill>
+                  <a:schemeClr val="tx1">
+                    <a:tint val="75000"/>
+                  </a:schemeClr>
+                </a:solidFill>
+              </a:defRPr>
+            </a:lvl8pPr>
+            <a:lvl9pPr marL="3657600" indent="0">
+              <a:buNone/>
+              <a:defRPr sz="1400">
+                <a:solidFill>
+                  <a:schemeClr val="tx1">
+                    <a:tint val="75000"/>
+                  </a:schemeClr>
+                </a:solidFill>
+              </a:defRPr>
+            </a:lvl9pPr>
           </a:lstStyle>
           <a:p>
-            <a:pPr marL="0" lvl="0" indent="0">
-              <a:buNone/>
-            </a:pPr>
+            <a:pPr lvl="0"/>
             <a:r>
               <a:rPr lang="de-DE"/>
               <a:t>Mastertextformat bearbeiten</a:t>
@@ -1545,7 +1762,7 @@
           <a:p>
             <a:fld id="{8F4B2E75-2FCB-4C97-B382-4A78F9D9179D}" type="datetimeFigureOut">
               <a:rPr lang="de-AT" smtClean="0"/>
-              <a:t>29.05.2024</a:t>
+              <a:t>30.05.2024</a:t>
             </a:fld>
             <a:endParaRPr lang="de-AT"/>
           </a:p>
@@ -1596,7 +1813,7 @@
     </p:spTree>
     <p:extLst>
       <p:ext uri="{BB962C8B-B14F-4D97-AF65-F5344CB8AC3E}">
-        <p14:creationId xmlns:p14="http://schemas.microsoft.com/office/powerpoint/2010/main" val="1056213004"/>
+        <p14:creationId xmlns:p14="http://schemas.microsoft.com/office/powerpoint/2010/main" val="2502348806"/>
       </p:ext>
     </p:extLst>
   </p:cSld>
@@ -1606,7 +1823,7 @@
 </p:sldLayout>
 </file>
 
-<file path=ppt/slideLayouts/slideLayout14.xml><?xml version="1.0" encoding="utf-8"?>
+<file path=ppt/slideLayouts/slideLayout13.xml><?xml version="1.0" encoding="utf-8"?>
 <p:sldLayout xmlns:a="http://schemas.openxmlformats.org/drawingml/2006/main" xmlns:r="http://schemas.openxmlformats.org/officeDocument/2006/relationships" xmlns:p="http://schemas.openxmlformats.org/presentationml/2006/main" preserve="1">
   <p:cSld name="Namenskarte für Zitat">
     <p:spTree>
@@ -1625,13 +1842,297 @@
       </p:grpSpPr>
       <p:sp>
         <p:nvSpPr>
-          <p:cNvPr id="14" name="TextBox 13"/>
+          <p:cNvPr id="2" name="Title 1"/>
+          <p:cNvSpPr>
+            <a:spLocks noGrp="1"/>
+          </p:cNvSpPr>
+          <p:nvPr>
+            <p:ph type="title"/>
+          </p:nvPr>
+        </p:nvSpPr>
+        <p:spPr>
+          <a:xfrm>
+            <a:off x="931334" y="609600"/>
+            <a:ext cx="8094134" cy="3022600"/>
+          </a:xfrm>
+        </p:spPr>
+        <p:txBody>
+          <a:bodyPr anchor="ctr">
+            <a:normAutofit/>
+          </a:bodyPr>
+          <a:lstStyle>
+            <a:lvl1pPr algn="l">
+              <a:defRPr sz="4400" b="0" cap="none"/>
+            </a:lvl1pPr>
+          </a:lstStyle>
+          <a:p>
+            <a:r>
+              <a:rPr lang="de-DE"/>
+              <a:t>Mastertitelformat bearbeiten</a:t>
+            </a:r>
+            <a:endParaRPr lang="en-US" dirty="0"/>
+          </a:p>
+        </p:txBody>
+      </p:sp>
+      <p:sp>
+        <p:nvSpPr>
+          <p:cNvPr id="23" name="Text Placeholder 9"/>
+          <p:cNvSpPr>
+            <a:spLocks noGrp="1"/>
+          </p:cNvSpPr>
+          <p:nvPr>
+            <p:ph type="body" sz="quarter" idx="13"/>
+          </p:nvPr>
+        </p:nvSpPr>
+        <p:spPr>
+          <a:xfrm>
+            <a:off x="677332" y="4013200"/>
+            <a:ext cx="8596669" cy="514248"/>
+          </a:xfrm>
+        </p:spPr>
+        <p:txBody>
+          <a:bodyPr anchor="b">
+            <a:noAutofit/>
+          </a:bodyPr>
+          <a:lstStyle>
+            <a:lvl1pPr marL="0" indent="0">
+              <a:buFontTx/>
+              <a:buNone/>
+              <a:defRPr sz="2400">
+                <a:solidFill>
+                  <a:schemeClr val="tx1">
+                    <a:lumMod val="75000"/>
+                    <a:lumOff val="25000"/>
+                  </a:schemeClr>
+                </a:solidFill>
+              </a:defRPr>
+            </a:lvl1pPr>
+            <a:lvl2pPr marL="457200" indent="0">
+              <a:buFontTx/>
+              <a:buNone/>
+              <a:defRPr/>
+            </a:lvl2pPr>
+            <a:lvl3pPr marL="914400" indent="0">
+              <a:buFontTx/>
+              <a:buNone/>
+              <a:defRPr/>
+            </a:lvl3pPr>
+            <a:lvl4pPr marL="1371600" indent="0">
+              <a:buFontTx/>
+              <a:buNone/>
+              <a:defRPr/>
+            </a:lvl4pPr>
+            <a:lvl5pPr marL="1828800" indent="0">
+              <a:buFontTx/>
+              <a:buNone/>
+              <a:defRPr/>
+            </a:lvl5pPr>
+          </a:lstStyle>
+          <a:p>
+            <a:pPr lvl="0"/>
+            <a:r>
+              <a:rPr lang="de-DE"/>
+              <a:t>Mastertextformat bearbeiten</a:t>
+            </a:r>
+          </a:p>
+        </p:txBody>
+      </p:sp>
+      <p:sp>
+        <p:nvSpPr>
+          <p:cNvPr id="3" name="Text Placeholder 2"/>
+          <p:cNvSpPr>
+            <a:spLocks noGrp="1"/>
+          </p:cNvSpPr>
+          <p:nvPr>
+            <p:ph type="body" idx="1"/>
+          </p:nvPr>
+        </p:nvSpPr>
+        <p:spPr>
+          <a:xfrm>
+            <a:off x="677335" y="4527448"/>
+            <a:ext cx="8596668" cy="1513914"/>
+          </a:xfrm>
+        </p:spPr>
+        <p:txBody>
+          <a:bodyPr anchor="t">
+            <a:normAutofit/>
+          </a:bodyPr>
+          <a:lstStyle>
+            <a:lvl1pPr marL="0" indent="0" algn="l">
+              <a:buNone/>
+              <a:defRPr sz="1800">
+                <a:solidFill>
+                  <a:schemeClr val="tx1">
+                    <a:lumMod val="50000"/>
+                    <a:lumOff val="50000"/>
+                  </a:schemeClr>
+                </a:solidFill>
+              </a:defRPr>
+            </a:lvl1pPr>
+            <a:lvl2pPr marL="457200" indent="0">
+              <a:buNone/>
+              <a:defRPr sz="1800">
+                <a:solidFill>
+                  <a:schemeClr val="tx1">
+                    <a:tint val="75000"/>
+                  </a:schemeClr>
+                </a:solidFill>
+              </a:defRPr>
+            </a:lvl2pPr>
+            <a:lvl3pPr marL="914400" indent="0">
+              <a:buNone/>
+              <a:defRPr sz="1600">
+                <a:solidFill>
+                  <a:schemeClr val="tx1">
+                    <a:tint val="75000"/>
+                  </a:schemeClr>
+                </a:solidFill>
+              </a:defRPr>
+            </a:lvl3pPr>
+            <a:lvl4pPr marL="1371600" indent="0">
+              <a:buNone/>
+              <a:defRPr sz="1400">
+                <a:solidFill>
+                  <a:schemeClr val="tx1">
+                    <a:tint val="75000"/>
+                  </a:schemeClr>
+                </a:solidFill>
+              </a:defRPr>
+            </a:lvl4pPr>
+            <a:lvl5pPr marL="1828800" indent="0">
+              <a:buNone/>
+              <a:defRPr sz="1400">
+                <a:solidFill>
+                  <a:schemeClr val="tx1">
+                    <a:tint val="75000"/>
+                  </a:schemeClr>
+                </a:solidFill>
+              </a:defRPr>
+            </a:lvl5pPr>
+            <a:lvl6pPr marL="2286000" indent="0">
+              <a:buNone/>
+              <a:defRPr sz="1400">
+                <a:solidFill>
+                  <a:schemeClr val="tx1">
+                    <a:tint val="75000"/>
+                  </a:schemeClr>
+                </a:solidFill>
+              </a:defRPr>
+            </a:lvl6pPr>
+            <a:lvl7pPr marL="2743200" indent="0">
+              <a:buNone/>
+              <a:defRPr sz="1400">
+                <a:solidFill>
+                  <a:schemeClr val="tx1">
+                    <a:tint val="75000"/>
+                  </a:schemeClr>
+                </a:solidFill>
+              </a:defRPr>
+            </a:lvl7pPr>
+            <a:lvl8pPr marL="3200400" indent="0">
+              <a:buNone/>
+              <a:defRPr sz="1400">
+                <a:solidFill>
+                  <a:schemeClr val="tx1">
+                    <a:tint val="75000"/>
+                  </a:schemeClr>
+                </a:solidFill>
+              </a:defRPr>
+            </a:lvl8pPr>
+            <a:lvl9pPr marL="3657600" indent="0">
+              <a:buNone/>
+              <a:defRPr sz="1400">
+                <a:solidFill>
+                  <a:schemeClr val="tx1">
+                    <a:tint val="75000"/>
+                  </a:schemeClr>
+                </a:solidFill>
+              </a:defRPr>
+            </a:lvl9pPr>
+          </a:lstStyle>
+          <a:p>
+            <a:pPr lvl="0"/>
+            <a:r>
+              <a:rPr lang="de-DE"/>
+              <a:t>Mastertextformat bearbeiten</a:t>
+            </a:r>
+          </a:p>
+        </p:txBody>
+      </p:sp>
+      <p:sp>
+        <p:nvSpPr>
+          <p:cNvPr id="4" name="Date Placeholder 3"/>
+          <p:cNvSpPr>
+            <a:spLocks noGrp="1"/>
+          </p:cNvSpPr>
+          <p:nvPr>
+            <p:ph type="dt" sz="half" idx="10"/>
+          </p:nvPr>
+        </p:nvSpPr>
+        <p:spPr/>
+        <p:txBody>
+          <a:bodyPr/>
+          <a:lstStyle/>
+          <a:p>
+            <a:fld id="{8F4B2E75-2FCB-4C97-B382-4A78F9D9179D}" type="datetimeFigureOut">
+              <a:rPr lang="de-AT" smtClean="0"/>
+              <a:t>30.05.2024</a:t>
+            </a:fld>
+            <a:endParaRPr lang="de-AT"/>
+          </a:p>
+        </p:txBody>
+      </p:sp>
+      <p:sp>
+        <p:nvSpPr>
+          <p:cNvPr id="5" name="Footer Placeholder 4"/>
+          <p:cNvSpPr>
+            <a:spLocks noGrp="1"/>
+          </p:cNvSpPr>
+          <p:nvPr>
+            <p:ph type="ftr" sz="quarter" idx="11"/>
+          </p:nvPr>
+        </p:nvSpPr>
+        <p:spPr/>
+        <p:txBody>
+          <a:bodyPr/>
+          <a:lstStyle/>
+          <a:p>
+            <a:endParaRPr lang="de-AT"/>
+          </a:p>
+        </p:txBody>
+      </p:sp>
+      <p:sp>
+        <p:nvSpPr>
+          <p:cNvPr id="6" name="Slide Number Placeholder 5"/>
+          <p:cNvSpPr>
+            <a:spLocks noGrp="1"/>
+          </p:cNvSpPr>
+          <p:nvPr>
+            <p:ph type="sldNum" sz="quarter" idx="12"/>
+          </p:nvPr>
+        </p:nvSpPr>
+        <p:spPr/>
+        <p:txBody>
+          <a:bodyPr/>
+          <a:lstStyle/>
+          <a:p>
+            <a:fld id="{9A336AB9-841B-48F1-AAD0-348EEE8F5414}" type="slidenum">
+              <a:rPr lang="de-AT" smtClean="0"/>
+              <a:t>‹Nr.›</a:t>
+            </a:fld>
+            <a:endParaRPr lang="de-AT"/>
+          </a:p>
+        </p:txBody>
+      </p:sp>
+      <p:sp>
+        <p:nvSpPr>
+          <p:cNvPr id="24" name="TextBox 23"/>
           <p:cNvSpPr txBox="1"/>
           <p:nvPr/>
         </p:nvSpPr>
         <p:spPr>
           <a:xfrm>
-            <a:off x="836612" y="786824"/>
+            <a:off x="541870" y="790378"/>
             <a:ext cx="609600" cy="584776"/>
           </a:xfrm>
           <a:prstGeom prst="rect">
@@ -1642,96 +2143,22 @@
           <a:bodyPr vert="horz" lIns="91440" tIns="45720" rIns="91440" bIns="45720" rtlCol="0" anchor="ctr">
             <a:noAutofit/>
           </a:bodyPr>
-          <a:lstStyle>
-            <a:lvl1pPr>
-              <a:spcBef>
-                <a:spcPct val="0"/>
-              </a:spcBef>
-              <a:buNone/>
-              <a:defRPr sz="3200" b="0" cap="all">
+          <a:lstStyle/>
+          <a:p>
+            <a:pPr lvl="0"/>
+            <a:r>
+              <a:rPr lang="en-US" sz="8000" baseline="0" dirty="0">
                 <a:ln w="3175" cmpd="sng">
                   <a:noFill/>
                 </a:ln>
-                <a:effectLst>
-                  <a:glow rad="38100">
-                    <a:schemeClr val="bg1">
-                      <a:lumMod val="65000"/>
-                      <a:lumOff val="35000"/>
-                      <a:alpha val="40000"/>
-                    </a:schemeClr>
-                  </a:glow>
-                  <a:outerShdw blurRad="28575" dist="38100" dir="14040000" algn="tl" rotWithShape="0">
-                    <a:srgbClr val="000000">
-                      <a:alpha val="25000"/>
-                    </a:srgbClr>
-                  </a:outerShdw>
-                </a:effectLst>
-              </a:defRPr>
-            </a:lvl1pPr>
-            <a:lvl2pPr>
-              <a:defRPr>
-                <a:solidFill>
-                  <a:schemeClr val="tx2"/>
-                </a:solidFill>
-              </a:defRPr>
-            </a:lvl2pPr>
-            <a:lvl3pPr>
-              <a:defRPr>
-                <a:solidFill>
-                  <a:schemeClr val="tx2"/>
-                </a:solidFill>
-              </a:defRPr>
-            </a:lvl3pPr>
-            <a:lvl4pPr>
-              <a:defRPr>
-                <a:solidFill>
-                  <a:schemeClr val="tx2"/>
-                </a:solidFill>
-              </a:defRPr>
-            </a:lvl4pPr>
-            <a:lvl5pPr>
-              <a:defRPr>
-                <a:solidFill>
-                  <a:schemeClr val="tx2"/>
-                </a:solidFill>
-              </a:defRPr>
-            </a:lvl5pPr>
-            <a:lvl6pPr>
-              <a:defRPr>
-                <a:solidFill>
-                  <a:schemeClr val="tx2"/>
-                </a:solidFill>
-              </a:defRPr>
-            </a:lvl6pPr>
-            <a:lvl7pPr>
-              <a:defRPr>
-                <a:solidFill>
-                  <a:schemeClr val="tx2"/>
-                </a:solidFill>
-              </a:defRPr>
-            </a:lvl7pPr>
-            <a:lvl8pPr>
-              <a:defRPr>
-                <a:solidFill>
-                  <a:schemeClr val="tx2"/>
-                </a:solidFill>
-              </a:defRPr>
-            </a:lvl8pPr>
-            <a:lvl9pPr>
-              <a:defRPr>
-                <a:solidFill>
-                  <a:schemeClr val="tx2"/>
-                </a:solidFill>
-              </a:defRPr>
-            </a:lvl9pPr>
-          </a:lstStyle>
-          <a:p>
-            <a:pPr lvl="0"/>
-            <a:r>
-              <a:rPr lang="en-US" sz="8000" dirty="0">
-                <a:solidFill>
-                  <a:schemeClr val="accent1"/>
-                </a:solidFill>
+                <a:solidFill>
+                  <a:schemeClr val="accent1">
+                    <a:lumMod val="60000"/>
+                    <a:lumOff val="40000"/>
+                  </a:schemeClr>
+                </a:solidFill>
+                <a:effectLst/>
+                <a:latin typeface="Arial"/>
               </a:rPr>
               <a:t>“</a:t>
             </a:r>
@@ -1740,13 +2167,13 @@
       </p:sp>
       <p:sp>
         <p:nvSpPr>
-          <p:cNvPr id="15" name="TextBox 14"/>
+          <p:cNvPr id="25" name="TextBox 24"/>
           <p:cNvSpPr txBox="1"/>
           <p:nvPr/>
         </p:nvSpPr>
         <p:spPr>
           <a:xfrm>
-            <a:off x="10437812" y="2743200"/>
+            <a:off x="8893011" y="2886556"/>
             <a:ext cx="609600" cy="584776"/>
           </a:xfrm>
           <a:prstGeom prst="rect">
@@ -1757,422 +2184,32 @@
           <a:bodyPr vert="horz" lIns="91440" tIns="45720" rIns="91440" bIns="45720" rtlCol="0" anchor="ctr">
             <a:noAutofit/>
           </a:bodyPr>
-          <a:lstStyle>
-            <a:lvl1pPr>
-              <a:spcBef>
-                <a:spcPct val="0"/>
-              </a:spcBef>
-              <a:buNone/>
-              <a:defRPr sz="3200" b="0" cap="all">
+          <a:lstStyle/>
+          <a:p>
+            <a:pPr lvl="0"/>
+            <a:r>
+              <a:rPr lang="en-US" sz="8000" baseline="0" dirty="0">
                 <a:ln w="3175" cmpd="sng">
                   <a:noFill/>
                 </a:ln>
-                <a:effectLst>
-                  <a:glow rad="38100">
-                    <a:schemeClr val="bg1">
-                      <a:lumMod val="65000"/>
-                      <a:lumOff val="35000"/>
-                      <a:alpha val="40000"/>
-                    </a:schemeClr>
-                  </a:glow>
-                  <a:outerShdw blurRad="28575" dist="38100" dir="14040000" algn="tl" rotWithShape="0">
-                    <a:srgbClr val="000000">
-                      <a:alpha val="25000"/>
-                    </a:srgbClr>
-                  </a:outerShdw>
-                </a:effectLst>
-              </a:defRPr>
-            </a:lvl1pPr>
-            <a:lvl2pPr>
-              <a:defRPr>
-                <a:solidFill>
-                  <a:schemeClr val="tx2"/>
-                </a:solidFill>
-              </a:defRPr>
-            </a:lvl2pPr>
-            <a:lvl3pPr>
-              <a:defRPr>
-                <a:solidFill>
-                  <a:schemeClr val="tx2"/>
-                </a:solidFill>
-              </a:defRPr>
-            </a:lvl3pPr>
-            <a:lvl4pPr>
-              <a:defRPr>
-                <a:solidFill>
-                  <a:schemeClr val="tx2"/>
-                </a:solidFill>
-              </a:defRPr>
-            </a:lvl4pPr>
-            <a:lvl5pPr>
-              <a:defRPr>
-                <a:solidFill>
-                  <a:schemeClr val="tx2"/>
-                </a:solidFill>
-              </a:defRPr>
-            </a:lvl5pPr>
-            <a:lvl6pPr>
-              <a:defRPr>
-                <a:solidFill>
-                  <a:schemeClr val="tx2"/>
-                </a:solidFill>
-              </a:defRPr>
-            </a:lvl6pPr>
-            <a:lvl7pPr>
-              <a:defRPr>
-                <a:solidFill>
-                  <a:schemeClr val="tx2"/>
-                </a:solidFill>
-              </a:defRPr>
-            </a:lvl7pPr>
-            <a:lvl8pPr>
-              <a:defRPr>
-                <a:solidFill>
-                  <a:schemeClr val="tx2"/>
-                </a:solidFill>
-              </a:defRPr>
-            </a:lvl8pPr>
-            <a:lvl9pPr>
-              <a:defRPr>
-                <a:solidFill>
-                  <a:schemeClr val="tx2"/>
-                </a:solidFill>
-              </a:defRPr>
-            </a:lvl9pPr>
-          </a:lstStyle>
-          <a:p>
-            <a:pPr lvl="0" algn="r"/>
-            <a:r>
-              <a:rPr lang="en-US" sz="8000" dirty="0">
-                <a:solidFill>
-                  <a:schemeClr val="accent1"/>
-                </a:solidFill>
+                <a:solidFill>
+                  <a:schemeClr val="accent1">
+                    <a:lumMod val="60000"/>
+                    <a:lumOff val="40000"/>
+                  </a:schemeClr>
+                </a:solidFill>
+                <a:effectLst/>
+                <a:latin typeface="Arial"/>
               </a:rPr>
               <a:t>”</a:t>
             </a:r>
-          </a:p>
-        </p:txBody>
-      </p:sp>
-      <p:sp>
-        <p:nvSpPr>
-          <p:cNvPr id="2" name="Title 1"/>
-          <p:cNvSpPr>
-            <a:spLocks noGrp="1"/>
-          </p:cNvSpPr>
-          <p:nvPr>
-            <p:ph type="title"/>
-          </p:nvPr>
-        </p:nvSpPr>
-        <p:spPr>
-          <a:xfrm>
-            <a:off x="1446213" y="609601"/>
-            <a:ext cx="9296398" cy="2743199"/>
-          </a:xfrm>
-        </p:spPr>
-        <p:txBody>
-          <a:bodyPr anchor="ctr">
-            <a:normAutofit/>
-          </a:bodyPr>
-          <a:lstStyle>
-            <a:lvl1pPr algn="l">
-              <a:defRPr sz="3200" b="0" cap="all">
-                <a:gradFill flip="none" rotWithShape="1">
-                  <a:gsLst>
-                    <a:gs pos="0">
-                      <a:schemeClr val="tx1"/>
-                    </a:gs>
-                    <a:gs pos="100000">
-                      <a:schemeClr val="tx1">
-                        <a:lumMod val="75000"/>
-                      </a:schemeClr>
-                    </a:gs>
-                  </a:gsLst>
-                  <a:lin ang="5400000" scaled="0"/>
-                  <a:tileRect/>
-                </a:gradFill>
-              </a:defRPr>
-            </a:lvl1pPr>
-          </a:lstStyle>
-          <a:p>
-            <a:r>
-              <a:rPr lang="de-DE"/>
-              <a:t>Mastertitelformat bearbeiten</a:t>
-            </a:r>
-            <a:endParaRPr lang="en-US" dirty="0"/>
-          </a:p>
-        </p:txBody>
-      </p:sp>
-      <p:sp>
-        <p:nvSpPr>
-          <p:cNvPr id="10" name="Text Placeholder 9"/>
-          <p:cNvSpPr>
-            <a:spLocks noGrp="1"/>
-          </p:cNvSpPr>
-          <p:nvPr>
-            <p:ph type="body" sz="quarter" idx="13"/>
-          </p:nvPr>
-        </p:nvSpPr>
-        <p:spPr>
-          <a:xfrm>
-            <a:off x="1141412" y="3886200"/>
-            <a:ext cx="9906000" cy="889000"/>
-          </a:xfrm>
-        </p:spPr>
-        <p:txBody>
-          <a:bodyPr vert="horz" lIns="91440" tIns="45720" rIns="91440" bIns="45720" rtlCol="0" anchor="b">
-            <a:normAutofit/>
-          </a:bodyPr>
-          <a:lstStyle>
-            <a:lvl1pPr>
-              <a:buNone/>
-              <a:defRPr lang="en-US" sz="2400" b="0" cap="all" dirty="0">
-                <a:ln w="3175" cmpd="sng">
-                  <a:noFill/>
-                </a:ln>
-                <a:gradFill flip="none" rotWithShape="1">
-                  <a:gsLst>
-                    <a:gs pos="0">
-                      <a:schemeClr val="tx1"/>
-                    </a:gs>
-                    <a:gs pos="100000">
-                      <a:schemeClr val="tx1">
-                        <a:lumMod val="75000"/>
-                      </a:schemeClr>
-                    </a:gs>
-                  </a:gsLst>
-                  <a:lin ang="5400000" scaled="0"/>
-                  <a:tileRect/>
-                </a:gradFill>
-                <a:effectLst>
-                  <a:glow rad="38100">
-                    <a:schemeClr val="bg1">
-                      <a:lumMod val="65000"/>
-                      <a:lumOff val="35000"/>
-                      <a:alpha val="40000"/>
-                    </a:schemeClr>
-                  </a:glow>
-                  <a:outerShdw blurRad="28575" dist="38100" dir="14040000" algn="tl" rotWithShape="0">
-                    <a:srgbClr val="000000">
-                      <a:alpha val="25000"/>
-                    </a:srgbClr>
-                  </a:outerShdw>
-                </a:effectLst>
-              </a:defRPr>
-            </a:lvl1pPr>
-          </a:lstStyle>
-          <a:p>
-            <a:pPr marL="0" lvl="0">
-              <a:spcBef>
-                <a:spcPct val="0"/>
-              </a:spcBef>
-              <a:buNone/>
-            </a:pPr>
-            <a:r>
-              <a:rPr lang="de-DE"/>
-              <a:t>Mastertextformat bearbeiten</a:t>
-            </a:r>
-          </a:p>
-        </p:txBody>
-      </p:sp>
-      <p:sp>
-        <p:nvSpPr>
-          <p:cNvPr id="3" name="Text Placeholder 2"/>
-          <p:cNvSpPr>
-            <a:spLocks noGrp="1"/>
-          </p:cNvSpPr>
-          <p:nvPr>
-            <p:ph type="body" idx="1"/>
-          </p:nvPr>
-        </p:nvSpPr>
-        <p:spPr>
-          <a:xfrm>
-            <a:off x="1141411" y="4775200"/>
-            <a:ext cx="9906000" cy="1016000"/>
-          </a:xfrm>
-        </p:spPr>
-        <p:txBody>
-          <a:bodyPr anchor="t">
-            <a:normAutofit/>
-          </a:bodyPr>
-          <a:lstStyle>
-            <a:lvl1pPr marL="0" indent="0" algn="l">
-              <a:buNone/>
-              <a:defRPr sz="1800">
-                <a:gradFill flip="none" rotWithShape="1">
-                  <a:gsLst>
-                    <a:gs pos="0">
-                      <a:schemeClr val="tx1"/>
-                    </a:gs>
-                    <a:gs pos="100000">
-                      <a:schemeClr val="tx1">
-                        <a:lumMod val="75000"/>
-                      </a:schemeClr>
-                    </a:gs>
-                  </a:gsLst>
-                  <a:lin ang="5400000" scaled="0"/>
-                  <a:tileRect/>
-                </a:gradFill>
-              </a:defRPr>
-            </a:lvl1pPr>
-            <a:lvl2pPr marL="457200" indent="0">
-              <a:buNone/>
-              <a:defRPr sz="1800">
-                <a:solidFill>
-                  <a:schemeClr val="tx1">
-                    <a:tint val="75000"/>
-                  </a:schemeClr>
-                </a:solidFill>
-              </a:defRPr>
-            </a:lvl2pPr>
-            <a:lvl3pPr marL="914400" indent="0">
-              <a:buNone/>
-              <a:defRPr sz="1600">
-                <a:solidFill>
-                  <a:schemeClr val="tx1">
-                    <a:tint val="75000"/>
-                  </a:schemeClr>
-                </a:solidFill>
-              </a:defRPr>
-            </a:lvl3pPr>
-            <a:lvl4pPr marL="1371600" indent="0">
-              <a:buNone/>
-              <a:defRPr sz="1400">
-                <a:solidFill>
-                  <a:schemeClr val="tx1">
-                    <a:tint val="75000"/>
-                  </a:schemeClr>
-                </a:solidFill>
-              </a:defRPr>
-            </a:lvl4pPr>
-            <a:lvl5pPr marL="1828800" indent="0">
-              <a:buNone/>
-              <a:defRPr sz="1400">
-                <a:solidFill>
-                  <a:schemeClr val="tx1">
-                    <a:tint val="75000"/>
-                  </a:schemeClr>
-                </a:solidFill>
-              </a:defRPr>
-            </a:lvl5pPr>
-            <a:lvl6pPr marL="2286000" indent="0">
-              <a:buNone/>
-              <a:defRPr sz="1400">
-                <a:solidFill>
-                  <a:schemeClr val="tx1">
-                    <a:tint val="75000"/>
-                  </a:schemeClr>
-                </a:solidFill>
-              </a:defRPr>
-            </a:lvl6pPr>
-            <a:lvl7pPr marL="2743200" indent="0">
-              <a:buNone/>
-              <a:defRPr sz="1400">
-                <a:solidFill>
-                  <a:schemeClr val="tx1">
-                    <a:tint val="75000"/>
-                  </a:schemeClr>
-                </a:solidFill>
-              </a:defRPr>
-            </a:lvl7pPr>
-            <a:lvl8pPr marL="3200400" indent="0">
-              <a:buNone/>
-              <a:defRPr sz="1400">
-                <a:solidFill>
-                  <a:schemeClr val="tx1">
-                    <a:tint val="75000"/>
-                  </a:schemeClr>
-                </a:solidFill>
-              </a:defRPr>
-            </a:lvl8pPr>
-            <a:lvl9pPr marL="3657600" indent="0">
-              <a:buNone/>
-              <a:defRPr sz="1400">
-                <a:solidFill>
-                  <a:schemeClr val="tx1">
-                    <a:tint val="75000"/>
-                  </a:schemeClr>
-                </a:solidFill>
-              </a:defRPr>
-            </a:lvl9pPr>
-          </a:lstStyle>
-          <a:p>
-            <a:pPr lvl="0"/>
-            <a:r>
-              <a:rPr lang="de-DE"/>
-              <a:t>Mastertextformat bearbeiten</a:t>
-            </a:r>
-          </a:p>
-        </p:txBody>
-      </p:sp>
-      <p:sp>
-        <p:nvSpPr>
-          <p:cNvPr id="4" name="Date Placeholder 3"/>
-          <p:cNvSpPr>
-            <a:spLocks noGrp="1"/>
-          </p:cNvSpPr>
-          <p:nvPr>
-            <p:ph type="dt" sz="half" idx="10"/>
-          </p:nvPr>
-        </p:nvSpPr>
-        <p:spPr/>
-        <p:txBody>
-          <a:bodyPr/>
-          <a:lstStyle/>
-          <a:p>
-            <a:fld id="{8F4B2E75-2FCB-4C97-B382-4A78F9D9179D}" type="datetimeFigureOut">
-              <a:rPr lang="de-AT" smtClean="0"/>
-              <a:t>29.05.2024</a:t>
-            </a:fld>
-            <a:endParaRPr lang="de-AT"/>
-          </a:p>
-        </p:txBody>
-      </p:sp>
-      <p:sp>
-        <p:nvSpPr>
-          <p:cNvPr id="5" name="Footer Placeholder 4"/>
-          <p:cNvSpPr>
-            <a:spLocks noGrp="1"/>
-          </p:cNvSpPr>
-          <p:nvPr>
-            <p:ph type="ftr" sz="quarter" idx="11"/>
-          </p:nvPr>
-        </p:nvSpPr>
-        <p:spPr/>
-        <p:txBody>
-          <a:bodyPr/>
-          <a:lstStyle/>
-          <a:p>
-            <a:endParaRPr lang="de-AT"/>
-          </a:p>
-        </p:txBody>
-      </p:sp>
-      <p:sp>
-        <p:nvSpPr>
-          <p:cNvPr id="6" name="Slide Number Placeholder 5"/>
-          <p:cNvSpPr>
-            <a:spLocks noGrp="1"/>
-          </p:cNvSpPr>
-          <p:nvPr>
-            <p:ph type="sldNum" sz="quarter" idx="12"/>
-          </p:nvPr>
-        </p:nvSpPr>
-        <p:spPr/>
-        <p:txBody>
-          <a:bodyPr/>
-          <a:lstStyle/>
-          <a:p>
-            <a:fld id="{9A336AB9-841B-48F1-AAD0-348EEE8F5414}" type="slidenum">
-              <a:rPr lang="de-AT" smtClean="0"/>
-              <a:t>‹Nr.›</a:t>
-            </a:fld>
-            <a:endParaRPr lang="de-AT"/>
           </a:p>
         </p:txBody>
       </p:sp>
     </p:spTree>
     <p:extLst>
       <p:ext uri="{BB962C8B-B14F-4D97-AF65-F5344CB8AC3E}">
-        <p14:creationId xmlns:p14="http://schemas.microsoft.com/office/powerpoint/2010/main" val="1528358127"/>
+        <p14:creationId xmlns:p14="http://schemas.microsoft.com/office/powerpoint/2010/main" val="762313770"/>
       </p:ext>
     </p:extLst>
   </p:cSld>
@@ -2182,7 +2219,7 @@
 </p:sldLayout>
 </file>
 
-<file path=ppt/slideLayouts/slideLayout15.xml><?xml version="1.0" encoding="utf-8"?>
+<file path=ppt/slideLayouts/slideLayout14.xml><?xml version="1.0" encoding="utf-8"?>
 <p:sldLayout xmlns:a="http://schemas.openxmlformats.org/drawingml/2006/main" xmlns:r="http://schemas.openxmlformats.org/officeDocument/2006/relationships" xmlns:p="http://schemas.openxmlformats.org/presentationml/2006/main" preserve="1">
   <p:cSld name="Wahr oder Falsch">
     <p:spTree>
@@ -2211,21 +2248,20 @@
         </p:nvSpPr>
         <p:spPr>
           <a:xfrm>
-            <a:off x="1141412" y="609601"/>
-            <a:ext cx="9905999" cy="2743199"/>
+            <a:off x="685799" y="609600"/>
+            <a:ext cx="8588203" cy="3022600"/>
           </a:xfrm>
         </p:spPr>
         <p:txBody>
-          <a:bodyPr vert="horz" lIns="91440" tIns="45720" rIns="91440" bIns="45720" rtlCol="0" anchor="ctr">
+          <a:bodyPr anchor="ctr">
             <a:normAutofit/>
           </a:bodyPr>
           <a:lstStyle>
-            <a:lvl1pPr>
-              <a:defRPr lang="en-US" b="0" dirty="0"/>
+            <a:lvl1pPr algn="l">
+              <a:defRPr sz="4400" b="0" cap="none"/>
             </a:lvl1pPr>
           </a:lstStyle>
           <a:p>
-            <a:pPr marL="0" lvl="0"/>
             <a:r>
               <a:rPr lang="de-DE"/>
               <a:t>Mastertitelformat bearbeiten</a:t>
@@ -2236,7 +2272,7 @@
       </p:sp>
       <p:sp>
         <p:nvSpPr>
-          <p:cNvPr id="10" name="Text Placeholder 9"/>
+          <p:cNvPr id="23" name="Text Placeholder 9"/>
           <p:cNvSpPr>
             <a:spLocks noGrp="1"/>
           </p:cNvSpPr>
@@ -2246,59 +2282,47 @@
         </p:nvSpPr>
         <p:spPr>
           <a:xfrm>
-            <a:off x="1141412" y="3505200"/>
-            <a:ext cx="9906000" cy="838200"/>
+            <a:off x="677332" y="4013200"/>
+            <a:ext cx="8596669" cy="514248"/>
           </a:xfrm>
         </p:spPr>
         <p:txBody>
-          <a:bodyPr vert="horz" lIns="91440" tIns="45720" rIns="91440" bIns="45720" rtlCol="0" anchor="b">
-            <a:normAutofit/>
+          <a:bodyPr anchor="b">
+            <a:noAutofit/>
           </a:bodyPr>
           <a:lstStyle>
-            <a:lvl1pPr>
-              <a:buNone/>
-              <a:defRPr lang="en-US" sz="2800" b="0" cap="all" dirty="0">
-                <a:ln w="3175" cmpd="sng">
-                  <a:noFill/>
-                </a:ln>
-                <a:gradFill flip="none" rotWithShape="1">
-                  <a:gsLst>
-                    <a:gs pos="0">
-                      <a:schemeClr val="tx1"/>
-                    </a:gs>
-                    <a:gs pos="100000">
-                      <a:schemeClr val="tx1">
-                        <a:lumMod val="75000"/>
-                      </a:schemeClr>
-                    </a:gs>
-                  </a:gsLst>
-                  <a:lin ang="5400000" scaled="0"/>
-                  <a:tileRect/>
-                </a:gradFill>
-                <a:effectLst>
-                  <a:glow rad="38100">
-                    <a:schemeClr val="bg1">
-                      <a:lumMod val="65000"/>
-                      <a:lumOff val="35000"/>
-                      <a:alpha val="40000"/>
-                    </a:schemeClr>
-                  </a:glow>
-                  <a:outerShdw blurRad="28575" dist="38100" dir="14040000" algn="tl" rotWithShape="0">
-                    <a:srgbClr val="000000">
-                      <a:alpha val="25000"/>
-                    </a:srgbClr>
-                  </a:outerShdw>
-                </a:effectLst>
+            <a:lvl1pPr marL="0" indent="0">
+              <a:buFontTx/>
+              <a:buNone/>
+              <a:defRPr sz="2400">
+                <a:solidFill>
+                  <a:schemeClr val="accent1"/>
+                </a:solidFill>
               </a:defRPr>
             </a:lvl1pPr>
+            <a:lvl2pPr marL="457200" indent="0">
+              <a:buFontTx/>
+              <a:buNone/>
+              <a:defRPr/>
+            </a:lvl2pPr>
+            <a:lvl3pPr marL="914400" indent="0">
+              <a:buFontTx/>
+              <a:buNone/>
+              <a:defRPr/>
+            </a:lvl3pPr>
+            <a:lvl4pPr marL="1371600" indent="0">
+              <a:buFontTx/>
+              <a:buNone/>
+              <a:defRPr/>
+            </a:lvl4pPr>
+            <a:lvl5pPr marL="1828800" indent="0">
+              <a:buFontTx/>
+              <a:buNone/>
+              <a:defRPr/>
+            </a:lvl5pPr>
           </a:lstStyle>
           <a:p>
-            <a:pPr marL="0" lvl="0">
-              <a:spcBef>
-                <a:spcPct val="0"/>
-              </a:spcBef>
-              <a:buNone/>
-            </a:pPr>
+            <a:pPr lvl="0"/>
             <a:r>
               <a:rPr lang="de-DE"/>
               <a:t>Mastertextformat bearbeiten</a:t>
@@ -2318,8 +2342,8 @@
         </p:nvSpPr>
         <p:spPr>
           <a:xfrm>
-            <a:off x="1141411" y="4343400"/>
-            <a:ext cx="9906000" cy="1447800"/>
+            <a:off x="677335" y="4527448"/>
+            <a:ext cx="8596668" cy="1513914"/>
           </a:xfrm>
         </p:spPr>
         <p:txBody>
@@ -2330,20 +2354,12 @@
             <a:lvl1pPr marL="0" indent="0" algn="l">
               <a:buNone/>
               <a:defRPr sz="1800">
-                <a:gradFill flip="none" rotWithShape="1">
-                  <a:gsLst>
-                    <a:gs pos="0">
-                      <a:schemeClr val="tx1"/>
-                    </a:gs>
-                    <a:gs pos="100000">
-                      <a:schemeClr val="tx1">
-                        <a:lumMod val="75000"/>
-                      </a:schemeClr>
-                    </a:gs>
-                  </a:gsLst>
-                  <a:lin ang="5400000" scaled="0"/>
-                  <a:tileRect/>
-                </a:gradFill>
+                <a:solidFill>
+                  <a:schemeClr val="tx1">
+                    <a:lumMod val="50000"/>
+                    <a:lumOff val="50000"/>
+                  </a:schemeClr>
+                </a:solidFill>
               </a:defRPr>
             </a:lvl1pPr>
             <a:lvl2pPr marL="457200" indent="0">
@@ -2453,7 +2469,7 @@
           <a:p>
             <a:fld id="{8F4B2E75-2FCB-4C97-B382-4A78F9D9179D}" type="datetimeFigureOut">
               <a:rPr lang="de-AT" smtClean="0"/>
-              <a:t>29.05.2024</a:t>
+              <a:t>30.05.2024</a:t>
             </a:fld>
             <a:endParaRPr lang="de-AT"/>
           </a:p>
@@ -2504,7 +2520,7 @@
     </p:spTree>
     <p:extLst>
       <p:ext uri="{BB962C8B-B14F-4D97-AF65-F5344CB8AC3E}">
-        <p14:creationId xmlns:p14="http://schemas.microsoft.com/office/powerpoint/2010/main" val="2746098538"/>
+        <p14:creationId xmlns:p14="http://schemas.microsoft.com/office/powerpoint/2010/main" val="3759217697"/>
       </p:ext>
     </p:extLst>
   </p:cSld>
@@ -2514,7 +2530,7 @@
 </p:sldLayout>
 </file>
 
-<file path=ppt/slideLayouts/slideLayout16.xml><?xml version="1.0" encoding="utf-8"?>
+<file path=ppt/slideLayouts/slideLayout15.xml><?xml version="1.0" encoding="utf-8"?>
 <p:sldLayout xmlns:a="http://schemas.openxmlformats.org/drawingml/2006/main" xmlns:r="http://schemas.openxmlformats.org/officeDocument/2006/relationships" xmlns:p="http://schemas.openxmlformats.org/presentationml/2006/main" type="vertTx" preserve="1">
   <p:cSld name="Titel und vertikaler Text">
     <p:spTree>
@@ -2533,7 +2549,7 @@
       </p:grpSpPr>
       <p:sp>
         <p:nvSpPr>
-          <p:cNvPr id="7" name="Title 1"/>
+          <p:cNvPr id="2" name="Title 1"/>
           <p:cNvSpPr>
             <a:spLocks noGrp="1"/>
           </p:cNvSpPr>
@@ -2541,24 +2557,13 @@
             <p:ph type="title"/>
           </p:nvPr>
         </p:nvSpPr>
-        <p:spPr>
-          <a:xfrm>
-            <a:off x="1141413" y="609600"/>
-            <a:ext cx="9905998" cy="1905000"/>
-          </a:xfrm>
-        </p:spPr>
+        <p:spPr/>
         <p:txBody>
           <a:bodyPr/>
-          <a:lstStyle>
-            <a:lvl1pPr>
-              <a:defRPr>
-                <a:latin typeface="Calibri (Textkörper)"/>
-              </a:defRPr>
-            </a:lvl1pPr>
-          </a:lstStyle>
-          <a:p>
-            <a:r>
-              <a:rPr lang="de-DE" dirty="0"/>
+          <a:lstStyle/>
+          <a:p>
+            <a:r>
+              <a:rPr lang="de-DE"/>
               <a:t>Mastertitelformat bearbeiten</a:t>
             </a:r>
             <a:endParaRPr lang="en-US" dirty="0"/>
@@ -2577,66 +2582,40 @@
         </p:nvSpPr>
         <p:spPr/>
         <p:txBody>
-          <a:bodyPr vert="eaVert" anchor="t"/>
-          <a:lstStyle>
-            <a:lvl1pPr>
-              <a:defRPr>
-                <a:latin typeface="Calibri (Textkörper)"/>
-              </a:defRPr>
-            </a:lvl1pPr>
-            <a:lvl2pPr>
-              <a:defRPr>
-                <a:latin typeface="Calibri (Textkörper)"/>
-              </a:defRPr>
-            </a:lvl2pPr>
-            <a:lvl3pPr>
-              <a:defRPr>
-                <a:latin typeface="Calibri (Textkörper)"/>
-              </a:defRPr>
-            </a:lvl3pPr>
-            <a:lvl4pPr>
-              <a:defRPr>
-                <a:latin typeface="Calibri (Textkörper)"/>
-              </a:defRPr>
-            </a:lvl4pPr>
-            <a:lvl5pPr>
-              <a:defRPr>
-                <a:latin typeface="Calibri (Textkörper)"/>
-              </a:defRPr>
-            </a:lvl5pPr>
-          </a:lstStyle>
+          <a:bodyPr vert="eaVert"/>
+          <a:lstStyle/>
           <a:p>
             <a:pPr lvl="0"/>
             <a:r>
-              <a:rPr lang="de-DE" dirty="0"/>
+              <a:rPr lang="de-DE"/>
               <a:t>Mastertextformat bearbeiten</a:t>
             </a:r>
           </a:p>
           <a:p>
             <a:pPr lvl="1"/>
             <a:r>
-              <a:rPr lang="de-DE" dirty="0"/>
+              <a:rPr lang="de-DE"/>
               <a:t>Zweite Ebene</a:t>
             </a:r>
           </a:p>
           <a:p>
             <a:pPr lvl="2"/>
             <a:r>
-              <a:rPr lang="de-DE" dirty="0"/>
+              <a:rPr lang="de-DE"/>
               <a:t>Dritte Ebene</a:t>
             </a:r>
           </a:p>
           <a:p>
             <a:pPr lvl="3"/>
             <a:r>
-              <a:rPr lang="de-DE" dirty="0"/>
+              <a:rPr lang="de-DE"/>
               <a:t>Vierte Ebene</a:t>
             </a:r>
           </a:p>
           <a:p>
             <a:pPr lvl="4"/>
             <a:r>
-              <a:rPr lang="de-DE" dirty="0"/>
+              <a:rPr lang="de-DE"/>
               <a:t>Fünfte Ebene</a:t>
             </a:r>
             <a:endParaRPr lang="en-US" dirty="0"/>
@@ -2660,7 +2639,7 @@
           <a:p>
             <a:fld id="{8F4B2E75-2FCB-4C97-B382-4A78F9D9179D}" type="datetimeFigureOut">
               <a:rPr lang="de-AT" smtClean="0"/>
-              <a:t>29.05.2024</a:t>
+              <a:t>30.05.2024</a:t>
             </a:fld>
             <a:endParaRPr lang="de-AT"/>
           </a:p>
@@ -2711,7 +2690,7 @@
     </p:spTree>
     <p:extLst>
       <p:ext uri="{BB962C8B-B14F-4D97-AF65-F5344CB8AC3E}">
-        <p14:creationId xmlns:p14="http://schemas.microsoft.com/office/powerpoint/2010/main" val="2480391214"/>
+        <p14:creationId xmlns:p14="http://schemas.microsoft.com/office/powerpoint/2010/main" val="91260313"/>
       </p:ext>
     </p:extLst>
   </p:cSld>
@@ -2721,7 +2700,7 @@
 </p:sldLayout>
 </file>
 
-<file path=ppt/slideLayouts/slideLayout17.xml><?xml version="1.0" encoding="utf-8"?>
+<file path=ppt/slideLayouts/slideLayout16.xml><?xml version="1.0" encoding="utf-8"?>
 <p:sldLayout xmlns:a="http://schemas.openxmlformats.org/drawingml/2006/main" xmlns:r="http://schemas.openxmlformats.org/officeDocument/2006/relationships" xmlns:p="http://schemas.openxmlformats.org/presentationml/2006/main" type="vertTitleAndTx" preserve="1">
   <p:cSld name="Vertikaler Titel und Text">
     <p:spTree>
@@ -2750,12 +2729,12 @@
         </p:nvSpPr>
         <p:spPr>
           <a:xfrm>
-            <a:off x="8836898" y="609599"/>
-            <a:ext cx="2210514" cy="5181601"/>
+            <a:off x="7967673" y="609599"/>
+            <a:ext cx="1304743" cy="5251451"/>
           </a:xfrm>
         </p:spPr>
         <p:txBody>
-          <a:bodyPr vert="eaVert"/>
+          <a:bodyPr vert="eaVert" anchor="ctr"/>
           <a:lstStyle/>
           <a:p>
             <a:r>
@@ -2778,12 +2757,12 @@
         </p:nvSpPr>
         <p:spPr>
           <a:xfrm>
-            <a:off x="1141412" y="609600"/>
-            <a:ext cx="7543800" cy="5181600"/>
+            <a:off x="677335" y="609600"/>
+            <a:ext cx="7060150" cy="5251450"/>
           </a:xfrm>
         </p:spPr>
         <p:txBody>
-          <a:bodyPr vert="eaVert" anchor="t"/>
+          <a:bodyPr vert="eaVert"/>
           <a:lstStyle/>
           <a:p>
             <a:pPr lvl="0"/>
@@ -2840,7 +2819,7 @@
           <a:p>
             <a:fld id="{8F4B2E75-2FCB-4C97-B382-4A78F9D9179D}" type="datetimeFigureOut">
               <a:rPr lang="de-AT" smtClean="0"/>
-              <a:t>29.05.2024</a:t>
+              <a:t>30.05.2024</a:t>
             </a:fld>
             <a:endParaRPr lang="de-AT"/>
           </a:p>
@@ -2891,7 +2870,7 @@
     </p:spTree>
     <p:extLst>
       <p:ext uri="{BB962C8B-B14F-4D97-AF65-F5344CB8AC3E}">
-        <p14:creationId xmlns:p14="http://schemas.microsoft.com/office/powerpoint/2010/main" val="33256143"/>
+        <p14:creationId xmlns:p14="http://schemas.microsoft.com/office/powerpoint/2010/main" val="3706207883"/>
       </p:ext>
     </p:extLst>
   </p:cSld>
@@ -2930,17 +2909,17 @@
         </p:nvSpPr>
         <p:spPr/>
         <p:txBody>
-          <a:bodyPr/>
+          <a:bodyPr>
+            <a:normAutofit/>
+          </a:bodyPr>
           <a:lstStyle>
             <a:lvl1pPr>
-              <a:defRPr>
-                <a:latin typeface="Calibri (Textkörper)"/>
-              </a:defRPr>
+              <a:defRPr sz="3600"/>
             </a:lvl1pPr>
           </a:lstStyle>
           <a:p>
             <a:r>
-              <a:rPr lang="de-DE" dirty="0"/>
+              <a:rPr lang="de-DE"/>
               <a:t>Mastertitelformat bearbeiten</a:t>
             </a:r>
             <a:endParaRPr lang="en-US" dirty="0"/>
@@ -2959,66 +2938,40 @@
         </p:nvSpPr>
         <p:spPr/>
         <p:txBody>
-          <a:bodyPr anchor="ctr"/>
-          <a:lstStyle>
-            <a:lvl1pPr>
-              <a:defRPr>
-                <a:latin typeface="Calibri (Textkörper)"/>
-              </a:defRPr>
-            </a:lvl1pPr>
-            <a:lvl2pPr>
-              <a:defRPr>
-                <a:latin typeface="Calibri (Textkörper)"/>
-              </a:defRPr>
-            </a:lvl2pPr>
-            <a:lvl3pPr>
-              <a:defRPr>
-                <a:latin typeface="Calibri (Textkörper)"/>
-              </a:defRPr>
-            </a:lvl3pPr>
-            <a:lvl4pPr>
-              <a:defRPr>
-                <a:latin typeface="Calibri (Textkörper)"/>
-              </a:defRPr>
-            </a:lvl4pPr>
-            <a:lvl5pPr>
-              <a:defRPr>
-                <a:latin typeface="Calibri (Textkörper)"/>
-              </a:defRPr>
-            </a:lvl5pPr>
-          </a:lstStyle>
+          <a:bodyPr/>
+          <a:lstStyle/>
           <a:p>
             <a:pPr lvl="0"/>
             <a:r>
-              <a:rPr lang="de-DE" dirty="0"/>
+              <a:rPr lang="de-DE"/>
               <a:t>Mastertextformat bearbeiten</a:t>
             </a:r>
           </a:p>
           <a:p>
             <a:pPr lvl="1"/>
             <a:r>
-              <a:rPr lang="de-DE" dirty="0"/>
+              <a:rPr lang="de-DE"/>
               <a:t>Zweite Ebene</a:t>
             </a:r>
           </a:p>
           <a:p>
             <a:pPr lvl="2"/>
             <a:r>
-              <a:rPr lang="de-DE" dirty="0"/>
+              <a:rPr lang="de-DE"/>
               <a:t>Dritte Ebene</a:t>
             </a:r>
           </a:p>
           <a:p>
             <a:pPr lvl="3"/>
             <a:r>
-              <a:rPr lang="de-DE" dirty="0"/>
+              <a:rPr lang="de-DE"/>
               <a:t>Vierte Ebene</a:t>
             </a:r>
           </a:p>
           <a:p>
             <a:pPr lvl="4"/>
             <a:r>
-              <a:rPr lang="de-DE" dirty="0"/>
+              <a:rPr lang="de-DE"/>
               <a:t>Fünfte Ebene</a:t>
             </a:r>
             <a:endParaRPr lang="en-US" dirty="0"/>
@@ -3042,7 +2995,7 @@
           <a:p>
             <a:fld id="{8F4B2E75-2FCB-4C97-B382-4A78F9D9179D}" type="datetimeFigureOut">
               <a:rPr lang="de-AT" smtClean="0"/>
-              <a:t>29.05.2024</a:t>
+              <a:t>30.05.2024</a:t>
             </a:fld>
             <a:endParaRPr lang="de-AT"/>
           </a:p>
@@ -3093,7 +3046,7 @@
     </p:spTree>
     <p:extLst>
       <p:ext uri="{BB962C8B-B14F-4D97-AF65-F5344CB8AC3E}">
-        <p14:creationId xmlns:p14="http://schemas.microsoft.com/office/powerpoint/2010/main" val="1058764947"/>
+        <p14:creationId xmlns:p14="http://schemas.microsoft.com/office/powerpoint/2010/main" val="3065741053"/>
       </p:ext>
     </p:extLst>
   </p:cSld>
@@ -3132,15 +3085,15 @@
         </p:nvSpPr>
         <p:spPr>
           <a:xfrm>
-            <a:off x="1751013" y="3308581"/>
-            <a:ext cx="8686800" cy="1468800"/>
+            <a:off x="677335" y="2700867"/>
+            <a:ext cx="8596668" cy="1826581"/>
           </a:xfrm>
         </p:spPr>
         <p:txBody>
           <a:bodyPr anchor="b"/>
           <a:lstStyle>
-            <a:lvl1pPr algn="r">
-              <a:defRPr sz="4000" b="0" cap="all"/>
+            <a:lvl1pPr algn="l">
+              <a:defRPr sz="4000" b="0" cap="none"/>
             </a:lvl1pPr>
           </a:lstStyle>
           <a:p>
@@ -3164,32 +3117,22 @@
         </p:nvSpPr>
         <p:spPr>
           <a:xfrm>
-            <a:off x="1751011" y="4777381"/>
-            <a:ext cx="8686801" cy="860400"/>
+            <a:off x="677335" y="4527448"/>
+            <a:ext cx="8596668" cy="860400"/>
           </a:xfrm>
         </p:spPr>
         <p:txBody>
-          <a:bodyPr anchor="t">
-            <a:normAutofit/>
-          </a:bodyPr>
+          <a:bodyPr anchor="t"/>
           <a:lstStyle>
-            <a:lvl1pPr marL="0" indent="0" algn="r">
+            <a:lvl1pPr marL="0" indent="0" algn="l">
               <a:buNone/>
               <a:defRPr sz="2000">
-                <a:gradFill flip="none" rotWithShape="1">
-                  <a:gsLst>
-                    <a:gs pos="0">
-                      <a:schemeClr val="tx1"/>
-                    </a:gs>
-                    <a:gs pos="100000">
-                      <a:schemeClr val="tx1">
-                        <a:lumMod val="75000"/>
-                      </a:schemeClr>
-                    </a:gs>
-                  </a:gsLst>
-                  <a:lin ang="5400000" scaled="0"/>
-                  <a:tileRect/>
-                </a:gradFill>
+                <a:solidFill>
+                  <a:schemeClr val="tx1">
+                    <a:lumMod val="50000"/>
+                    <a:lumOff val="50000"/>
+                  </a:schemeClr>
+                </a:solidFill>
               </a:defRPr>
             </a:lvl1pPr>
             <a:lvl2pPr marL="457200" indent="0">
@@ -3299,7 +3242,7 @@
           <a:p>
             <a:fld id="{8F4B2E75-2FCB-4C97-B382-4A78F9D9179D}" type="datetimeFigureOut">
               <a:rPr lang="de-AT" smtClean="0"/>
-              <a:t>29.05.2024</a:t>
+              <a:t>30.05.2024</a:t>
             </a:fld>
             <a:endParaRPr lang="de-AT"/>
           </a:p>
@@ -3350,7 +3293,7 @@
     </p:spTree>
     <p:extLst>
       <p:ext uri="{BB962C8B-B14F-4D97-AF65-F5344CB8AC3E}">
-        <p14:creationId xmlns:p14="http://schemas.microsoft.com/office/powerpoint/2010/main" val="1843257159"/>
+        <p14:creationId xmlns:p14="http://schemas.microsoft.com/office/powerpoint/2010/main" val="2005018036"/>
       </p:ext>
     </p:extLst>
   </p:cSld>
@@ -3412,43 +3355,13 @@
         </p:nvSpPr>
         <p:spPr>
           <a:xfrm>
-            <a:off x="1141412" y="2666999"/>
-            <a:ext cx="4876800" cy="3124201"/>
+            <a:off x="677334" y="2160589"/>
+            <a:ext cx="4184035" cy="3880772"/>
           </a:xfrm>
         </p:spPr>
         <p:txBody>
-          <a:bodyPr>
-            <a:normAutofit/>
-          </a:bodyPr>
-          <a:lstStyle>
-            <a:lvl1pPr>
-              <a:defRPr sz="1800"/>
-            </a:lvl1pPr>
-            <a:lvl2pPr>
-              <a:defRPr sz="1600"/>
-            </a:lvl2pPr>
-            <a:lvl3pPr>
-              <a:defRPr sz="1400"/>
-            </a:lvl3pPr>
-            <a:lvl4pPr>
-              <a:defRPr sz="1200"/>
-            </a:lvl4pPr>
-            <a:lvl5pPr>
-              <a:defRPr sz="1200"/>
-            </a:lvl5pPr>
-            <a:lvl6pPr>
-              <a:defRPr sz="1200"/>
-            </a:lvl6pPr>
-            <a:lvl7pPr>
-              <a:defRPr sz="1200"/>
-            </a:lvl7pPr>
-            <a:lvl8pPr>
-              <a:defRPr sz="1200"/>
-            </a:lvl8pPr>
-            <a:lvl9pPr>
-              <a:defRPr sz="1200"/>
-            </a:lvl9pPr>
-          </a:lstStyle>
+          <a:bodyPr/>
+          <a:lstStyle/>
           <a:p>
             <a:pPr lvl="0"/>
             <a:r>
@@ -3499,43 +3412,13 @@
         </p:nvSpPr>
         <p:spPr>
           <a:xfrm>
-            <a:off x="6170612" y="2667000"/>
-            <a:ext cx="4876800" cy="3124200"/>
+            <a:off x="5089970" y="2160589"/>
+            <a:ext cx="4184034" cy="3880773"/>
           </a:xfrm>
         </p:spPr>
         <p:txBody>
-          <a:bodyPr>
-            <a:normAutofit/>
-          </a:bodyPr>
-          <a:lstStyle>
-            <a:lvl1pPr>
-              <a:defRPr sz="1800"/>
-            </a:lvl1pPr>
-            <a:lvl2pPr>
-              <a:defRPr sz="1600"/>
-            </a:lvl2pPr>
-            <a:lvl3pPr>
-              <a:defRPr sz="1400"/>
-            </a:lvl3pPr>
-            <a:lvl4pPr>
-              <a:defRPr sz="1200"/>
-            </a:lvl4pPr>
-            <a:lvl5pPr>
-              <a:defRPr sz="1200"/>
-            </a:lvl5pPr>
-            <a:lvl6pPr>
-              <a:defRPr sz="1200"/>
-            </a:lvl6pPr>
-            <a:lvl7pPr>
-              <a:defRPr sz="1200"/>
-            </a:lvl7pPr>
-            <a:lvl8pPr>
-              <a:defRPr sz="1200"/>
-            </a:lvl8pPr>
-            <a:lvl9pPr>
-              <a:defRPr sz="1200"/>
-            </a:lvl9pPr>
-          </a:lstStyle>
+          <a:bodyPr/>
+          <a:lstStyle/>
           <a:p>
             <a:pPr lvl="0"/>
             <a:r>
@@ -3591,7 +3474,7 @@
           <a:p>
             <a:fld id="{8F4B2E75-2FCB-4C97-B382-4A78F9D9179D}" type="datetimeFigureOut">
               <a:rPr lang="de-AT" smtClean="0"/>
-              <a:t>29.05.2024</a:t>
+              <a:t>30.05.2024</a:t>
             </a:fld>
             <a:endParaRPr lang="de-AT"/>
           </a:p>
@@ -3642,7 +3525,7 @@
     </p:spTree>
     <p:extLst>
       <p:ext uri="{BB962C8B-B14F-4D97-AF65-F5344CB8AC3E}">
-        <p14:creationId xmlns:p14="http://schemas.microsoft.com/office/powerpoint/2010/main" val="640302094"/>
+        <p14:creationId xmlns:p14="http://schemas.microsoft.com/office/powerpoint/2010/main" val="3280726779"/>
       </p:ext>
     </p:extLst>
   </p:cSld>
@@ -3708,8 +3591,8 @@
         </p:nvSpPr>
         <p:spPr>
           <a:xfrm>
-            <a:off x="1429280" y="2658533"/>
-            <a:ext cx="4588931" cy="576262"/>
+            <a:off x="675745" y="2160983"/>
+            <a:ext cx="4185623" cy="576262"/>
           </a:xfrm>
         </p:spPr>
         <p:txBody>
@@ -3719,7 +3602,7 @@
           <a:lstStyle>
             <a:lvl1pPr marL="0" indent="0">
               <a:buNone/>
-              <a:defRPr sz="2800" b="0"/>
+              <a:defRPr sz="2400" b="0"/>
             </a:lvl1pPr>
             <a:lvl2pPr marL="457200" indent="0">
               <a:buNone/>
@@ -3775,43 +3658,15 @@
         </p:nvSpPr>
         <p:spPr>
           <a:xfrm>
-            <a:off x="1141412" y="3243262"/>
-            <a:ext cx="4876800" cy="2547937"/>
+            <a:off x="675745" y="2737245"/>
+            <a:ext cx="4185623" cy="3304117"/>
           </a:xfrm>
         </p:spPr>
         <p:txBody>
-          <a:bodyPr anchor="t">
+          <a:bodyPr>
             <a:normAutofit/>
           </a:bodyPr>
-          <a:lstStyle>
-            <a:lvl1pPr>
-              <a:defRPr sz="1800"/>
-            </a:lvl1pPr>
-            <a:lvl2pPr>
-              <a:defRPr sz="1600"/>
-            </a:lvl2pPr>
-            <a:lvl3pPr>
-              <a:defRPr sz="1400"/>
-            </a:lvl3pPr>
-            <a:lvl4pPr>
-              <a:defRPr sz="1200"/>
-            </a:lvl4pPr>
-            <a:lvl5pPr>
-              <a:defRPr sz="1200"/>
-            </a:lvl5pPr>
-            <a:lvl6pPr>
-              <a:defRPr sz="1200"/>
-            </a:lvl6pPr>
-            <a:lvl7pPr>
-              <a:defRPr sz="1200"/>
-            </a:lvl7pPr>
-            <a:lvl8pPr>
-              <a:defRPr sz="1200"/>
-            </a:lvl8pPr>
-            <a:lvl9pPr>
-              <a:defRPr sz="1200"/>
-            </a:lvl9pPr>
-          </a:lstStyle>
+          <a:lstStyle/>
           <a:p>
             <a:pPr lvl="0"/>
             <a:r>
@@ -3862,8 +3717,8 @@
         </p:nvSpPr>
         <p:spPr>
           <a:xfrm>
-            <a:off x="6443133" y="2667000"/>
-            <a:ext cx="4604280" cy="576262"/>
+            <a:off x="5088383" y="2160983"/>
+            <a:ext cx="4185618" cy="576262"/>
           </a:xfrm>
         </p:spPr>
         <p:txBody>
@@ -3873,7 +3728,7 @@
           <a:lstStyle>
             <a:lvl1pPr marL="0" indent="0">
               <a:buNone/>
-              <a:defRPr sz="2800" b="0"/>
+              <a:defRPr sz="2400" b="0"/>
             </a:lvl1pPr>
             <a:lvl2pPr marL="457200" indent="0">
               <a:buNone/>
@@ -3929,43 +3784,15 @@
         </p:nvSpPr>
         <p:spPr>
           <a:xfrm>
-            <a:off x="6170612" y="3243262"/>
-            <a:ext cx="4876801" cy="2547937"/>
+            <a:off x="5088384" y="2737245"/>
+            <a:ext cx="4185617" cy="3304117"/>
           </a:xfrm>
         </p:spPr>
         <p:txBody>
-          <a:bodyPr anchor="t">
+          <a:bodyPr>
             <a:normAutofit/>
           </a:bodyPr>
-          <a:lstStyle>
-            <a:lvl1pPr>
-              <a:defRPr sz="1800"/>
-            </a:lvl1pPr>
-            <a:lvl2pPr>
-              <a:defRPr sz="1600"/>
-            </a:lvl2pPr>
-            <a:lvl3pPr>
-              <a:defRPr sz="1400"/>
-            </a:lvl3pPr>
-            <a:lvl4pPr>
-              <a:defRPr sz="1200"/>
-            </a:lvl4pPr>
-            <a:lvl5pPr>
-              <a:defRPr sz="1200"/>
-            </a:lvl5pPr>
-            <a:lvl6pPr>
-              <a:defRPr sz="1200"/>
-            </a:lvl6pPr>
-            <a:lvl7pPr>
-              <a:defRPr sz="1200"/>
-            </a:lvl7pPr>
-            <a:lvl8pPr>
-              <a:defRPr sz="1200"/>
-            </a:lvl8pPr>
-            <a:lvl9pPr>
-              <a:defRPr sz="1200"/>
-            </a:lvl9pPr>
-          </a:lstStyle>
+          <a:lstStyle/>
           <a:p>
             <a:pPr lvl="0"/>
             <a:r>
@@ -4021,7 +3848,7 @@
           <a:p>
             <a:fld id="{8F4B2E75-2FCB-4C97-B382-4A78F9D9179D}" type="datetimeFigureOut">
               <a:rPr lang="de-AT" smtClean="0"/>
-              <a:t>29.05.2024</a:t>
+              <a:t>30.05.2024</a:t>
             </a:fld>
             <a:endParaRPr lang="de-AT"/>
           </a:p>
@@ -4072,7 +3899,7 @@
     </p:spTree>
     <p:extLst>
       <p:ext uri="{BB962C8B-B14F-4D97-AF65-F5344CB8AC3E}">
-        <p14:creationId xmlns:p14="http://schemas.microsoft.com/office/powerpoint/2010/main" val="875334732"/>
+        <p14:creationId xmlns:p14="http://schemas.microsoft.com/office/powerpoint/2010/main" val="1867122450"/>
       </p:ext>
     </p:extLst>
   </p:cSld>
@@ -4109,7 +3936,12 @@
             <p:ph type="title"/>
           </p:nvPr>
         </p:nvSpPr>
-        <p:spPr/>
+        <p:spPr>
+          <a:xfrm>
+            <a:off x="677334" y="609600"/>
+            <a:ext cx="8596668" cy="1320800"/>
+          </a:xfrm>
+        </p:spPr>
         <p:txBody>
           <a:bodyPr/>
           <a:lstStyle/>
@@ -4139,7 +3971,7 @@
           <a:p>
             <a:fld id="{8F4B2E75-2FCB-4C97-B382-4A78F9D9179D}" type="datetimeFigureOut">
               <a:rPr lang="de-AT" smtClean="0"/>
-              <a:t>29.05.2024</a:t>
+              <a:t>30.05.2024</a:t>
             </a:fld>
             <a:endParaRPr lang="de-AT"/>
           </a:p>
@@ -4190,7 +4022,7 @@
     </p:spTree>
     <p:extLst>
       <p:ext uri="{BB962C8B-B14F-4D97-AF65-F5344CB8AC3E}">
-        <p14:creationId xmlns:p14="http://schemas.microsoft.com/office/powerpoint/2010/main" val="2270100258"/>
+        <p14:creationId xmlns:p14="http://schemas.microsoft.com/office/powerpoint/2010/main" val="2033712549"/>
       </p:ext>
     </p:extLst>
   </p:cSld>
@@ -4234,7 +4066,7 @@
           <a:p>
             <a:fld id="{8F4B2E75-2FCB-4C97-B382-4A78F9D9179D}" type="datetimeFigureOut">
               <a:rPr lang="de-AT" smtClean="0"/>
-              <a:t>29.05.2024</a:t>
+              <a:t>30.05.2024</a:t>
             </a:fld>
             <a:endParaRPr lang="de-AT"/>
           </a:p>
@@ -4285,7 +4117,7 @@
     </p:spTree>
     <p:extLst>
       <p:ext uri="{BB962C8B-B14F-4D97-AF65-F5344CB8AC3E}">
-        <p14:creationId xmlns:p14="http://schemas.microsoft.com/office/powerpoint/2010/main" val="1927461077"/>
+        <p14:creationId xmlns:p14="http://schemas.microsoft.com/office/powerpoint/2010/main" val="806704419"/>
       </p:ext>
     </p:extLst>
   </p:cSld>
@@ -4324,77 +4156,49 @@
         </p:nvSpPr>
         <p:spPr>
           <a:xfrm>
-            <a:off x="1141411" y="1600200"/>
-            <a:ext cx="3549121" cy="1371600"/>
+            <a:off x="677334" y="1498604"/>
+            <a:ext cx="3854528" cy="1278466"/>
           </a:xfrm>
         </p:spPr>
         <p:txBody>
           <a:bodyPr anchor="b">
-            <a:normAutofit/>
-          </a:bodyPr>
-          <a:lstStyle>
-            <a:lvl1pPr algn="l">
-              <a:defRPr sz="2400" b="0"/>
-            </a:lvl1pPr>
-          </a:lstStyle>
-          <a:p>
-            <a:r>
-              <a:rPr lang="de-DE"/>
-              <a:t>Mastertitelformat bearbeiten</a:t>
-            </a:r>
-            <a:endParaRPr lang="en-US" dirty="0"/>
-          </a:p>
-        </p:txBody>
-      </p:sp>
-      <p:sp>
-        <p:nvSpPr>
-          <p:cNvPr id="3" name="Content Placeholder 2"/>
-          <p:cNvSpPr>
-            <a:spLocks noGrp="1"/>
-          </p:cNvSpPr>
-          <p:nvPr>
-            <p:ph idx="1"/>
-          </p:nvPr>
-        </p:nvSpPr>
-        <p:spPr>
-          <a:xfrm>
-            <a:off x="5103812" y="609601"/>
-            <a:ext cx="5943601" cy="5181600"/>
-          </a:xfrm>
-        </p:spPr>
-        <p:txBody>
-          <a:bodyPr anchor="ctr">
             <a:normAutofit/>
           </a:bodyPr>
           <a:lstStyle>
             <a:lvl1pPr>
               <a:defRPr sz="2000"/>
             </a:lvl1pPr>
-            <a:lvl2pPr>
-              <a:defRPr sz="1800"/>
-            </a:lvl2pPr>
-            <a:lvl3pPr>
-              <a:defRPr sz="1600"/>
-            </a:lvl3pPr>
-            <a:lvl4pPr>
-              <a:defRPr sz="1400"/>
-            </a:lvl4pPr>
-            <a:lvl5pPr>
-              <a:defRPr sz="1400"/>
-            </a:lvl5pPr>
-            <a:lvl6pPr>
-              <a:defRPr sz="1400"/>
-            </a:lvl6pPr>
-            <a:lvl7pPr>
-              <a:defRPr sz="1400"/>
-            </a:lvl7pPr>
-            <a:lvl8pPr>
-              <a:defRPr sz="1400"/>
-            </a:lvl8pPr>
-            <a:lvl9pPr>
-              <a:defRPr sz="1400"/>
-            </a:lvl9pPr>
           </a:lstStyle>
+          <a:p>
+            <a:r>
+              <a:rPr lang="de-DE"/>
+              <a:t>Mastertitelformat bearbeiten</a:t>
+            </a:r>
+            <a:endParaRPr lang="en-US" dirty="0"/>
+          </a:p>
+        </p:txBody>
+      </p:sp>
+      <p:sp>
+        <p:nvSpPr>
+          <p:cNvPr id="3" name="Content Placeholder 2"/>
+          <p:cNvSpPr>
+            <a:spLocks noGrp="1"/>
+          </p:cNvSpPr>
+          <p:nvPr>
+            <p:ph idx="1"/>
+          </p:nvPr>
+        </p:nvSpPr>
+        <p:spPr>
+          <a:xfrm>
+            <a:off x="4760461" y="514924"/>
+            <a:ext cx="4513541" cy="5526437"/>
+          </a:xfrm>
+        </p:spPr>
+        <p:txBody>
+          <a:bodyPr>
+            <a:normAutofit/>
+          </a:bodyPr>
+          <a:lstStyle/>
           <a:p>
             <a:pPr lvl="0"/>
             <a:r>
@@ -4445,8 +4249,8 @@
         </p:nvSpPr>
         <p:spPr>
           <a:xfrm>
-            <a:off x="1141411" y="2971800"/>
-            <a:ext cx="3549121" cy="1828800"/>
+            <a:off x="677334" y="2777069"/>
+            <a:ext cx="3854528" cy="2584449"/>
           </a:xfrm>
         </p:spPr>
         <p:txBody>
@@ -4456,39 +4260,39 @@
           <a:lstStyle>
             <a:lvl1pPr marL="0" indent="0">
               <a:buNone/>
-              <a:defRPr sz="1600"/>
+              <a:defRPr sz="1400"/>
             </a:lvl1pPr>
-            <a:lvl2pPr marL="457200" indent="0">
+            <a:lvl2pPr marL="457063" indent="0">
+              <a:buNone/>
+              <a:defRPr sz="1400"/>
+            </a:lvl2pPr>
+            <a:lvl3pPr marL="914126" indent="0">
               <a:buNone/>
               <a:defRPr sz="1200"/>
-            </a:lvl2pPr>
-            <a:lvl3pPr marL="914400" indent="0">
+            </a:lvl3pPr>
+            <a:lvl4pPr marL="1371189" indent="0">
               <a:buNone/>
               <a:defRPr sz="1000"/>
-            </a:lvl3pPr>
-            <a:lvl4pPr marL="1371600" indent="0">
-              <a:buNone/>
-              <a:defRPr sz="900"/>
             </a:lvl4pPr>
-            <a:lvl5pPr marL="1828800" indent="0">
-              <a:buNone/>
-              <a:defRPr sz="900"/>
+            <a:lvl5pPr marL="1828251" indent="0">
+              <a:buNone/>
+              <a:defRPr sz="1000"/>
             </a:lvl5pPr>
-            <a:lvl6pPr marL="2286000" indent="0">
-              <a:buNone/>
-              <a:defRPr sz="900"/>
+            <a:lvl6pPr marL="2285314" indent="0">
+              <a:buNone/>
+              <a:defRPr sz="1000"/>
             </a:lvl6pPr>
-            <a:lvl7pPr marL="2743200" indent="0">
-              <a:buNone/>
-              <a:defRPr sz="900"/>
+            <a:lvl7pPr marL="2742377" indent="0">
+              <a:buNone/>
+              <a:defRPr sz="1000"/>
             </a:lvl7pPr>
-            <a:lvl8pPr marL="3200400" indent="0">
-              <a:buNone/>
-              <a:defRPr sz="900"/>
+            <a:lvl8pPr marL="3199440" indent="0">
+              <a:buNone/>
+              <a:defRPr sz="1000"/>
             </a:lvl8pPr>
-            <a:lvl9pPr marL="3657600" indent="0">
-              <a:buNone/>
-              <a:defRPr sz="900"/>
+            <a:lvl9pPr marL="3656503" indent="0">
+              <a:buNone/>
+              <a:defRPr sz="1000"/>
             </a:lvl9pPr>
           </a:lstStyle>
           <a:p>
@@ -4517,7 +4321,7 @@
           <a:p>
             <a:fld id="{8F4B2E75-2FCB-4C97-B382-4A78F9D9179D}" type="datetimeFigureOut">
               <a:rPr lang="de-AT" smtClean="0"/>
-              <a:t>29.05.2024</a:t>
+              <a:t>30.05.2024</a:t>
             </a:fld>
             <a:endParaRPr lang="de-AT"/>
           </a:p>
@@ -4568,7 +4372,7 @@
     </p:spTree>
     <p:extLst>
       <p:ext uri="{BB962C8B-B14F-4D97-AF65-F5344CB8AC3E}">
-        <p14:creationId xmlns:p14="http://schemas.microsoft.com/office/powerpoint/2010/main" val="2048974115"/>
+        <p14:creationId xmlns:p14="http://schemas.microsoft.com/office/powerpoint/2010/main" val="3739345480"/>
       </p:ext>
     </p:extLst>
   </p:cSld>
@@ -4607,8 +4411,8 @@
         </p:nvSpPr>
         <p:spPr>
           <a:xfrm>
-            <a:off x="1141411" y="1600200"/>
-            <a:ext cx="5334001" cy="1371600"/>
+            <a:off x="677334" y="4800600"/>
+            <a:ext cx="8596667" cy="566738"/>
           </a:xfrm>
         </p:spPr>
         <p:txBody>
@@ -4617,7 +4421,7 @@
           </a:bodyPr>
           <a:lstStyle>
             <a:lvl1pPr algn="l">
-              <a:defRPr sz="2800" b="0"/>
+              <a:defRPr sz="2400" b="0"/>
             </a:lvl1pPr>
           </a:lstStyle>
           <a:p>
@@ -4631,7 +4435,7 @@
       </p:sp>
       <p:sp>
         <p:nvSpPr>
-          <p:cNvPr id="14" name="Picture Placeholder 2"/>
+          <p:cNvPr id="3" name="Picture Placeholder 2"/>
           <p:cNvSpPr>
             <a:spLocks noGrp="1" noChangeAspect="1"/>
           </p:cNvSpPr>
@@ -4641,32 +4445,9 @@
         </p:nvSpPr>
         <p:spPr>
           <a:xfrm>
-            <a:off x="7433733" y="-18288"/>
-            <a:ext cx="3276599" cy="6903720"/>
+            <a:off x="677334" y="609600"/>
+            <a:ext cx="8596668" cy="3845718"/>
           </a:xfrm>
-          <a:ln w="38100">
-            <a:gradFill flip="none" rotWithShape="1">
-              <a:gsLst>
-                <a:gs pos="0">
-                  <a:schemeClr val="bg2"/>
-                </a:gs>
-                <a:gs pos="100000">
-                  <a:schemeClr val="bg2">
-                    <a:lumMod val="75000"/>
-                  </a:schemeClr>
-                </a:gs>
-              </a:gsLst>
-              <a:lin ang="5400000" scaled="0"/>
-              <a:tileRect/>
-            </a:gradFill>
-          </a:ln>
-          <a:effectLst>
-            <a:innerShdw blurRad="57150" dist="38100" dir="10800000">
-              <a:srgbClr val="000000">
-                <a:alpha val="70000"/>
-              </a:srgbClr>
-            </a:innerShdw>
-          </a:effectLst>
         </p:spPr>
         <p:txBody>
           <a:bodyPr anchor="t">
@@ -4731,8 +4512,8 @@
         </p:nvSpPr>
         <p:spPr>
           <a:xfrm>
-            <a:off x="1141411" y="2971800"/>
-            <a:ext cx="5334001" cy="1828800"/>
+            <a:off x="677334" y="5367338"/>
+            <a:ext cx="8596667" cy="674024"/>
           </a:xfrm>
         </p:spPr>
         <p:txBody>
@@ -4742,7 +4523,7 @@
           <a:lstStyle>
             <a:lvl1pPr marL="0" indent="0">
               <a:buNone/>
-              <a:defRPr sz="1800"/>
+              <a:defRPr sz="1200"/>
             </a:lvl1pPr>
             <a:lvl2pPr marL="457200" indent="0">
               <a:buNone/>
@@ -4796,19 +4577,14 @@
             <p:ph type="dt" sz="half" idx="10"/>
           </p:nvPr>
         </p:nvSpPr>
-        <p:spPr>
-          <a:xfrm>
-            <a:off x="6399212" y="5883275"/>
-            <a:ext cx="914400" cy="365125"/>
-          </a:xfrm>
-        </p:spPr>
+        <p:spPr/>
         <p:txBody>
           <a:bodyPr/>
           <a:lstStyle/>
           <a:p>
             <a:fld id="{8F4B2E75-2FCB-4C97-B382-4A78F9D9179D}" type="datetimeFigureOut">
               <a:rPr lang="de-AT" smtClean="0"/>
-              <a:t>29.05.2024</a:t>
+              <a:t>30.05.2024</a:t>
             </a:fld>
             <a:endParaRPr lang="de-AT"/>
           </a:p>
@@ -4824,12 +4600,7 @@
             <p:ph type="ftr" sz="quarter" idx="11"/>
           </p:nvPr>
         </p:nvSpPr>
-        <p:spPr>
-          <a:xfrm>
-            <a:off x="1141412" y="5883275"/>
-            <a:ext cx="5105400" cy="365125"/>
-          </a:xfrm>
-        </p:spPr>
+        <p:spPr/>
         <p:txBody>
           <a:bodyPr/>
           <a:lstStyle/>
@@ -4848,12 +4619,7 @@
             <p:ph type="sldNum" sz="quarter" idx="12"/>
           </p:nvPr>
         </p:nvSpPr>
-        <p:spPr>
-          <a:xfrm>
-            <a:off x="10742612" y="5883275"/>
-            <a:ext cx="322567" cy="365125"/>
-          </a:xfrm>
-        </p:spPr>
+        <p:spPr/>
         <p:txBody>
           <a:bodyPr/>
           <a:lstStyle/>
@@ -4869,7 +4635,7 @@
     </p:spTree>
     <p:extLst>
       <p:ext uri="{BB962C8B-B14F-4D97-AF65-F5344CB8AC3E}">
-        <p14:creationId xmlns:p14="http://schemas.microsoft.com/office/powerpoint/2010/main" val="3227067189"/>
+        <p14:creationId xmlns:p14="http://schemas.microsoft.com/office/powerpoint/2010/main" val="237298783"/>
       </p:ext>
     </p:extLst>
   </p:cSld>
@@ -4883,8 +4649,8 @@
 <p:sldMaster xmlns:a="http://schemas.openxmlformats.org/drawingml/2006/main" xmlns:r="http://schemas.openxmlformats.org/officeDocument/2006/relationships" xmlns:p="http://schemas.openxmlformats.org/presentationml/2006/main">
   <p:cSld>
     <p:bg>
-      <p:bgRef idx="1003">
-        <a:schemeClr val="bg2"/>
+      <p:bgRef idx="1001">
+        <a:schemeClr val="bg1"/>
       </p:bgRef>
     </p:bg>
     <p:spTree>
@@ -4901,6 +4667,536 @@
           <a:chExt cx="0" cy="0"/>
         </a:xfrm>
       </p:grpSpPr>
+      <p:grpSp>
+        <p:nvGrpSpPr>
+          <p:cNvPr id="7" name="Group 6"/>
+          <p:cNvGrpSpPr/>
+          <p:nvPr/>
+        </p:nvGrpSpPr>
+        <p:grpSpPr>
+          <a:xfrm>
+            <a:off x="0" y="-8467"/>
+            <a:ext cx="12192000" cy="6866467"/>
+            <a:chOff x="0" y="-8467"/>
+            <a:chExt cx="12192000" cy="6866467"/>
+          </a:xfrm>
+        </p:grpSpPr>
+        <p:cxnSp>
+          <p:nvCxnSpPr>
+            <p:cNvPr id="20" name="Straight Connector 19"/>
+            <p:cNvCxnSpPr/>
+            <p:nvPr/>
+          </p:nvCxnSpPr>
+          <p:spPr>
+            <a:xfrm>
+              <a:off x="9371012" y="0"/>
+              <a:ext cx="1219200" cy="6858000"/>
+            </a:xfrm>
+            <a:prstGeom prst="line">
+              <a:avLst/>
+            </a:prstGeom>
+            <a:ln w="9525">
+              <a:solidFill>
+                <a:schemeClr val="bg1">
+                  <a:lumMod val="75000"/>
+                </a:schemeClr>
+              </a:solidFill>
+            </a:ln>
+          </p:spPr>
+          <p:style>
+            <a:lnRef idx="2">
+              <a:schemeClr val="accent1"/>
+            </a:lnRef>
+            <a:fillRef idx="0">
+              <a:schemeClr val="accent1"/>
+            </a:fillRef>
+            <a:effectRef idx="1">
+              <a:schemeClr val="accent1"/>
+            </a:effectRef>
+            <a:fontRef idx="minor">
+              <a:schemeClr val="tx1"/>
+            </a:fontRef>
+          </p:style>
+        </p:cxnSp>
+        <p:cxnSp>
+          <p:nvCxnSpPr>
+            <p:cNvPr id="21" name="Straight Connector 20"/>
+            <p:cNvCxnSpPr/>
+            <p:nvPr/>
+          </p:nvCxnSpPr>
+          <p:spPr>
+            <a:xfrm flipH="1">
+              <a:off x="7425267" y="3681413"/>
+              <a:ext cx="4763558" cy="3176587"/>
+            </a:xfrm>
+            <a:prstGeom prst="line">
+              <a:avLst/>
+            </a:prstGeom>
+            <a:ln w="9525">
+              <a:solidFill>
+                <a:schemeClr val="bg1">
+                  <a:lumMod val="85000"/>
+                </a:schemeClr>
+              </a:solidFill>
+            </a:ln>
+          </p:spPr>
+          <p:style>
+            <a:lnRef idx="2">
+              <a:schemeClr val="accent1"/>
+            </a:lnRef>
+            <a:fillRef idx="0">
+              <a:schemeClr val="accent1"/>
+            </a:fillRef>
+            <a:effectRef idx="1">
+              <a:schemeClr val="accent1"/>
+            </a:effectRef>
+            <a:fontRef idx="minor">
+              <a:schemeClr val="tx1"/>
+            </a:fontRef>
+          </p:style>
+        </p:cxnSp>
+        <p:sp>
+          <p:nvSpPr>
+            <p:cNvPr id="22" name="Rectangle 23"/>
+            <p:cNvSpPr/>
+            <p:nvPr/>
+          </p:nvSpPr>
+          <p:spPr>
+            <a:xfrm>
+              <a:off x="9181476" y="-8467"/>
+              <a:ext cx="3007349" cy="6866467"/>
+            </a:xfrm>
+            <a:custGeom>
+              <a:avLst/>
+              <a:gdLst/>
+              <a:ahLst/>
+              <a:cxnLst/>
+              <a:rect l="l" t="t" r="r" b="b"/>
+              <a:pathLst>
+                <a:path w="3007349" h="6866467">
+                  <a:moveTo>
+                    <a:pt x="2045532" y="0"/>
+                  </a:moveTo>
+                  <a:lnTo>
+                    <a:pt x="3007349" y="0"/>
+                  </a:lnTo>
+                  <a:lnTo>
+                    <a:pt x="3007349" y="6866467"/>
+                  </a:lnTo>
+                  <a:lnTo>
+                    <a:pt x="0" y="6866467"/>
+                  </a:lnTo>
+                  <a:lnTo>
+                    <a:pt x="2045532" y="0"/>
+                  </a:lnTo>
+                  <a:close/>
+                </a:path>
+              </a:pathLst>
+            </a:custGeom>
+            <a:solidFill>
+              <a:schemeClr val="accent1">
+                <a:alpha val="30000"/>
+              </a:schemeClr>
+            </a:solidFill>
+            <a:ln>
+              <a:noFill/>
+            </a:ln>
+            <a:effectLst/>
+          </p:spPr>
+          <p:style>
+            <a:lnRef idx="1">
+              <a:schemeClr val="accent1"/>
+            </a:lnRef>
+            <a:fillRef idx="3">
+              <a:schemeClr val="accent1"/>
+            </a:fillRef>
+            <a:effectRef idx="2">
+              <a:schemeClr val="accent1"/>
+            </a:effectRef>
+            <a:fontRef idx="minor">
+              <a:schemeClr val="lt1"/>
+            </a:fontRef>
+          </p:style>
+        </p:sp>
+        <p:sp>
+          <p:nvSpPr>
+            <p:cNvPr id="23" name="Rectangle 25"/>
+            <p:cNvSpPr/>
+            <p:nvPr/>
+          </p:nvSpPr>
+          <p:spPr>
+            <a:xfrm>
+              <a:off x="9603442" y="-8467"/>
+              <a:ext cx="2588558" cy="6866467"/>
+            </a:xfrm>
+            <a:custGeom>
+              <a:avLst/>
+              <a:gdLst/>
+              <a:ahLst/>
+              <a:cxnLst/>
+              <a:rect l="l" t="t" r="r" b="b"/>
+              <a:pathLst>
+                <a:path w="2573311" h="6866467">
+                  <a:moveTo>
+                    <a:pt x="0" y="0"/>
+                  </a:moveTo>
+                  <a:lnTo>
+                    <a:pt x="2573311" y="0"/>
+                  </a:lnTo>
+                  <a:lnTo>
+                    <a:pt x="2573311" y="6866467"/>
+                  </a:lnTo>
+                  <a:lnTo>
+                    <a:pt x="1202336" y="6866467"/>
+                  </a:lnTo>
+                  <a:lnTo>
+                    <a:pt x="0" y="0"/>
+                  </a:lnTo>
+                  <a:close/>
+                </a:path>
+              </a:pathLst>
+            </a:custGeom>
+            <a:solidFill>
+              <a:schemeClr val="accent1">
+                <a:alpha val="20000"/>
+              </a:schemeClr>
+            </a:solidFill>
+            <a:ln>
+              <a:noFill/>
+            </a:ln>
+            <a:effectLst/>
+          </p:spPr>
+          <p:style>
+            <a:lnRef idx="1">
+              <a:schemeClr val="accent1"/>
+            </a:lnRef>
+            <a:fillRef idx="3">
+              <a:schemeClr val="accent1"/>
+            </a:fillRef>
+            <a:effectRef idx="2">
+              <a:schemeClr val="accent1"/>
+            </a:effectRef>
+            <a:fontRef idx="minor">
+              <a:schemeClr val="lt1"/>
+            </a:fontRef>
+          </p:style>
+        </p:sp>
+        <p:sp>
+          <p:nvSpPr>
+            <p:cNvPr id="24" name="Isosceles Triangle 23"/>
+            <p:cNvSpPr/>
+            <p:nvPr/>
+          </p:nvSpPr>
+          <p:spPr>
+            <a:xfrm>
+              <a:off x="8932333" y="3048000"/>
+              <a:ext cx="3259667" cy="3810000"/>
+            </a:xfrm>
+            <a:prstGeom prst="triangle">
+              <a:avLst>
+                <a:gd name="adj" fmla="val 100000"/>
+              </a:avLst>
+            </a:prstGeom>
+            <a:solidFill>
+              <a:schemeClr val="accent2">
+                <a:alpha val="72000"/>
+              </a:schemeClr>
+            </a:solidFill>
+            <a:ln>
+              <a:noFill/>
+            </a:ln>
+            <a:effectLst/>
+          </p:spPr>
+          <p:style>
+            <a:lnRef idx="1">
+              <a:schemeClr val="accent1"/>
+            </a:lnRef>
+            <a:fillRef idx="3">
+              <a:schemeClr val="accent1"/>
+            </a:fillRef>
+            <a:effectRef idx="2">
+              <a:schemeClr val="accent1"/>
+            </a:effectRef>
+            <a:fontRef idx="minor">
+              <a:schemeClr val="lt1"/>
+            </a:fontRef>
+          </p:style>
+        </p:sp>
+        <p:sp>
+          <p:nvSpPr>
+            <p:cNvPr id="25" name="Rectangle 27"/>
+            <p:cNvSpPr/>
+            <p:nvPr/>
+          </p:nvSpPr>
+          <p:spPr>
+            <a:xfrm>
+              <a:off x="9334500" y="-8467"/>
+              <a:ext cx="2854326" cy="6866467"/>
+            </a:xfrm>
+            <a:custGeom>
+              <a:avLst/>
+              <a:gdLst/>
+              <a:ahLst/>
+              <a:cxnLst/>
+              <a:rect l="l" t="t" r="r" b="b"/>
+              <a:pathLst>
+                <a:path w="2858013" h="6866467">
+                  <a:moveTo>
+                    <a:pt x="0" y="0"/>
+                  </a:moveTo>
+                  <a:lnTo>
+                    <a:pt x="2858013" y="0"/>
+                  </a:lnTo>
+                  <a:lnTo>
+                    <a:pt x="2858013" y="6866467"/>
+                  </a:lnTo>
+                  <a:lnTo>
+                    <a:pt x="2473942" y="6866467"/>
+                  </a:lnTo>
+                  <a:lnTo>
+                    <a:pt x="0" y="0"/>
+                  </a:lnTo>
+                  <a:close/>
+                </a:path>
+              </a:pathLst>
+            </a:custGeom>
+            <a:solidFill>
+              <a:schemeClr val="accent2">
+                <a:lumMod val="75000"/>
+                <a:alpha val="70000"/>
+              </a:schemeClr>
+            </a:solidFill>
+            <a:ln>
+              <a:noFill/>
+            </a:ln>
+            <a:effectLst/>
+          </p:spPr>
+          <p:style>
+            <a:lnRef idx="1">
+              <a:schemeClr val="accent1"/>
+            </a:lnRef>
+            <a:fillRef idx="3">
+              <a:schemeClr val="accent1"/>
+            </a:fillRef>
+            <a:effectRef idx="2">
+              <a:schemeClr val="accent1"/>
+            </a:effectRef>
+            <a:fontRef idx="minor">
+              <a:schemeClr val="lt1"/>
+            </a:fontRef>
+          </p:style>
+        </p:sp>
+        <p:sp>
+          <p:nvSpPr>
+            <p:cNvPr id="26" name="Rectangle 28"/>
+            <p:cNvSpPr/>
+            <p:nvPr/>
+          </p:nvSpPr>
+          <p:spPr>
+            <a:xfrm>
+              <a:off x="10898730" y="-8467"/>
+              <a:ext cx="1290094" cy="6866467"/>
+            </a:xfrm>
+            <a:custGeom>
+              <a:avLst/>
+              <a:gdLst/>
+              <a:ahLst/>
+              <a:cxnLst/>
+              <a:rect l="l" t="t" r="r" b="b"/>
+              <a:pathLst>
+                <a:path w="1290094" h="6858000">
+                  <a:moveTo>
+                    <a:pt x="1019735" y="0"/>
+                  </a:moveTo>
+                  <a:lnTo>
+                    <a:pt x="1290094" y="0"/>
+                  </a:lnTo>
+                  <a:lnTo>
+                    <a:pt x="1290094" y="6858000"/>
+                  </a:lnTo>
+                  <a:lnTo>
+                    <a:pt x="0" y="6858000"/>
+                  </a:lnTo>
+                  <a:lnTo>
+                    <a:pt x="1019735" y="0"/>
+                  </a:lnTo>
+                  <a:close/>
+                </a:path>
+              </a:pathLst>
+            </a:custGeom>
+            <a:solidFill>
+              <a:schemeClr val="accent1">
+                <a:lumMod val="60000"/>
+                <a:lumOff val="40000"/>
+                <a:alpha val="70000"/>
+              </a:schemeClr>
+            </a:solidFill>
+            <a:ln>
+              <a:noFill/>
+            </a:ln>
+            <a:effectLst/>
+          </p:spPr>
+          <p:style>
+            <a:lnRef idx="1">
+              <a:schemeClr val="accent1"/>
+            </a:lnRef>
+            <a:fillRef idx="3">
+              <a:schemeClr val="accent1"/>
+            </a:fillRef>
+            <a:effectRef idx="2">
+              <a:schemeClr val="accent1"/>
+            </a:effectRef>
+            <a:fontRef idx="minor">
+              <a:schemeClr val="lt1"/>
+            </a:fontRef>
+          </p:style>
+        </p:sp>
+        <p:sp>
+          <p:nvSpPr>
+            <p:cNvPr id="27" name="Rectangle 29"/>
+            <p:cNvSpPr/>
+            <p:nvPr/>
+          </p:nvSpPr>
+          <p:spPr>
+            <a:xfrm>
+              <a:off x="10938999" y="-8467"/>
+              <a:ext cx="1249825" cy="6866467"/>
+            </a:xfrm>
+            <a:custGeom>
+              <a:avLst/>
+              <a:gdLst/>
+              <a:ahLst/>
+              <a:cxnLst/>
+              <a:rect l="l" t="t" r="r" b="b"/>
+              <a:pathLst>
+                <a:path w="1249825" h="6858000">
+                  <a:moveTo>
+                    <a:pt x="0" y="0"/>
+                  </a:moveTo>
+                  <a:lnTo>
+                    <a:pt x="1249825" y="0"/>
+                  </a:lnTo>
+                  <a:lnTo>
+                    <a:pt x="1249825" y="6858000"/>
+                  </a:lnTo>
+                  <a:lnTo>
+                    <a:pt x="1109382" y="6858000"/>
+                  </a:lnTo>
+                  <a:lnTo>
+                    <a:pt x="0" y="0"/>
+                  </a:lnTo>
+                  <a:close/>
+                </a:path>
+              </a:pathLst>
+            </a:custGeom>
+            <a:solidFill>
+              <a:schemeClr val="accent1">
+                <a:alpha val="65000"/>
+              </a:schemeClr>
+            </a:solidFill>
+            <a:ln>
+              <a:noFill/>
+            </a:ln>
+            <a:effectLst/>
+          </p:spPr>
+          <p:style>
+            <a:lnRef idx="1">
+              <a:schemeClr val="accent1"/>
+            </a:lnRef>
+            <a:fillRef idx="3">
+              <a:schemeClr val="accent1"/>
+            </a:fillRef>
+            <a:effectRef idx="2">
+              <a:schemeClr val="accent1"/>
+            </a:effectRef>
+            <a:fontRef idx="minor">
+              <a:schemeClr val="lt1"/>
+            </a:fontRef>
+          </p:style>
+        </p:sp>
+        <p:sp>
+          <p:nvSpPr>
+            <p:cNvPr id="28" name="Isosceles Triangle 27"/>
+            <p:cNvSpPr/>
+            <p:nvPr/>
+          </p:nvSpPr>
+          <p:spPr>
+            <a:xfrm>
+              <a:off x="10371666" y="3589867"/>
+              <a:ext cx="1817159" cy="3268133"/>
+            </a:xfrm>
+            <a:prstGeom prst="triangle">
+              <a:avLst>
+                <a:gd name="adj" fmla="val 100000"/>
+              </a:avLst>
+            </a:prstGeom>
+            <a:solidFill>
+              <a:schemeClr val="accent1">
+                <a:alpha val="80000"/>
+              </a:schemeClr>
+            </a:solidFill>
+            <a:ln>
+              <a:noFill/>
+            </a:ln>
+            <a:effectLst/>
+          </p:spPr>
+          <p:style>
+            <a:lnRef idx="1">
+              <a:schemeClr val="accent1"/>
+            </a:lnRef>
+            <a:fillRef idx="3">
+              <a:schemeClr val="accent1"/>
+            </a:fillRef>
+            <a:effectRef idx="2">
+              <a:schemeClr val="accent1"/>
+            </a:effectRef>
+            <a:fontRef idx="minor">
+              <a:schemeClr val="lt1"/>
+            </a:fontRef>
+          </p:style>
+        </p:sp>
+        <p:sp>
+          <p:nvSpPr>
+            <p:cNvPr id="29" name="Isosceles Triangle 28"/>
+            <p:cNvSpPr/>
+            <p:nvPr/>
+          </p:nvSpPr>
+          <p:spPr>
+            <a:xfrm>
+              <a:off x="0" y="4013200"/>
+              <a:ext cx="448733" cy="2844800"/>
+            </a:xfrm>
+            <a:prstGeom prst="triangle">
+              <a:avLst>
+                <a:gd name="adj" fmla="val 0"/>
+              </a:avLst>
+            </a:prstGeom>
+            <a:solidFill>
+              <a:schemeClr val="accent1">
+                <a:alpha val="85000"/>
+              </a:schemeClr>
+            </a:solidFill>
+            <a:ln>
+              <a:noFill/>
+            </a:ln>
+            <a:effectLst/>
+          </p:spPr>
+          <p:style>
+            <a:lnRef idx="1">
+              <a:schemeClr val="accent1"/>
+            </a:lnRef>
+            <a:fillRef idx="3">
+              <a:schemeClr val="accent1"/>
+            </a:fillRef>
+            <a:effectRef idx="2">
+              <a:schemeClr val="accent1"/>
+            </a:effectRef>
+            <a:fontRef idx="minor">
+              <a:schemeClr val="lt1"/>
+            </a:fontRef>
+          </p:style>
+        </p:sp>
+      </p:grpSp>
       <p:sp>
         <p:nvSpPr>
           <p:cNvPr id="2" name="Title Placeholder 1"/>
@@ -4913,21 +5209,21 @@
         </p:nvSpPr>
         <p:spPr>
           <a:xfrm>
-            <a:off x="1141413" y="609600"/>
-            <a:ext cx="9905998" cy="1905000"/>
+            <a:off x="677334" y="609600"/>
+            <a:ext cx="8596668" cy="1320800"/>
           </a:xfrm>
           <a:prstGeom prst="rect">
             <a:avLst/>
           </a:prstGeom>
         </p:spPr>
         <p:txBody>
-          <a:bodyPr vert="horz" lIns="91440" tIns="45720" rIns="91440" bIns="45720" rtlCol="0" anchor="ctr">
+          <a:bodyPr vert="horz" lIns="91440" tIns="45720" rIns="91440" bIns="45720" rtlCol="0" anchor="t">
             <a:normAutofit/>
           </a:bodyPr>
           <a:lstStyle/>
           <a:p>
             <a:r>
-              <a:rPr lang="de-DE" dirty="0"/>
+              <a:rPr lang="de-DE"/>
               <a:t>Mastertitelformat bearbeiten</a:t>
             </a:r>
             <a:endParaRPr lang="en-US" dirty="0"/>
@@ -4946,50 +5242,50 @@
         </p:nvSpPr>
         <p:spPr>
           <a:xfrm>
-            <a:off x="1141413" y="2666999"/>
-            <a:ext cx="9905998" cy="3124201"/>
+            <a:off x="677334" y="2160589"/>
+            <a:ext cx="8596668" cy="3880773"/>
           </a:xfrm>
           <a:prstGeom prst="rect">
             <a:avLst/>
           </a:prstGeom>
         </p:spPr>
         <p:txBody>
-          <a:bodyPr vert="horz" lIns="91440" tIns="45720" rIns="91440" bIns="45720" rtlCol="0" anchor="ctr">
+          <a:bodyPr vert="horz" lIns="91440" tIns="45720" rIns="91440" bIns="45720" rtlCol="0">
             <a:normAutofit/>
           </a:bodyPr>
           <a:lstStyle/>
           <a:p>
             <a:pPr lvl="0"/>
             <a:r>
-              <a:rPr lang="de-DE" dirty="0"/>
+              <a:rPr lang="de-DE"/>
               <a:t>Mastertextformat bearbeiten</a:t>
             </a:r>
           </a:p>
           <a:p>
             <a:pPr lvl="1"/>
             <a:r>
-              <a:rPr lang="de-DE" dirty="0"/>
+              <a:rPr lang="de-DE"/>
               <a:t>Zweite Ebene</a:t>
             </a:r>
           </a:p>
           <a:p>
             <a:pPr lvl="2"/>
             <a:r>
-              <a:rPr lang="de-DE" dirty="0"/>
+              <a:rPr lang="de-DE"/>
               <a:t>Dritte Ebene</a:t>
             </a:r>
           </a:p>
           <a:p>
             <a:pPr lvl="3"/>
             <a:r>
-              <a:rPr lang="de-DE" dirty="0"/>
+              <a:rPr lang="de-DE"/>
               <a:t>Vierte Ebene</a:t>
             </a:r>
           </a:p>
           <a:p>
             <a:pPr lvl="4"/>
             <a:r>
-              <a:rPr lang="de-DE" dirty="0"/>
+              <a:rPr lang="de-DE"/>
               <a:t>Fünfte Ebene</a:t>
             </a:r>
             <a:endParaRPr lang="en-US" dirty="0"/>
@@ -5008,8 +5304,8 @@
         </p:nvSpPr>
         <p:spPr>
           <a:xfrm>
-            <a:off x="8837612" y="5883275"/>
-            <a:ext cx="1600200" cy="365125"/>
+            <a:off x="7205133" y="6041362"/>
+            <a:ext cx="911939" cy="365125"/>
           </a:xfrm>
           <a:prstGeom prst="rect">
             <a:avLst/>
@@ -5019,27 +5315,19 @@
           <a:bodyPr vert="horz" lIns="91440" tIns="45720" rIns="91440" bIns="45720" rtlCol="0" anchor="ctr"/>
           <a:lstStyle>
             <a:lvl1pPr algn="r">
-              <a:defRPr sz="900" b="1" i="0">
+              <a:defRPr sz="900">
                 <a:solidFill>
                   <a:schemeClr val="tx1">
-                    <a:lumMod val="75000"/>
+                    <a:tint val="75000"/>
                   </a:schemeClr>
                 </a:solidFill>
-                <a:effectLst>
-                  <a:outerShdw blurRad="50800" dist="38100" dir="2700000" algn="tl" rotWithShape="0">
-                    <a:srgbClr val="000000">
-                      <a:alpha val="43000"/>
-                    </a:srgbClr>
-                  </a:outerShdw>
-                </a:effectLst>
-                <a:latin typeface="+mn-lt"/>
               </a:defRPr>
             </a:lvl1pPr>
           </a:lstStyle>
           <a:p>
             <a:fld id="{8F4B2E75-2FCB-4C97-B382-4A78F9D9179D}" type="datetimeFigureOut">
               <a:rPr lang="de-AT" smtClean="0"/>
-              <a:t>29.05.2024</a:t>
+              <a:t>30.05.2024</a:t>
             </a:fld>
             <a:endParaRPr lang="de-AT"/>
           </a:p>
@@ -5057,8 +5345,8 @@
         </p:nvSpPr>
         <p:spPr>
           <a:xfrm>
-            <a:off x="1141412" y="5883275"/>
-            <a:ext cx="7543800" cy="365125"/>
+            <a:off x="677334" y="6041362"/>
+            <a:ext cx="6297612" cy="365125"/>
           </a:xfrm>
           <a:prstGeom prst="rect">
             <a:avLst/>
@@ -5068,20 +5356,12 @@
           <a:bodyPr vert="horz" lIns="91440" tIns="45720" rIns="91440" bIns="45720" rtlCol="0" anchor="ctr"/>
           <a:lstStyle>
             <a:lvl1pPr algn="l">
-              <a:defRPr sz="900" b="1" i="0">
+              <a:defRPr sz="900">
                 <a:solidFill>
                   <a:schemeClr val="tx1">
-                    <a:lumMod val="75000"/>
+                    <a:tint val="75000"/>
                   </a:schemeClr>
                 </a:solidFill>
-                <a:effectLst>
-                  <a:outerShdw blurRad="50800" dist="38100" dir="2700000" algn="tl" rotWithShape="0">
-                    <a:srgbClr val="000000">
-                      <a:alpha val="43000"/>
-                    </a:srgbClr>
-                  </a:outerShdw>
-                </a:effectLst>
-                <a:latin typeface="+mn-lt"/>
               </a:defRPr>
             </a:lvl1pPr>
           </a:lstStyle>
@@ -5102,8 +5382,8 @@
         </p:nvSpPr>
         <p:spPr>
           <a:xfrm>
-            <a:off x="10514012" y="5883275"/>
-            <a:ext cx="551167" cy="365125"/>
+            <a:off x="8590663" y="6041362"/>
+            <a:ext cx="683339" cy="365125"/>
           </a:xfrm>
           <a:prstGeom prst="rect">
             <a:avLst/>
@@ -5113,20 +5393,10 @@
           <a:bodyPr vert="horz" lIns="91440" tIns="45720" rIns="91440" bIns="45720" rtlCol="0" anchor="ctr"/>
           <a:lstStyle>
             <a:lvl1pPr algn="r">
-              <a:defRPr sz="900" b="1" i="0">
-                <a:solidFill>
-                  <a:schemeClr val="tx1">
-                    <a:lumMod val="75000"/>
-                  </a:schemeClr>
-                </a:solidFill>
-                <a:effectLst>
-                  <a:outerShdw blurRad="50800" dist="38100" dir="2700000" algn="tl" rotWithShape="0">
-                    <a:srgbClr val="000000">
-                      <a:alpha val="43000"/>
-                    </a:srgbClr>
-                  </a:outerShdw>
-                </a:effectLst>
-                <a:latin typeface="+mn-lt"/>
+              <a:defRPr sz="900">
+                <a:solidFill>
+                  <a:schemeClr val="accent1"/>
+                </a:solidFill>
               </a:defRPr>
             </a:lvl1pPr>
           </a:lstStyle>
@@ -5142,29 +5412,28 @@
     </p:spTree>
     <p:extLst>
       <p:ext uri="{BB962C8B-B14F-4D97-AF65-F5344CB8AC3E}">
-        <p14:creationId xmlns:p14="http://schemas.microsoft.com/office/powerpoint/2010/main" val="3252054134"/>
+        <p14:creationId xmlns:p14="http://schemas.microsoft.com/office/powerpoint/2010/main" val="1350461638"/>
       </p:ext>
     </p:extLst>
   </p:cSld>
-  <p:clrMap bg1="dk1" tx1="lt1" bg2="dk2" tx2="lt2" accent1="accent1" accent2="accent2" accent3="accent3" accent4="accent4" accent5="accent5" accent6="accent6" hlink="hlink" folHlink="folHlink"/>
+  <p:clrMap bg1="lt1" tx1="dk1" bg2="lt2" tx2="dk2" accent1="accent1" accent2="accent2" accent3="accent3" accent4="accent4" accent5="accent5" accent6="accent6" hlink="hlink" folHlink="folHlink"/>
   <p:sldLayoutIdLst>
-    <p:sldLayoutId id="2147483661" r:id="rId1"/>
-    <p:sldLayoutId id="2147483662" r:id="rId2"/>
-    <p:sldLayoutId id="2147483663" r:id="rId3"/>
-    <p:sldLayoutId id="2147483664" r:id="rId4"/>
-    <p:sldLayoutId id="2147483665" r:id="rId5"/>
-    <p:sldLayoutId id="2147483666" r:id="rId6"/>
-    <p:sldLayoutId id="2147483667" r:id="rId7"/>
-    <p:sldLayoutId id="2147483668" r:id="rId8"/>
-    <p:sldLayoutId id="2147483669" r:id="rId9"/>
-    <p:sldLayoutId id="2147483670" r:id="rId10"/>
-    <p:sldLayoutId id="2147483671" r:id="rId11"/>
-    <p:sldLayoutId id="2147483672" r:id="rId12"/>
-    <p:sldLayoutId id="2147483673" r:id="rId13"/>
-    <p:sldLayoutId id="2147483674" r:id="rId14"/>
-    <p:sldLayoutId id="2147483675" r:id="rId15"/>
-    <p:sldLayoutId id="2147483676" r:id="rId16"/>
-    <p:sldLayoutId id="2147483677" r:id="rId17"/>
+    <p:sldLayoutId id="2147483696" r:id="rId1"/>
+    <p:sldLayoutId id="2147483697" r:id="rId2"/>
+    <p:sldLayoutId id="2147483698" r:id="rId3"/>
+    <p:sldLayoutId id="2147483699" r:id="rId4"/>
+    <p:sldLayoutId id="2147483700" r:id="rId5"/>
+    <p:sldLayoutId id="2147483701" r:id="rId6"/>
+    <p:sldLayoutId id="2147483702" r:id="rId7"/>
+    <p:sldLayoutId id="2147483703" r:id="rId8"/>
+    <p:sldLayoutId id="2147483704" r:id="rId9"/>
+    <p:sldLayoutId id="2147483705" r:id="rId10"/>
+    <p:sldLayoutId id="2147483706" r:id="rId11"/>
+    <p:sldLayoutId id="2147483707" r:id="rId12"/>
+    <p:sldLayoutId id="2147483708" r:id="rId13"/>
+    <p:sldLayoutId id="2147483709" r:id="rId14"/>
+    <p:sldLayoutId id="2147483710" r:id="rId15"/>
+    <p:sldLayoutId id="2147483711" r:id="rId16"/>
   </p:sldLayoutIdLst>
   <p:txStyles>
     <p:titleStyle>
@@ -5173,39 +5442,11 @@
           <a:spcPct val="0"/>
         </a:spcBef>
         <a:buNone/>
-        <a:defRPr sz="3200" kern="1200" cap="all">
-          <a:ln w="3175" cmpd="sng">
-            <a:noFill/>
-          </a:ln>
-          <a:gradFill flip="none" rotWithShape="1">
-            <a:gsLst>
-              <a:gs pos="0">
-                <a:schemeClr val="tx1"/>
-              </a:gs>
-              <a:gs pos="100000">
-                <a:schemeClr val="tx1">
-                  <a:lumMod val="65000"/>
-                </a:schemeClr>
-              </a:gs>
-            </a:gsLst>
-            <a:lin ang="5580000" scaled="0"/>
-            <a:tileRect/>
-          </a:gradFill>
-          <a:effectLst>
-            <a:glow rad="38100">
-              <a:schemeClr val="bg1">
-                <a:lumMod val="65000"/>
-                <a:lumOff val="35000"/>
-                <a:alpha val="40000"/>
-              </a:schemeClr>
-            </a:glow>
-            <a:outerShdw blurRad="28575" dist="38100" dir="14040000" algn="tl" rotWithShape="0">
-              <a:srgbClr val="000000">
-                <a:alpha val="25000"/>
-              </a:srgbClr>
-            </a:outerShdw>
-          </a:effectLst>
-          <a:latin typeface="Calibri (Textkörper)"/>
+        <a:defRPr sz="3600" kern="1200">
+          <a:solidFill>
+            <a:schemeClr val="accent1"/>
+          </a:solidFill>
+          <a:latin typeface="+mj-lt"/>
           <a:ea typeface="+mj-ea"/>
           <a:cs typeface="+mj-cs"/>
         </a:defRPr>
@@ -5268,283 +5509,151 @@
       </a:lvl9pPr>
     </p:titleStyle>
     <p:bodyStyle>
-      <a:lvl1pPr marL="285750" indent="-285750" algn="l" defTabSz="457200" rtl="0" eaLnBrk="1" latinLnBrk="0" hangingPunct="1">
+      <a:lvl1pPr marL="342900" indent="-342900" algn="l" defTabSz="457200" rtl="0" eaLnBrk="1" latinLnBrk="0" hangingPunct="1">
         <a:spcBef>
-          <a:spcPct val="20000"/>
+          <a:spcPts val="1000"/>
         </a:spcBef>
         <a:spcAft>
-          <a:spcPts val="600"/>
+          <a:spcPts val="0"/>
         </a:spcAft>
         <a:buClr>
-          <a:schemeClr val="tx1"/>
+          <a:schemeClr val="accent1"/>
         </a:buClr>
-        <a:buSzPct val="100000"/>
-        <a:buFont typeface="Arial"/>
-        <a:buChar char="•"/>
-        <a:defRPr sz="2000" kern="1200" cap="small">
-          <a:gradFill flip="none" rotWithShape="1">
-            <a:gsLst>
-              <a:gs pos="0">
-                <a:schemeClr val="tx1"/>
-              </a:gs>
-              <a:gs pos="100000">
-                <a:schemeClr val="tx1">
-                  <a:lumMod val="75000"/>
-                </a:schemeClr>
-              </a:gs>
-            </a:gsLst>
-            <a:lin ang="5580000" scaled="0"/>
-            <a:tileRect/>
-          </a:gradFill>
-          <a:effectLst>
-            <a:glow rad="38100">
-              <a:schemeClr val="bg1">
-                <a:lumMod val="50000"/>
-                <a:lumOff val="50000"/>
-                <a:alpha val="20000"/>
-              </a:schemeClr>
-            </a:glow>
-            <a:outerShdw blurRad="44450" dist="12700" dir="13860000" algn="tl" rotWithShape="0">
-              <a:srgbClr val="000000">
-                <a:alpha val="20000"/>
-              </a:srgbClr>
-            </a:outerShdw>
-          </a:effectLst>
-          <a:latin typeface="Calibri (Textkörper)"/>
+        <a:buSzPct val="80000"/>
+        <a:buFont typeface="Wingdings 3" charset="2"/>
+        <a:buChar char=""/>
+        <a:defRPr sz="1800" kern="1200">
+          <a:solidFill>
+            <a:schemeClr val="tx1">
+              <a:lumMod val="75000"/>
+              <a:lumOff val="25000"/>
+            </a:schemeClr>
+          </a:solidFill>
+          <a:latin typeface="+mn-lt"/>
           <a:ea typeface="+mn-ea"/>
           <a:cs typeface="+mn-cs"/>
         </a:defRPr>
       </a:lvl1pPr>
       <a:lvl2pPr marL="742950" indent="-285750" algn="l" defTabSz="457200" rtl="0" eaLnBrk="1" latinLnBrk="0" hangingPunct="1">
         <a:spcBef>
-          <a:spcPct val="20000"/>
+          <a:spcPts val="1000"/>
         </a:spcBef>
         <a:spcAft>
-          <a:spcPts val="600"/>
+          <a:spcPts val="0"/>
         </a:spcAft>
         <a:buClr>
-          <a:schemeClr val="tx1"/>
+          <a:schemeClr val="accent1"/>
         </a:buClr>
-        <a:buSzPct val="100000"/>
-        <a:buFont typeface="Arial"/>
-        <a:buChar char="•"/>
-        <a:defRPr sz="1800" kern="1200" cap="small">
-          <a:gradFill flip="none" rotWithShape="1">
-            <a:gsLst>
-              <a:gs pos="0">
-                <a:schemeClr val="tx1"/>
-              </a:gs>
-              <a:gs pos="100000">
-                <a:schemeClr val="tx1">
-                  <a:lumMod val="75000"/>
-                </a:schemeClr>
-              </a:gs>
-            </a:gsLst>
-            <a:lin ang="5580000" scaled="0"/>
-            <a:tileRect/>
-          </a:gradFill>
-          <a:effectLst>
-            <a:glow rad="38100">
-              <a:schemeClr val="bg1">
-                <a:lumMod val="50000"/>
-                <a:lumOff val="50000"/>
-                <a:alpha val="20000"/>
-              </a:schemeClr>
-            </a:glow>
-            <a:outerShdw blurRad="44450" dist="12700" dir="13860000" algn="tl" rotWithShape="0">
-              <a:srgbClr val="000000">
-                <a:alpha val="20000"/>
-              </a:srgbClr>
-            </a:outerShdw>
-          </a:effectLst>
-          <a:latin typeface="Calibri (Textkörper)"/>
+        <a:buSzPct val="80000"/>
+        <a:buFont typeface="Wingdings 3" charset="2"/>
+        <a:buChar char=""/>
+        <a:defRPr sz="1600" kern="1200">
+          <a:solidFill>
+            <a:schemeClr val="tx1">
+              <a:lumMod val="75000"/>
+              <a:lumOff val="25000"/>
+            </a:schemeClr>
+          </a:solidFill>
+          <a:latin typeface="+mn-lt"/>
           <a:ea typeface="+mn-ea"/>
           <a:cs typeface="+mn-cs"/>
         </a:defRPr>
       </a:lvl2pPr>
-      <a:lvl3pPr marL="1200150" indent="-285750" algn="l" defTabSz="457200" rtl="0" eaLnBrk="1" latinLnBrk="0" hangingPunct="1">
+      <a:lvl3pPr marL="1143000" indent="-228600" algn="l" defTabSz="457200" rtl="0" eaLnBrk="1" latinLnBrk="0" hangingPunct="1">
         <a:spcBef>
-          <a:spcPct val="20000"/>
+          <a:spcPts val="1000"/>
         </a:spcBef>
         <a:spcAft>
-          <a:spcPts val="600"/>
+          <a:spcPts val="0"/>
         </a:spcAft>
         <a:buClr>
-          <a:schemeClr val="tx1"/>
+          <a:schemeClr val="accent1"/>
         </a:buClr>
-        <a:buSzPct val="100000"/>
-        <a:buFont typeface="Arial"/>
-        <a:buChar char="•"/>
-        <a:defRPr sz="1600" kern="1200" cap="small">
-          <a:gradFill flip="none" rotWithShape="1">
-            <a:gsLst>
-              <a:gs pos="0">
-                <a:schemeClr val="tx1"/>
-              </a:gs>
-              <a:gs pos="100000">
-                <a:schemeClr val="tx1">
-                  <a:lumMod val="75000"/>
-                </a:schemeClr>
-              </a:gs>
-            </a:gsLst>
-            <a:lin ang="5580000" scaled="0"/>
-            <a:tileRect/>
-          </a:gradFill>
-          <a:effectLst>
-            <a:glow rad="38100">
-              <a:schemeClr val="bg1">
-                <a:lumMod val="50000"/>
-                <a:lumOff val="50000"/>
-                <a:alpha val="20000"/>
-              </a:schemeClr>
-            </a:glow>
-            <a:outerShdw blurRad="44450" dist="12700" dir="13860000" algn="tl" rotWithShape="0">
-              <a:srgbClr val="000000">
-                <a:alpha val="20000"/>
-              </a:srgbClr>
-            </a:outerShdw>
-          </a:effectLst>
-          <a:latin typeface="Calibri (Textkörper)"/>
+        <a:buSzPct val="80000"/>
+        <a:buFont typeface="Wingdings 3" charset="2"/>
+        <a:buChar char=""/>
+        <a:defRPr sz="1400" kern="1200">
+          <a:solidFill>
+            <a:schemeClr val="tx1">
+              <a:lumMod val="75000"/>
+              <a:lumOff val="25000"/>
+            </a:schemeClr>
+          </a:solidFill>
+          <a:latin typeface="+mn-lt"/>
           <a:ea typeface="+mn-ea"/>
           <a:cs typeface="+mn-cs"/>
         </a:defRPr>
       </a:lvl3pPr>
-      <a:lvl4pPr marL="1543050" indent="-171450" algn="l" defTabSz="457200" rtl="0" eaLnBrk="1" latinLnBrk="0" hangingPunct="1">
+      <a:lvl4pPr marL="1600200" indent="-228600" algn="l" defTabSz="457200" rtl="0" eaLnBrk="1" latinLnBrk="0" hangingPunct="1">
         <a:spcBef>
-          <a:spcPct val="20000"/>
+          <a:spcPts val="1000"/>
         </a:spcBef>
         <a:spcAft>
-          <a:spcPts val="600"/>
+          <a:spcPts val="0"/>
         </a:spcAft>
         <a:buClr>
-          <a:schemeClr val="tx1"/>
+          <a:schemeClr val="accent1"/>
         </a:buClr>
-        <a:buSzPct val="100000"/>
-        <a:buFont typeface="Arial"/>
-        <a:buChar char="•"/>
-        <a:defRPr sz="1400" kern="1200" cap="small">
-          <a:gradFill flip="none" rotWithShape="1">
-            <a:gsLst>
-              <a:gs pos="0">
-                <a:schemeClr val="tx1"/>
-              </a:gs>
-              <a:gs pos="100000">
-                <a:schemeClr val="tx1">
-                  <a:lumMod val="75000"/>
-                </a:schemeClr>
-              </a:gs>
-            </a:gsLst>
-            <a:lin ang="5580000" scaled="0"/>
-            <a:tileRect/>
-          </a:gradFill>
-          <a:effectLst>
-            <a:glow rad="38100">
-              <a:schemeClr val="bg1">
-                <a:lumMod val="50000"/>
-                <a:lumOff val="50000"/>
-                <a:alpha val="20000"/>
-              </a:schemeClr>
-            </a:glow>
-            <a:outerShdw blurRad="44450" dist="12700" dir="13860000" algn="tl" rotWithShape="0">
-              <a:srgbClr val="000000">
-                <a:alpha val="20000"/>
-              </a:srgbClr>
-            </a:outerShdw>
-          </a:effectLst>
-          <a:latin typeface="Calibri (Textkörper)"/>
+        <a:buSzPct val="80000"/>
+        <a:buFont typeface="Wingdings 3" charset="2"/>
+        <a:buChar char=""/>
+        <a:defRPr sz="1200" kern="1200">
+          <a:solidFill>
+            <a:schemeClr val="tx1">
+              <a:lumMod val="75000"/>
+              <a:lumOff val="25000"/>
+            </a:schemeClr>
+          </a:solidFill>
+          <a:latin typeface="+mn-lt"/>
           <a:ea typeface="+mn-ea"/>
           <a:cs typeface="+mn-cs"/>
         </a:defRPr>
       </a:lvl4pPr>
-      <a:lvl5pPr marL="2000250" indent="-171450" algn="l" defTabSz="457200" rtl="0" eaLnBrk="1" latinLnBrk="0" hangingPunct="1">
+      <a:lvl5pPr marL="2057400" indent="-228600" algn="l" defTabSz="457200" rtl="0" eaLnBrk="1" latinLnBrk="0" hangingPunct="1">
         <a:spcBef>
-          <a:spcPct val="20000"/>
+          <a:spcPts val="1000"/>
         </a:spcBef>
         <a:spcAft>
-          <a:spcPts val="600"/>
+          <a:spcPts val="0"/>
         </a:spcAft>
         <a:buClr>
-          <a:schemeClr val="tx1"/>
+          <a:schemeClr val="accent1"/>
         </a:buClr>
-        <a:buSzPct val="100000"/>
-        <a:buFont typeface="Arial"/>
-        <a:buChar char="•"/>
-        <a:defRPr sz="1400" kern="1200" cap="small">
-          <a:gradFill flip="none" rotWithShape="1">
-            <a:gsLst>
-              <a:gs pos="0">
-                <a:schemeClr val="tx1"/>
-              </a:gs>
-              <a:gs pos="100000">
-                <a:schemeClr val="tx1">
-                  <a:lumMod val="75000"/>
-                </a:schemeClr>
-              </a:gs>
-            </a:gsLst>
-            <a:lin ang="5580000" scaled="0"/>
-            <a:tileRect/>
-          </a:gradFill>
-          <a:effectLst>
-            <a:glow rad="38100">
-              <a:schemeClr val="bg1">
-                <a:lumMod val="50000"/>
-                <a:lumOff val="50000"/>
-                <a:alpha val="20000"/>
-              </a:schemeClr>
-            </a:glow>
-            <a:outerShdw blurRad="44450" dist="12700" dir="13860000" algn="tl" rotWithShape="0">
-              <a:srgbClr val="000000">
-                <a:alpha val="20000"/>
-              </a:srgbClr>
-            </a:outerShdw>
-          </a:effectLst>
-          <a:latin typeface="Calibri (Textkörper)"/>
+        <a:buSzPct val="80000"/>
+        <a:buFont typeface="Wingdings 3" charset="2"/>
+        <a:buChar char=""/>
+        <a:defRPr sz="1200" kern="1200">
+          <a:solidFill>
+            <a:schemeClr val="tx1">
+              <a:lumMod val="75000"/>
+              <a:lumOff val="25000"/>
+            </a:schemeClr>
+          </a:solidFill>
+          <a:latin typeface="+mn-lt"/>
           <a:ea typeface="+mn-ea"/>
           <a:cs typeface="+mn-cs"/>
         </a:defRPr>
       </a:lvl5pPr>
       <a:lvl6pPr marL="2514600" indent="-228600" algn="l" defTabSz="457200" rtl="0" eaLnBrk="1" latinLnBrk="0" hangingPunct="1">
         <a:spcBef>
-          <a:spcPct val="20000"/>
+          <a:spcPts val="1000"/>
         </a:spcBef>
         <a:spcAft>
-          <a:spcPts val="600"/>
+          <a:spcPts val="0"/>
         </a:spcAft>
         <a:buClr>
-          <a:schemeClr val="tx1"/>
+          <a:schemeClr val="accent1"/>
         </a:buClr>
-        <a:buSzPct val="100000"/>
-        <a:buFont typeface="Arial"/>
-        <a:buChar char="•"/>
-        <a:defRPr sz="1200" kern="1200" cap="small">
-          <a:gradFill flip="none" rotWithShape="1">
-            <a:gsLst>
-              <a:gs pos="0">
-                <a:schemeClr val="tx1"/>
-              </a:gs>
-              <a:gs pos="100000">
-                <a:schemeClr val="tx1">
-                  <a:lumMod val="75000"/>
-                </a:schemeClr>
-              </a:gs>
-            </a:gsLst>
-            <a:lin ang="5580000" scaled="0"/>
-            <a:tileRect/>
-          </a:gradFill>
-          <a:effectLst>
-            <a:glow rad="38100">
-              <a:schemeClr val="bg1">
-                <a:lumMod val="50000"/>
-                <a:lumOff val="50000"/>
-                <a:alpha val="20000"/>
-              </a:schemeClr>
-            </a:glow>
-            <a:outerShdw blurRad="44450" dist="12700" dir="13860000" algn="tl" rotWithShape="0">
-              <a:srgbClr val="000000">
-                <a:alpha val="20000"/>
-              </a:srgbClr>
-            </a:outerShdw>
-          </a:effectLst>
+        <a:buSzPct val="80000"/>
+        <a:buFont typeface="Wingdings 3" charset="2"/>
+        <a:buChar char=""/>
+        <a:defRPr sz="1200" kern="1200">
+          <a:solidFill>
+            <a:schemeClr val="tx1">
+              <a:lumMod val="75000"/>
+              <a:lumOff val="25000"/>
+            </a:schemeClr>
+          </a:solidFill>
           <a:latin typeface="+mn-lt"/>
           <a:ea typeface="+mn-ea"/>
           <a:cs typeface="+mn-cs"/>
@@ -5552,46 +5661,24 @@
       </a:lvl6pPr>
       <a:lvl7pPr marL="2971800" indent="-228600" algn="l" defTabSz="457200" rtl="0" eaLnBrk="1" latinLnBrk="0" hangingPunct="1">
         <a:spcBef>
-          <a:spcPct val="20000"/>
+          <a:spcPts val="1000"/>
         </a:spcBef>
         <a:spcAft>
-          <a:spcPts val="600"/>
+          <a:spcPts val="0"/>
         </a:spcAft>
         <a:buClr>
-          <a:schemeClr val="tx1"/>
+          <a:schemeClr val="accent1"/>
         </a:buClr>
-        <a:buSzPct val="100000"/>
-        <a:buFont typeface="Arial"/>
-        <a:buChar char="•"/>
-        <a:defRPr sz="1200" kern="1200" cap="small">
-          <a:gradFill flip="none" rotWithShape="1">
-            <a:gsLst>
-              <a:gs pos="0">
-                <a:schemeClr val="tx1"/>
-              </a:gs>
-              <a:gs pos="100000">
-                <a:schemeClr val="tx1">
-                  <a:lumMod val="75000"/>
-                </a:schemeClr>
-              </a:gs>
-            </a:gsLst>
-            <a:lin ang="5580000" scaled="0"/>
-            <a:tileRect/>
-          </a:gradFill>
-          <a:effectLst>
-            <a:glow rad="38100">
-              <a:schemeClr val="bg1">
-                <a:lumMod val="50000"/>
-                <a:lumOff val="50000"/>
-                <a:alpha val="20000"/>
-              </a:schemeClr>
-            </a:glow>
-            <a:outerShdw blurRad="44450" dist="12700" dir="13860000" algn="tl" rotWithShape="0">
-              <a:srgbClr val="000000">
-                <a:alpha val="20000"/>
-              </a:srgbClr>
-            </a:outerShdw>
-          </a:effectLst>
+        <a:buSzPct val="80000"/>
+        <a:buFont typeface="Wingdings 3" charset="2"/>
+        <a:buChar char=""/>
+        <a:defRPr sz="1200" kern="1200">
+          <a:solidFill>
+            <a:schemeClr val="tx1">
+              <a:lumMod val="75000"/>
+              <a:lumOff val="25000"/>
+            </a:schemeClr>
+          </a:solidFill>
           <a:latin typeface="+mn-lt"/>
           <a:ea typeface="+mn-ea"/>
           <a:cs typeface="+mn-cs"/>
@@ -5599,46 +5686,24 @@
       </a:lvl7pPr>
       <a:lvl8pPr marL="3429000" indent="-228600" algn="l" defTabSz="457200" rtl="0" eaLnBrk="1" latinLnBrk="0" hangingPunct="1">
         <a:spcBef>
-          <a:spcPct val="20000"/>
+          <a:spcPts val="1000"/>
         </a:spcBef>
         <a:spcAft>
-          <a:spcPts val="600"/>
+          <a:spcPts val="0"/>
         </a:spcAft>
         <a:buClr>
-          <a:schemeClr val="tx1"/>
+          <a:schemeClr val="accent1"/>
         </a:buClr>
-        <a:buSzPct val="100000"/>
-        <a:buFont typeface="Arial"/>
-        <a:buChar char="•"/>
-        <a:defRPr sz="1200" kern="1200" cap="small">
-          <a:gradFill flip="none" rotWithShape="1">
-            <a:gsLst>
-              <a:gs pos="0">
-                <a:schemeClr val="tx1"/>
-              </a:gs>
-              <a:gs pos="100000">
-                <a:schemeClr val="tx1">
-                  <a:lumMod val="75000"/>
-                </a:schemeClr>
-              </a:gs>
-            </a:gsLst>
-            <a:lin ang="5580000" scaled="0"/>
-            <a:tileRect/>
-          </a:gradFill>
-          <a:effectLst>
-            <a:glow rad="38100">
-              <a:schemeClr val="bg1">
-                <a:lumMod val="50000"/>
-                <a:lumOff val="50000"/>
-                <a:alpha val="20000"/>
-              </a:schemeClr>
-            </a:glow>
-            <a:outerShdw blurRad="44450" dist="12700" dir="13860000" algn="tl" rotWithShape="0">
-              <a:srgbClr val="000000">
-                <a:alpha val="20000"/>
-              </a:srgbClr>
-            </a:outerShdw>
-          </a:effectLst>
+        <a:buSzPct val="80000"/>
+        <a:buFont typeface="Wingdings 3" charset="2"/>
+        <a:buChar char=""/>
+        <a:defRPr sz="1200" kern="1200">
+          <a:solidFill>
+            <a:schemeClr val="tx1">
+              <a:lumMod val="75000"/>
+              <a:lumOff val="25000"/>
+            </a:schemeClr>
+          </a:solidFill>
           <a:latin typeface="+mn-lt"/>
           <a:ea typeface="+mn-ea"/>
           <a:cs typeface="+mn-cs"/>
@@ -5646,46 +5711,24 @@
       </a:lvl8pPr>
       <a:lvl9pPr marL="3886200" indent="-228600" algn="l" defTabSz="457200" rtl="0" eaLnBrk="1" latinLnBrk="0" hangingPunct="1">
         <a:spcBef>
-          <a:spcPct val="20000"/>
+          <a:spcPts val="1000"/>
         </a:spcBef>
         <a:spcAft>
-          <a:spcPts val="600"/>
+          <a:spcPts val="0"/>
         </a:spcAft>
         <a:buClr>
-          <a:schemeClr val="tx1"/>
+          <a:schemeClr val="accent1"/>
         </a:buClr>
-        <a:buSzPct val="100000"/>
-        <a:buFont typeface="Arial"/>
-        <a:buChar char="•"/>
-        <a:defRPr sz="1200" kern="1200" cap="small">
-          <a:gradFill flip="none" rotWithShape="1">
-            <a:gsLst>
-              <a:gs pos="0">
-                <a:schemeClr val="tx1"/>
-              </a:gs>
-              <a:gs pos="100000">
-                <a:schemeClr val="tx1">
-                  <a:lumMod val="75000"/>
-                </a:schemeClr>
-              </a:gs>
-            </a:gsLst>
-            <a:lin ang="5580000" scaled="0"/>
-            <a:tileRect/>
-          </a:gradFill>
-          <a:effectLst>
-            <a:glow rad="38100">
-              <a:schemeClr val="bg1">
-                <a:lumMod val="50000"/>
-                <a:lumOff val="50000"/>
-                <a:alpha val="20000"/>
-              </a:schemeClr>
-            </a:glow>
-            <a:outerShdw blurRad="44450" dist="12700" dir="13860000" algn="tl" rotWithShape="0">
-              <a:srgbClr val="000000">
-                <a:alpha val="20000"/>
-              </a:srgbClr>
-            </a:outerShdw>
-          </a:effectLst>
+        <a:buSzPct val="80000"/>
+        <a:buFont typeface="Wingdings 3" charset="2"/>
+        <a:buChar char=""/>
+        <a:defRPr sz="1200" kern="1200">
+          <a:solidFill>
+            <a:schemeClr val="tx1">
+              <a:lumMod val="75000"/>
+              <a:lumOff val="25000"/>
+            </a:schemeClr>
+          </a:solidFill>
           <a:latin typeface="+mn-lt"/>
           <a:ea typeface="+mn-ea"/>
           <a:cs typeface="+mn-cs"/>
@@ -5834,6 +5877,7 @@
           <a:bodyPr/>
           <a:lstStyle/>
           <a:p>
+            <a:pPr algn="ctr"/>
             <a:r>
               <a:rPr lang="de-AT" dirty="0"/>
               <a:t>Passwortmanager</a:t>
@@ -5880,6 +5924,268 @@
 </file>
 
 <file path=ppt/slides/slide10.xml><?xml version="1.0" encoding="utf-8"?>
+<p:sld xmlns:a="http://schemas.openxmlformats.org/drawingml/2006/main" xmlns:r="http://schemas.openxmlformats.org/officeDocument/2006/relationships" xmlns:p="http://schemas.openxmlformats.org/presentationml/2006/main">
+  <p:cSld>
+    <p:spTree>
+      <p:nvGrpSpPr>
+        <p:cNvPr id="1" name=""/>
+        <p:cNvGrpSpPr/>
+        <p:nvPr/>
+      </p:nvGrpSpPr>
+      <p:grpSpPr>
+        <a:xfrm>
+          <a:off x="0" y="0"/>
+          <a:ext cx="0" cy="0"/>
+          <a:chOff x="0" y="0"/>
+          <a:chExt cx="0" cy="0"/>
+        </a:xfrm>
+      </p:grpSpPr>
+      <p:sp>
+        <p:nvSpPr>
+          <p:cNvPr id="2" name="Titel 1">
+            <a:extLst>
+              <a:ext uri="{FF2B5EF4-FFF2-40B4-BE49-F238E27FC236}">
+                <a16:creationId xmlns:a16="http://schemas.microsoft.com/office/drawing/2014/main" id="{D10D9732-EB54-4C64-113B-6EB8E4E80FA2}"/>
+              </a:ext>
+            </a:extLst>
+          </p:cNvPr>
+          <p:cNvSpPr>
+            <a:spLocks noGrp="1"/>
+          </p:cNvSpPr>
+          <p:nvPr>
+            <p:ph type="title"/>
+          </p:nvPr>
+        </p:nvSpPr>
+        <p:spPr/>
+        <p:txBody>
+          <a:bodyPr/>
+          <a:lstStyle/>
+          <a:p>
+            <a:r>
+              <a:rPr lang="de-DE" dirty="0" err="1"/>
+              <a:t>Dependencys</a:t>
+            </a:r>
+            <a:r>
+              <a:rPr lang="de-DE" dirty="0"/>
+              <a:t> 2/6</a:t>
+            </a:r>
+            <a:endParaRPr lang="de-AT" dirty="0"/>
+          </a:p>
+        </p:txBody>
+      </p:sp>
+      <p:pic>
+        <p:nvPicPr>
+          <p:cNvPr id="11" name="Inhaltsplatzhalter 10">
+            <a:extLst>
+              <a:ext uri="{FF2B5EF4-FFF2-40B4-BE49-F238E27FC236}">
+                <a16:creationId xmlns:a16="http://schemas.microsoft.com/office/drawing/2014/main" id="{DA97D06A-D0C4-F853-5C88-260B64D99130}"/>
+              </a:ext>
+            </a:extLst>
+          </p:cNvPr>
+          <p:cNvPicPr>
+            <a:picLocks noGrp="1" noChangeAspect="1"/>
+          </p:cNvPicPr>
+          <p:nvPr>
+            <p:ph idx="1"/>
+          </p:nvPr>
+        </p:nvPicPr>
+        <p:blipFill>
+          <a:blip r:embed="rId2"/>
+          <a:stretch>
+            <a:fillRect/>
+          </a:stretch>
+        </p:blipFill>
+        <p:spPr>
+          <a:xfrm>
+            <a:off x="2137173" y="3491621"/>
+            <a:ext cx="5677692" cy="1219370"/>
+          </a:xfrm>
+        </p:spPr>
+      </p:pic>
+      <p:sp>
+        <p:nvSpPr>
+          <p:cNvPr id="7" name="Textfeld 6">
+            <a:extLst>
+              <a:ext uri="{FF2B5EF4-FFF2-40B4-BE49-F238E27FC236}">
+                <a16:creationId xmlns:a16="http://schemas.microsoft.com/office/drawing/2014/main" id="{C6669F7F-C99C-ADCE-230F-3D7E0F4724D4}"/>
+              </a:ext>
+            </a:extLst>
+          </p:cNvPr>
+          <p:cNvSpPr txBox="1"/>
+          <p:nvPr/>
+        </p:nvSpPr>
+        <p:spPr>
+          <a:xfrm>
+            <a:off x="1141413" y="2113935"/>
+            <a:ext cx="8956316" cy="646331"/>
+          </a:xfrm>
+          <a:prstGeom prst="rect">
+            <a:avLst/>
+          </a:prstGeom>
+          <a:noFill/>
+        </p:spPr>
+        <p:txBody>
+          <a:bodyPr wrap="square" rtlCol="0">
+            <a:spAutoFit/>
+          </a:bodyPr>
+          <a:lstStyle/>
+          <a:p>
+            <a:r>
+              <a:rPr lang="de-DE" dirty="0"/>
+              <a:t>Dieses Starter-Paket erleichtert die Entwicklung von Webanwendungen mit Spring Boot. (MVC, Mapping)</a:t>
+            </a:r>
+            <a:endParaRPr lang="de-AT" dirty="0"/>
+          </a:p>
+        </p:txBody>
+      </p:sp>
+    </p:spTree>
+    <p:extLst>
+      <p:ext uri="{BB962C8B-B14F-4D97-AF65-F5344CB8AC3E}">
+        <p14:creationId xmlns:p14="http://schemas.microsoft.com/office/powerpoint/2010/main" val="982429036"/>
+      </p:ext>
+    </p:extLst>
+  </p:cSld>
+  <p:clrMapOvr>
+    <a:masterClrMapping/>
+  </p:clrMapOvr>
+</p:sld>
+</file>
+
+<file path=ppt/slides/slide11.xml><?xml version="1.0" encoding="utf-8"?>
+<p:sld xmlns:a="http://schemas.openxmlformats.org/drawingml/2006/main" xmlns:r="http://schemas.openxmlformats.org/officeDocument/2006/relationships" xmlns:p="http://schemas.openxmlformats.org/presentationml/2006/main">
+  <p:cSld>
+    <p:spTree>
+      <p:nvGrpSpPr>
+        <p:cNvPr id="1" name=""/>
+        <p:cNvGrpSpPr/>
+        <p:nvPr/>
+      </p:nvGrpSpPr>
+      <p:grpSpPr>
+        <a:xfrm>
+          <a:off x="0" y="0"/>
+          <a:ext cx="0" cy="0"/>
+          <a:chOff x="0" y="0"/>
+          <a:chExt cx="0" cy="0"/>
+        </a:xfrm>
+      </p:grpSpPr>
+      <p:sp>
+        <p:nvSpPr>
+          <p:cNvPr id="2" name="Titel 1">
+            <a:extLst>
+              <a:ext uri="{FF2B5EF4-FFF2-40B4-BE49-F238E27FC236}">
+                <a16:creationId xmlns:a16="http://schemas.microsoft.com/office/drawing/2014/main" id="{D10D9732-EB54-4C64-113B-6EB8E4E80FA2}"/>
+              </a:ext>
+            </a:extLst>
+          </p:cNvPr>
+          <p:cNvSpPr>
+            <a:spLocks noGrp="1"/>
+          </p:cNvSpPr>
+          <p:nvPr>
+            <p:ph type="title"/>
+          </p:nvPr>
+        </p:nvSpPr>
+        <p:spPr/>
+        <p:txBody>
+          <a:bodyPr/>
+          <a:lstStyle/>
+          <a:p>
+            <a:r>
+              <a:rPr lang="de-DE" dirty="0" err="1"/>
+              <a:t>Dependencys</a:t>
+            </a:r>
+            <a:r>
+              <a:rPr lang="de-DE" dirty="0"/>
+              <a:t> 3/6</a:t>
+            </a:r>
+            <a:endParaRPr lang="de-AT" dirty="0"/>
+          </a:p>
+        </p:txBody>
+      </p:sp>
+      <p:sp>
+        <p:nvSpPr>
+          <p:cNvPr id="7" name="Textfeld 6">
+            <a:extLst>
+              <a:ext uri="{FF2B5EF4-FFF2-40B4-BE49-F238E27FC236}">
+                <a16:creationId xmlns:a16="http://schemas.microsoft.com/office/drawing/2014/main" id="{C6669F7F-C99C-ADCE-230F-3D7E0F4724D4}"/>
+              </a:ext>
+            </a:extLst>
+          </p:cNvPr>
+          <p:cNvSpPr txBox="1"/>
+          <p:nvPr/>
+        </p:nvSpPr>
+        <p:spPr>
+          <a:xfrm>
+            <a:off x="1141413" y="2113935"/>
+            <a:ext cx="8956316" cy="1477328"/>
+          </a:xfrm>
+          <a:prstGeom prst="rect">
+            <a:avLst/>
+          </a:prstGeom>
+          <a:noFill/>
+        </p:spPr>
+        <p:txBody>
+          <a:bodyPr wrap="square" rtlCol="0">
+            <a:spAutoFit/>
+          </a:bodyPr>
+          <a:lstStyle/>
+          <a:p>
+            <a:r>
+              <a:rPr lang="de-DE" dirty="0"/>
+              <a:t>Dieses Paket integriert MongoDB in die Spring Boot-Anwendung. Es bietet Funktionen zur Datenzugriffsschicht, die speziell für MongoDB entwickelt wurden, und erleichtert die Verwendung von MongoDB im Projekt.</a:t>
+            </a:r>
+          </a:p>
+          <a:p>
+            <a:br>
+              <a:rPr lang="de-DE" dirty="0"/>
+            </a:br>
+            <a:endParaRPr lang="de-AT" dirty="0"/>
+          </a:p>
+        </p:txBody>
+      </p:sp>
+      <p:pic>
+        <p:nvPicPr>
+          <p:cNvPr id="6" name="Grafik 5">
+            <a:extLst>
+              <a:ext uri="{FF2B5EF4-FFF2-40B4-BE49-F238E27FC236}">
+                <a16:creationId xmlns:a16="http://schemas.microsoft.com/office/drawing/2014/main" id="{CCEEDA3C-146A-C70D-7760-8C0F84FBBF28}"/>
+              </a:ext>
+            </a:extLst>
+          </p:cNvPr>
+          <p:cNvPicPr>
+            <a:picLocks noChangeAspect="1"/>
+          </p:cNvPicPr>
+          <p:nvPr/>
+        </p:nvPicPr>
+        <p:blipFill>
+          <a:blip r:embed="rId2"/>
+          <a:stretch>
+            <a:fillRect/>
+          </a:stretch>
+        </p:blipFill>
+        <p:spPr>
+          <a:xfrm>
+            <a:off x="1141413" y="3987602"/>
+            <a:ext cx="8977550" cy="1981711"/>
+          </a:xfrm>
+          <a:prstGeom prst="rect">
+            <a:avLst/>
+          </a:prstGeom>
+        </p:spPr>
+      </p:pic>
+    </p:spTree>
+    <p:extLst>
+      <p:ext uri="{BB962C8B-B14F-4D97-AF65-F5344CB8AC3E}">
+        <p14:creationId xmlns:p14="http://schemas.microsoft.com/office/powerpoint/2010/main" val="1521692145"/>
+      </p:ext>
+    </p:extLst>
+  </p:cSld>
+  <p:clrMapOvr>
+    <a:masterClrMapping/>
+  </p:clrMapOvr>
+</p:sld>
+</file>
+
+<file path=ppt/slides/slide12.xml><?xml version="1.0" encoding="utf-8"?>
 <p:sld xmlns:a="http://schemas.openxmlformats.org/drawingml/2006/main" xmlns:r="http://schemas.openxmlformats.org/officeDocument/2006/relationships" xmlns:p="http://schemas.openxmlformats.org/presentationml/2006/main">
   <p:cSld>
     <p:spTree>
@@ -6008,7 +6314,7 @@
 </p:sld>
 </file>
 
-<file path=ppt/slides/slide11.xml><?xml version="1.0" encoding="utf-8"?>
+<file path=ppt/slides/slide13.xml><?xml version="1.0" encoding="utf-8"?>
 <p:sld xmlns:a="http://schemas.openxmlformats.org/drawingml/2006/main" xmlns:r="http://schemas.openxmlformats.org/officeDocument/2006/relationships" xmlns:p="http://schemas.openxmlformats.org/presentationml/2006/main">
   <p:cSld>
     <p:spTree>
@@ -6137,7 +6443,7 @@
 </p:sld>
 </file>
 
-<file path=ppt/slides/slide12.xml><?xml version="1.0" encoding="utf-8"?>
+<file path=ppt/slides/slide14.xml><?xml version="1.0" encoding="utf-8"?>
 <p:sld xmlns:a="http://schemas.openxmlformats.org/drawingml/2006/main" xmlns:r="http://schemas.openxmlformats.org/officeDocument/2006/relationships" xmlns:p="http://schemas.openxmlformats.org/presentationml/2006/main">
   <p:cSld>
     <p:spTree>
@@ -6292,259 +6598,6 @@
 </p:sld>
 </file>
 
-<file path=ppt/slides/slide13.xml><?xml version="1.0" encoding="utf-8"?>
-<p:sld xmlns:a="http://schemas.openxmlformats.org/drawingml/2006/main" xmlns:r="http://schemas.openxmlformats.org/officeDocument/2006/relationships" xmlns:p="http://schemas.openxmlformats.org/presentationml/2006/main">
-  <p:cSld>
-    <p:spTree>
-      <p:nvGrpSpPr>
-        <p:cNvPr id="1" name=""/>
-        <p:cNvGrpSpPr/>
-        <p:nvPr/>
-      </p:nvGrpSpPr>
-      <p:grpSpPr>
-        <a:xfrm>
-          <a:off x="0" y="0"/>
-          <a:ext cx="0" cy="0"/>
-          <a:chOff x="0" y="0"/>
-          <a:chExt cx="0" cy="0"/>
-        </a:xfrm>
-      </p:grpSpPr>
-      <p:sp>
-        <p:nvSpPr>
-          <p:cNvPr id="2" name="Titel 1">
-            <a:extLst>
-              <a:ext uri="{FF2B5EF4-FFF2-40B4-BE49-F238E27FC236}">
-                <a16:creationId xmlns:a16="http://schemas.microsoft.com/office/drawing/2014/main" id="{E477706B-21CC-AADA-2E0C-9E49F85358B8}"/>
-              </a:ext>
-            </a:extLst>
-          </p:cNvPr>
-          <p:cNvSpPr>
-            <a:spLocks noGrp="1"/>
-          </p:cNvSpPr>
-          <p:nvPr>
-            <p:ph type="title"/>
-          </p:nvPr>
-        </p:nvSpPr>
-        <p:spPr/>
-        <p:txBody>
-          <a:bodyPr/>
-          <a:lstStyle/>
-          <a:p>
-            <a:r>
-              <a:rPr lang="de-AT" dirty="0"/>
-              <a:t>Routen</a:t>
-            </a:r>
-          </a:p>
-        </p:txBody>
-      </p:sp>
-      <p:sp>
-        <p:nvSpPr>
-          <p:cNvPr id="4" name="Textfeld 3">
-            <a:extLst>
-              <a:ext uri="{FF2B5EF4-FFF2-40B4-BE49-F238E27FC236}">
-                <a16:creationId xmlns:a16="http://schemas.microsoft.com/office/drawing/2014/main" id="{EEDD48F8-8F88-3967-6934-ED98BD658490}"/>
-              </a:ext>
-            </a:extLst>
-          </p:cNvPr>
-          <p:cNvSpPr txBox="1"/>
-          <p:nvPr/>
-        </p:nvSpPr>
-        <p:spPr>
-          <a:xfrm>
-            <a:off x="1042218" y="2359742"/>
-            <a:ext cx="9793421" cy="2117183"/>
-          </a:xfrm>
-          <a:prstGeom prst="rect">
-            <a:avLst/>
-          </a:prstGeom>
-          <a:noFill/>
-        </p:spPr>
-        <p:txBody>
-          <a:bodyPr wrap="square" rtlCol="0">
-            <a:spAutoFit/>
-          </a:bodyPr>
-          <a:lstStyle/>
-          <a:p>
-            <a:pPr>
-              <a:lnSpc>
-                <a:spcPct val="150000"/>
-              </a:lnSpc>
-            </a:pPr>
-            <a:r>
-              <a:rPr lang="de-DE" dirty="0"/>
-              <a:t>Controller: </a:t>
-            </a:r>
-          </a:p>
-          <a:p>
-            <a:pPr marL="285750" indent="-285750">
-              <a:lnSpc>
-                <a:spcPct val="150000"/>
-              </a:lnSpc>
-              <a:buFont typeface="Arial" panose="020B0604020202020204" pitchFamily="34" charset="0"/>
-              <a:buChar char="•"/>
-            </a:pPr>
-            <a:r>
-              <a:rPr lang="de-DE" dirty="0"/>
-              <a:t>	</a:t>
-            </a:r>
-            <a:r>
-              <a:rPr lang="de-DE" dirty="0" err="1"/>
-              <a:t>UserController</a:t>
-            </a:r>
-            <a:r>
-              <a:rPr lang="de-DE" dirty="0"/>
-              <a:t> : /</a:t>
-            </a:r>
-            <a:r>
-              <a:rPr lang="de-DE" dirty="0" err="1"/>
-              <a:t>users</a:t>
-            </a:r>
-            <a:endParaRPr lang="de-DE" dirty="0"/>
-          </a:p>
-          <a:p>
-            <a:pPr marL="285750" indent="-285750">
-              <a:lnSpc>
-                <a:spcPct val="150000"/>
-              </a:lnSpc>
-              <a:buFont typeface="Arial" panose="020B0604020202020204" pitchFamily="34" charset="0"/>
-              <a:buChar char="•"/>
-            </a:pPr>
-            <a:r>
-              <a:rPr lang="de-DE" dirty="0"/>
-              <a:t>	</a:t>
-            </a:r>
-            <a:r>
-              <a:rPr lang="de-DE" dirty="0" err="1"/>
-              <a:t>EntryController</a:t>
-            </a:r>
-            <a:r>
-              <a:rPr lang="de-DE" dirty="0"/>
-              <a:t> : /</a:t>
-            </a:r>
-            <a:r>
-              <a:rPr lang="de-DE" dirty="0" err="1"/>
-              <a:t>entries</a:t>
-            </a:r>
-            <a:endParaRPr lang="de-DE" dirty="0"/>
-          </a:p>
-          <a:p>
-            <a:pPr marL="285750" indent="-285750">
-              <a:lnSpc>
-                <a:spcPct val="150000"/>
-              </a:lnSpc>
-              <a:buFont typeface="Arial" panose="020B0604020202020204" pitchFamily="34" charset="0"/>
-              <a:buChar char="•"/>
-            </a:pPr>
-            <a:endParaRPr lang="de-DE" dirty="0"/>
-          </a:p>
-          <a:p>
-            <a:pPr marL="285750" indent="-285750">
-              <a:lnSpc>
-                <a:spcPct val="150000"/>
-              </a:lnSpc>
-              <a:buFont typeface="Arial" panose="020B0604020202020204" pitchFamily="34" charset="0"/>
-              <a:buChar char="•"/>
-            </a:pPr>
-            <a:endParaRPr lang="de-AT" dirty="0"/>
-          </a:p>
-        </p:txBody>
-      </p:sp>
-    </p:spTree>
-    <p:extLst>
-      <p:ext uri="{BB962C8B-B14F-4D97-AF65-F5344CB8AC3E}">
-        <p14:creationId xmlns:p14="http://schemas.microsoft.com/office/powerpoint/2010/main" val="56377891"/>
-      </p:ext>
-    </p:extLst>
-  </p:cSld>
-  <p:clrMapOvr>
-    <a:masterClrMapping/>
-  </p:clrMapOvr>
-</p:sld>
-</file>
-
-<file path=ppt/slides/slide14.xml><?xml version="1.0" encoding="utf-8"?>
-<p:sld xmlns:a="http://schemas.openxmlformats.org/drawingml/2006/main" xmlns:r="http://schemas.openxmlformats.org/officeDocument/2006/relationships" xmlns:p="http://schemas.openxmlformats.org/presentationml/2006/main">
-  <p:cSld>
-    <p:spTree>
-      <p:nvGrpSpPr>
-        <p:cNvPr id="1" name=""/>
-        <p:cNvGrpSpPr/>
-        <p:nvPr/>
-      </p:nvGrpSpPr>
-      <p:grpSpPr>
-        <a:xfrm>
-          <a:off x="0" y="0"/>
-          <a:ext cx="0" cy="0"/>
-          <a:chOff x="0" y="0"/>
-          <a:chExt cx="0" cy="0"/>
-        </a:xfrm>
-      </p:grpSpPr>
-      <p:sp>
-        <p:nvSpPr>
-          <p:cNvPr id="2" name="Titel 1">
-            <a:extLst>
-              <a:ext uri="{FF2B5EF4-FFF2-40B4-BE49-F238E27FC236}">
-                <a16:creationId xmlns:a16="http://schemas.microsoft.com/office/drawing/2014/main" id="{48FA41CD-F561-BC22-9090-A0BC74F73AE9}"/>
-              </a:ext>
-            </a:extLst>
-          </p:cNvPr>
-          <p:cNvSpPr>
-            <a:spLocks noGrp="1"/>
-          </p:cNvSpPr>
-          <p:nvPr>
-            <p:ph type="title"/>
-          </p:nvPr>
-        </p:nvSpPr>
-        <p:spPr/>
-        <p:txBody>
-          <a:bodyPr/>
-          <a:lstStyle/>
-          <a:p>
-            <a:r>
-              <a:rPr lang="de-AT" dirty="0"/>
-              <a:t>WPF-Client</a:t>
-            </a:r>
-          </a:p>
-        </p:txBody>
-      </p:sp>
-      <p:sp>
-        <p:nvSpPr>
-          <p:cNvPr id="3" name="Inhaltsplatzhalter 2">
-            <a:extLst>
-              <a:ext uri="{FF2B5EF4-FFF2-40B4-BE49-F238E27FC236}">
-                <a16:creationId xmlns:a16="http://schemas.microsoft.com/office/drawing/2014/main" id="{135A6417-96D1-BC4C-74CB-AB89513B1224}"/>
-              </a:ext>
-            </a:extLst>
-          </p:cNvPr>
-          <p:cNvSpPr>
-            <a:spLocks noGrp="1"/>
-          </p:cNvSpPr>
-          <p:nvPr>
-            <p:ph idx="1"/>
-          </p:nvPr>
-        </p:nvSpPr>
-        <p:spPr/>
-        <p:txBody>
-          <a:bodyPr/>
-          <a:lstStyle/>
-          <a:p>
-            <a:endParaRPr lang="de-AT" dirty="0"/>
-          </a:p>
-        </p:txBody>
-      </p:sp>
-    </p:spTree>
-    <p:extLst>
-      <p:ext uri="{BB962C8B-B14F-4D97-AF65-F5344CB8AC3E}">
-        <p14:creationId xmlns:p14="http://schemas.microsoft.com/office/powerpoint/2010/main" val="42619750"/>
-      </p:ext>
-    </p:extLst>
-  </p:cSld>
-  <p:clrMapOvr>
-    <a:masterClrMapping/>
-  </p:clrMapOvr>
-</p:sld>
-</file>
-
 <file path=ppt/slides/slide15.xml><?xml version="1.0" encoding="utf-8"?>
 <p:sld xmlns:a="http://schemas.openxmlformats.org/drawingml/2006/main" xmlns:r="http://schemas.openxmlformats.org/officeDocument/2006/relationships" xmlns:p="http://schemas.openxmlformats.org/presentationml/2006/main">
   <p:cSld>
@@ -6567,6 +6620,259 @@
           <p:cNvPr id="2" name="Titel 1">
             <a:extLst>
               <a:ext uri="{FF2B5EF4-FFF2-40B4-BE49-F238E27FC236}">
+                <a16:creationId xmlns:a16="http://schemas.microsoft.com/office/drawing/2014/main" id="{E477706B-21CC-AADA-2E0C-9E49F85358B8}"/>
+              </a:ext>
+            </a:extLst>
+          </p:cNvPr>
+          <p:cNvSpPr>
+            <a:spLocks noGrp="1"/>
+          </p:cNvSpPr>
+          <p:nvPr>
+            <p:ph type="title"/>
+          </p:nvPr>
+        </p:nvSpPr>
+        <p:spPr/>
+        <p:txBody>
+          <a:bodyPr/>
+          <a:lstStyle/>
+          <a:p>
+            <a:r>
+              <a:rPr lang="de-AT" dirty="0"/>
+              <a:t>Routen</a:t>
+            </a:r>
+          </a:p>
+        </p:txBody>
+      </p:sp>
+      <p:sp>
+        <p:nvSpPr>
+          <p:cNvPr id="4" name="Textfeld 3">
+            <a:extLst>
+              <a:ext uri="{FF2B5EF4-FFF2-40B4-BE49-F238E27FC236}">
+                <a16:creationId xmlns:a16="http://schemas.microsoft.com/office/drawing/2014/main" id="{EEDD48F8-8F88-3967-6934-ED98BD658490}"/>
+              </a:ext>
+            </a:extLst>
+          </p:cNvPr>
+          <p:cNvSpPr txBox="1"/>
+          <p:nvPr/>
+        </p:nvSpPr>
+        <p:spPr>
+          <a:xfrm>
+            <a:off x="1042218" y="2359742"/>
+            <a:ext cx="9793421" cy="2117183"/>
+          </a:xfrm>
+          <a:prstGeom prst="rect">
+            <a:avLst/>
+          </a:prstGeom>
+          <a:noFill/>
+        </p:spPr>
+        <p:txBody>
+          <a:bodyPr wrap="square" rtlCol="0">
+            <a:spAutoFit/>
+          </a:bodyPr>
+          <a:lstStyle/>
+          <a:p>
+            <a:pPr>
+              <a:lnSpc>
+                <a:spcPct val="150000"/>
+              </a:lnSpc>
+            </a:pPr>
+            <a:r>
+              <a:rPr lang="de-DE" dirty="0"/>
+              <a:t>Controller: </a:t>
+            </a:r>
+          </a:p>
+          <a:p>
+            <a:pPr marL="285750" indent="-285750">
+              <a:lnSpc>
+                <a:spcPct val="150000"/>
+              </a:lnSpc>
+              <a:buFont typeface="Arial" panose="020B0604020202020204" pitchFamily="34" charset="0"/>
+              <a:buChar char="•"/>
+            </a:pPr>
+            <a:r>
+              <a:rPr lang="de-DE" dirty="0"/>
+              <a:t>	</a:t>
+            </a:r>
+            <a:r>
+              <a:rPr lang="de-DE" dirty="0" err="1"/>
+              <a:t>UserController</a:t>
+            </a:r>
+            <a:r>
+              <a:rPr lang="de-DE" dirty="0"/>
+              <a:t> : /</a:t>
+            </a:r>
+            <a:r>
+              <a:rPr lang="de-DE" dirty="0" err="1"/>
+              <a:t>users</a:t>
+            </a:r>
+            <a:endParaRPr lang="de-DE" dirty="0"/>
+          </a:p>
+          <a:p>
+            <a:pPr marL="285750" indent="-285750">
+              <a:lnSpc>
+                <a:spcPct val="150000"/>
+              </a:lnSpc>
+              <a:buFont typeface="Arial" panose="020B0604020202020204" pitchFamily="34" charset="0"/>
+              <a:buChar char="•"/>
+            </a:pPr>
+            <a:r>
+              <a:rPr lang="de-DE" dirty="0"/>
+              <a:t>	</a:t>
+            </a:r>
+            <a:r>
+              <a:rPr lang="de-DE" dirty="0" err="1"/>
+              <a:t>EntryController</a:t>
+            </a:r>
+            <a:r>
+              <a:rPr lang="de-DE" dirty="0"/>
+              <a:t> : /</a:t>
+            </a:r>
+            <a:r>
+              <a:rPr lang="de-DE" dirty="0" err="1"/>
+              <a:t>entries</a:t>
+            </a:r>
+            <a:endParaRPr lang="de-DE" dirty="0"/>
+          </a:p>
+          <a:p>
+            <a:pPr marL="285750" indent="-285750">
+              <a:lnSpc>
+                <a:spcPct val="150000"/>
+              </a:lnSpc>
+              <a:buFont typeface="Arial" panose="020B0604020202020204" pitchFamily="34" charset="0"/>
+              <a:buChar char="•"/>
+            </a:pPr>
+            <a:endParaRPr lang="de-DE" dirty="0"/>
+          </a:p>
+          <a:p>
+            <a:pPr marL="285750" indent="-285750">
+              <a:lnSpc>
+                <a:spcPct val="150000"/>
+              </a:lnSpc>
+              <a:buFont typeface="Arial" panose="020B0604020202020204" pitchFamily="34" charset="0"/>
+              <a:buChar char="•"/>
+            </a:pPr>
+            <a:endParaRPr lang="de-AT" dirty="0"/>
+          </a:p>
+        </p:txBody>
+      </p:sp>
+    </p:spTree>
+    <p:extLst>
+      <p:ext uri="{BB962C8B-B14F-4D97-AF65-F5344CB8AC3E}">
+        <p14:creationId xmlns:p14="http://schemas.microsoft.com/office/powerpoint/2010/main" val="56377891"/>
+      </p:ext>
+    </p:extLst>
+  </p:cSld>
+  <p:clrMapOvr>
+    <a:masterClrMapping/>
+  </p:clrMapOvr>
+</p:sld>
+</file>
+
+<file path=ppt/slides/slide16.xml><?xml version="1.0" encoding="utf-8"?>
+<p:sld xmlns:a="http://schemas.openxmlformats.org/drawingml/2006/main" xmlns:r="http://schemas.openxmlformats.org/officeDocument/2006/relationships" xmlns:p="http://schemas.openxmlformats.org/presentationml/2006/main">
+  <p:cSld>
+    <p:spTree>
+      <p:nvGrpSpPr>
+        <p:cNvPr id="1" name=""/>
+        <p:cNvGrpSpPr/>
+        <p:nvPr/>
+      </p:nvGrpSpPr>
+      <p:grpSpPr>
+        <a:xfrm>
+          <a:off x="0" y="0"/>
+          <a:ext cx="0" cy="0"/>
+          <a:chOff x="0" y="0"/>
+          <a:chExt cx="0" cy="0"/>
+        </a:xfrm>
+      </p:grpSpPr>
+      <p:sp>
+        <p:nvSpPr>
+          <p:cNvPr id="2" name="Titel 1">
+            <a:extLst>
+              <a:ext uri="{FF2B5EF4-FFF2-40B4-BE49-F238E27FC236}">
+                <a16:creationId xmlns:a16="http://schemas.microsoft.com/office/drawing/2014/main" id="{48FA41CD-F561-BC22-9090-A0BC74F73AE9}"/>
+              </a:ext>
+            </a:extLst>
+          </p:cNvPr>
+          <p:cNvSpPr>
+            <a:spLocks noGrp="1"/>
+          </p:cNvSpPr>
+          <p:nvPr>
+            <p:ph type="title"/>
+          </p:nvPr>
+        </p:nvSpPr>
+        <p:spPr/>
+        <p:txBody>
+          <a:bodyPr/>
+          <a:lstStyle/>
+          <a:p>
+            <a:r>
+              <a:rPr lang="de-AT" dirty="0"/>
+              <a:t>WPF-Client</a:t>
+            </a:r>
+          </a:p>
+        </p:txBody>
+      </p:sp>
+      <p:sp>
+        <p:nvSpPr>
+          <p:cNvPr id="3" name="Inhaltsplatzhalter 2">
+            <a:extLst>
+              <a:ext uri="{FF2B5EF4-FFF2-40B4-BE49-F238E27FC236}">
+                <a16:creationId xmlns:a16="http://schemas.microsoft.com/office/drawing/2014/main" id="{135A6417-96D1-BC4C-74CB-AB89513B1224}"/>
+              </a:ext>
+            </a:extLst>
+          </p:cNvPr>
+          <p:cNvSpPr>
+            <a:spLocks noGrp="1"/>
+          </p:cNvSpPr>
+          <p:nvPr>
+            <p:ph idx="1"/>
+          </p:nvPr>
+        </p:nvSpPr>
+        <p:spPr/>
+        <p:txBody>
+          <a:bodyPr/>
+          <a:lstStyle/>
+          <a:p>
+            <a:endParaRPr lang="de-AT" dirty="0"/>
+          </a:p>
+        </p:txBody>
+      </p:sp>
+    </p:spTree>
+    <p:extLst>
+      <p:ext uri="{BB962C8B-B14F-4D97-AF65-F5344CB8AC3E}">
+        <p14:creationId xmlns:p14="http://schemas.microsoft.com/office/powerpoint/2010/main" val="42619750"/>
+      </p:ext>
+    </p:extLst>
+  </p:cSld>
+  <p:clrMapOvr>
+    <a:masterClrMapping/>
+  </p:clrMapOvr>
+</p:sld>
+</file>
+
+<file path=ppt/slides/slide17.xml><?xml version="1.0" encoding="utf-8"?>
+<p:sld xmlns:a="http://schemas.openxmlformats.org/drawingml/2006/main" xmlns:r="http://schemas.openxmlformats.org/officeDocument/2006/relationships" xmlns:p="http://schemas.openxmlformats.org/presentationml/2006/main">
+  <p:cSld>
+    <p:spTree>
+      <p:nvGrpSpPr>
+        <p:cNvPr id="1" name=""/>
+        <p:cNvGrpSpPr/>
+        <p:nvPr/>
+      </p:nvGrpSpPr>
+      <p:grpSpPr>
+        <a:xfrm>
+          <a:off x="0" y="0"/>
+          <a:ext cx="0" cy="0"/>
+          <a:chOff x="0" y="0"/>
+          <a:chExt cx="0" cy="0"/>
+        </a:xfrm>
+      </p:grpSpPr>
+      <p:sp>
+        <p:nvSpPr>
+          <p:cNvPr id="2" name="Titel 1">
+            <a:extLst>
+              <a:ext uri="{FF2B5EF4-FFF2-40B4-BE49-F238E27FC236}">
                 <a16:creationId xmlns:a16="http://schemas.microsoft.com/office/drawing/2014/main" id="{98B467B9-D10F-4128-9C92-951C333C6CF9}"/>
               </a:ext>
             </a:extLst>
@@ -6628,7 +6934,99 @@
 </p:sld>
 </file>
 
-<file path=ppt/slides/slide16.xml><?xml version="1.0" encoding="utf-8"?>
+<file path=ppt/slides/slide18.xml><?xml version="1.0" encoding="utf-8"?>
+<p:sld xmlns:a="http://schemas.openxmlformats.org/drawingml/2006/main" xmlns:r="http://schemas.openxmlformats.org/officeDocument/2006/relationships" xmlns:p="http://schemas.openxmlformats.org/presentationml/2006/main">
+  <p:cSld>
+    <p:spTree>
+      <p:nvGrpSpPr>
+        <p:cNvPr id="1" name=""/>
+        <p:cNvGrpSpPr/>
+        <p:nvPr/>
+      </p:nvGrpSpPr>
+      <p:grpSpPr>
+        <a:xfrm>
+          <a:off x="0" y="0"/>
+          <a:ext cx="0" cy="0"/>
+          <a:chOff x="0" y="0"/>
+          <a:chExt cx="0" cy="0"/>
+        </a:xfrm>
+      </p:grpSpPr>
+      <p:sp>
+        <p:nvSpPr>
+          <p:cNvPr id="2" name="Titel 1">
+            <a:extLst>
+              <a:ext uri="{FF2B5EF4-FFF2-40B4-BE49-F238E27FC236}">
+                <a16:creationId xmlns:a16="http://schemas.microsoft.com/office/drawing/2014/main" id="{E2FCBBEB-0EAF-3848-12FC-D0A2780464E7}"/>
+              </a:ext>
+            </a:extLst>
+          </p:cNvPr>
+          <p:cNvSpPr>
+            <a:spLocks noGrp="1"/>
+          </p:cNvSpPr>
+          <p:nvPr>
+            <p:ph type="title"/>
+          </p:nvPr>
+        </p:nvSpPr>
+        <p:spPr/>
+        <p:txBody>
+          <a:bodyPr/>
+          <a:lstStyle/>
+          <a:p>
+            <a:r>
+              <a:rPr lang="de-AT" dirty="0"/>
+              <a:t>Datenbank - </a:t>
+            </a:r>
+            <a:r>
+              <a:rPr lang="de-AT" dirty="0" err="1"/>
+              <a:t>Mongodb</a:t>
+            </a:r>
+            <a:endParaRPr lang="de-AT" dirty="0"/>
+          </a:p>
+        </p:txBody>
+      </p:sp>
+      <p:pic>
+        <p:nvPicPr>
+          <p:cNvPr id="5" name="Inhaltsplatzhalter 4">
+            <a:extLst>
+              <a:ext uri="{FF2B5EF4-FFF2-40B4-BE49-F238E27FC236}">
+                <a16:creationId xmlns:a16="http://schemas.microsoft.com/office/drawing/2014/main" id="{BBE9F892-0D1E-6CCA-00A2-F60769AFE4FC}"/>
+              </a:ext>
+            </a:extLst>
+          </p:cNvPr>
+          <p:cNvPicPr>
+            <a:picLocks noGrp="1" noChangeAspect="1"/>
+          </p:cNvPicPr>
+          <p:nvPr>
+            <p:ph idx="1"/>
+          </p:nvPr>
+        </p:nvPicPr>
+        <p:blipFill>
+          <a:blip r:embed="rId2"/>
+          <a:stretch>
+            <a:fillRect/>
+          </a:stretch>
+        </p:blipFill>
+        <p:spPr>
+          <a:xfrm>
+            <a:off x="5839511" y="1431655"/>
+            <a:ext cx="2028498" cy="4952977"/>
+          </a:xfrm>
+        </p:spPr>
+      </p:pic>
+    </p:spTree>
+    <p:extLst>
+      <p:ext uri="{BB962C8B-B14F-4D97-AF65-F5344CB8AC3E}">
+        <p14:creationId xmlns:p14="http://schemas.microsoft.com/office/powerpoint/2010/main" val="286703819"/>
+      </p:ext>
+    </p:extLst>
+  </p:cSld>
+  <p:clrMapOvr>
+    <a:masterClrMapping/>
+  </p:clrMapOvr>
+</p:sld>
+</file>
+
+<file path=ppt/slides/slide19.xml><?xml version="1.0" encoding="utf-8"?>
 <p:sld xmlns:a="http://schemas.openxmlformats.org/drawingml/2006/main" xmlns:r="http://schemas.openxmlformats.org/officeDocument/2006/relationships" xmlns:p="http://schemas.openxmlformats.org/presentationml/2006/main">
   <p:cSld>
     <p:spTree>
@@ -6760,29 +7158,159 @@
 </p:sld>
 </file>
 
-<file path=ppt/slides/slide17.xml><?xml version="1.0" encoding="utf-8"?>
+<file path=ppt/slides/slide2.xml><?xml version="1.0" encoding="utf-8"?>
+<p:sld xmlns:a="http://schemas.openxmlformats.org/drawingml/2006/main" xmlns:r="http://schemas.openxmlformats.org/officeDocument/2006/relationships" xmlns:p="http://schemas.openxmlformats.org/presentationml/2006/main">
+  <p:cSld>
+    <p:spTree>
+      <p:nvGrpSpPr>
+        <p:cNvPr id="1" name=""/>
+        <p:cNvGrpSpPr/>
+        <p:nvPr/>
+      </p:nvGrpSpPr>
+      <p:grpSpPr>
+        <a:xfrm>
+          <a:off x="0" y="0"/>
+          <a:ext cx="0" cy="0"/>
+          <a:chOff x="0" y="0"/>
+          <a:chExt cx="0" cy="0"/>
+        </a:xfrm>
+      </p:grpSpPr>
+      <p:sp>
+        <p:nvSpPr>
+          <p:cNvPr id="2" name="Titel 1">
+            <a:extLst>
+              <a:ext uri="{FF2B5EF4-FFF2-40B4-BE49-F238E27FC236}">
+                <a16:creationId xmlns:a16="http://schemas.microsoft.com/office/drawing/2014/main" id="{029FB284-2DA4-D95F-0F35-A1F193FFA35C}"/>
+              </a:ext>
+            </a:extLst>
+          </p:cNvPr>
+          <p:cNvSpPr>
+            <a:spLocks noGrp="1"/>
+          </p:cNvSpPr>
+          <p:nvPr>
+            <p:ph type="title"/>
+          </p:nvPr>
+        </p:nvSpPr>
+        <p:spPr/>
+        <p:txBody>
+          <a:bodyPr/>
+          <a:lstStyle/>
+          <a:p>
+            <a:r>
+              <a:rPr lang="de-AT" dirty="0"/>
+              <a:t>Anforderungen</a:t>
+            </a:r>
+          </a:p>
+        </p:txBody>
+      </p:sp>
+      <p:sp>
+        <p:nvSpPr>
+          <p:cNvPr id="5" name="Textfeld 4">
+            <a:extLst>
+              <a:ext uri="{FF2B5EF4-FFF2-40B4-BE49-F238E27FC236}">
+                <a16:creationId xmlns:a16="http://schemas.microsoft.com/office/drawing/2014/main" id="{E19BB89B-4A74-25B1-3D40-2163C509924A}"/>
+              </a:ext>
+            </a:extLst>
+          </p:cNvPr>
+          <p:cNvSpPr txBox="1"/>
+          <p:nvPr/>
+        </p:nvSpPr>
+        <p:spPr>
+          <a:xfrm>
+            <a:off x="969264" y="2441448"/>
+            <a:ext cx="9905998" cy="1754326"/>
+          </a:xfrm>
+          <a:prstGeom prst="rect">
+            <a:avLst/>
+          </a:prstGeom>
+          <a:noFill/>
+        </p:spPr>
+        <p:txBody>
+          <a:bodyPr wrap="square" rtlCol="0">
+            <a:spAutoFit/>
+          </a:bodyPr>
+          <a:lstStyle/>
+          <a:p>
+            <a:pPr marL="285750" indent="-285750">
+              <a:buFont typeface="Arial" panose="020B0604020202020204" pitchFamily="34" charset="0"/>
+              <a:buChar char="•"/>
+            </a:pPr>
+            <a:r>
+              <a:rPr lang="de-AT" dirty="0"/>
+              <a:t>WPF-Client (C#)</a:t>
+            </a:r>
+          </a:p>
+          <a:p>
+            <a:pPr marL="285750" indent="-285750">
+              <a:buFont typeface="Arial" panose="020B0604020202020204" pitchFamily="34" charset="0"/>
+              <a:buChar char="•"/>
+            </a:pPr>
+            <a:r>
+              <a:rPr lang="de-AT" dirty="0"/>
+              <a:t>Web-Client (HTML, CSS, JS)</a:t>
+            </a:r>
+          </a:p>
+          <a:p>
+            <a:pPr marL="285750" indent="-285750">
+              <a:buFont typeface="Arial" panose="020B0604020202020204" pitchFamily="34" charset="0"/>
+              <a:buChar char="•"/>
+            </a:pPr>
+            <a:endParaRPr lang="de-AT" dirty="0"/>
+          </a:p>
+          <a:p>
+            <a:pPr marL="285750" indent="-285750">
+              <a:buFont typeface="Arial" panose="020B0604020202020204" pitchFamily="34" charset="0"/>
+              <a:buChar char="•"/>
+            </a:pPr>
+            <a:r>
+              <a:rPr lang="de-AT" dirty="0"/>
+              <a:t>Server</a:t>
+            </a:r>
+          </a:p>
+          <a:p>
+            <a:pPr marL="285750" indent="-285750">
+              <a:buFont typeface="Arial" panose="020B0604020202020204" pitchFamily="34" charset="0"/>
+              <a:buChar char="•"/>
+            </a:pPr>
+            <a:r>
+              <a:rPr lang="de-AT" dirty="0" err="1"/>
+              <a:t>Actuator</a:t>
+            </a:r>
+            <a:endParaRPr lang="de-AT" dirty="0"/>
+          </a:p>
+          <a:p>
+            <a:pPr marL="285750" indent="-285750">
+              <a:buFont typeface="Arial" panose="020B0604020202020204" pitchFamily="34" charset="0"/>
+              <a:buChar char="•"/>
+            </a:pPr>
+            <a:r>
+              <a:rPr lang="de-AT" dirty="0"/>
+              <a:t>CRUD-Operationen</a:t>
+            </a:r>
+          </a:p>
+        </p:txBody>
+      </p:sp>
+    </p:spTree>
+    <p:extLst>
+      <p:ext uri="{BB962C8B-B14F-4D97-AF65-F5344CB8AC3E}">
+        <p14:creationId xmlns:p14="http://schemas.microsoft.com/office/powerpoint/2010/main" val="1144645094"/>
+      </p:ext>
+    </p:extLst>
+  </p:cSld>
+  <p:clrMapOvr>
+    <a:masterClrMapping/>
+  </p:clrMapOvr>
+</p:sld>
+</file>
+
+<file path=ppt/slides/slide20.xml><?xml version="1.0" encoding="utf-8"?>
 <p:sld xmlns:a="http://schemas.openxmlformats.org/drawingml/2006/main" xmlns:r="http://schemas.openxmlformats.org/officeDocument/2006/relationships" xmlns:p="http://schemas.openxmlformats.org/presentationml/2006/main">
   <p:cSld>
     <p:bg>
       <p:bgPr>
-        <a:blipFill rotWithShape="1">
-          <a:blip r:embed="rId2">
-            <a:duotone>
-              <a:schemeClr val="bg2">
-                <a:shade val="28000"/>
-                <a:satMod val="94000"/>
-                <a:lumMod val="20000"/>
-              </a:schemeClr>
-              <a:schemeClr val="bg2">
-                <a:tint val="94000"/>
-                <a:shade val="84000"/>
-                <a:satMod val="148000"/>
-                <a:lumMod val="114000"/>
-              </a:schemeClr>
-            </a:duotone>
-          </a:blip>
-          <a:stretch/>
-        </a:blipFill>
+        <a:solidFill>
+          <a:schemeClr val="bg1"/>
+        </a:solidFill>
         <a:effectLst/>
       </p:bgPr>
     </p:bg>
@@ -6818,8 +7346,8 @@
         </p:nvSpPr>
         <p:spPr>
           <a:xfrm>
-            <a:off x="431799" y="599768"/>
-            <a:ext cx="4656395" cy="1905000"/>
+            <a:off x="676746" y="609600"/>
+            <a:ext cx="3729076" cy="1320800"/>
           </a:xfrm>
         </p:spPr>
         <p:txBody>
@@ -6829,16 +7357,8 @@
           <a:lstStyle/>
           <a:p>
             <a:r>
-              <a:rPr lang="en-US" sz="2800" dirty="0" err="1">
-                <a:latin typeface="+mj-lt"/>
-              </a:rPr>
-              <a:t>Verschlüsselung</a:t>
-            </a:r>
-            <a:r>
-              <a:rPr lang="en-US" sz="2800" dirty="0">
-                <a:latin typeface="+mj-lt"/>
-              </a:rPr>
-              <a:t> - AES</a:t>
+              <a:rPr lang="en-US"/>
+              <a:t>Verschlüsselung - AES</a:t>
             </a:r>
           </a:p>
         </p:txBody>
@@ -6857,131 +7377,85 @@
         </p:nvSpPr>
         <p:spPr>
           <a:xfrm>
-            <a:off x="643192" y="2666999"/>
-            <a:ext cx="3643674" cy="3216276"/>
+            <a:off x="685167" y="2160589"/>
+            <a:ext cx="3720916" cy="3560733"/>
           </a:xfrm>
           <a:prstGeom prst="rect">
             <a:avLst/>
           </a:prstGeom>
         </p:spPr>
         <p:txBody>
-          <a:bodyPr vert="horz" lIns="91440" tIns="45720" rIns="91440" bIns="45720" rtlCol="0" anchor="ctr">
+          <a:bodyPr vert="horz" lIns="91440" tIns="45720" rIns="91440" bIns="45720" rtlCol="0">
             <a:normAutofit/>
           </a:bodyPr>
           <a:lstStyle/>
           <a:p>
             <a:pPr marL="285750" indent="-285750">
               <a:spcBef>
-                <a:spcPct val="20000"/>
+                <a:spcPts val="1000"/>
               </a:spcBef>
-              <a:spcAft>
-                <a:spcPts val="600"/>
-              </a:spcAft>
               <a:buClr>
-                <a:schemeClr val="tx1"/>
+                <a:schemeClr val="accent1"/>
               </a:buClr>
-              <a:buSzPct val="100000"/>
-              <a:buFont typeface="Arial" panose="020B0604020202020204" pitchFamily="34" charset="0"/>
-              <a:buChar char="•"/>
+              <a:buSzPct val="80000"/>
+              <a:buFont typeface="Wingdings 3" charset="2"/>
+              <a:buChar char=""/>
             </a:pPr>
             <a:r>
-              <a:rPr lang="en-US" dirty="0" err="1"/>
-              <a:t>Symmetrische</a:t>
-            </a:r>
-            <a:r>
-              <a:rPr lang="en-US" dirty="0"/>
-              <a:t> </a:t>
-            </a:r>
-            <a:r>
-              <a:rPr lang="en-US" dirty="0" err="1"/>
-              <a:t>Verschlüsselung</a:t>
-            </a:r>
-            <a:r>
-              <a:rPr lang="en-US" dirty="0"/>
-              <a:t> </a:t>
+              <a:rPr lang="en-US">
+                <a:solidFill>
+                  <a:schemeClr val="tx1">
+                    <a:lumMod val="75000"/>
+                    <a:lumOff val="25000"/>
+                  </a:schemeClr>
+                </a:solidFill>
+              </a:rPr>
+              <a:t>Symmetrische Verschlüsselung </a:t>
             </a:r>
           </a:p>
           <a:p>
             <a:pPr marL="285750" indent="-285750">
               <a:spcBef>
-                <a:spcPct val="20000"/>
+                <a:spcPts val="1000"/>
               </a:spcBef>
-              <a:spcAft>
-                <a:spcPts val="600"/>
-              </a:spcAft>
               <a:buClr>
-                <a:schemeClr val="tx1"/>
+                <a:schemeClr val="accent1"/>
               </a:buClr>
-              <a:buSzPct val="100000"/>
-              <a:buFont typeface="Arial" panose="020B0604020202020204" pitchFamily="34" charset="0"/>
-              <a:buChar char="•"/>
+              <a:buSzPct val="80000"/>
+              <a:buFont typeface="Wingdings 3" charset="2"/>
+              <a:buChar char=""/>
             </a:pPr>
             <a:r>
-              <a:rPr lang="en-US" dirty="0" err="1"/>
-              <a:t>Kommt</a:t>
-            </a:r>
-            <a:r>
-              <a:rPr lang="en-US" dirty="0"/>
-              <a:t> </a:t>
-            </a:r>
-            <a:r>
-              <a:rPr lang="en-US" dirty="0" err="1"/>
-              <a:t>im</a:t>
-            </a:r>
-            <a:r>
-              <a:rPr lang="en-US" dirty="0"/>
-              <a:t> TLS-</a:t>
-            </a:r>
-            <a:r>
-              <a:rPr lang="en-US" dirty="0" err="1"/>
-              <a:t>Protokoll</a:t>
-            </a:r>
-            <a:r>
-              <a:rPr lang="en-US" dirty="0"/>
-              <a:t> </a:t>
-            </a:r>
-            <a:r>
-              <a:rPr lang="en-US" dirty="0" err="1"/>
-              <a:t>zur</a:t>
-            </a:r>
-            <a:r>
-              <a:rPr lang="en-US" dirty="0"/>
-              <a:t> </a:t>
-            </a:r>
-            <a:r>
-              <a:rPr lang="en-US" dirty="0" err="1"/>
-              <a:t>Anwendung</a:t>
-            </a:r>
-            <a:endParaRPr lang="en-US" dirty="0"/>
+              <a:rPr lang="en-US">
+                <a:solidFill>
+                  <a:schemeClr val="tx1">
+                    <a:lumMod val="75000"/>
+                    <a:lumOff val="25000"/>
+                  </a:schemeClr>
+                </a:solidFill>
+              </a:rPr>
+              <a:t>Kommt im TLS-Protokoll zur Anwendung</a:t>
+            </a:r>
           </a:p>
           <a:p>
             <a:pPr>
               <a:spcBef>
-                <a:spcPct val="20000"/>
+                <a:spcPts val="1000"/>
               </a:spcBef>
-              <a:spcAft>
-                <a:spcPts val="600"/>
-              </a:spcAft>
               <a:buClr>
-                <a:schemeClr val="tx1"/>
+                <a:schemeClr val="accent1"/>
               </a:buClr>
-              <a:buSzPct val="100000"/>
+              <a:buSzPct val="80000"/>
+              <a:buFont typeface="Wingdings 3" charset="2"/>
+              <a:buChar char=""/>
             </a:pPr>
-            <a:endParaRPr lang="en-US" cap="small" dirty="0">
-              <a:gradFill flip="none" rotWithShape="1">
-                <a:gsLst>
-                  <a:gs pos="0">
-                    <a:schemeClr val="tx1"/>
-                  </a:gs>
-                  <a:gs pos="100000">
-                    <a:schemeClr val="tx1">
-                      <a:lumMod val="75000"/>
-                    </a:schemeClr>
-                  </a:gs>
-                </a:gsLst>
-                <a:lin ang="5580000" scaled="0"/>
-                <a:tileRect/>
-              </a:gradFill>
+            <a:endParaRPr lang="en-US" cap="small">
+              <a:solidFill>
+                <a:schemeClr val="tx1">
+                  <a:lumMod val="75000"/>
+                  <a:lumOff val="25000"/>
+                </a:schemeClr>
+              </a:solidFill>
               <a:effectLst>
                 <a:glow rad="38100">
                   <a:schemeClr val="bg1">
@@ -6996,40 +7470,27 @@
                   </a:srgbClr>
                 </a:outerShdw>
               </a:effectLst>
-              <a:latin typeface="Calibri (Textkörper)"/>
-              <a:cs typeface="Arial" panose="020B0604020202020204" pitchFamily="34" charset="0"/>
             </a:endParaRPr>
           </a:p>
           <a:p>
             <a:pPr>
               <a:spcBef>
-                <a:spcPct val="20000"/>
+                <a:spcPts val="1000"/>
               </a:spcBef>
-              <a:spcAft>
-                <a:spcPts val="600"/>
-              </a:spcAft>
               <a:buClr>
-                <a:schemeClr val="tx1"/>
+                <a:schemeClr val="accent1"/>
               </a:buClr>
-              <a:buSzPct val="100000"/>
-              <a:buFont typeface="Arial"/>
-              <a:buChar char="•"/>
+              <a:buSzPct val="80000"/>
+              <a:buFont typeface="Wingdings 3" charset="2"/>
+              <a:buChar char=""/>
             </a:pPr>
-            <a:endParaRPr lang="en-US" cap="small" dirty="0">
-              <a:gradFill flip="none" rotWithShape="1">
-                <a:gsLst>
-                  <a:gs pos="0">
-                    <a:schemeClr val="tx1"/>
-                  </a:gs>
-                  <a:gs pos="100000">
-                    <a:schemeClr val="tx1">
-                      <a:lumMod val="75000"/>
-                    </a:schemeClr>
-                  </a:gs>
-                </a:gsLst>
-                <a:lin ang="5580000" scaled="0"/>
-                <a:tileRect/>
-              </a:gradFill>
+            <a:endParaRPr lang="en-US" cap="small">
+              <a:solidFill>
+                <a:schemeClr val="tx1">
+                  <a:lumMod val="75000"/>
+                  <a:lumOff val="25000"/>
+                </a:schemeClr>
+              </a:solidFill>
               <a:effectLst>
                 <a:glow rad="38100">
                   <a:schemeClr val="bg1">
@@ -7044,8 +7505,6 @@
                   </a:srgbClr>
                 </a:outerShdw>
               </a:effectLst>
-              <a:latin typeface="Calibri (Textkörper)"/>
-              <a:cs typeface="Arial" panose="020B0604020202020204" pitchFamily="34" charset="0"/>
             </a:endParaRPr>
           </a:p>
         </p:txBody>
@@ -7065,7 +7524,7 @@
           <p:nvPr/>
         </p:nvPicPr>
         <p:blipFill rotWithShape="1">
-          <a:blip r:embed="rId3">
+          <a:blip r:embed="rId2">
             <a:extLst>
               <a:ext uri="{28A0092B-C50C-407E-A947-70E740481C1C}">
                 <a14:useLocalDpi xmlns:a14="http://schemas.microsoft.com/office/drawing/2010/main" val="0"/>
@@ -7077,38 +7536,13 @@
         </p:blipFill>
         <p:spPr bwMode="auto">
           <a:xfrm>
-            <a:off x="5088194" y="758616"/>
-            <a:ext cx="6754401" cy="5124659"/>
+            <a:off x="4556557" y="1099198"/>
+            <a:ext cx="6141483" cy="4659604"/>
           </a:xfrm>
-          <a:prstGeom prst="roundRect">
-            <a:avLst>
-              <a:gd name="adj" fmla="val 3517"/>
-            </a:avLst>
+          <a:prstGeom prst="rect">
+            <a:avLst/>
           </a:prstGeom>
           <a:noFill/>
-          <a:ln w="38100">
-            <a:gradFill flip="none" rotWithShape="1">
-              <a:gsLst>
-                <a:gs pos="0">
-                  <a:srgbClr val="363D46"/>
-                </a:gs>
-                <a:gs pos="100000">
-                  <a:srgbClr val="363D46">
-                    <a:lumMod val="75000"/>
-                  </a:srgbClr>
-                </a:gs>
-              </a:gsLst>
-              <a:lin ang="5400000" scaled="0"/>
-              <a:tileRect/>
-            </a:gradFill>
-          </a:ln>
-          <a:effectLst>
-            <a:innerShdw blurRad="57150" dist="38100" dir="14460000">
-              <a:srgbClr val="000000">
-                <a:alpha val="70000"/>
-              </a:srgbClr>
-            </a:innerShdw>
-          </a:effectLst>
           <a:extLst>
             <a:ext uri="{909E8E84-426E-40DD-AFC4-6F175D3DCCD1}">
               <a14:hiddenFill xmlns:a14="http://schemas.microsoft.com/office/drawing/2010/main">
@@ -7133,7 +7567,192 @@
 </p:sld>
 </file>
 
-<file path=ppt/slides/slide18.xml><?xml version="1.0" encoding="utf-8"?>
+<file path=ppt/slides/slide21.xml><?xml version="1.0" encoding="utf-8"?>
+<p:sld xmlns:a="http://schemas.openxmlformats.org/drawingml/2006/main" xmlns:r="http://schemas.openxmlformats.org/officeDocument/2006/relationships" xmlns:p="http://schemas.openxmlformats.org/presentationml/2006/main">
+  <p:cSld>
+    <p:bg>
+      <p:bgPr>
+        <a:solidFill>
+          <a:schemeClr val="bg1"/>
+        </a:solidFill>
+        <a:effectLst/>
+      </p:bgPr>
+    </p:bg>
+    <p:spTree>
+      <p:nvGrpSpPr>
+        <p:cNvPr id="1" name=""/>
+        <p:cNvGrpSpPr/>
+        <p:nvPr/>
+      </p:nvGrpSpPr>
+      <p:grpSpPr>
+        <a:xfrm>
+          <a:off x="0" y="0"/>
+          <a:ext cx="0" cy="0"/>
+          <a:chOff x="0" y="0"/>
+          <a:chExt cx="0" cy="0"/>
+        </a:xfrm>
+      </p:grpSpPr>
+      <p:sp>
+        <p:nvSpPr>
+          <p:cNvPr id="2" name="Titel 1">
+            <a:extLst>
+              <a:ext uri="{FF2B5EF4-FFF2-40B4-BE49-F238E27FC236}">
+                <a16:creationId xmlns:a16="http://schemas.microsoft.com/office/drawing/2014/main" id="{62D9FC1B-B2C2-D8B8-89F7-82F907724F07}"/>
+              </a:ext>
+            </a:extLst>
+          </p:cNvPr>
+          <p:cNvSpPr>
+            <a:spLocks noGrp="1"/>
+          </p:cNvSpPr>
+          <p:nvPr>
+            <p:ph type="title"/>
+          </p:nvPr>
+        </p:nvSpPr>
+        <p:spPr>
+          <a:xfrm>
+            <a:off x="676746" y="609600"/>
+            <a:ext cx="3729076" cy="1320800"/>
+          </a:xfrm>
+        </p:spPr>
+        <p:txBody>
+          <a:bodyPr vert="horz" lIns="91440" tIns="45720" rIns="91440" bIns="45720" rtlCol="0" anchor="ctr">
+            <a:normAutofit/>
+          </a:bodyPr>
+          <a:lstStyle/>
+          <a:p>
+            <a:r>
+              <a:rPr lang="en-US"/>
+              <a:t>Verschlüsselung - Hashing</a:t>
+            </a:r>
+          </a:p>
+        </p:txBody>
+      </p:sp>
+      <p:sp>
+        <p:nvSpPr>
+          <p:cNvPr id="4" name="Textfeld 3">
+            <a:extLst>
+              <a:ext uri="{FF2B5EF4-FFF2-40B4-BE49-F238E27FC236}">
+                <a16:creationId xmlns:a16="http://schemas.microsoft.com/office/drawing/2014/main" id="{F877ABEB-130E-5246-0FBC-213E345C7401}"/>
+              </a:ext>
+            </a:extLst>
+          </p:cNvPr>
+          <p:cNvSpPr txBox="1"/>
+          <p:nvPr/>
+        </p:nvSpPr>
+        <p:spPr>
+          <a:xfrm>
+            <a:off x="685167" y="2160589"/>
+            <a:ext cx="3720916" cy="3560733"/>
+          </a:xfrm>
+          <a:prstGeom prst="rect">
+            <a:avLst/>
+          </a:prstGeom>
+        </p:spPr>
+        <p:txBody>
+          <a:bodyPr vert="horz" lIns="91440" tIns="45720" rIns="91440" bIns="45720" rtlCol="0">
+            <a:normAutofit/>
+          </a:bodyPr>
+          <a:lstStyle/>
+          <a:p>
+            <a:pPr marL="285750" indent="-285750">
+              <a:spcBef>
+                <a:spcPts val="1000"/>
+              </a:spcBef>
+              <a:buClr>
+                <a:schemeClr val="accent1"/>
+              </a:buClr>
+              <a:buSzPct val="80000"/>
+              <a:buFont typeface="Wingdings 3" charset="2"/>
+              <a:buChar char=""/>
+            </a:pPr>
+            <a:r>
+              <a:rPr lang="en-US" cap="small">
+                <a:solidFill>
+                  <a:schemeClr val="tx1">
+                    <a:lumMod val="75000"/>
+                    <a:lumOff val="25000"/>
+                  </a:schemeClr>
+                </a:solidFill>
+                <a:effectLst>
+                  <a:glow rad="38100">
+                    <a:schemeClr val="bg1">
+                      <a:lumMod val="50000"/>
+                      <a:lumOff val="50000"/>
+                      <a:alpha val="20000"/>
+                    </a:schemeClr>
+                  </a:glow>
+                  <a:outerShdw blurRad="44450" dist="12700" dir="13860000" algn="tl" rotWithShape="0">
+                    <a:srgbClr val="000000">
+                      <a:alpha val="20000"/>
+                    </a:srgbClr>
+                  </a:outerShdw>
+                </a:effectLst>
+              </a:rPr>
+              <a:t>Masterkey</a:t>
+            </a:r>
+          </a:p>
+        </p:txBody>
+      </p:sp>
+      <p:pic>
+        <p:nvPicPr>
+          <p:cNvPr id="1026" name="Picture 2" descr="What Is a Hash? | Hacking Tutorials by Xeus">
+            <a:extLst>
+              <a:ext uri="{FF2B5EF4-FFF2-40B4-BE49-F238E27FC236}">
+                <a16:creationId xmlns:a16="http://schemas.microsoft.com/office/drawing/2014/main" id="{5B88AC1A-6026-2504-17AF-602E7608ED2B}"/>
+              </a:ext>
+            </a:extLst>
+          </p:cNvPr>
+          <p:cNvPicPr>
+            <a:picLocks noChangeAspect="1" noChangeArrowheads="1"/>
+          </p:cNvPicPr>
+          <p:nvPr/>
+        </p:nvPicPr>
+        <p:blipFill>
+          <a:blip r:embed="rId2">
+            <a:extLst>
+              <a:ext uri="{28A0092B-C50C-407E-A947-70E740481C1C}">
+                <a14:useLocalDpi xmlns:a14="http://schemas.microsoft.com/office/drawing/2010/main" val="0"/>
+              </a:ext>
+            </a:extLst>
+          </a:blip>
+          <a:stretch>
+            <a:fillRect/>
+          </a:stretch>
+        </p:blipFill>
+        <p:spPr bwMode="auto">
+          <a:xfrm>
+            <a:off x="3916917" y="1930400"/>
+            <a:ext cx="5507002" cy="3469411"/>
+          </a:xfrm>
+          <a:prstGeom prst="rect">
+            <a:avLst/>
+          </a:prstGeom>
+          <a:noFill/>
+          <a:extLst>
+            <a:ext uri="{909E8E84-426E-40DD-AFC4-6F175D3DCCD1}">
+              <a14:hiddenFill xmlns:a14="http://schemas.microsoft.com/office/drawing/2010/main">
+                <a:solidFill>
+                  <a:srgbClr val="FFFFFF"/>
+                </a:solidFill>
+              </a14:hiddenFill>
+            </a:ext>
+          </a:extLst>
+        </p:spPr>
+      </p:pic>
+    </p:spTree>
+    <p:extLst>
+      <p:ext uri="{BB962C8B-B14F-4D97-AF65-F5344CB8AC3E}">
+        <p14:creationId xmlns:p14="http://schemas.microsoft.com/office/powerpoint/2010/main" val="407303552"/>
+      </p:ext>
+    </p:extLst>
+  </p:cSld>
+  <p:clrMapOvr>
+    <a:masterClrMapping/>
+  </p:clrMapOvr>
+</p:sld>
+</file>
+
+<file path=ppt/slides/slide22.xml><?xml version="1.0" encoding="utf-8"?>
 <p:sld xmlns:a="http://schemas.openxmlformats.org/drawingml/2006/main" xmlns:r="http://schemas.openxmlformats.org/officeDocument/2006/relationships" xmlns:p="http://schemas.openxmlformats.org/presentationml/2006/main">
   <p:cSld>
     <p:spTree>
@@ -7155,94 +7774,6 @@
           <p:cNvPr id="2" name="Titel 1">
             <a:extLst>
               <a:ext uri="{FF2B5EF4-FFF2-40B4-BE49-F238E27FC236}">
-                <a16:creationId xmlns:a16="http://schemas.microsoft.com/office/drawing/2014/main" id="{62D9FC1B-B2C2-D8B8-89F7-82F907724F07}"/>
-              </a:ext>
-            </a:extLst>
-          </p:cNvPr>
-          <p:cNvSpPr>
-            <a:spLocks noGrp="1"/>
-          </p:cNvSpPr>
-          <p:nvPr>
-            <p:ph type="title"/>
-          </p:nvPr>
-        </p:nvSpPr>
-        <p:spPr/>
-        <p:txBody>
-          <a:bodyPr/>
-          <a:lstStyle/>
-          <a:p>
-            <a:r>
-              <a:rPr lang="de-AT" dirty="0"/>
-              <a:t>Verschlüsselung - </a:t>
-            </a:r>
-            <a:r>
-              <a:rPr lang="de-AT" dirty="0" err="1"/>
-              <a:t>Hashing</a:t>
-            </a:r>
-            <a:endParaRPr lang="de-AT" dirty="0"/>
-          </a:p>
-        </p:txBody>
-      </p:sp>
-      <p:sp>
-        <p:nvSpPr>
-          <p:cNvPr id="3" name="Inhaltsplatzhalter 2">
-            <a:extLst>
-              <a:ext uri="{FF2B5EF4-FFF2-40B4-BE49-F238E27FC236}">
-                <a16:creationId xmlns:a16="http://schemas.microsoft.com/office/drawing/2014/main" id="{BECF7814-C123-E368-817C-A9914275325B}"/>
-              </a:ext>
-            </a:extLst>
-          </p:cNvPr>
-          <p:cNvSpPr>
-            <a:spLocks noGrp="1"/>
-          </p:cNvSpPr>
-          <p:nvPr>
-            <p:ph idx="1"/>
-          </p:nvPr>
-        </p:nvSpPr>
-        <p:spPr/>
-        <p:txBody>
-          <a:bodyPr/>
-          <a:lstStyle/>
-          <a:p>
-            <a:endParaRPr lang="de-AT" dirty="0"/>
-          </a:p>
-        </p:txBody>
-      </p:sp>
-    </p:spTree>
-    <p:extLst>
-      <p:ext uri="{BB962C8B-B14F-4D97-AF65-F5344CB8AC3E}">
-        <p14:creationId xmlns:p14="http://schemas.microsoft.com/office/powerpoint/2010/main" val="407303552"/>
-      </p:ext>
-    </p:extLst>
-  </p:cSld>
-  <p:clrMapOvr>
-    <a:masterClrMapping/>
-  </p:clrMapOvr>
-</p:sld>
-</file>
-
-<file path=ppt/slides/slide19.xml><?xml version="1.0" encoding="utf-8"?>
-<p:sld xmlns:a="http://schemas.openxmlformats.org/drawingml/2006/main" xmlns:r="http://schemas.openxmlformats.org/officeDocument/2006/relationships" xmlns:p="http://schemas.openxmlformats.org/presentationml/2006/main">
-  <p:cSld>
-    <p:spTree>
-      <p:nvGrpSpPr>
-        <p:cNvPr id="1" name=""/>
-        <p:cNvGrpSpPr/>
-        <p:nvPr/>
-      </p:nvGrpSpPr>
-      <p:grpSpPr>
-        <a:xfrm>
-          <a:off x="0" y="0"/>
-          <a:ext cx="0" cy="0"/>
-          <a:chOff x="0" y="0"/>
-          <a:chExt cx="0" cy="0"/>
-        </a:xfrm>
-      </p:grpSpPr>
-      <p:sp>
-        <p:nvSpPr>
-          <p:cNvPr id="2" name="Titel 1">
-            <a:extLst>
-              <a:ext uri="{FF2B5EF4-FFF2-40B4-BE49-F238E27FC236}">
                 <a16:creationId xmlns:a16="http://schemas.microsoft.com/office/drawing/2014/main" id="{24CBB4C2-B139-21C4-91CA-A3A7DFE4B4B3}"/>
               </a:ext>
             </a:extLst>
@@ -7261,7 +7792,7 @@
           <a:p>
             <a:r>
               <a:rPr lang="de-AT" dirty="0"/>
-              <a:t>Ausblick</a:t>
+              <a:t>Zukünftige Erweiterungen</a:t>
             </a:r>
           </a:p>
         </p:txBody>
@@ -7280,7 +7811,7 @@
         </p:nvSpPr>
         <p:spPr>
           <a:xfrm>
-            <a:off x="1174210" y="2167128"/>
+            <a:off x="1141413" y="2225110"/>
             <a:ext cx="9840403" cy="1286186"/>
           </a:xfrm>
           <a:prstGeom prst="rect">
@@ -7301,7 +7832,7 @@
             </a:pPr>
             <a:r>
               <a:rPr lang="de-AT" dirty="0"/>
-              <a:t>Verschlüsselung</a:t>
+              <a:t>stärkere Verschlüsselung</a:t>
             </a:r>
           </a:p>
           <a:p>
@@ -7342,152 +7873,7 @@
 </p:sld>
 </file>
 
-<file path=ppt/slides/slide2.xml><?xml version="1.0" encoding="utf-8"?>
-<p:sld xmlns:a="http://schemas.openxmlformats.org/drawingml/2006/main" xmlns:r="http://schemas.openxmlformats.org/officeDocument/2006/relationships" xmlns:p="http://schemas.openxmlformats.org/presentationml/2006/main">
-  <p:cSld>
-    <p:spTree>
-      <p:nvGrpSpPr>
-        <p:cNvPr id="1" name=""/>
-        <p:cNvGrpSpPr/>
-        <p:nvPr/>
-      </p:nvGrpSpPr>
-      <p:grpSpPr>
-        <a:xfrm>
-          <a:off x="0" y="0"/>
-          <a:ext cx="0" cy="0"/>
-          <a:chOff x="0" y="0"/>
-          <a:chExt cx="0" cy="0"/>
-        </a:xfrm>
-      </p:grpSpPr>
-      <p:sp>
-        <p:nvSpPr>
-          <p:cNvPr id="2" name="Titel 1">
-            <a:extLst>
-              <a:ext uri="{FF2B5EF4-FFF2-40B4-BE49-F238E27FC236}">
-                <a16:creationId xmlns:a16="http://schemas.microsoft.com/office/drawing/2014/main" id="{029FB284-2DA4-D95F-0F35-A1F193FFA35C}"/>
-              </a:ext>
-            </a:extLst>
-          </p:cNvPr>
-          <p:cNvSpPr>
-            <a:spLocks noGrp="1"/>
-          </p:cNvSpPr>
-          <p:nvPr>
-            <p:ph type="title"/>
-          </p:nvPr>
-        </p:nvSpPr>
-        <p:spPr/>
-        <p:txBody>
-          <a:bodyPr/>
-          <a:lstStyle/>
-          <a:p>
-            <a:r>
-              <a:rPr lang="de-AT" dirty="0"/>
-              <a:t>Anforderungen</a:t>
-            </a:r>
-          </a:p>
-        </p:txBody>
-      </p:sp>
-      <p:sp>
-        <p:nvSpPr>
-          <p:cNvPr id="5" name="Textfeld 4">
-            <a:extLst>
-              <a:ext uri="{FF2B5EF4-FFF2-40B4-BE49-F238E27FC236}">
-                <a16:creationId xmlns:a16="http://schemas.microsoft.com/office/drawing/2014/main" id="{E19BB89B-4A74-25B1-3D40-2163C509924A}"/>
-              </a:ext>
-            </a:extLst>
-          </p:cNvPr>
-          <p:cNvSpPr txBox="1"/>
-          <p:nvPr/>
-        </p:nvSpPr>
-        <p:spPr>
-          <a:xfrm>
-            <a:off x="969264" y="2441448"/>
-            <a:ext cx="9905998" cy="1754326"/>
-          </a:xfrm>
-          <a:prstGeom prst="rect">
-            <a:avLst/>
-          </a:prstGeom>
-          <a:noFill/>
-        </p:spPr>
-        <p:txBody>
-          <a:bodyPr wrap="square" rtlCol="0">
-            <a:spAutoFit/>
-          </a:bodyPr>
-          <a:lstStyle/>
-          <a:p>
-            <a:pPr marL="285750" indent="-285750">
-              <a:buFont typeface="Arial" panose="020B0604020202020204" pitchFamily="34" charset="0"/>
-              <a:buChar char="•"/>
-            </a:pPr>
-            <a:r>
-              <a:rPr lang="de-AT" dirty="0"/>
-              <a:t>WPF-Client (C#)</a:t>
-            </a:r>
-          </a:p>
-          <a:p>
-            <a:pPr marL="285750" indent="-285750">
-              <a:buFont typeface="Arial" panose="020B0604020202020204" pitchFamily="34" charset="0"/>
-              <a:buChar char="•"/>
-            </a:pPr>
-            <a:r>
-              <a:rPr lang="de-AT" dirty="0"/>
-              <a:t>Web-Client (HTML, CSS, JS)</a:t>
-            </a:r>
-          </a:p>
-          <a:p>
-            <a:pPr marL="285750" indent="-285750">
-              <a:buFont typeface="Arial" panose="020B0604020202020204" pitchFamily="34" charset="0"/>
-              <a:buChar char="•"/>
-            </a:pPr>
-            <a:endParaRPr lang="de-AT" dirty="0"/>
-          </a:p>
-          <a:p>
-            <a:pPr marL="285750" indent="-285750">
-              <a:buFont typeface="Arial" panose="020B0604020202020204" pitchFamily="34" charset="0"/>
-              <a:buChar char="•"/>
-            </a:pPr>
-            <a:r>
-              <a:rPr lang="de-AT" dirty="0"/>
-              <a:t>Server</a:t>
-            </a:r>
-          </a:p>
-          <a:p>
-            <a:pPr marL="285750" indent="-285750">
-              <a:buFont typeface="Arial" panose="020B0604020202020204" pitchFamily="34" charset="0"/>
-              <a:buChar char="•"/>
-            </a:pPr>
-            <a:r>
-              <a:rPr lang="de-AT" dirty="0" err="1"/>
-              <a:t>Actuator</a:t>
-            </a:r>
-            <a:endParaRPr lang="de-AT" dirty="0"/>
-          </a:p>
-          <a:p>
-            <a:pPr marL="285750" indent="-285750">
-              <a:buFont typeface="Arial" panose="020B0604020202020204" pitchFamily="34" charset="0"/>
-              <a:buChar char="•"/>
-            </a:pPr>
-            <a:r>
-              <a:rPr lang="de-AT" dirty="0"/>
-              <a:t>CRUD-Operationen</a:t>
-            </a:r>
-          </a:p>
-        </p:txBody>
-      </p:sp>
-    </p:spTree>
-    <p:extLst>
-      <p:ext uri="{BB962C8B-B14F-4D97-AF65-F5344CB8AC3E}">
-        <p14:creationId xmlns:p14="http://schemas.microsoft.com/office/powerpoint/2010/main" val="1144645094"/>
-      </p:ext>
-    </p:extLst>
-  </p:cSld>
-  <p:clrMapOvr>
-    <a:masterClrMapping/>
-  </p:clrMapOvr>
-</p:sld>
-</file>
-
-<file path=ppt/slides/slide20.xml><?xml version="1.0" encoding="utf-8"?>
+<file path=ppt/slides/slide23.xml><?xml version="1.0" encoding="utf-8"?>
 <p:sld xmlns:a="http://schemas.openxmlformats.org/drawingml/2006/main" xmlns:r="http://schemas.openxmlformats.org/officeDocument/2006/relationships" xmlns:p="http://schemas.openxmlformats.org/presentationml/2006/main">
   <p:cSld>
     <p:spTree>
@@ -7862,8 +8248,8 @@
         </p:nvSpPr>
         <p:spPr>
           <a:xfrm>
-            <a:off x="1141412" y="2407920"/>
-            <a:ext cx="9572307" cy="3416320"/>
+            <a:off x="578658" y="1052766"/>
+            <a:ext cx="9572307" cy="6740307"/>
           </a:xfrm>
           <a:prstGeom prst="rect">
             <a:avLst/>
@@ -7876,67 +8262,377 @@
           </a:bodyPr>
           <a:lstStyle/>
           <a:p>
-            <a:endParaRPr lang="de-DE" dirty="0"/>
-          </a:p>
-          <a:p>
-            <a:r>
-              <a:rPr lang="de-DE" dirty="0"/>
-              <a:t>.NET</a:t>
-            </a:r>
-          </a:p>
-          <a:p>
-            <a:r>
-              <a:rPr lang="de-DE" dirty="0" err="1"/>
-              <a:t>OpenJDK</a:t>
-            </a:r>
-            <a:endParaRPr lang="de-DE" dirty="0"/>
-          </a:p>
-          <a:p>
-            <a:r>
-              <a:rPr lang="de-DE" dirty="0"/>
-              <a:t>MongoDB</a:t>
-            </a:r>
-          </a:p>
-          <a:p>
-            <a:r>
-              <a:rPr lang="de-DE" dirty="0" err="1"/>
-              <a:t>NodeJS</a:t>
-            </a:r>
-            <a:endParaRPr lang="de-DE" dirty="0"/>
-          </a:p>
-          <a:p>
-            <a:endParaRPr lang="de-DE" dirty="0"/>
-          </a:p>
-          <a:p>
-            <a:r>
-              <a:rPr lang="de-DE" dirty="0"/>
-              <a:t>IDEs:</a:t>
-            </a:r>
-          </a:p>
-          <a:p>
-            <a:r>
-              <a:rPr lang="de-DE" dirty="0" err="1"/>
-              <a:t>IntelliJ</a:t>
-            </a:r>
-            <a:r>
-              <a:rPr lang="de-DE" dirty="0"/>
-              <a:t> (Spring Boot)</a:t>
-            </a:r>
-          </a:p>
-          <a:p>
-            <a:r>
-              <a:rPr lang="de-DE" dirty="0"/>
-              <a:t>Visual Studio 2022 (C#, WPF)</a:t>
-            </a:r>
-          </a:p>
-          <a:p>
-            <a:r>
-              <a:rPr lang="de-DE" dirty="0"/>
-              <a:t>Visual Studio Code (JS, HTML, CSS)</a:t>
-            </a:r>
-          </a:p>
-          <a:p>
-            <a:endParaRPr lang="de-DE" dirty="0"/>
+            <a:pPr marL="285750" indent="-285750">
+              <a:buClr>
+                <a:schemeClr val="accent1"/>
+              </a:buClr>
+              <a:buFont typeface="Arial" panose="020B0604020202020204" pitchFamily="34" charset="0"/>
+              <a:buChar char="•"/>
+            </a:pPr>
+            <a:endParaRPr lang="de-AT" dirty="0"/>
+          </a:p>
+          <a:p>
+            <a:pPr marL="285750" indent="-285750" algn="l">
+              <a:buClr>
+                <a:schemeClr val="accent1"/>
+              </a:buClr>
+              <a:buFont typeface="Wingdings" panose="05000000000000000000" pitchFamily="2" charset="2"/>
+              <a:buChar char="Ø"/>
+            </a:pPr>
+            <a:r>
+              <a:rPr lang="de-DE" sz="1700" b="1" dirty="0">
+                <a:solidFill>
+                  <a:srgbClr val="0D0D0D"/>
+                </a:solidFill>
+                <a:highlight>
+                  <a:srgbClr val="FFFFFF"/>
+                </a:highlight>
+                <a:latin typeface="ui-sans-serif"/>
+              </a:rPr>
+              <a:t>Backend</a:t>
+            </a:r>
+          </a:p>
+          <a:p>
+            <a:pPr marL="285750" indent="-285750" algn="l">
+              <a:buClr>
+                <a:schemeClr val="accent1"/>
+              </a:buClr>
+              <a:buFont typeface="Arial" panose="020B0604020202020204" pitchFamily="34" charset="0"/>
+              <a:buChar char="•"/>
+            </a:pPr>
+            <a:endParaRPr lang="de-DE" sz="1700" dirty="0">
+              <a:solidFill>
+                <a:srgbClr val="0D0D0D"/>
+              </a:solidFill>
+              <a:highlight>
+                <a:srgbClr val="FFFFFF"/>
+              </a:highlight>
+              <a:latin typeface="ui-sans-serif"/>
+            </a:endParaRPr>
+          </a:p>
+          <a:p>
+            <a:pPr marL="285750" indent="-285750" algn="l">
+              <a:buClr>
+                <a:schemeClr val="accent1"/>
+              </a:buClr>
+              <a:buFont typeface="Arial" panose="020B0604020202020204" pitchFamily="34" charset="0"/>
+              <a:buChar char="•"/>
+            </a:pPr>
+            <a:r>
+              <a:rPr lang="de-DE" sz="1700" dirty="0">
+                <a:solidFill>
+                  <a:srgbClr val="0D0D0D"/>
+                </a:solidFill>
+                <a:highlight>
+                  <a:srgbClr val="FFFFFF"/>
+                </a:highlight>
+                <a:latin typeface="ui-sans-serif"/>
+              </a:rPr>
+              <a:t>Spring Framework: Wird verwendet, um den </a:t>
+            </a:r>
+            <a:r>
+              <a:rPr lang="de-DE" sz="1700" dirty="0" err="1">
+                <a:solidFill>
+                  <a:srgbClr val="0D0D0D"/>
+                </a:solidFill>
+                <a:highlight>
+                  <a:srgbClr val="FFFFFF"/>
+                </a:highlight>
+                <a:latin typeface="ui-sans-serif"/>
+              </a:rPr>
+              <a:t>RESTful</a:t>
+            </a:r>
+            <a:r>
+              <a:rPr lang="de-DE" sz="1700" dirty="0">
+                <a:solidFill>
+                  <a:srgbClr val="0D0D0D"/>
+                </a:solidFill>
+                <a:highlight>
+                  <a:srgbClr val="FFFFFF"/>
+                </a:highlight>
+                <a:latin typeface="ui-sans-serif"/>
+              </a:rPr>
+              <a:t> Web Service zu erstellen und die Backend-Logik zu implementieren.</a:t>
+            </a:r>
+          </a:p>
+          <a:p>
+            <a:pPr marL="285750" indent="-285750" algn="l">
+              <a:buClr>
+                <a:schemeClr val="accent1"/>
+              </a:buClr>
+              <a:buFont typeface="Arial" panose="020B0604020202020204" pitchFamily="34" charset="0"/>
+              <a:buChar char="•"/>
+            </a:pPr>
+            <a:endParaRPr lang="de-DE" sz="1700" dirty="0">
+              <a:solidFill>
+                <a:srgbClr val="0D0D0D"/>
+              </a:solidFill>
+              <a:highlight>
+                <a:srgbClr val="FFFFFF"/>
+              </a:highlight>
+              <a:latin typeface="ui-sans-serif"/>
+            </a:endParaRPr>
+          </a:p>
+          <a:p>
+            <a:pPr marL="285750" indent="-285750" algn="l">
+              <a:buClr>
+                <a:schemeClr val="accent1"/>
+              </a:buClr>
+              <a:buFont typeface="Arial" panose="020B0604020202020204" pitchFamily="34" charset="0"/>
+              <a:buChar char="•"/>
+            </a:pPr>
+            <a:r>
+              <a:rPr lang="de-DE" sz="1700" dirty="0">
+                <a:solidFill>
+                  <a:srgbClr val="0D0D0D"/>
+                </a:solidFill>
+                <a:highlight>
+                  <a:srgbClr val="FFFFFF"/>
+                </a:highlight>
+                <a:latin typeface="ui-sans-serif"/>
+              </a:rPr>
+              <a:t>Spring Boot: Ermöglicht die schnelle Entwicklung von Spring-Anwendungen und automatisiert den Konfigurationsprozess.</a:t>
+            </a:r>
+          </a:p>
+          <a:p>
+            <a:pPr marL="285750" indent="-285750" algn="l">
+              <a:buClr>
+                <a:schemeClr val="accent1"/>
+              </a:buClr>
+              <a:buFont typeface="Arial" panose="020B0604020202020204" pitchFamily="34" charset="0"/>
+              <a:buChar char="•"/>
+            </a:pPr>
+            <a:endParaRPr lang="de-DE" sz="1700" dirty="0">
+              <a:solidFill>
+                <a:srgbClr val="0D0D0D"/>
+              </a:solidFill>
+              <a:highlight>
+                <a:srgbClr val="FFFFFF"/>
+              </a:highlight>
+              <a:latin typeface="ui-sans-serif"/>
+            </a:endParaRPr>
+          </a:p>
+          <a:p>
+            <a:pPr marL="285750" indent="-285750" algn="l">
+              <a:buClr>
+                <a:schemeClr val="accent1"/>
+              </a:buClr>
+              <a:buFont typeface="Arial" panose="020B0604020202020204" pitchFamily="34" charset="0"/>
+              <a:buChar char="•"/>
+            </a:pPr>
+            <a:r>
+              <a:rPr lang="de-DE" sz="1700" dirty="0">
+                <a:solidFill>
+                  <a:srgbClr val="0D0D0D"/>
+                </a:solidFill>
+                <a:highlight>
+                  <a:srgbClr val="FFFFFF"/>
+                </a:highlight>
+                <a:latin typeface="ui-sans-serif"/>
+              </a:rPr>
+              <a:t>Spring Data JPA: Stellt eine Datenzugriffsschicht bereit, um die Integration von JPA (Java </a:t>
+            </a:r>
+            <a:r>
+              <a:rPr lang="de-DE" sz="1700" dirty="0" err="1">
+                <a:solidFill>
+                  <a:srgbClr val="0D0D0D"/>
+                </a:solidFill>
+                <a:highlight>
+                  <a:srgbClr val="FFFFFF"/>
+                </a:highlight>
+                <a:latin typeface="ui-sans-serif"/>
+              </a:rPr>
+              <a:t>Persistence</a:t>
+            </a:r>
+            <a:r>
+              <a:rPr lang="de-DE" sz="1700" dirty="0">
+                <a:solidFill>
+                  <a:srgbClr val="0D0D0D"/>
+                </a:solidFill>
+                <a:highlight>
+                  <a:srgbClr val="FFFFFF"/>
+                </a:highlight>
+                <a:latin typeface="ui-sans-serif"/>
+              </a:rPr>
+              <a:t> API) zu vereinfachen.</a:t>
+            </a:r>
+          </a:p>
+          <a:p>
+            <a:pPr marL="285750" indent="-285750" algn="l">
+              <a:buClr>
+                <a:schemeClr val="accent1"/>
+              </a:buClr>
+              <a:buFont typeface="Arial" panose="020B0604020202020204" pitchFamily="34" charset="0"/>
+              <a:buChar char="•"/>
+            </a:pPr>
+            <a:endParaRPr lang="de-DE" sz="1700" dirty="0">
+              <a:solidFill>
+                <a:srgbClr val="0D0D0D"/>
+              </a:solidFill>
+              <a:highlight>
+                <a:srgbClr val="FFFFFF"/>
+              </a:highlight>
+              <a:latin typeface="ui-sans-serif"/>
+            </a:endParaRPr>
+          </a:p>
+          <a:p>
+            <a:pPr marL="285750" indent="-285750" algn="l">
+              <a:buClr>
+                <a:schemeClr val="accent1"/>
+              </a:buClr>
+              <a:buFont typeface="Arial" panose="020B0604020202020204" pitchFamily="34" charset="0"/>
+              <a:buChar char="•"/>
+            </a:pPr>
+            <a:r>
+              <a:rPr lang="de-DE" sz="1700" dirty="0">
+                <a:solidFill>
+                  <a:srgbClr val="0D0D0D"/>
+                </a:solidFill>
+                <a:highlight>
+                  <a:srgbClr val="FFFFFF"/>
+                </a:highlight>
+                <a:latin typeface="ui-sans-serif"/>
+              </a:rPr>
+              <a:t>Spring Security: Bietet eine Sicherheitsschicht für Authentifizierung und Autorisierung.</a:t>
+            </a:r>
+          </a:p>
+          <a:p>
+            <a:pPr marL="285750" indent="-285750" algn="l">
+              <a:buClr>
+                <a:schemeClr val="accent1"/>
+              </a:buClr>
+              <a:buFont typeface="Arial" panose="020B0604020202020204" pitchFamily="34" charset="0"/>
+              <a:buChar char="•"/>
+            </a:pPr>
+            <a:r>
+              <a:rPr lang="de-DE" sz="1700" dirty="0">
+                <a:solidFill>
+                  <a:srgbClr val="0D0D0D"/>
+                </a:solidFill>
+                <a:highlight>
+                  <a:srgbClr val="FFFFFF"/>
+                </a:highlight>
+                <a:latin typeface="ui-sans-serif"/>
+              </a:rPr>
+              <a:t>MongoDB: Eine NoSQL-Datenbank, die zur persistenten Speicherung von Benutzer- und Eintragsdaten verwendet wird.</a:t>
+            </a:r>
+          </a:p>
+          <a:p>
+            <a:pPr marL="285750" indent="-285750" algn="l">
+              <a:buClr>
+                <a:schemeClr val="accent1"/>
+              </a:buClr>
+              <a:buFont typeface="Arial" panose="020B0604020202020204" pitchFamily="34" charset="0"/>
+              <a:buChar char="•"/>
+            </a:pPr>
+            <a:endParaRPr lang="de-DE" sz="1700" dirty="0">
+              <a:solidFill>
+                <a:srgbClr val="0D0D0D"/>
+              </a:solidFill>
+              <a:highlight>
+                <a:srgbClr val="FFFFFF"/>
+              </a:highlight>
+              <a:latin typeface="ui-sans-serif"/>
+            </a:endParaRPr>
+          </a:p>
+          <a:p>
+            <a:pPr marL="285750" indent="-285750" algn="l">
+              <a:buClr>
+                <a:schemeClr val="accent1"/>
+              </a:buClr>
+              <a:buFont typeface="Arial" panose="020B0604020202020204" pitchFamily="34" charset="0"/>
+              <a:buChar char="•"/>
+            </a:pPr>
+            <a:r>
+              <a:rPr lang="de-DE" sz="1700" dirty="0">
+                <a:solidFill>
+                  <a:srgbClr val="0D0D0D"/>
+                </a:solidFill>
+                <a:highlight>
+                  <a:srgbClr val="FFFFFF"/>
+                </a:highlight>
+                <a:latin typeface="ui-sans-serif"/>
+              </a:rPr>
+              <a:t>Java: Die verwendete Programmiersprache für die Serveranwendung.</a:t>
+            </a:r>
+          </a:p>
+          <a:p>
+            <a:pPr marL="285750" indent="-285750" algn="l">
+              <a:buClr>
+                <a:schemeClr val="accent1"/>
+              </a:buClr>
+              <a:buFont typeface="Arial" panose="020B0604020202020204" pitchFamily="34" charset="0"/>
+              <a:buChar char="•"/>
+            </a:pPr>
+            <a:endParaRPr lang="de-DE" sz="1700" dirty="0">
+              <a:solidFill>
+                <a:srgbClr val="0D0D0D"/>
+              </a:solidFill>
+              <a:highlight>
+                <a:srgbClr val="FFFFFF"/>
+              </a:highlight>
+              <a:latin typeface="ui-sans-serif"/>
+            </a:endParaRPr>
+          </a:p>
+          <a:p>
+            <a:pPr marL="285750" indent="-285750" algn="l">
+              <a:buClr>
+                <a:schemeClr val="accent1"/>
+              </a:buClr>
+              <a:buFont typeface="Arial" panose="020B0604020202020204" pitchFamily="34" charset="0"/>
+              <a:buChar char="•"/>
+            </a:pPr>
+            <a:r>
+              <a:rPr lang="de-DE" sz="1700" dirty="0">
+                <a:solidFill>
+                  <a:srgbClr val="0D0D0D"/>
+                </a:solidFill>
+                <a:highlight>
+                  <a:srgbClr val="FFFFFF"/>
+                </a:highlight>
+                <a:latin typeface="ui-sans-serif"/>
+              </a:rPr>
+              <a:t>Maven: Ein </a:t>
+            </a:r>
+            <a:r>
+              <a:rPr lang="de-DE" sz="1700" dirty="0" err="1">
+                <a:solidFill>
+                  <a:srgbClr val="0D0D0D"/>
+                </a:solidFill>
+                <a:highlight>
+                  <a:srgbClr val="FFFFFF"/>
+                </a:highlight>
+                <a:latin typeface="ui-sans-serif"/>
+              </a:rPr>
+              <a:t>Build</a:t>
+            </a:r>
+            <a:r>
+              <a:rPr lang="de-DE" sz="1700" dirty="0">
+                <a:solidFill>
+                  <a:srgbClr val="0D0D0D"/>
+                </a:solidFill>
+                <a:highlight>
+                  <a:srgbClr val="FFFFFF"/>
+                </a:highlight>
+                <a:latin typeface="ui-sans-serif"/>
+              </a:rPr>
+              <a:t>- und Abhängigkeitsmanagement-Tool.</a:t>
+            </a:r>
+          </a:p>
+          <a:p>
+            <a:endParaRPr lang="de-AT" dirty="0"/>
+          </a:p>
+          <a:p>
+            <a:endParaRPr lang="de-AT" dirty="0"/>
+          </a:p>
+          <a:p>
+            <a:endParaRPr lang="de-AT" dirty="0"/>
+          </a:p>
+          <a:p>
+            <a:endParaRPr lang="de-AT" dirty="0"/>
+          </a:p>
+          <a:p>
+            <a:endParaRPr lang="de-AT" dirty="0"/>
           </a:p>
           <a:p>
             <a:endParaRPr lang="de-AT" dirty="0"/>
@@ -7957,6 +8653,628 @@
 </file>
 
 <file path=ppt/slides/slide6.xml><?xml version="1.0" encoding="utf-8"?>
+<p:sld xmlns:a="http://schemas.openxmlformats.org/drawingml/2006/main" xmlns:r="http://schemas.openxmlformats.org/officeDocument/2006/relationships" xmlns:p="http://schemas.openxmlformats.org/presentationml/2006/main">
+  <p:cSld>
+    <p:spTree>
+      <p:nvGrpSpPr>
+        <p:cNvPr id="1" name=""/>
+        <p:cNvGrpSpPr/>
+        <p:nvPr/>
+      </p:nvGrpSpPr>
+      <p:grpSpPr>
+        <a:xfrm>
+          <a:off x="0" y="0"/>
+          <a:ext cx="0" cy="0"/>
+          <a:chOff x="0" y="0"/>
+          <a:chExt cx="0" cy="0"/>
+        </a:xfrm>
+      </p:grpSpPr>
+      <p:sp>
+        <p:nvSpPr>
+          <p:cNvPr id="2" name="Titel 1">
+            <a:extLst>
+              <a:ext uri="{FF2B5EF4-FFF2-40B4-BE49-F238E27FC236}">
+                <a16:creationId xmlns:a16="http://schemas.microsoft.com/office/drawing/2014/main" id="{F8711585-2C93-93D1-12AB-0CBA417B4746}"/>
+              </a:ext>
+            </a:extLst>
+          </p:cNvPr>
+          <p:cNvSpPr>
+            <a:spLocks noGrp="1"/>
+          </p:cNvSpPr>
+          <p:nvPr>
+            <p:ph type="title"/>
+          </p:nvPr>
+        </p:nvSpPr>
+        <p:spPr/>
+        <p:txBody>
+          <a:bodyPr/>
+          <a:lstStyle/>
+          <a:p>
+            <a:r>
+              <a:rPr lang="de-DE" dirty="0"/>
+              <a:t>Verwendete Technologien</a:t>
+            </a:r>
+            <a:endParaRPr lang="de-AT" dirty="0"/>
+          </a:p>
+        </p:txBody>
+      </p:sp>
+      <p:sp>
+        <p:nvSpPr>
+          <p:cNvPr id="3" name="Inhaltsplatzhalter 2">
+            <a:extLst>
+              <a:ext uri="{FF2B5EF4-FFF2-40B4-BE49-F238E27FC236}">
+                <a16:creationId xmlns:a16="http://schemas.microsoft.com/office/drawing/2014/main" id="{6E6A1DAB-2929-A00F-3A5B-339D949613C9}"/>
+              </a:ext>
+            </a:extLst>
+          </p:cNvPr>
+          <p:cNvSpPr>
+            <a:spLocks noGrp="1"/>
+          </p:cNvSpPr>
+          <p:nvPr>
+            <p:ph idx="1"/>
+          </p:nvPr>
+        </p:nvSpPr>
+        <p:spPr>
+          <a:xfrm>
+            <a:off x="582084" y="1690689"/>
+            <a:ext cx="8596668" cy="3880773"/>
+          </a:xfrm>
+        </p:spPr>
+        <p:txBody>
+          <a:bodyPr>
+            <a:normAutofit fontScale="92500" lnSpcReduction="20000"/>
+          </a:bodyPr>
+          <a:lstStyle/>
+          <a:p>
+            <a:pPr algn="l"/>
+            <a:r>
+              <a:rPr lang="de-DE" b="1" i="0" dirty="0">
+                <a:solidFill>
+                  <a:srgbClr val="0D0D0D"/>
+                </a:solidFill>
+                <a:effectLst/>
+                <a:highlight>
+                  <a:srgbClr val="FFFFFF"/>
+                </a:highlight>
+                <a:latin typeface="ui-sans-serif"/>
+              </a:rPr>
+              <a:t>Web Client</a:t>
+            </a:r>
+          </a:p>
+          <a:p>
+            <a:pPr algn="l">
+              <a:buFont typeface="Arial" panose="020B0604020202020204" pitchFamily="34" charset="0"/>
+              <a:buChar char="•"/>
+            </a:pPr>
+            <a:r>
+              <a:rPr lang="de-DE" b="1" i="0" dirty="0">
+                <a:solidFill>
+                  <a:srgbClr val="0D0D0D"/>
+                </a:solidFill>
+                <a:effectLst/>
+                <a:highlight>
+                  <a:srgbClr val="FFFFFF"/>
+                </a:highlight>
+                <a:latin typeface="ui-sans-serif"/>
+              </a:rPr>
+              <a:t>HTML, CSS, JavaScript</a:t>
+            </a:r>
+            <a:r>
+              <a:rPr lang="de-DE" b="0" i="0" dirty="0">
+                <a:solidFill>
+                  <a:srgbClr val="0D0D0D"/>
+                </a:solidFill>
+                <a:effectLst/>
+                <a:highlight>
+                  <a:srgbClr val="FFFFFF"/>
+                </a:highlight>
+                <a:latin typeface="ui-sans-serif"/>
+              </a:rPr>
+              <a:t>: Grundlegende Technologien zur Strukturierung, Gestaltung und Programmierung der Webanwendung.</a:t>
+            </a:r>
+          </a:p>
+          <a:p>
+            <a:pPr algn="l">
+              <a:buFont typeface="Arial" panose="020B0604020202020204" pitchFamily="34" charset="0"/>
+              <a:buChar char="•"/>
+            </a:pPr>
+            <a:r>
+              <a:rPr lang="de-DE" b="1" i="0" dirty="0">
+                <a:solidFill>
+                  <a:srgbClr val="0D0D0D"/>
+                </a:solidFill>
+                <a:effectLst/>
+                <a:highlight>
+                  <a:srgbClr val="FFFFFF"/>
+                </a:highlight>
+                <a:latin typeface="ui-sans-serif"/>
+              </a:rPr>
+              <a:t>Node.js</a:t>
+            </a:r>
+            <a:r>
+              <a:rPr lang="de-DE" b="0" i="0" dirty="0">
+                <a:solidFill>
+                  <a:srgbClr val="0D0D0D"/>
+                </a:solidFill>
+                <a:effectLst/>
+                <a:highlight>
+                  <a:srgbClr val="FFFFFF"/>
+                </a:highlight>
+                <a:latin typeface="ui-sans-serif"/>
+              </a:rPr>
+              <a:t>: Eine JavaScript-Laufzeitumgebung für die Ausführung von serverseitigem Code.</a:t>
+            </a:r>
+          </a:p>
+          <a:p>
+            <a:pPr algn="l">
+              <a:buFont typeface="Arial" panose="020B0604020202020204" pitchFamily="34" charset="0"/>
+              <a:buChar char="•"/>
+            </a:pPr>
+            <a:r>
+              <a:rPr lang="de-DE" b="1" i="0" dirty="0">
+                <a:solidFill>
+                  <a:srgbClr val="0D0D0D"/>
+                </a:solidFill>
+                <a:effectLst/>
+                <a:highlight>
+                  <a:srgbClr val="FFFFFF"/>
+                </a:highlight>
+                <a:latin typeface="ui-sans-serif"/>
+              </a:rPr>
+              <a:t>Express</a:t>
+            </a:r>
+            <a:r>
+              <a:rPr lang="de-DE" b="0" i="0" dirty="0">
+                <a:solidFill>
+                  <a:srgbClr val="0D0D0D"/>
+                </a:solidFill>
+                <a:effectLst/>
+                <a:highlight>
+                  <a:srgbClr val="FFFFFF"/>
+                </a:highlight>
+                <a:latin typeface="ui-sans-serif"/>
+              </a:rPr>
+              <a:t>: Ein Webframework für Node.js, das zur Erstellung des </a:t>
+            </a:r>
+            <a:r>
+              <a:rPr lang="de-DE" b="0" i="0" dirty="0" err="1">
+                <a:solidFill>
+                  <a:srgbClr val="0D0D0D"/>
+                </a:solidFill>
+                <a:effectLst/>
+                <a:highlight>
+                  <a:srgbClr val="FFFFFF"/>
+                </a:highlight>
+                <a:latin typeface="ui-sans-serif"/>
+              </a:rPr>
+              <a:t>RESTful</a:t>
+            </a:r>
+            <a:r>
+              <a:rPr lang="de-DE" b="0" i="0" dirty="0">
+                <a:solidFill>
+                  <a:srgbClr val="0D0D0D"/>
+                </a:solidFill>
+                <a:effectLst/>
+                <a:highlight>
+                  <a:srgbClr val="FFFFFF"/>
+                </a:highlight>
+                <a:latin typeface="ui-sans-serif"/>
+              </a:rPr>
+              <a:t> API verwendet wird.</a:t>
+            </a:r>
+          </a:p>
+          <a:p>
+            <a:pPr algn="l">
+              <a:buFont typeface="Arial" panose="020B0604020202020204" pitchFamily="34" charset="0"/>
+              <a:buChar char="•"/>
+            </a:pPr>
+            <a:r>
+              <a:rPr lang="de-DE" b="1" i="0" dirty="0" err="1">
+                <a:solidFill>
+                  <a:srgbClr val="0D0D0D"/>
+                </a:solidFill>
+                <a:effectLst/>
+                <a:highlight>
+                  <a:srgbClr val="FFFFFF"/>
+                </a:highlight>
+                <a:latin typeface="ui-sans-serif"/>
+              </a:rPr>
+              <a:t>Axios</a:t>
+            </a:r>
+            <a:r>
+              <a:rPr lang="de-DE" b="0" i="0" dirty="0">
+                <a:solidFill>
+                  <a:srgbClr val="0D0D0D"/>
+                </a:solidFill>
+                <a:effectLst/>
+                <a:highlight>
+                  <a:srgbClr val="FFFFFF"/>
+                </a:highlight>
+                <a:latin typeface="ui-sans-serif"/>
+              </a:rPr>
+              <a:t>: Ein HTTP-Client zum Senden von HTTP-Anfragen.</a:t>
+            </a:r>
+          </a:p>
+          <a:p>
+            <a:pPr algn="l">
+              <a:buFont typeface="Arial" panose="020B0604020202020204" pitchFamily="34" charset="0"/>
+              <a:buChar char="•"/>
+            </a:pPr>
+            <a:r>
+              <a:rPr lang="de-DE" b="1" i="0" dirty="0" err="1">
+                <a:solidFill>
+                  <a:srgbClr val="0D0D0D"/>
+                </a:solidFill>
+                <a:effectLst/>
+                <a:highlight>
+                  <a:srgbClr val="FFFFFF"/>
+                </a:highlight>
+                <a:latin typeface="ui-sans-serif"/>
+              </a:rPr>
+              <a:t>cors</a:t>
+            </a:r>
+            <a:r>
+              <a:rPr lang="de-DE" b="0" i="0" dirty="0">
+                <a:solidFill>
+                  <a:srgbClr val="0D0D0D"/>
+                </a:solidFill>
+                <a:effectLst/>
+                <a:highlight>
+                  <a:srgbClr val="FFFFFF"/>
+                </a:highlight>
+                <a:latin typeface="ui-sans-serif"/>
+              </a:rPr>
+              <a:t>: Eine Middleware für Cross-Origin </a:t>
+            </a:r>
+            <a:r>
+              <a:rPr lang="de-DE" b="0" i="0" dirty="0" err="1">
+                <a:solidFill>
+                  <a:srgbClr val="0D0D0D"/>
+                </a:solidFill>
+                <a:effectLst/>
+                <a:highlight>
+                  <a:srgbClr val="FFFFFF"/>
+                </a:highlight>
+                <a:latin typeface="ui-sans-serif"/>
+              </a:rPr>
+              <a:t>Resource</a:t>
+            </a:r>
+            <a:r>
+              <a:rPr lang="de-DE" b="0" i="0" dirty="0">
+                <a:solidFill>
+                  <a:srgbClr val="0D0D0D"/>
+                </a:solidFill>
+                <a:effectLst/>
+                <a:highlight>
+                  <a:srgbClr val="FFFFFF"/>
+                </a:highlight>
+                <a:latin typeface="ui-sans-serif"/>
+              </a:rPr>
+              <a:t> Sharing, um die Kommunikation zwischen Frontend und Backend zu ermöglichen.</a:t>
+            </a:r>
+          </a:p>
+          <a:p>
+            <a:pPr algn="l">
+              <a:buFont typeface="Arial" panose="020B0604020202020204" pitchFamily="34" charset="0"/>
+              <a:buChar char="•"/>
+            </a:pPr>
+            <a:r>
+              <a:rPr lang="de-DE" b="1" i="0" dirty="0" err="1">
+                <a:solidFill>
+                  <a:srgbClr val="0D0D0D"/>
+                </a:solidFill>
+                <a:effectLst/>
+                <a:highlight>
+                  <a:srgbClr val="FFFFFF"/>
+                </a:highlight>
+                <a:latin typeface="ui-sans-serif"/>
+              </a:rPr>
+              <a:t>CryptoJS</a:t>
+            </a:r>
+            <a:r>
+              <a:rPr lang="de-DE" b="0" i="0" dirty="0">
+                <a:solidFill>
+                  <a:srgbClr val="0D0D0D"/>
+                </a:solidFill>
+                <a:effectLst/>
+                <a:highlight>
+                  <a:srgbClr val="FFFFFF"/>
+                </a:highlight>
+                <a:latin typeface="ui-sans-serif"/>
+              </a:rPr>
+              <a:t>: Eine Bibliothek für Kryptographie, die zur Verschlüsselung und Entschlüsselung von Daten verwendet wird.</a:t>
+            </a:r>
+          </a:p>
+          <a:p>
+            <a:pPr algn="l">
+              <a:buFont typeface="Arial" panose="020B0604020202020204" pitchFamily="34" charset="0"/>
+              <a:buChar char="•"/>
+            </a:pPr>
+            <a:r>
+              <a:rPr lang="de-DE" b="1" i="0" dirty="0">
+                <a:solidFill>
+                  <a:srgbClr val="0D0D0D"/>
+                </a:solidFill>
+                <a:effectLst/>
+                <a:highlight>
+                  <a:srgbClr val="FFFFFF"/>
+                </a:highlight>
+                <a:latin typeface="ui-sans-serif"/>
+              </a:rPr>
+              <a:t>express-session</a:t>
+            </a:r>
+            <a:r>
+              <a:rPr lang="de-DE" b="0" i="0" dirty="0">
+                <a:solidFill>
+                  <a:srgbClr val="0D0D0D"/>
+                </a:solidFill>
+                <a:effectLst/>
+                <a:highlight>
+                  <a:srgbClr val="FFFFFF"/>
+                </a:highlight>
+                <a:latin typeface="ui-sans-serif"/>
+              </a:rPr>
+              <a:t>: Eine Middleware zur Verwaltung von Benutzersitzungen.</a:t>
+            </a:r>
+          </a:p>
+          <a:p>
+            <a:pPr algn="l">
+              <a:buFont typeface="Arial" panose="020B0604020202020204" pitchFamily="34" charset="0"/>
+              <a:buChar char="•"/>
+            </a:pPr>
+            <a:r>
+              <a:rPr lang="de-DE" b="1" i="0" dirty="0" err="1">
+                <a:solidFill>
+                  <a:srgbClr val="0D0D0D"/>
+                </a:solidFill>
+                <a:effectLst/>
+                <a:highlight>
+                  <a:srgbClr val="FFFFFF"/>
+                </a:highlight>
+                <a:latin typeface="ui-sans-serif"/>
+              </a:rPr>
+              <a:t>Nodemon</a:t>
+            </a:r>
+            <a:r>
+              <a:rPr lang="de-DE" b="0" i="0" dirty="0">
+                <a:solidFill>
+                  <a:srgbClr val="0D0D0D"/>
+                </a:solidFill>
+                <a:effectLst/>
+                <a:highlight>
+                  <a:srgbClr val="FFFFFF"/>
+                </a:highlight>
+                <a:latin typeface="ui-sans-serif"/>
+              </a:rPr>
+              <a:t>: Ein Werkzeug zur automatischen Neustart von Node.js-Anwendungen bei Dateiänderungen.</a:t>
+            </a:r>
+          </a:p>
+          <a:p>
+            <a:endParaRPr lang="de-AT" dirty="0"/>
+          </a:p>
+        </p:txBody>
+      </p:sp>
+    </p:spTree>
+    <p:extLst>
+      <p:ext uri="{BB962C8B-B14F-4D97-AF65-F5344CB8AC3E}">
+        <p14:creationId xmlns:p14="http://schemas.microsoft.com/office/powerpoint/2010/main" val="2434584431"/>
+      </p:ext>
+    </p:extLst>
+  </p:cSld>
+  <p:clrMapOvr>
+    <a:masterClrMapping/>
+  </p:clrMapOvr>
+</p:sld>
+</file>
+
+<file path=ppt/slides/slide7.xml><?xml version="1.0" encoding="utf-8"?>
+<p:sld xmlns:a="http://schemas.openxmlformats.org/drawingml/2006/main" xmlns:r="http://schemas.openxmlformats.org/officeDocument/2006/relationships" xmlns:p="http://schemas.openxmlformats.org/presentationml/2006/main">
+  <p:cSld>
+    <p:spTree>
+      <p:nvGrpSpPr>
+        <p:cNvPr id="1" name=""/>
+        <p:cNvGrpSpPr/>
+        <p:nvPr/>
+      </p:nvGrpSpPr>
+      <p:grpSpPr>
+        <a:xfrm>
+          <a:off x="0" y="0"/>
+          <a:ext cx="0" cy="0"/>
+          <a:chOff x="0" y="0"/>
+          <a:chExt cx="0" cy="0"/>
+        </a:xfrm>
+      </p:grpSpPr>
+      <p:sp>
+        <p:nvSpPr>
+          <p:cNvPr id="2" name="Titel 1">
+            <a:extLst>
+              <a:ext uri="{FF2B5EF4-FFF2-40B4-BE49-F238E27FC236}">
+                <a16:creationId xmlns:a16="http://schemas.microsoft.com/office/drawing/2014/main" id="{EE275603-AD1E-AC18-DF98-8804424178D5}"/>
+              </a:ext>
+            </a:extLst>
+          </p:cNvPr>
+          <p:cNvSpPr>
+            <a:spLocks noGrp="1"/>
+          </p:cNvSpPr>
+          <p:nvPr>
+            <p:ph type="title"/>
+          </p:nvPr>
+        </p:nvSpPr>
+        <p:spPr/>
+        <p:txBody>
+          <a:bodyPr/>
+          <a:lstStyle/>
+          <a:p>
+            <a:r>
+              <a:rPr lang="de-DE" dirty="0"/>
+              <a:t>Verwendete Technologien</a:t>
+            </a:r>
+            <a:endParaRPr lang="de-AT" dirty="0"/>
+          </a:p>
+        </p:txBody>
+      </p:sp>
+      <p:sp>
+        <p:nvSpPr>
+          <p:cNvPr id="3" name="Inhaltsplatzhalter 2">
+            <a:extLst>
+              <a:ext uri="{FF2B5EF4-FFF2-40B4-BE49-F238E27FC236}">
+                <a16:creationId xmlns:a16="http://schemas.microsoft.com/office/drawing/2014/main" id="{60409638-9AE0-C929-3C39-68B80F927ADF}"/>
+              </a:ext>
+            </a:extLst>
+          </p:cNvPr>
+          <p:cNvSpPr>
+            <a:spLocks noGrp="1"/>
+          </p:cNvSpPr>
+          <p:nvPr>
+            <p:ph idx="1"/>
+          </p:nvPr>
+        </p:nvSpPr>
+        <p:spPr/>
+        <p:txBody>
+          <a:bodyPr/>
+          <a:lstStyle/>
+          <a:p>
+            <a:pPr algn="l"/>
+            <a:r>
+              <a:rPr lang="de-DE" sz="1700" b="1" dirty="0">
+                <a:solidFill>
+                  <a:srgbClr val="0D0D0D"/>
+                </a:solidFill>
+                <a:highlight>
+                  <a:srgbClr val="FFFFFF"/>
+                </a:highlight>
+                <a:latin typeface="ui-sans-serif"/>
+              </a:rPr>
+              <a:t>Desktop Client</a:t>
+            </a:r>
+          </a:p>
+          <a:p>
+            <a:pPr algn="l">
+              <a:buFont typeface="Arial" panose="020B0604020202020204" pitchFamily="34" charset="0"/>
+              <a:buChar char="•"/>
+            </a:pPr>
+            <a:r>
+              <a:rPr lang="de-DE" sz="1700" dirty="0">
+                <a:solidFill>
+                  <a:srgbClr val="0D0D0D"/>
+                </a:solidFill>
+                <a:highlight>
+                  <a:srgbClr val="FFFFFF"/>
+                </a:highlight>
+                <a:latin typeface="ui-sans-serif"/>
+              </a:rPr>
+              <a:t>WPF und C#: Ein Framework und eine Programmiersprache zur Erstellung von Desktop-Anwendungen für Windows.</a:t>
+            </a:r>
+          </a:p>
+          <a:p>
+            <a:pPr algn="l">
+              <a:buFont typeface="Arial" panose="020B0604020202020204" pitchFamily="34" charset="0"/>
+              <a:buChar char="•"/>
+            </a:pPr>
+            <a:r>
+              <a:rPr lang="de-DE" sz="1700" dirty="0" err="1">
+                <a:solidFill>
+                  <a:srgbClr val="0D0D0D"/>
+                </a:solidFill>
+                <a:highlight>
+                  <a:srgbClr val="FFFFFF"/>
+                </a:highlight>
+                <a:latin typeface="ui-sans-serif"/>
+              </a:rPr>
+              <a:t>Newtonsoft.Json</a:t>
+            </a:r>
+            <a:r>
+              <a:rPr lang="de-DE" sz="1700" dirty="0">
+                <a:solidFill>
+                  <a:srgbClr val="0D0D0D"/>
+                </a:solidFill>
+                <a:highlight>
+                  <a:srgbClr val="FFFFFF"/>
+                </a:highlight>
+                <a:latin typeface="ui-sans-serif"/>
+              </a:rPr>
+              <a:t>: Ein JSON-Framework für .NET zur Serialisierung und Deserialisierung von JSON-Daten.</a:t>
+            </a:r>
+          </a:p>
+          <a:p>
+            <a:pPr algn="l">
+              <a:buFont typeface="Arial" panose="020B0604020202020204" pitchFamily="34" charset="0"/>
+              <a:buChar char="•"/>
+            </a:pPr>
+            <a:r>
+              <a:rPr lang="de-DE" sz="1700" dirty="0" err="1">
+                <a:solidFill>
+                  <a:srgbClr val="0D0D0D"/>
+                </a:solidFill>
+                <a:highlight>
+                  <a:srgbClr val="FFFFFF"/>
+                </a:highlight>
+                <a:latin typeface="ui-sans-serif"/>
+              </a:rPr>
+              <a:t>PasswordGenerator</a:t>
+            </a:r>
+            <a:r>
+              <a:rPr lang="de-DE" sz="1700" dirty="0">
+                <a:solidFill>
+                  <a:srgbClr val="0D0D0D"/>
+                </a:solidFill>
+                <a:highlight>
+                  <a:srgbClr val="FFFFFF"/>
+                </a:highlight>
+                <a:latin typeface="ui-sans-serif"/>
+              </a:rPr>
+              <a:t>: Eine Bibliothek zur Erstellung von sicheren Passwörtern.</a:t>
+            </a:r>
+          </a:p>
+          <a:p>
+            <a:pPr algn="l">
+              <a:buFont typeface="Arial" panose="020B0604020202020204" pitchFamily="34" charset="0"/>
+              <a:buChar char="•"/>
+            </a:pPr>
+            <a:r>
+              <a:rPr lang="de-DE" sz="1700" dirty="0" err="1">
+                <a:solidFill>
+                  <a:srgbClr val="0D0D0D"/>
+                </a:solidFill>
+                <a:highlight>
+                  <a:srgbClr val="FFFFFF"/>
+                </a:highlight>
+                <a:latin typeface="ui-sans-serif"/>
+              </a:rPr>
+              <a:t>Credential</a:t>
+            </a:r>
+            <a:r>
+              <a:rPr lang="de-DE" sz="1700" dirty="0">
+                <a:solidFill>
+                  <a:srgbClr val="0D0D0D"/>
+                </a:solidFill>
+                <a:highlight>
+                  <a:srgbClr val="FFFFFF"/>
+                </a:highlight>
+                <a:latin typeface="ui-sans-serif"/>
+              </a:rPr>
+              <a:t> Management: Wird zur sicheren Verwaltung der AES-Keys verwendet. Diese Komponente speichert und verwaltet den AES-Key eines Benutzers sicher und verschlüsselt ihn unter seinem Benutzernamen.</a:t>
+            </a:r>
+          </a:p>
+          <a:p>
+            <a:endParaRPr lang="de-AT" dirty="0"/>
+          </a:p>
+        </p:txBody>
+      </p:sp>
+    </p:spTree>
+    <p:extLst>
+      <p:ext uri="{BB962C8B-B14F-4D97-AF65-F5344CB8AC3E}">
+        <p14:creationId xmlns:p14="http://schemas.microsoft.com/office/powerpoint/2010/main" val="1663925043"/>
+      </p:ext>
+    </p:extLst>
+  </p:cSld>
+  <p:clrMapOvr>
+    <a:masterClrMapping/>
+  </p:clrMapOvr>
+</p:sld>
+</file>
+
+<file path=ppt/slides/slide8.xml><?xml version="1.0" encoding="utf-8"?>
 <p:sld xmlns:a="http://schemas.openxmlformats.org/drawingml/2006/main" xmlns:r="http://schemas.openxmlformats.org/officeDocument/2006/relationships" xmlns:p="http://schemas.openxmlformats.org/presentationml/2006/main">
   <p:cSld>
     <p:spTree>
@@ -8089,7 +9407,7 @@
 </p:sld>
 </file>
 
-<file path=ppt/slides/slide7.xml><?xml version="1.0" encoding="utf-8"?>
+<file path=ppt/slides/slide9.xml><?xml version="1.0" encoding="utf-8"?>
 <p:sld xmlns:a="http://schemas.openxmlformats.org/drawingml/2006/main" xmlns:r="http://schemas.openxmlformats.org/officeDocument/2006/relationships" xmlns:p="http://schemas.openxmlformats.org/presentationml/2006/main">
   <p:cSld>
     <p:spTree>
@@ -8225,272 +9543,10 @@
 </p:sld>
 </file>
 
-<file path=ppt/slides/slide8.xml><?xml version="1.0" encoding="utf-8"?>
-<p:sld xmlns:a="http://schemas.openxmlformats.org/drawingml/2006/main" xmlns:r="http://schemas.openxmlformats.org/officeDocument/2006/relationships" xmlns:p="http://schemas.openxmlformats.org/presentationml/2006/main">
-  <p:cSld>
-    <p:spTree>
-      <p:nvGrpSpPr>
-        <p:cNvPr id="1" name=""/>
-        <p:cNvGrpSpPr/>
-        <p:nvPr/>
-      </p:nvGrpSpPr>
-      <p:grpSpPr>
-        <a:xfrm>
-          <a:off x="0" y="0"/>
-          <a:ext cx="0" cy="0"/>
-          <a:chOff x="0" y="0"/>
-          <a:chExt cx="0" cy="0"/>
-        </a:xfrm>
-      </p:grpSpPr>
-      <p:sp>
-        <p:nvSpPr>
-          <p:cNvPr id="2" name="Titel 1">
-            <a:extLst>
-              <a:ext uri="{FF2B5EF4-FFF2-40B4-BE49-F238E27FC236}">
-                <a16:creationId xmlns:a16="http://schemas.microsoft.com/office/drawing/2014/main" id="{D10D9732-EB54-4C64-113B-6EB8E4E80FA2}"/>
-              </a:ext>
-            </a:extLst>
-          </p:cNvPr>
-          <p:cNvSpPr>
-            <a:spLocks noGrp="1"/>
-          </p:cNvSpPr>
-          <p:nvPr>
-            <p:ph type="title"/>
-          </p:nvPr>
-        </p:nvSpPr>
-        <p:spPr/>
-        <p:txBody>
-          <a:bodyPr/>
-          <a:lstStyle/>
-          <a:p>
-            <a:r>
-              <a:rPr lang="de-DE" dirty="0" err="1"/>
-              <a:t>Dependencys</a:t>
-            </a:r>
-            <a:r>
-              <a:rPr lang="de-DE" dirty="0"/>
-              <a:t> 2/6</a:t>
-            </a:r>
-            <a:endParaRPr lang="de-AT" dirty="0"/>
-          </a:p>
-        </p:txBody>
-      </p:sp>
-      <p:sp>
-        <p:nvSpPr>
-          <p:cNvPr id="7" name="Textfeld 6">
-            <a:extLst>
-              <a:ext uri="{FF2B5EF4-FFF2-40B4-BE49-F238E27FC236}">
-                <a16:creationId xmlns:a16="http://schemas.microsoft.com/office/drawing/2014/main" id="{C6669F7F-C99C-ADCE-230F-3D7E0F4724D4}"/>
-              </a:ext>
-            </a:extLst>
-          </p:cNvPr>
-          <p:cNvSpPr txBox="1"/>
-          <p:nvPr/>
-        </p:nvSpPr>
-        <p:spPr>
-          <a:xfrm>
-            <a:off x="1141413" y="2113935"/>
-            <a:ext cx="8956316" cy="646331"/>
-          </a:xfrm>
-          <a:prstGeom prst="rect">
-            <a:avLst/>
-          </a:prstGeom>
-          <a:noFill/>
-        </p:spPr>
-        <p:txBody>
-          <a:bodyPr wrap="square" rtlCol="0">
-            <a:spAutoFit/>
-          </a:bodyPr>
-          <a:lstStyle/>
-          <a:p>
-            <a:r>
-              <a:rPr lang="de-DE" dirty="0"/>
-              <a:t>Dieses Starter-Paket erleichtert die Entwicklung von Webanwendungen mit Spring Boot. (MVC, Mapping)</a:t>
-            </a:r>
-            <a:endParaRPr lang="de-AT" dirty="0"/>
-          </a:p>
-        </p:txBody>
-      </p:sp>
-      <p:pic>
-        <p:nvPicPr>
-          <p:cNvPr id="11" name="Inhaltsplatzhalter 10">
-            <a:extLst>
-              <a:ext uri="{FF2B5EF4-FFF2-40B4-BE49-F238E27FC236}">
-                <a16:creationId xmlns:a16="http://schemas.microsoft.com/office/drawing/2014/main" id="{DA97D06A-D0C4-F853-5C88-260B64D99130}"/>
-              </a:ext>
-            </a:extLst>
-          </p:cNvPr>
-          <p:cNvPicPr>
-            <a:picLocks noGrp="1" noChangeAspect="1"/>
-          </p:cNvPicPr>
-          <p:nvPr>
-            <p:ph idx="1"/>
-          </p:nvPr>
-        </p:nvPicPr>
-        <p:blipFill>
-          <a:blip r:embed="rId2"/>
-          <a:stretch>
-            <a:fillRect/>
-          </a:stretch>
-        </p:blipFill>
-        <p:spPr>
-          <a:xfrm>
-            <a:off x="1761064" y="4018935"/>
-            <a:ext cx="8046490" cy="1728105"/>
-          </a:xfrm>
-        </p:spPr>
-      </p:pic>
-    </p:spTree>
-    <p:extLst>
-      <p:ext uri="{BB962C8B-B14F-4D97-AF65-F5344CB8AC3E}">
-        <p14:creationId xmlns:p14="http://schemas.microsoft.com/office/powerpoint/2010/main" val="982429036"/>
-      </p:ext>
-    </p:extLst>
-  </p:cSld>
-  <p:clrMapOvr>
-    <a:masterClrMapping/>
-  </p:clrMapOvr>
-</p:sld>
-</file>
-
-<file path=ppt/slides/slide9.xml><?xml version="1.0" encoding="utf-8"?>
-<p:sld xmlns:a="http://schemas.openxmlformats.org/drawingml/2006/main" xmlns:r="http://schemas.openxmlformats.org/officeDocument/2006/relationships" xmlns:p="http://schemas.openxmlformats.org/presentationml/2006/main">
-  <p:cSld>
-    <p:spTree>
-      <p:nvGrpSpPr>
-        <p:cNvPr id="1" name=""/>
-        <p:cNvGrpSpPr/>
-        <p:nvPr/>
-      </p:nvGrpSpPr>
-      <p:grpSpPr>
-        <a:xfrm>
-          <a:off x="0" y="0"/>
-          <a:ext cx="0" cy="0"/>
-          <a:chOff x="0" y="0"/>
-          <a:chExt cx="0" cy="0"/>
-        </a:xfrm>
-      </p:grpSpPr>
-      <p:sp>
-        <p:nvSpPr>
-          <p:cNvPr id="2" name="Titel 1">
-            <a:extLst>
-              <a:ext uri="{FF2B5EF4-FFF2-40B4-BE49-F238E27FC236}">
-                <a16:creationId xmlns:a16="http://schemas.microsoft.com/office/drawing/2014/main" id="{D10D9732-EB54-4C64-113B-6EB8E4E80FA2}"/>
-              </a:ext>
-            </a:extLst>
-          </p:cNvPr>
-          <p:cNvSpPr>
-            <a:spLocks noGrp="1"/>
-          </p:cNvSpPr>
-          <p:nvPr>
-            <p:ph type="title"/>
-          </p:nvPr>
-        </p:nvSpPr>
-        <p:spPr/>
-        <p:txBody>
-          <a:bodyPr/>
-          <a:lstStyle/>
-          <a:p>
-            <a:r>
-              <a:rPr lang="de-DE" dirty="0" err="1"/>
-              <a:t>Dependencys</a:t>
-            </a:r>
-            <a:r>
-              <a:rPr lang="de-DE" dirty="0"/>
-              <a:t> 3/6</a:t>
-            </a:r>
-            <a:endParaRPr lang="de-AT" dirty="0"/>
-          </a:p>
-        </p:txBody>
-      </p:sp>
-      <p:sp>
-        <p:nvSpPr>
-          <p:cNvPr id="7" name="Textfeld 6">
-            <a:extLst>
-              <a:ext uri="{FF2B5EF4-FFF2-40B4-BE49-F238E27FC236}">
-                <a16:creationId xmlns:a16="http://schemas.microsoft.com/office/drawing/2014/main" id="{C6669F7F-C99C-ADCE-230F-3D7E0F4724D4}"/>
-              </a:ext>
-            </a:extLst>
-          </p:cNvPr>
-          <p:cNvSpPr txBox="1"/>
-          <p:nvPr/>
-        </p:nvSpPr>
-        <p:spPr>
-          <a:xfrm>
-            <a:off x="1141413" y="2113935"/>
-            <a:ext cx="8956316" cy="1477328"/>
-          </a:xfrm>
-          <a:prstGeom prst="rect">
-            <a:avLst/>
-          </a:prstGeom>
-          <a:noFill/>
-        </p:spPr>
-        <p:txBody>
-          <a:bodyPr wrap="square" rtlCol="0">
-            <a:spAutoFit/>
-          </a:bodyPr>
-          <a:lstStyle/>
-          <a:p>
-            <a:r>
-              <a:rPr lang="de-DE" dirty="0"/>
-              <a:t>Dieses Paket integriert MongoDB in die Spring Boot-Anwendung. Es bietet Funktionen zur Datenzugriffsschicht, die speziell für MongoDB entwickelt wurden, und erleichtert die Verwendung von MongoDB im Projekt.</a:t>
-            </a:r>
-          </a:p>
-          <a:p>
-            <a:br>
-              <a:rPr lang="de-DE" dirty="0"/>
-            </a:br>
-            <a:endParaRPr lang="de-AT" dirty="0"/>
-          </a:p>
-        </p:txBody>
-      </p:sp>
-      <p:pic>
-        <p:nvPicPr>
-          <p:cNvPr id="6" name="Grafik 5">
-            <a:extLst>
-              <a:ext uri="{FF2B5EF4-FFF2-40B4-BE49-F238E27FC236}">
-                <a16:creationId xmlns:a16="http://schemas.microsoft.com/office/drawing/2014/main" id="{CCEEDA3C-146A-C70D-7760-8C0F84FBBF28}"/>
-              </a:ext>
-            </a:extLst>
-          </p:cNvPr>
-          <p:cNvPicPr>
-            <a:picLocks noChangeAspect="1"/>
-          </p:cNvPicPr>
-          <p:nvPr/>
-        </p:nvPicPr>
-        <p:blipFill>
-          <a:blip r:embed="rId2"/>
-          <a:stretch>
-            <a:fillRect/>
-          </a:stretch>
-        </p:blipFill>
-        <p:spPr>
-          <a:xfrm>
-            <a:off x="1141413" y="3987602"/>
-            <a:ext cx="8977550" cy="1981711"/>
-          </a:xfrm>
-          <a:prstGeom prst="rect">
-            <a:avLst/>
-          </a:prstGeom>
-        </p:spPr>
-      </p:pic>
-    </p:spTree>
-    <p:extLst>
-      <p:ext uri="{BB962C8B-B14F-4D97-AF65-F5344CB8AC3E}">
-        <p14:creationId xmlns:p14="http://schemas.microsoft.com/office/powerpoint/2010/main" val="1521692145"/>
-      </p:ext>
-    </p:extLst>
-  </p:cSld>
-  <p:clrMapOvr>
-    <a:masterClrMapping/>
-  </p:clrMapOvr>
-</p:sld>
-</file>
-
 <file path=ppt/theme/theme1.xml><?xml version="1.0" encoding="utf-8"?>
-<a:theme xmlns:a="http://schemas.openxmlformats.org/drawingml/2006/main" name="Netz">
+<a:theme xmlns:a="http://schemas.openxmlformats.org/drawingml/2006/main" name="Facette">
   <a:themeElements>
-    <a:clrScheme name="Netz">
+    <a:clrScheme name="Facette">
       <a:dk1>
         <a:sysClr val="windowText" lastClr="000000"/>
       </a:dk1>
@@ -8498,48 +9554,48 @@
         <a:sysClr val="window" lastClr="FFFFFF"/>
       </a:lt1>
       <a:dk2>
-        <a:srgbClr val="363D46"/>
+        <a:srgbClr val="2C3C43"/>
       </a:dk2>
       <a:lt2>
         <a:srgbClr val="EBEBEB"/>
       </a:lt2>
       <a:accent1>
-        <a:srgbClr val="6F6F6F"/>
+        <a:srgbClr val="90C226"/>
       </a:accent1>
       <a:accent2>
-        <a:srgbClr val="BFBFA5"/>
+        <a:srgbClr val="54A021"/>
       </a:accent2>
       <a:accent3>
-        <a:srgbClr val="DCD084"/>
+        <a:srgbClr val="E6B91E"/>
       </a:accent3>
       <a:accent4>
-        <a:srgbClr val="E7BF5F"/>
+        <a:srgbClr val="E76618"/>
       </a:accent4>
       <a:accent5>
-        <a:srgbClr val="E9A039"/>
+        <a:srgbClr val="C42F1A"/>
       </a:accent5>
       <a:accent6>
-        <a:srgbClr val="CF7133"/>
+        <a:srgbClr val="918655"/>
       </a:accent6>
       <a:hlink>
-        <a:srgbClr val="F28943"/>
+        <a:srgbClr val="99CA3C"/>
       </a:hlink>
       <a:folHlink>
-        <a:srgbClr val="F1B76C"/>
+        <a:srgbClr val="B9D181"/>
       </a:folHlink>
     </a:clrScheme>
-    <a:fontScheme name="Netz">
+    <a:fontScheme name="Facette">
       <a:majorFont>
-        <a:latin typeface="Century Gothic" panose="020B0502020202020204"/>
+        <a:latin typeface="Trebuchet MS" panose="020B0603020202020204"/>
         <a:ea typeface=""/>
         <a:cs typeface=""/>
-        <a:font script="Jpan" typeface="ＭＳ ゴシック"/>
+        <a:font script="Jpan" typeface="メイリオ"/>
         <a:font script="Hang" typeface="맑은 고딕"/>
-        <a:font script="Hans" typeface="宋体"/>
-        <a:font script="Hant" typeface="新細明體"/>
+        <a:font script="Hans" typeface="方正姚体"/>
+        <a:font script="Hant" typeface="微軟正黑體"/>
         <a:font script="Arab" typeface="Tahoma"/>
-        <a:font script="Hebr" typeface="Gisha"/>
-        <a:font script="Thai" typeface="DilleniaUPC"/>
+        <a:font script="Hebr" typeface="Arial"/>
+        <a:font script="Thai" typeface="Cordia New"/>
         <a:font script="Ethi" typeface="Nyala"/>
         <a:font script="Beng" typeface="Vrinda"/>
         <a:font script="Gujr" typeface="Shruti"/>
@@ -8565,16 +9621,16 @@
         <a:font script="Geor" typeface="Sylfaen"/>
       </a:majorFont>
       <a:minorFont>
-        <a:latin typeface="Century Gothic" panose="020B0502020202020204"/>
+        <a:latin typeface="Trebuchet MS" panose="020B0603020202020204"/>
         <a:ea typeface=""/>
         <a:cs typeface=""/>
-        <a:font script="Jpan" typeface="ＭＳ ゴシック"/>
-        <a:font script="Hang" typeface="맑은 고딕"/>
-        <a:font script="Hans" typeface="宋体"/>
-        <a:font script="Hant" typeface="新細明體"/>
+        <a:font script="Jpan" typeface="メイリオ"/>
+        <a:font script="Hang" typeface="HY그래픽M"/>
+        <a:font script="Hans" typeface="华文新魏"/>
+        <a:font script="Hant" typeface="微軟正黑體"/>
         <a:font script="Arab" typeface="Tahoma"/>
         <a:font script="Hebr" typeface="Gisha"/>
-        <a:font script="Thai" typeface="DilleniaUPC"/>
+        <a:font script="Thai" typeface="IrisUPC"/>
         <a:font script="Ethi" typeface="Nyala"/>
         <a:font script="Beng" typeface="Vrinda"/>
         <a:font script="Gujr" typeface="Shruti"/>
@@ -8595,12 +9651,12 @@
         <a:font script="Laoo" typeface="DokChampa"/>
         <a:font script="Sinh" typeface="Iskoola Pota"/>
         <a:font script="Mong" typeface="Mongolian Baiti"/>
-        <a:font script="Viet" typeface="Verdana"/>
+        <a:font script="Viet" typeface="Arial"/>
         <a:font script="Uigh" typeface="Microsoft Uighur"/>
         <a:font script="Geor" typeface="Sylfaen"/>
       </a:minorFont>
     </a:fontScheme>
-    <a:fmtScheme name="Netz">
+    <a:fmtScheme name="Facette">
       <a:fillStyleLst>
         <a:solidFill>
           <a:schemeClr val="phClr"/>
@@ -8609,13 +9665,13 @@
           <a:gsLst>
             <a:gs pos="0">
               <a:schemeClr val="phClr">
-                <a:tint val="60000"/>
+                <a:tint val="65000"/>
                 <a:lumMod val="110000"/>
               </a:schemeClr>
             </a:gs>
-            <a:gs pos="100000">
+            <a:gs pos="88000">
               <a:schemeClr val="phClr">
-                <a:tint val="82000"/>
+                <a:tint val="90000"/>
               </a:schemeClr>
             </a:gs>
           </a:gsLst>
@@ -8626,13 +9682,13 @@
             <a:gs pos="0">
               <a:schemeClr val="phClr">
                 <a:tint val="96000"/>
-                <a:lumMod val="104000"/>
+                <a:lumMod val="100000"/>
               </a:schemeClr>
             </a:gs>
-            <a:gs pos="100000">
+            <a:gs pos="78000">
               <a:schemeClr val="phClr">
-                <a:shade val="84000"/>
-                <a:lumMod val="84000"/>
+                <a:shade val="94000"/>
+                <a:lumMod val="94000"/>
               </a:schemeClr>
             </a:gs>
           </a:gsLst>
@@ -8640,7 +9696,7 @@
         </a:gradFill>
       </a:fillStyleLst>
       <a:lnStyleLst>
-        <a:ln w="9525" cap="rnd" cmpd="sng" algn="ctr">
+        <a:ln w="12700" cap="rnd" cmpd="sng" algn="ctr">
           <a:solidFill>
             <a:schemeClr val="phClr"/>
           </a:solidFill>
@@ -8665,18 +9721,18 @@
         </a:effectStyle>
         <a:effectStyle>
           <a:effectLst>
-            <a:innerShdw blurRad="50800" dist="25400" dir="13500000">
+            <a:outerShdw blurRad="38100" dist="25400" dir="5400000" rotWithShape="0">
               <a:srgbClr val="000000">
-                <a:alpha val="55000"/>
+                <a:alpha val="35000"/>
               </a:srgbClr>
-            </a:innerShdw>
+            </a:outerShdw>
           </a:effectLst>
         </a:effectStyle>
         <a:effectStyle>
           <a:effectLst>
             <a:outerShdw blurRad="50800" dist="38100" dir="5400000" rotWithShape="0">
               <a:srgbClr val="000000">
-                <a:alpha val="60000"/>
+                <a:alpha val="35000"/>
               </a:srgbClr>
             </a:outerShdw>
           </a:effectLst>
@@ -8686,8 +9742,8 @@
             </a:camera>
             <a:lightRig rig="threePt" dir="tl"/>
           </a:scene3d>
-          <a:sp3d>
-            <a:bevelT w="25400" h="25400" prst="slope"/>
+          <a:sp3d prstMaterial="plastic">
+            <a:bevelT w="0" h="0"/>
           </a:sp3d>
         </a:effectStyle>
       </a:effectStyleLst>
@@ -8700,36 +9756,37 @@
             <a:gs pos="0">
               <a:schemeClr val="phClr">
                 <a:tint val="90000"/>
+                <a:lumMod val="104000"/>
+              </a:schemeClr>
+            </a:gs>
+            <a:gs pos="94000">
+              <a:schemeClr val="phClr">
+                <a:shade val="96000"/>
+                <a:lumMod val="82000"/>
+              </a:schemeClr>
+            </a:gs>
+          </a:gsLst>
+          <a:lin ang="5400000" scaled="0"/>
+        </a:gradFill>
+        <a:gradFill rotWithShape="1">
+          <a:gsLst>
+            <a:gs pos="0">
+              <a:schemeClr val="phClr">
+                <a:tint val="90000"/>
                 <a:lumMod val="110000"/>
               </a:schemeClr>
             </a:gs>
             <a:gs pos="100000">
               <a:schemeClr val="phClr">
-                <a:shade val="64000"/>
-                <a:lumMod val="98000"/>
+                <a:shade val="94000"/>
+                <a:lumMod val="96000"/>
               </a:schemeClr>
             </a:gs>
           </a:gsLst>
-          <a:lin ang="5400000" scaled="0"/>
+          <a:path path="circle">
+            <a:fillToRect l="50000" t="50000" r="100000" b="100000"/>
+          </a:path>
         </a:gradFill>
-        <a:blipFill rotWithShape="1">
-          <a:blip xmlns:r="http://schemas.openxmlformats.org/officeDocument/2006/relationships" r:embed="rId1">
-            <a:duotone>
-              <a:schemeClr val="phClr">
-                <a:shade val="28000"/>
-                <a:satMod val="94000"/>
-                <a:lumMod val="20000"/>
-              </a:schemeClr>
-              <a:schemeClr val="phClr">
-                <a:tint val="94000"/>
-                <a:shade val="84000"/>
-                <a:satMod val="148000"/>
-                <a:lumMod val="114000"/>
-              </a:schemeClr>
-            </a:duotone>
-          </a:blip>
-          <a:stretch/>
-        </a:blipFill>
       </a:bgFillStyleLst>
     </a:fmtScheme>
   </a:themeElements>
@@ -8737,7 +9794,7 @@
   <a:extraClrSchemeLst/>
   <a:extLst>
     <a:ext uri="{05A4C25C-085E-4340-85A3-A5531E510DB2}">
-      <thm15:themeFamily xmlns:thm15="http://schemas.microsoft.com/office/thememl/2012/main" name="Mesh" id="{789EC3FE-34FD-429C-9918-760025E6C145}" vid="{B8BE45C0-8141-4D58-8C71-A009BC26FBBB}"/>
+      <thm15:themeFamily xmlns:thm15="http://schemas.microsoft.com/office/thememl/2012/main" name="Facet" id="{C0C680CD-088A-49FC-A102-D699147F32B2}" vid="{CFBC31BA-B70F-4F30-BCAA-4F3011E16C4D}"/>
     </a:ext>
   </a:extLst>
 </a:theme>

--- a/Passwortmanager.pptx
+++ b/Passwortmanager.pptx
@@ -856,7 +856,7 @@
           <a:p>
             <a:fld id="{8F4B2E75-2FCB-4C97-B382-4A78F9D9179D}" type="datetimeFigureOut">
               <a:rPr lang="de-AT" smtClean="0"/>
-              <a:t>30.05.2024</a:t>
+              <a:t>03.06.2024</a:t>
             </a:fld>
             <a:endParaRPr lang="de-AT"/>
           </a:p>
@@ -1107,7 +1107,7 @@
           <a:p>
             <a:fld id="{8F4B2E75-2FCB-4C97-B382-4A78F9D9179D}" type="datetimeFigureOut">
               <a:rPr lang="de-AT" smtClean="0"/>
-              <a:t>30.05.2024</a:t>
+              <a:t>03.06.2024</a:t>
             </a:fld>
             <a:endParaRPr lang="de-AT"/>
           </a:p>
@@ -1421,7 +1421,7 @@
           <a:p>
             <a:fld id="{8F4B2E75-2FCB-4C97-B382-4A78F9D9179D}" type="datetimeFigureOut">
               <a:rPr lang="de-AT" smtClean="0"/>
-              <a:t>30.05.2024</a:t>
+              <a:t>03.06.2024</a:t>
             </a:fld>
             <a:endParaRPr lang="de-AT"/>
           </a:p>
@@ -1762,7 +1762,7 @@
           <a:p>
             <a:fld id="{8F4B2E75-2FCB-4C97-B382-4A78F9D9179D}" type="datetimeFigureOut">
               <a:rPr lang="de-AT" smtClean="0"/>
-              <a:t>30.05.2024</a:t>
+              <a:t>03.06.2024</a:t>
             </a:fld>
             <a:endParaRPr lang="de-AT"/>
           </a:p>
@@ -2076,7 +2076,7 @@
           <a:p>
             <a:fld id="{8F4B2E75-2FCB-4C97-B382-4A78F9D9179D}" type="datetimeFigureOut">
               <a:rPr lang="de-AT" smtClean="0"/>
-              <a:t>30.05.2024</a:t>
+              <a:t>03.06.2024</a:t>
             </a:fld>
             <a:endParaRPr lang="de-AT"/>
           </a:p>
@@ -2469,7 +2469,7 @@
           <a:p>
             <a:fld id="{8F4B2E75-2FCB-4C97-B382-4A78F9D9179D}" type="datetimeFigureOut">
               <a:rPr lang="de-AT" smtClean="0"/>
-              <a:t>30.05.2024</a:t>
+              <a:t>03.06.2024</a:t>
             </a:fld>
             <a:endParaRPr lang="de-AT"/>
           </a:p>
@@ -2639,7 +2639,7 @@
           <a:p>
             <a:fld id="{8F4B2E75-2FCB-4C97-B382-4A78F9D9179D}" type="datetimeFigureOut">
               <a:rPr lang="de-AT" smtClean="0"/>
-              <a:t>30.05.2024</a:t>
+              <a:t>03.06.2024</a:t>
             </a:fld>
             <a:endParaRPr lang="de-AT"/>
           </a:p>
@@ -2819,7 +2819,7 @@
           <a:p>
             <a:fld id="{8F4B2E75-2FCB-4C97-B382-4A78F9D9179D}" type="datetimeFigureOut">
               <a:rPr lang="de-AT" smtClean="0"/>
-              <a:t>30.05.2024</a:t>
+              <a:t>03.06.2024</a:t>
             </a:fld>
             <a:endParaRPr lang="de-AT"/>
           </a:p>
@@ -2995,7 +2995,7 @@
           <a:p>
             <a:fld id="{8F4B2E75-2FCB-4C97-B382-4A78F9D9179D}" type="datetimeFigureOut">
               <a:rPr lang="de-AT" smtClean="0"/>
-              <a:t>30.05.2024</a:t>
+              <a:t>03.06.2024</a:t>
             </a:fld>
             <a:endParaRPr lang="de-AT"/>
           </a:p>
@@ -3242,7 +3242,7 @@
           <a:p>
             <a:fld id="{8F4B2E75-2FCB-4C97-B382-4A78F9D9179D}" type="datetimeFigureOut">
               <a:rPr lang="de-AT" smtClean="0"/>
-              <a:t>30.05.2024</a:t>
+              <a:t>03.06.2024</a:t>
             </a:fld>
             <a:endParaRPr lang="de-AT"/>
           </a:p>
@@ -3474,7 +3474,7 @@
           <a:p>
             <a:fld id="{8F4B2E75-2FCB-4C97-B382-4A78F9D9179D}" type="datetimeFigureOut">
               <a:rPr lang="de-AT" smtClean="0"/>
-              <a:t>30.05.2024</a:t>
+              <a:t>03.06.2024</a:t>
             </a:fld>
             <a:endParaRPr lang="de-AT"/>
           </a:p>
@@ -3848,7 +3848,7 @@
           <a:p>
             <a:fld id="{8F4B2E75-2FCB-4C97-B382-4A78F9D9179D}" type="datetimeFigureOut">
               <a:rPr lang="de-AT" smtClean="0"/>
-              <a:t>30.05.2024</a:t>
+              <a:t>03.06.2024</a:t>
             </a:fld>
             <a:endParaRPr lang="de-AT"/>
           </a:p>
@@ -3971,7 +3971,7 @@
           <a:p>
             <a:fld id="{8F4B2E75-2FCB-4C97-B382-4A78F9D9179D}" type="datetimeFigureOut">
               <a:rPr lang="de-AT" smtClean="0"/>
-              <a:t>30.05.2024</a:t>
+              <a:t>03.06.2024</a:t>
             </a:fld>
             <a:endParaRPr lang="de-AT"/>
           </a:p>
@@ -4066,7 +4066,7 @@
           <a:p>
             <a:fld id="{8F4B2E75-2FCB-4C97-B382-4A78F9D9179D}" type="datetimeFigureOut">
               <a:rPr lang="de-AT" smtClean="0"/>
-              <a:t>30.05.2024</a:t>
+              <a:t>03.06.2024</a:t>
             </a:fld>
             <a:endParaRPr lang="de-AT"/>
           </a:p>
@@ -4321,7 +4321,7 @@
           <a:p>
             <a:fld id="{8F4B2E75-2FCB-4C97-B382-4A78F9D9179D}" type="datetimeFigureOut">
               <a:rPr lang="de-AT" smtClean="0"/>
-              <a:t>30.05.2024</a:t>
+              <a:t>03.06.2024</a:t>
             </a:fld>
             <a:endParaRPr lang="de-AT"/>
           </a:p>
@@ -4584,7 +4584,7 @@
           <a:p>
             <a:fld id="{8F4B2E75-2FCB-4C97-B382-4A78F9D9179D}" type="datetimeFigureOut">
               <a:rPr lang="de-AT" smtClean="0"/>
-              <a:t>30.05.2024</a:t>
+              <a:t>03.06.2024</a:t>
             </a:fld>
             <a:endParaRPr lang="de-AT"/>
           </a:p>
@@ -5327,7 +5327,7 @@
           <a:p>
             <a:fld id="{8F4B2E75-2FCB-4C97-B382-4A78F9D9179D}" type="datetimeFigureOut">
               <a:rPr lang="de-AT" smtClean="0"/>
-              <a:t>30.05.2024</a:t>
+              <a:t>03.06.2024</a:t>
             </a:fld>
             <a:endParaRPr lang="de-AT"/>
           </a:p>
@@ -7939,6 +7939,16 @@
           <a:bodyPr/>
           <a:lstStyle/>
           <a:p>
+            <a:r>
+              <a:rPr lang="de-DE" dirty="0"/>
+              <a:t>CORS</a:t>
+            </a:r>
+          </a:p>
+          <a:p>
+            <a:r>
+              <a:rPr lang="de-DE"/>
+              <a:t>Encryption</a:t>
+            </a:r>
             <a:endParaRPr lang="de-AT"/>
           </a:p>
         </p:txBody>
